--- a/a8_diagram.pptx
+++ b/a8_diagram.pptx
@@ -288,7 +288,7 @@
           <a:p>
             <a:fld id="{8F33E51C-ABBC-46F7-B561-86F3B2DB8CCA}" type="datetimeFigureOut">
               <a:rPr lang="en-US" smtClean="0"/>
-              <a:t>3/20/13</a:t>
+              <a:t>3/21/13</a:t>
             </a:fld>
             <a:endParaRPr lang="en-US"/>
           </a:p>
@@ -458,7 +458,7 @@
           <a:p>
             <a:fld id="{8F33E51C-ABBC-46F7-B561-86F3B2DB8CCA}" type="datetimeFigureOut">
               <a:rPr lang="en-US" smtClean="0"/>
-              <a:t>3/20/13</a:t>
+              <a:t>3/21/13</a:t>
             </a:fld>
             <a:endParaRPr lang="en-US"/>
           </a:p>
@@ -638,7 +638,7 @@
           <a:p>
             <a:fld id="{8F33E51C-ABBC-46F7-B561-86F3B2DB8CCA}" type="datetimeFigureOut">
               <a:rPr lang="en-US" smtClean="0"/>
-              <a:t>3/20/13</a:t>
+              <a:t>3/21/13</a:t>
             </a:fld>
             <a:endParaRPr lang="en-US"/>
           </a:p>
@@ -808,7 +808,7 @@
           <a:p>
             <a:fld id="{8F33E51C-ABBC-46F7-B561-86F3B2DB8CCA}" type="datetimeFigureOut">
               <a:rPr lang="en-US" smtClean="0"/>
-              <a:t>3/20/13</a:t>
+              <a:t>3/21/13</a:t>
             </a:fld>
             <a:endParaRPr lang="en-US"/>
           </a:p>
@@ -1054,7 +1054,7 @@
           <a:p>
             <a:fld id="{8F33E51C-ABBC-46F7-B561-86F3B2DB8CCA}" type="datetimeFigureOut">
               <a:rPr lang="en-US" smtClean="0"/>
-              <a:t>3/20/13</a:t>
+              <a:t>3/21/13</a:t>
             </a:fld>
             <a:endParaRPr lang="en-US"/>
           </a:p>
@@ -1342,7 +1342,7 @@
           <a:p>
             <a:fld id="{8F33E51C-ABBC-46F7-B561-86F3B2DB8CCA}" type="datetimeFigureOut">
               <a:rPr lang="en-US" smtClean="0"/>
-              <a:t>3/20/13</a:t>
+              <a:t>3/21/13</a:t>
             </a:fld>
             <a:endParaRPr lang="en-US"/>
           </a:p>
@@ -1764,7 +1764,7 @@
           <a:p>
             <a:fld id="{8F33E51C-ABBC-46F7-B561-86F3B2DB8CCA}" type="datetimeFigureOut">
               <a:rPr lang="en-US" smtClean="0"/>
-              <a:t>3/20/13</a:t>
+              <a:t>3/21/13</a:t>
             </a:fld>
             <a:endParaRPr lang="en-US"/>
           </a:p>
@@ -1882,7 +1882,7 @@
           <a:p>
             <a:fld id="{8F33E51C-ABBC-46F7-B561-86F3B2DB8CCA}" type="datetimeFigureOut">
               <a:rPr lang="en-US" smtClean="0"/>
-              <a:t>3/20/13</a:t>
+              <a:t>3/21/13</a:t>
             </a:fld>
             <a:endParaRPr lang="en-US"/>
           </a:p>
@@ -1977,7 +1977,7 @@
           <a:p>
             <a:fld id="{8F33E51C-ABBC-46F7-B561-86F3B2DB8CCA}" type="datetimeFigureOut">
               <a:rPr lang="en-US" smtClean="0"/>
-              <a:t>3/20/13</a:t>
+              <a:t>3/21/13</a:t>
             </a:fld>
             <a:endParaRPr lang="en-US"/>
           </a:p>
@@ -2254,7 +2254,7 @@
           <a:p>
             <a:fld id="{8F33E51C-ABBC-46F7-B561-86F3B2DB8CCA}" type="datetimeFigureOut">
               <a:rPr lang="en-US" smtClean="0"/>
-              <a:t>3/20/13</a:t>
+              <a:t>3/21/13</a:t>
             </a:fld>
             <a:endParaRPr lang="en-US"/>
           </a:p>
@@ -2507,7 +2507,7 @@
           <a:p>
             <a:fld id="{8F33E51C-ABBC-46F7-B561-86F3B2DB8CCA}" type="datetimeFigureOut">
               <a:rPr lang="en-US" smtClean="0"/>
-              <a:t>3/20/13</a:t>
+              <a:t>3/21/13</a:t>
             </a:fld>
             <a:endParaRPr lang="en-US"/>
           </a:p>
@@ -2720,7 +2720,7 @@
           <a:p>
             <a:fld id="{8F33E51C-ABBC-46F7-B561-86F3B2DB8CCA}" type="datetimeFigureOut">
               <a:rPr lang="en-US" smtClean="0"/>
-              <a:t>3/20/13</a:t>
+              <a:t>3/21/13</a:t>
             </a:fld>
             <a:endParaRPr lang="en-US"/>
           </a:p>
@@ -3097,16 +3097,16 @@
       </p:grpSpPr>
       <p:grpSp>
         <p:nvGrpSpPr>
-          <p:cNvPr id="192" name="Group 191"/>
+          <p:cNvPr id="195" name="Group 194"/>
           <p:cNvGrpSpPr/>
           <p:nvPr/>
         </p:nvGrpSpPr>
         <p:grpSpPr>
           <a:xfrm>
             <a:off x="-2971800" y="-210390"/>
-            <a:ext cx="13411200" cy="8820990"/>
+            <a:ext cx="13411200" cy="9354390"/>
             <a:chOff x="-2971800" y="-210390"/>
-            <a:chExt cx="13411200" cy="8820990"/>
+            <a:chExt cx="13411200" cy="9354390"/>
           </a:xfrm>
         </p:grpSpPr>
         <p:grpSp>
@@ -3967,1031 +3967,6 @@
             </a:fontRef>
           </p:style>
         </p:cxnSp>
-        <p:grpSp>
-          <p:nvGrpSpPr>
-            <p:cNvPr id="29" name="Group 28"/>
-            <p:cNvGrpSpPr/>
-            <p:nvPr/>
-          </p:nvGrpSpPr>
-          <p:grpSpPr>
-            <a:xfrm>
-              <a:off x="-1371600" y="7423207"/>
-              <a:ext cx="1905000" cy="1187393"/>
-              <a:chOff x="533400" y="672865"/>
-              <a:chExt cx="1905000" cy="1604746"/>
-            </a:xfrm>
-          </p:grpSpPr>
-          <p:sp>
-            <p:nvSpPr>
-              <p:cNvPr id="30" name="Rectangle 29"/>
-              <p:cNvSpPr/>
-              <p:nvPr/>
-            </p:nvSpPr>
-            <p:spPr>
-              <a:xfrm>
-                <a:off x="533400" y="672865"/>
-                <a:ext cx="1905000" cy="1604746"/>
-              </a:xfrm>
-              <a:prstGeom prst="rect">
-                <a:avLst/>
-              </a:prstGeom>
-              <a:noFill/>
-              <a:ln>
-                <a:solidFill>
-                  <a:srgbClr val="0000CC"/>
-                </a:solidFill>
-              </a:ln>
-            </p:spPr>
-            <p:style>
-              <a:lnRef idx="2">
-                <a:schemeClr val="accent1">
-                  <a:shade val="50000"/>
-                </a:schemeClr>
-              </a:lnRef>
-              <a:fillRef idx="1">
-                <a:schemeClr val="accent1"/>
-              </a:fillRef>
-              <a:effectRef idx="0">
-                <a:schemeClr val="accent1"/>
-              </a:effectRef>
-              <a:fontRef idx="minor">
-                <a:schemeClr val="lt1"/>
-              </a:fontRef>
-            </p:style>
-            <p:txBody>
-              <a:bodyPr rtlCol="0" anchor="ctr"/>
-              <a:lstStyle/>
-              <a:p>
-                <a:pPr algn="ctr"/>
-                <a:endParaRPr lang="en-US" dirty="0"/>
-              </a:p>
-            </p:txBody>
-          </p:sp>
-          <p:sp>
-            <p:nvSpPr>
-              <p:cNvPr id="31" name="TextBox 30"/>
-              <p:cNvSpPr txBox="1"/>
-              <p:nvPr/>
-            </p:nvSpPr>
-            <p:spPr>
-              <a:xfrm>
-                <a:off x="533400" y="685800"/>
-                <a:ext cx="1905000" cy="623934"/>
-              </a:xfrm>
-              <a:prstGeom prst="rect">
-                <a:avLst/>
-              </a:prstGeom>
-              <a:noFill/>
-              <a:ln>
-                <a:noFill/>
-              </a:ln>
-            </p:spPr>
-            <p:txBody>
-              <a:bodyPr wrap="square" rtlCol="0">
-                <a:spAutoFit/>
-              </a:bodyPr>
-              <a:lstStyle/>
-              <a:p>
-                <a:pPr algn="ctr"/>
-                <a:r>
-                  <a:rPr lang="en-US" sz="1200" dirty="0" err="1" smtClean="0">
-                    <a:latin typeface="Times New Roman" pitchFamily="18" charset="0"/>
-                    <a:cs typeface="Times New Roman" pitchFamily="18" charset="0"/>
-                  </a:rPr>
-                  <a:t>SocketInterface</a:t>
-                </a:r>
-                <a:endParaRPr lang="en-US" sz="1200" dirty="0" smtClean="0">
-                  <a:latin typeface="Times New Roman" pitchFamily="18" charset="0"/>
-                  <a:cs typeface="Times New Roman" pitchFamily="18" charset="0"/>
-                </a:endParaRPr>
-              </a:p>
-              <a:p>
-                <a:pPr algn="ctr"/>
-                <a:r>
-                  <a:rPr lang="en-US" sz="1200" dirty="0" smtClean="0">
-                    <a:latin typeface="Times New Roman" pitchFamily="18" charset="0"/>
-                    <a:cs typeface="Times New Roman" pitchFamily="18" charset="0"/>
-                  </a:rPr>
-                  <a:t>// Interface</a:t>
-                </a:r>
-                <a:endParaRPr lang="en-US" sz="1200" dirty="0">
-                  <a:latin typeface="Times New Roman" pitchFamily="18" charset="0"/>
-                  <a:cs typeface="Times New Roman" pitchFamily="18" charset="0"/>
-                </a:endParaRPr>
-              </a:p>
-            </p:txBody>
-          </p:sp>
-          <p:cxnSp>
-            <p:nvCxnSpPr>
-              <p:cNvPr id="32" name="Straight Connector 31"/>
-              <p:cNvCxnSpPr/>
-              <p:nvPr/>
-            </p:nvCxnSpPr>
-            <p:spPr>
-              <a:xfrm>
-                <a:off x="533400" y="1305774"/>
-                <a:ext cx="1905000" cy="0"/>
-              </a:xfrm>
-              <a:prstGeom prst="line">
-                <a:avLst/>
-              </a:prstGeom>
-              <a:ln w="25400">
-                <a:solidFill>
-                  <a:srgbClr val="0000CC"/>
-                </a:solidFill>
-              </a:ln>
-            </p:spPr>
-            <p:style>
-              <a:lnRef idx="1">
-                <a:schemeClr val="accent1"/>
-              </a:lnRef>
-              <a:fillRef idx="0">
-                <a:schemeClr val="accent1"/>
-              </a:fillRef>
-              <a:effectRef idx="0">
-                <a:schemeClr val="accent1"/>
-              </a:effectRef>
-              <a:fontRef idx="minor">
-                <a:schemeClr val="tx1"/>
-              </a:fontRef>
-            </p:style>
-          </p:cxnSp>
-          <p:cxnSp>
-            <p:nvCxnSpPr>
-              <p:cNvPr id="33" name="Straight Connector 32"/>
-              <p:cNvCxnSpPr/>
-              <p:nvPr/>
-            </p:nvCxnSpPr>
-            <p:spPr>
-              <a:xfrm>
-                <a:off x="533400" y="1458174"/>
-                <a:ext cx="1905000" cy="0"/>
-              </a:xfrm>
-              <a:prstGeom prst="line">
-                <a:avLst/>
-              </a:prstGeom>
-              <a:ln w="25400">
-                <a:solidFill>
-                  <a:srgbClr val="0000CC"/>
-                </a:solidFill>
-              </a:ln>
-            </p:spPr>
-            <p:style>
-              <a:lnRef idx="1">
-                <a:schemeClr val="accent1"/>
-              </a:lnRef>
-              <a:fillRef idx="0">
-                <a:schemeClr val="accent1"/>
-              </a:fillRef>
-              <a:effectRef idx="0">
-                <a:schemeClr val="accent1"/>
-              </a:effectRef>
-              <a:fontRef idx="minor">
-                <a:schemeClr val="tx1"/>
-              </a:fontRef>
-            </p:style>
-          </p:cxnSp>
-          <p:sp>
-            <p:nvSpPr>
-              <p:cNvPr id="34" name="TextBox 33"/>
-              <p:cNvSpPr txBox="1"/>
-              <p:nvPr/>
-            </p:nvSpPr>
-            <p:spPr>
-              <a:xfrm>
-                <a:off x="533400" y="1404103"/>
-                <a:ext cx="1905000" cy="873508"/>
-              </a:xfrm>
-              <a:prstGeom prst="rect">
-                <a:avLst/>
-              </a:prstGeom>
-              <a:noFill/>
-            </p:spPr>
-            <p:txBody>
-              <a:bodyPr wrap="square" rtlCol="0">
-                <a:spAutoFit/>
-              </a:bodyPr>
-              <a:lstStyle/>
-              <a:p>
-                <a:r>
-                  <a:rPr lang="en-US" sz="1200" dirty="0" smtClean="0">
-                    <a:latin typeface="Times New Roman" pitchFamily="18" charset="0"/>
-                    <a:cs typeface="Times New Roman" pitchFamily="18" charset="0"/>
-                  </a:rPr>
-                  <a:t>+ </a:t>
-                </a:r>
-                <a:r>
-                  <a:rPr lang="en-US" sz="1200" dirty="0" err="1" smtClean="0">
-                    <a:latin typeface="Times New Roman" pitchFamily="18" charset="0"/>
-                    <a:cs typeface="Times New Roman" pitchFamily="18" charset="0"/>
-                  </a:rPr>
-                  <a:t>getMessage</a:t>
-                </a:r>
-                <a:r>
-                  <a:rPr lang="en-US" sz="1200" dirty="0" smtClean="0">
-                    <a:latin typeface="Times New Roman" pitchFamily="18" charset="0"/>
-                    <a:cs typeface="Times New Roman" pitchFamily="18" charset="0"/>
-                  </a:rPr>
-                  <a:t>()</a:t>
-                </a:r>
-              </a:p>
-              <a:p>
-                <a:r>
-                  <a:rPr lang="en-US" sz="1200" dirty="0" smtClean="0">
-                    <a:latin typeface="Times New Roman" pitchFamily="18" charset="0"/>
-                    <a:cs typeface="Times New Roman" pitchFamily="18" charset="0"/>
-                  </a:rPr>
-                  <a:t>+ </a:t>
-                </a:r>
-                <a:r>
-                  <a:rPr lang="en-US" sz="1200" dirty="0" err="1" smtClean="0">
-                    <a:latin typeface="Times New Roman" pitchFamily="18" charset="0"/>
-                    <a:cs typeface="Times New Roman" pitchFamily="18" charset="0"/>
-                  </a:rPr>
-                  <a:t>sendMessage</a:t>
-                </a:r>
-                <a:r>
-                  <a:rPr lang="en-US" sz="1200" dirty="0" smtClean="0">
-                    <a:latin typeface="Times New Roman" pitchFamily="18" charset="0"/>
-                    <a:cs typeface="Times New Roman" pitchFamily="18" charset="0"/>
-                  </a:rPr>
-                  <a:t>()</a:t>
-                </a:r>
-              </a:p>
-              <a:p>
-                <a:r>
-                  <a:rPr lang="en-US" sz="1200" dirty="0" smtClean="0">
-                    <a:latin typeface="Times New Roman" pitchFamily="18" charset="0"/>
-                    <a:cs typeface="Times New Roman" pitchFamily="18" charset="0"/>
-                  </a:rPr>
-                  <a:t>+ dispose()</a:t>
-                </a:r>
-                <a:endParaRPr lang="en-US" sz="1200" dirty="0">
-                  <a:latin typeface="Times New Roman" pitchFamily="18" charset="0"/>
-                  <a:cs typeface="Times New Roman" pitchFamily="18" charset="0"/>
-                </a:endParaRPr>
-              </a:p>
-            </p:txBody>
-          </p:sp>
-        </p:grpSp>
-        <p:grpSp>
-          <p:nvGrpSpPr>
-            <p:cNvPr id="42" name="Group 41"/>
-            <p:cNvGrpSpPr/>
-            <p:nvPr/>
-          </p:nvGrpSpPr>
-          <p:grpSpPr>
-            <a:xfrm>
-              <a:off x="-76200" y="4693214"/>
-              <a:ext cx="1905000" cy="1740669"/>
-              <a:chOff x="4419600" y="1982245"/>
-              <a:chExt cx="1905000" cy="1740669"/>
-            </a:xfrm>
-          </p:grpSpPr>
-          <p:grpSp>
-            <p:nvGrpSpPr>
-              <p:cNvPr id="35" name="Group 34"/>
-              <p:cNvGrpSpPr/>
-              <p:nvPr/>
-            </p:nvGrpSpPr>
-            <p:grpSpPr>
-              <a:xfrm>
-                <a:off x="4419600" y="1982245"/>
-                <a:ext cx="1905000" cy="1740669"/>
-                <a:chOff x="533400" y="672864"/>
-                <a:chExt cx="1905000" cy="2352492"/>
-              </a:xfrm>
-            </p:grpSpPr>
-            <p:sp>
-              <p:nvSpPr>
-                <p:cNvPr id="36" name="Rectangle 35"/>
-                <p:cNvSpPr/>
-                <p:nvPr/>
-              </p:nvSpPr>
-              <p:spPr>
-                <a:xfrm>
-                  <a:off x="533400" y="672864"/>
-                  <a:ext cx="1905000" cy="2328646"/>
-                </a:xfrm>
-                <a:prstGeom prst="rect">
-                  <a:avLst/>
-                </a:prstGeom>
-                <a:noFill/>
-                <a:ln>
-                  <a:solidFill>
-                    <a:srgbClr val="0000CC"/>
-                  </a:solidFill>
-                </a:ln>
-              </p:spPr>
-              <p:style>
-                <a:lnRef idx="2">
-                  <a:schemeClr val="accent1">
-                    <a:shade val="50000"/>
-                  </a:schemeClr>
-                </a:lnRef>
-                <a:fillRef idx="1">
-                  <a:schemeClr val="accent1"/>
-                </a:fillRef>
-                <a:effectRef idx="0">
-                  <a:schemeClr val="accent1"/>
-                </a:effectRef>
-                <a:fontRef idx="minor">
-                  <a:schemeClr val="lt1"/>
-                </a:fontRef>
-              </p:style>
-              <p:txBody>
-                <a:bodyPr rtlCol="0" anchor="ctr"/>
-                <a:lstStyle/>
-                <a:p>
-                  <a:pPr algn="ctr"/>
-                  <a:endParaRPr lang="en-US" dirty="0"/>
-                </a:p>
-              </p:txBody>
-            </p:sp>
-            <p:sp>
-              <p:nvSpPr>
-                <p:cNvPr id="37" name="TextBox 36"/>
-                <p:cNvSpPr txBox="1"/>
-                <p:nvPr/>
-              </p:nvSpPr>
-              <p:spPr>
-                <a:xfrm>
-                  <a:off x="533400" y="685800"/>
-                  <a:ext cx="1905000" cy="623934"/>
-                </a:xfrm>
-                <a:prstGeom prst="rect">
-                  <a:avLst/>
-                </a:prstGeom>
-                <a:noFill/>
-                <a:ln>
-                  <a:noFill/>
-                </a:ln>
-              </p:spPr>
-              <p:txBody>
-                <a:bodyPr wrap="square" rtlCol="0">
-                  <a:spAutoFit/>
-                </a:bodyPr>
-                <a:lstStyle/>
-                <a:p>
-                  <a:pPr algn="ctr"/>
-                  <a:r>
-                    <a:rPr lang="en-US" sz="1200" dirty="0" err="1" smtClean="0">
-                      <a:latin typeface="Times New Roman" pitchFamily="18" charset="0"/>
-                      <a:cs typeface="Times New Roman" pitchFamily="18" charset="0"/>
-                    </a:rPr>
-                    <a:t>ClientNetProxy</a:t>
-                  </a:r>
-                  <a:endParaRPr lang="en-US" sz="1200" dirty="0" smtClean="0">
-                    <a:latin typeface="Times New Roman" pitchFamily="18" charset="0"/>
-                    <a:cs typeface="Times New Roman" pitchFamily="18" charset="0"/>
-                  </a:endParaRPr>
-                </a:p>
-                <a:p>
-                  <a:pPr algn="ctr"/>
-                  <a:r>
-                    <a:rPr lang="en-US" sz="1200" dirty="0" smtClean="0">
-                      <a:latin typeface="Times New Roman" pitchFamily="18" charset="0"/>
-                      <a:cs typeface="Times New Roman" pitchFamily="18" charset="0"/>
-                    </a:rPr>
-                    <a:t>// client side</a:t>
-                  </a:r>
-                  <a:endParaRPr lang="en-US" sz="1200" dirty="0">
-                    <a:latin typeface="Times New Roman" pitchFamily="18" charset="0"/>
-                    <a:cs typeface="Times New Roman" pitchFamily="18" charset="0"/>
-                  </a:endParaRPr>
-                </a:p>
-              </p:txBody>
-            </p:sp>
-            <p:cxnSp>
-              <p:nvCxnSpPr>
-                <p:cNvPr id="38" name="Straight Connector 37"/>
-                <p:cNvCxnSpPr/>
-                <p:nvPr/>
-              </p:nvCxnSpPr>
-              <p:spPr>
-                <a:xfrm>
-                  <a:off x="533400" y="1305774"/>
-                  <a:ext cx="1905000" cy="0"/>
-                </a:xfrm>
-                <a:prstGeom prst="line">
-                  <a:avLst/>
-                </a:prstGeom>
-                <a:ln w="25400">
-                  <a:solidFill>
-                    <a:srgbClr val="0000CC"/>
-                  </a:solidFill>
-                </a:ln>
-              </p:spPr>
-              <p:style>
-                <a:lnRef idx="1">
-                  <a:schemeClr val="accent1"/>
-                </a:lnRef>
-                <a:fillRef idx="0">
-                  <a:schemeClr val="accent1"/>
-                </a:fillRef>
-                <a:effectRef idx="0">
-                  <a:schemeClr val="accent1"/>
-                </a:effectRef>
-                <a:fontRef idx="minor">
-                  <a:schemeClr val="tx1"/>
-                </a:fontRef>
-              </p:style>
-            </p:cxnSp>
-            <p:cxnSp>
-              <p:nvCxnSpPr>
-                <p:cNvPr id="39" name="Straight Connector 38"/>
-                <p:cNvCxnSpPr/>
-                <p:nvPr/>
-              </p:nvCxnSpPr>
-              <p:spPr>
-                <a:xfrm>
-                  <a:off x="533400" y="2161249"/>
-                  <a:ext cx="1905000" cy="0"/>
-                </a:xfrm>
-                <a:prstGeom prst="line">
-                  <a:avLst/>
-                </a:prstGeom>
-                <a:ln w="25400">
-                  <a:solidFill>
-                    <a:srgbClr val="0000CC"/>
-                  </a:solidFill>
-                </a:ln>
-              </p:spPr>
-              <p:style>
-                <a:lnRef idx="1">
-                  <a:schemeClr val="accent1"/>
-                </a:lnRef>
-                <a:fillRef idx="0">
-                  <a:schemeClr val="accent1"/>
-                </a:fillRef>
-                <a:effectRef idx="0">
-                  <a:schemeClr val="accent1"/>
-                </a:effectRef>
-                <a:fontRef idx="minor">
-                  <a:schemeClr val="tx1"/>
-                </a:fontRef>
-              </p:style>
-            </p:cxnSp>
-            <p:sp>
-              <p:nvSpPr>
-                <p:cNvPr id="40" name="TextBox 39"/>
-                <p:cNvSpPr txBox="1"/>
-                <p:nvPr/>
-              </p:nvSpPr>
-              <p:spPr>
-                <a:xfrm>
-                  <a:off x="533400" y="2151848"/>
-                  <a:ext cx="1905000" cy="873508"/>
-                </a:xfrm>
-                <a:prstGeom prst="rect">
-                  <a:avLst/>
-                </a:prstGeom>
-                <a:noFill/>
-              </p:spPr>
-              <p:txBody>
-                <a:bodyPr wrap="square" rtlCol="0">
-                  <a:spAutoFit/>
-                </a:bodyPr>
-                <a:lstStyle/>
-                <a:p>
-                  <a:r>
-                    <a:rPr lang="en-US" sz="1200" dirty="0" smtClean="0">
-                      <a:latin typeface="Times New Roman" pitchFamily="18" charset="0"/>
-                      <a:cs typeface="Times New Roman" pitchFamily="18" charset="0"/>
-                    </a:rPr>
-                    <a:t>+ </a:t>
-                  </a:r>
-                  <a:r>
-                    <a:rPr lang="en-US" sz="1200" dirty="0" err="1" smtClean="0">
-                      <a:latin typeface="Times New Roman" pitchFamily="18" charset="0"/>
-                      <a:cs typeface="Times New Roman" pitchFamily="18" charset="0"/>
-                    </a:rPr>
-                    <a:t>getMessage</a:t>
-                  </a:r>
-                  <a:r>
-                    <a:rPr lang="en-US" sz="1200" dirty="0" smtClean="0">
-                      <a:latin typeface="Times New Roman" pitchFamily="18" charset="0"/>
-                      <a:cs typeface="Times New Roman" pitchFamily="18" charset="0"/>
-                    </a:rPr>
-                    <a:t>()</a:t>
-                  </a:r>
-                </a:p>
-                <a:p>
-                  <a:r>
-                    <a:rPr lang="en-US" sz="1200" dirty="0" smtClean="0">
-                      <a:latin typeface="Times New Roman" pitchFamily="18" charset="0"/>
-                      <a:cs typeface="Times New Roman" pitchFamily="18" charset="0"/>
-                    </a:rPr>
-                    <a:t>+ </a:t>
-                  </a:r>
-                  <a:r>
-                    <a:rPr lang="en-US" sz="1200" dirty="0" err="1" smtClean="0">
-                      <a:latin typeface="Times New Roman" pitchFamily="18" charset="0"/>
-                      <a:cs typeface="Times New Roman" pitchFamily="18" charset="0"/>
-                    </a:rPr>
-                    <a:t>sendMessage</a:t>
-                  </a:r>
-                  <a:r>
-                    <a:rPr lang="en-US" sz="1200" dirty="0" smtClean="0">
-                      <a:latin typeface="Times New Roman" pitchFamily="18" charset="0"/>
-                      <a:cs typeface="Times New Roman" pitchFamily="18" charset="0"/>
-                    </a:rPr>
-                    <a:t>()</a:t>
-                  </a:r>
-                </a:p>
-                <a:p>
-                  <a:r>
-                    <a:rPr lang="en-US" sz="1200" dirty="0" smtClean="0">
-                      <a:latin typeface="Times New Roman" pitchFamily="18" charset="0"/>
-                      <a:cs typeface="Times New Roman" pitchFamily="18" charset="0"/>
-                    </a:rPr>
-                    <a:t>+ dispose()</a:t>
-                  </a:r>
-                  <a:endParaRPr lang="en-US" sz="1200" dirty="0">
-                    <a:latin typeface="Times New Roman" pitchFamily="18" charset="0"/>
-                    <a:cs typeface="Times New Roman" pitchFamily="18" charset="0"/>
-                  </a:endParaRPr>
-                </a:p>
-              </p:txBody>
-            </p:sp>
-          </p:grpSp>
-          <p:sp>
-            <p:nvSpPr>
-              <p:cNvPr id="41" name="TextBox 40"/>
-              <p:cNvSpPr txBox="1"/>
-              <p:nvPr/>
-            </p:nvSpPr>
-            <p:spPr>
-              <a:xfrm>
-                <a:off x="4419600" y="2401669"/>
-                <a:ext cx="1905000" cy="646331"/>
-              </a:xfrm>
-              <a:prstGeom prst="rect">
-                <a:avLst/>
-              </a:prstGeom>
-              <a:noFill/>
-            </p:spPr>
-            <p:txBody>
-              <a:bodyPr wrap="square" rtlCol="0">
-                <a:spAutoFit/>
-              </a:bodyPr>
-              <a:lstStyle/>
-              <a:p>
-                <a:r>
-                  <a:rPr lang="en-US" sz="1200" dirty="0" smtClean="0">
-                    <a:latin typeface="Times New Roman" pitchFamily="18" charset="0"/>
-                    <a:cs typeface="Times New Roman" pitchFamily="18" charset="0"/>
-                  </a:rPr>
-                  <a:t>- socket: Socket</a:t>
-                </a:r>
-              </a:p>
-              <a:p>
-                <a:r>
-                  <a:rPr lang="en-US" sz="1200" dirty="0" smtClean="0">
-                    <a:latin typeface="Times New Roman" pitchFamily="18" charset="0"/>
-                    <a:cs typeface="Times New Roman" pitchFamily="18" charset="0"/>
-                  </a:rPr>
-                  <a:t>- in: </a:t>
-                </a:r>
-                <a:r>
-                  <a:rPr lang="en-US" sz="1200" dirty="0" err="1" smtClean="0">
-                    <a:latin typeface="Times New Roman" pitchFamily="18" charset="0"/>
-                    <a:cs typeface="Times New Roman" pitchFamily="18" charset="0"/>
-                  </a:rPr>
-                  <a:t>BufferedReader</a:t>
-                </a:r>
-                <a:endParaRPr lang="en-US" sz="1200" dirty="0" smtClean="0">
-                  <a:latin typeface="Times New Roman" pitchFamily="18" charset="0"/>
-                  <a:cs typeface="Times New Roman" pitchFamily="18" charset="0"/>
-                </a:endParaRPr>
-              </a:p>
-              <a:p>
-                <a:r>
-                  <a:rPr lang="en-US" sz="1200" dirty="0" smtClean="0">
-                    <a:latin typeface="Times New Roman" pitchFamily="18" charset="0"/>
-                    <a:cs typeface="Times New Roman" pitchFamily="18" charset="0"/>
-                  </a:rPr>
-                  <a:t>- out: </a:t>
-                </a:r>
-                <a:r>
-                  <a:rPr lang="en-US" sz="1200" dirty="0" err="1" smtClean="0">
-                    <a:latin typeface="Times New Roman" pitchFamily="18" charset="0"/>
-                    <a:cs typeface="Times New Roman" pitchFamily="18" charset="0"/>
-                  </a:rPr>
-                  <a:t>PrintWriter</a:t>
-                </a:r>
-                <a:endParaRPr lang="en-US" sz="1200" dirty="0" smtClean="0">
-                  <a:latin typeface="Times New Roman" pitchFamily="18" charset="0"/>
-                  <a:cs typeface="Times New Roman" pitchFamily="18" charset="0"/>
-                </a:endParaRPr>
-              </a:p>
-            </p:txBody>
-          </p:sp>
-        </p:grpSp>
-        <p:grpSp>
-          <p:nvGrpSpPr>
-            <p:cNvPr id="43" name="Group 42"/>
-            <p:cNvGrpSpPr/>
-            <p:nvPr/>
-          </p:nvGrpSpPr>
-          <p:grpSpPr>
-            <a:xfrm>
-              <a:off x="-2590800" y="4693214"/>
-              <a:ext cx="1905000" cy="2088586"/>
-              <a:chOff x="4419600" y="1982245"/>
-              <a:chExt cx="1905000" cy="2088586"/>
-            </a:xfrm>
-          </p:grpSpPr>
-          <p:grpSp>
-            <p:nvGrpSpPr>
-              <p:cNvPr id="44" name="Group 43"/>
-              <p:cNvGrpSpPr/>
-              <p:nvPr/>
-            </p:nvGrpSpPr>
-            <p:grpSpPr>
-              <a:xfrm>
-                <a:off x="4419600" y="1982245"/>
-                <a:ext cx="1905000" cy="2088586"/>
-                <a:chOff x="533400" y="672864"/>
-                <a:chExt cx="1905000" cy="2822698"/>
-              </a:xfrm>
-            </p:grpSpPr>
-            <p:sp>
-              <p:nvSpPr>
-                <p:cNvPr id="46" name="Rectangle 45"/>
-                <p:cNvSpPr/>
-                <p:nvPr/>
-              </p:nvSpPr>
-              <p:spPr>
-                <a:xfrm>
-                  <a:off x="533400" y="672864"/>
-                  <a:ext cx="1905000" cy="2776350"/>
-                </a:xfrm>
-                <a:prstGeom prst="rect">
-                  <a:avLst/>
-                </a:prstGeom>
-                <a:noFill/>
-                <a:ln>
-                  <a:solidFill>
-                    <a:srgbClr val="0000CC"/>
-                  </a:solidFill>
-                </a:ln>
-              </p:spPr>
-              <p:style>
-                <a:lnRef idx="2">
-                  <a:schemeClr val="accent1">
-                    <a:shade val="50000"/>
-                  </a:schemeClr>
-                </a:lnRef>
-                <a:fillRef idx="1">
-                  <a:schemeClr val="accent1"/>
-                </a:fillRef>
-                <a:effectRef idx="0">
-                  <a:schemeClr val="accent1"/>
-                </a:effectRef>
-                <a:fontRef idx="minor">
-                  <a:schemeClr val="lt1"/>
-                </a:fontRef>
-              </p:style>
-              <p:txBody>
-                <a:bodyPr rtlCol="0" anchor="ctr"/>
-                <a:lstStyle/>
-                <a:p>
-                  <a:pPr algn="ctr"/>
-                  <a:endParaRPr lang="en-US" dirty="0"/>
-                </a:p>
-              </p:txBody>
-            </p:sp>
-            <p:sp>
-              <p:nvSpPr>
-                <p:cNvPr id="47" name="TextBox 46"/>
-                <p:cNvSpPr txBox="1"/>
-                <p:nvPr/>
-              </p:nvSpPr>
-              <p:spPr>
-                <a:xfrm>
-                  <a:off x="533400" y="685800"/>
-                  <a:ext cx="1905000" cy="623934"/>
-                </a:xfrm>
-                <a:prstGeom prst="rect">
-                  <a:avLst/>
-                </a:prstGeom>
-                <a:noFill/>
-                <a:ln>
-                  <a:noFill/>
-                </a:ln>
-              </p:spPr>
-              <p:txBody>
-                <a:bodyPr wrap="square" rtlCol="0">
-                  <a:spAutoFit/>
-                </a:bodyPr>
-                <a:lstStyle/>
-                <a:p>
-                  <a:pPr algn="ctr"/>
-                  <a:r>
-                    <a:rPr lang="en-US" sz="1200" dirty="0" err="1" smtClean="0">
-                      <a:latin typeface="Times New Roman" pitchFamily="18" charset="0"/>
-                      <a:cs typeface="Times New Roman" pitchFamily="18" charset="0"/>
-                    </a:rPr>
-                    <a:t>ServerNetProxy</a:t>
-                  </a:r>
-                  <a:endParaRPr lang="en-US" sz="1200" dirty="0" smtClean="0">
-                    <a:latin typeface="Times New Roman" pitchFamily="18" charset="0"/>
-                    <a:cs typeface="Times New Roman" pitchFamily="18" charset="0"/>
-                  </a:endParaRPr>
-                </a:p>
-                <a:p>
-                  <a:pPr algn="ctr"/>
-                  <a:r>
-                    <a:rPr lang="en-US" sz="1200" dirty="0" smtClean="0">
-                      <a:latin typeface="Times New Roman" pitchFamily="18" charset="0"/>
-                      <a:cs typeface="Times New Roman" pitchFamily="18" charset="0"/>
-                    </a:rPr>
-                    <a:t>// Server side</a:t>
-                  </a:r>
-                  <a:endParaRPr lang="en-US" sz="1200" dirty="0">
-                    <a:latin typeface="Times New Roman" pitchFamily="18" charset="0"/>
-                    <a:cs typeface="Times New Roman" pitchFamily="18" charset="0"/>
-                  </a:endParaRPr>
-                </a:p>
-              </p:txBody>
-            </p:sp>
-            <p:cxnSp>
-              <p:nvCxnSpPr>
-                <p:cNvPr id="48" name="Straight Connector 47"/>
-                <p:cNvCxnSpPr/>
-                <p:nvPr/>
-              </p:nvCxnSpPr>
-              <p:spPr>
-                <a:xfrm>
-                  <a:off x="533400" y="1305774"/>
-                  <a:ext cx="1905000" cy="0"/>
-                </a:xfrm>
-                <a:prstGeom prst="line">
-                  <a:avLst/>
-                </a:prstGeom>
-                <a:ln w="25400">
-                  <a:solidFill>
-                    <a:srgbClr val="0000CC"/>
-                  </a:solidFill>
-                </a:ln>
-              </p:spPr>
-              <p:style>
-                <a:lnRef idx="1">
-                  <a:schemeClr val="accent1"/>
-                </a:lnRef>
-                <a:fillRef idx="0">
-                  <a:schemeClr val="accent1"/>
-                </a:fillRef>
-                <a:effectRef idx="0">
-                  <a:schemeClr val="accent1"/>
-                </a:effectRef>
-                <a:fontRef idx="minor">
-                  <a:schemeClr val="tx1"/>
-                </a:fontRef>
-              </p:style>
-            </p:cxnSp>
-            <p:cxnSp>
-              <p:nvCxnSpPr>
-                <p:cNvPr id="49" name="Straight Connector 48"/>
-                <p:cNvCxnSpPr/>
-                <p:nvPr/>
-              </p:nvCxnSpPr>
-              <p:spPr>
-                <a:xfrm>
-                  <a:off x="533400" y="2414053"/>
-                  <a:ext cx="1905000" cy="0"/>
-                </a:xfrm>
-                <a:prstGeom prst="line">
-                  <a:avLst/>
-                </a:prstGeom>
-                <a:ln w="25400">
-                  <a:solidFill>
-                    <a:srgbClr val="0000CC"/>
-                  </a:solidFill>
-                </a:ln>
-              </p:spPr>
-              <p:style>
-                <a:lnRef idx="1">
-                  <a:schemeClr val="accent1"/>
-                </a:lnRef>
-                <a:fillRef idx="0">
-                  <a:schemeClr val="accent1"/>
-                </a:fillRef>
-                <a:effectRef idx="0">
-                  <a:schemeClr val="accent1"/>
-                </a:effectRef>
-                <a:fontRef idx="minor">
-                  <a:schemeClr val="tx1"/>
-                </a:fontRef>
-              </p:style>
-            </p:cxnSp>
-            <p:sp>
-              <p:nvSpPr>
-                <p:cNvPr id="50" name="TextBox 49"/>
-                <p:cNvSpPr txBox="1"/>
-                <p:nvPr/>
-              </p:nvSpPr>
-              <p:spPr>
-                <a:xfrm>
-                  <a:off x="533400" y="2372480"/>
-                  <a:ext cx="1905000" cy="1123082"/>
-                </a:xfrm>
-                <a:prstGeom prst="rect">
-                  <a:avLst/>
-                </a:prstGeom>
-                <a:noFill/>
-              </p:spPr>
-              <p:txBody>
-                <a:bodyPr wrap="square" rtlCol="0">
-                  <a:spAutoFit/>
-                </a:bodyPr>
-                <a:lstStyle/>
-                <a:p>
-                  <a:r>
-                    <a:rPr lang="en-US" sz="1200" dirty="0" smtClean="0">
-                      <a:latin typeface="Times New Roman" pitchFamily="18" charset="0"/>
-                      <a:cs typeface="Times New Roman" pitchFamily="18" charset="0"/>
-                    </a:rPr>
-                    <a:t>+ accept()</a:t>
-                  </a:r>
-                </a:p>
-                <a:p>
-                  <a:r>
-                    <a:rPr lang="en-US" sz="1200" dirty="0" smtClean="0">
-                      <a:latin typeface="Times New Roman" pitchFamily="18" charset="0"/>
-                      <a:cs typeface="Times New Roman" pitchFamily="18" charset="0"/>
-                    </a:rPr>
-                    <a:t>+ </a:t>
-                  </a:r>
-                  <a:r>
-                    <a:rPr lang="en-US" sz="1200" dirty="0" err="1" smtClean="0">
-                      <a:latin typeface="Times New Roman" pitchFamily="18" charset="0"/>
-                      <a:cs typeface="Times New Roman" pitchFamily="18" charset="0"/>
-                    </a:rPr>
-                    <a:t>getMessage</a:t>
-                  </a:r>
-                  <a:r>
-                    <a:rPr lang="en-US" sz="1200" dirty="0" smtClean="0">
-                      <a:latin typeface="Times New Roman" pitchFamily="18" charset="0"/>
-                      <a:cs typeface="Times New Roman" pitchFamily="18" charset="0"/>
-                    </a:rPr>
-                    <a:t>()</a:t>
-                  </a:r>
-                </a:p>
-                <a:p>
-                  <a:r>
-                    <a:rPr lang="en-US" sz="1200" dirty="0" smtClean="0">
-                      <a:latin typeface="Times New Roman" pitchFamily="18" charset="0"/>
-                      <a:cs typeface="Times New Roman" pitchFamily="18" charset="0"/>
-                    </a:rPr>
-                    <a:t>+ </a:t>
-                  </a:r>
-                  <a:r>
-                    <a:rPr lang="en-US" sz="1200" dirty="0" err="1" smtClean="0">
-                      <a:latin typeface="Times New Roman" pitchFamily="18" charset="0"/>
-                      <a:cs typeface="Times New Roman" pitchFamily="18" charset="0"/>
-                    </a:rPr>
-                    <a:t>sendMessage</a:t>
-                  </a:r>
-                  <a:r>
-                    <a:rPr lang="en-US" sz="1200" dirty="0" smtClean="0">
-                      <a:latin typeface="Times New Roman" pitchFamily="18" charset="0"/>
-                      <a:cs typeface="Times New Roman" pitchFamily="18" charset="0"/>
-                    </a:rPr>
-                    <a:t>()</a:t>
-                  </a:r>
-                </a:p>
-                <a:p>
-                  <a:r>
-                    <a:rPr lang="en-US" sz="1200" dirty="0" smtClean="0">
-                      <a:latin typeface="Times New Roman" pitchFamily="18" charset="0"/>
-                      <a:cs typeface="Times New Roman" pitchFamily="18" charset="0"/>
-                    </a:rPr>
-                    <a:t>+ dispose()</a:t>
-                  </a:r>
-                  <a:endParaRPr lang="en-US" sz="1200" dirty="0">
-                    <a:latin typeface="Times New Roman" pitchFamily="18" charset="0"/>
-                    <a:cs typeface="Times New Roman" pitchFamily="18" charset="0"/>
-                  </a:endParaRPr>
-                </a:p>
-              </p:txBody>
-            </p:sp>
-          </p:grpSp>
-          <p:sp>
-            <p:nvSpPr>
-              <p:cNvPr id="45" name="TextBox 44"/>
-              <p:cNvSpPr txBox="1"/>
-              <p:nvPr/>
-            </p:nvSpPr>
-            <p:spPr>
-              <a:xfrm>
-                <a:off x="4419600" y="2432395"/>
-                <a:ext cx="1905000" cy="830997"/>
-              </a:xfrm>
-              <a:prstGeom prst="rect">
-                <a:avLst/>
-              </a:prstGeom>
-              <a:noFill/>
-            </p:spPr>
-            <p:txBody>
-              <a:bodyPr wrap="square" rtlCol="0">
-                <a:spAutoFit/>
-              </a:bodyPr>
-              <a:lstStyle/>
-              <a:p>
-                <a:r>
-                  <a:rPr lang="en-US" sz="1200" dirty="0" smtClean="0">
-                    <a:latin typeface="Times New Roman" pitchFamily="18" charset="0"/>
-                    <a:cs typeface="Times New Roman" pitchFamily="18" charset="0"/>
-                  </a:rPr>
-                  <a:t>- </a:t>
-                </a:r>
-                <a:r>
-                  <a:rPr lang="en-US" sz="1200" dirty="0" err="1" smtClean="0">
-                    <a:latin typeface="Times New Roman" pitchFamily="18" charset="0"/>
-                    <a:cs typeface="Times New Roman" pitchFamily="18" charset="0"/>
-                  </a:rPr>
-                  <a:t>servSocket</a:t>
-                </a:r>
-                <a:r>
-                  <a:rPr lang="en-US" sz="1200" dirty="0" smtClean="0">
-                    <a:latin typeface="Times New Roman" pitchFamily="18" charset="0"/>
-                    <a:cs typeface="Times New Roman" pitchFamily="18" charset="0"/>
-                  </a:rPr>
-                  <a:t>: </a:t>
-                </a:r>
-                <a:r>
-                  <a:rPr lang="en-US" sz="1200" dirty="0" err="1" smtClean="0">
-                    <a:latin typeface="Times New Roman" pitchFamily="18" charset="0"/>
-                    <a:cs typeface="Times New Roman" pitchFamily="18" charset="0"/>
-                  </a:rPr>
-                  <a:t>ServerSocket</a:t>
-                </a:r>
-                <a:endParaRPr lang="en-US" sz="1200" dirty="0" smtClean="0">
-                  <a:latin typeface="Times New Roman" pitchFamily="18" charset="0"/>
-                  <a:cs typeface="Times New Roman" pitchFamily="18" charset="0"/>
-                </a:endParaRPr>
-              </a:p>
-              <a:p>
-                <a:r>
-                  <a:rPr lang="en-US" sz="1200" dirty="0">
-                    <a:latin typeface="Times New Roman" pitchFamily="18" charset="0"/>
-                    <a:cs typeface="Times New Roman" pitchFamily="18" charset="0"/>
-                  </a:rPr>
-                  <a:t>-</a:t>
-                </a:r>
-                <a:r>
-                  <a:rPr lang="en-US" sz="1200" dirty="0" smtClean="0">
-                    <a:latin typeface="Times New Roman" pitchFamily="18" charset="0"/>
-                    <a:cs typeface="Times New Roman" pitchFamily="18" charset="0"/>
-                  </a:rPr>
-                  <a:t> socket: Socket</a:t>
-                </a:r>
-              </a:p>
-              <a:p>
-                <a:r>
-                  <a:rPr lang="en-US" sz="1200" dirty="0" smtClean="0">
-                    <a:latin typeface="Times New Roman" pitchFamily="18" charset="0"/>
-                    <a:cs typeface="Times New Roman" pitchFamily="18" charset="0"/>
-                  </a:rPr>
-                  <a:t>- in: </a:t>
-                </a:r>
-                <a:r>
-                  <a:rPr lang="en-US" sz="1200" dirty="0" err="1" smtClean="0">
-                    <a:latin typeface="Times New Roman" pitchFamily="18" charset="0"/>
-                    <a:cs typeface="Times New Roman" pitchFamily="18" charset="0"/>
-                  </a:rPr>
-                  <a:t>BufferedReader</a:t>
-                </a:r>
-                <a:endParaRPr lang="en-US" sz="1200" dirty="0" smtClean="0">
-                  <a:latin typeface="Times New Roman" pitchFamily="18" charset="0"/>
-                  <a:cs typeface="Times New Roman" pitchFamily="18" charset="0"/>
-                </a:endParaRPr>
-              </a:p>
-              <a:p>
-                <a:r>
-                  <a:rPr lang="en-US" sz="1200" dirty="0" smtClean="0">
-                    <a:latin typeface="Times New Roman" pitchFamily="18" charset="0"/>
-                    <a:cs typeface="Times New Roman" pitchFamily="18" charset="0"/>
-                  </a:rPr>
-                  <a:t>- out: </a:t>
-                </a:r>
-                <a:r>
-                  <a:rPr lang="en-US" sz="1200" dirty="0" err="1" smtClean="0">
-                    <a:latin typeface="Times New Roman" pitchFamily="18" charset="0"/>
-                    <a:cs typeface="Times New Roman" pitchFamily="18" charset="0"/>
-                  </a:rPr>
-                  <a:t>PrintWriter</a:t>
-                </a:r>
-                <a:endParaRPr lang="en-US" sz="1200" dirty="0" smtClean="0">
-                  <a:latin typeface="Times New Roman" pitchFamily="18" charset="0"/>
-                  <a:cs typeface="Times New Roman" pitchFamily="18" charset="0"/>
-                </a:endParaRPr>
-              </a:p>
-            </p:txBody>
-          </p:sp>
-        </p:grpSp>
         <p:grpSp>
           <p:nvGrpSpPr>
             <p:cNvPr id="51" name="Group 50"/>
@@ -7152,512 +6127,44 @@
             </a:fontRef>
           </p:style>
         </p:cxnSp>
-        <p:cxnSp>
-          <p:nvCxnSpPr>
-            <p:cNvPr id="173" name="Elbow Connector 172"/>
-            <p:cNvCxnSpPr>
-              <a:stCxn id="50" idx="2"/>
-              <a:endCxn id="30" idx="0"/>
-            </p:cNvCxnSpPr>
-            <p:nvPr/>
-          </p:nvCxnSpPr>
-          <p:spPr>
-            <a:xfrm rot="16200000" flipH="1">
-              <a:off x="-1349403" y="6492903"/>
-              <a:ext cx="641407" cy="1219200"/>
-            </a:xfrm>
-            <a:prstGeom prst="bentConnector3">
-              <a:avLst>
-                <a:gd name="adj1" fmla="val 50000"/>
-              </a:avLst>
-            </a:prstGeom>
-            <a:ln w="25400">
-              <a:solidFill>
-                <a:srgbClr val="0000CC"/>
-              </a:solidFill>
-            </a:ln>
-          </p:spPr>
-          <p:style>
-            <a:lnRef idx="1">
-              <a:schemeClr val="accent1"/>
-            </a:lnRef>
-            <a:fillRef idx="0">
-              <a:schemeClr val="accent1"/>
-            </a:fillRef>
-            <a:effectRef idx="0">
-              <a:schemeClr val="accent1"/>
-            </a:effectRef>
-            <a:fontRef idx="minor">
-              <a:schemeClr val="tx1"/>
-            </a:fontRef>
-          </p:style>
-        </p:cxnSp>
-        <p:cxnSp>
-          <p:nvCxnSpPr>
-            <p:cNvPr id="174" name="Elbow Connector 173"/>
-            <p:cNvCxnSpPr>
-              <a:stCxn id="40" idx="2"/>
-              <a:endCxn id="30" idx="0"/>
-            </p:cNvCxnSpPr>
-            <p:nvPr/>
-          </p:nvCxnSpPr>
-          <p:spPr>
-            <a:xfrm rot="5400000">
-              <a:off x="-266062" y="6280845"/>
-              <a:ext cx="989324" cy="1295400"/>
-            </a:xfrm>
-            <a:prstGeom prst="bentConnector3">
-              <a:avLst>
-                <a:gd name="adj1" fmla="val 50000"/>
-              </a:avLst>
-            </a:prstGeom>
-            <a:ln w="25400">
-              <a:solidFill>
-                <a:srgbClr val="0000CC"/>
-              </a:solidFill>
-            </a:ln>
-          </p:spPr>
-          <p:style>
-            <a:lnRef idx="1">
-              <a:schemeClr val="accent1"/>
-            </a:lnRef>
-            <a:fillRef idx="0">
-              <a:schemeClr val="accent1"/>
-            </a:fillRef>
-            <a:effectRef idx="0">
-              <a:schemeClr val="accent1"/>
-            </a:effectRef>
-            <a:fontRef idx="minor">
-              <a:schemeClr val="tx1"/>
-            </a:fontRef>
-          </p:style>
-        </p:cxnSp>
-        <p:sp>
-          <p:nvSpPr>
-            <p:cNvPr id="179" name="Isosceles Triangle 178"/>
-            <p:cNvSpPr/>
-            <p:nvPr/>
-          </p:nvSpPr>
-          <p:spPr>
-            <a:xfrm rot="10800000">
-              <a:off x="-558722" y="7065120"/>
-              <a:ext cx="292022" cy="208157"/>
-            </a:xfrm>
-            <a:prstGeom prst="triangle">
-              <a:avLst/>
-            </a:prstGeom>
-            <a:solidFill>
-              <a:schemeClr val="bg1"/>
-            </a:solidFill>
-            <a:ln>
-              <a:solidFill>
-                <a:srgbClr val="0000CC"/>
-              </a:solidFill>
-            </a:ln>
-          </p:spPr>
-          <p:style>
-            <a:lnRef idx="2">
-              <a:schemeClr val="accent1">
-                <a:shade val="50000"/>
-              </a:schemeClr>
-            </a:lnRef>
-            <a:fillRef idx="1">
-              <a:schemeClr val="accent1"/>
-            </a:fillRef>
-            <a:effectRef idx="0">
-              <a:schemeClr val="accent1"/>
-            </a:effectRef>
-            <a:fontRef idx="minor">
-              <a:schemeClr val="lt1"/>
-            </a:fontRef>
-          </p:style>
-          <p:txBody>
-            <a:bodyPr rtlCol="0" anchor="ctr"/>
-            <a:lstStyle/>
-            <a:p>
-              <a:pPr algn="ctr"/>
-              <a:endParaRPr lang="en-US"/>
-            </a:p>
-          </p:txBody>
-        </p:sp>
         <p:grpSp>
           <p:nvGrpSpPr>
-            <p:cNvPr id="72" name="Group 71"/>
+            <p:cNvPr id="125" name="Group 124"/>
             <p:cNvGrpSpPr/>
             <p:nvPr/>
           </p:nvGrpSpPr>
           <p:grpSpPr>
             <a:xfrm>
-              <a:off x="5410200" y="7238541"/>
-              <a:ext cx="1905000" cy="1372059"/>
-              <a:chOff x="10439400" y="7239000"/>
-              <a:chExt cx="1905000" cy="1372059"/>
-            </a:xfrm>
-          </p:grpSpPr>
-          <p:sp>
-            <p:nvSpPr>
-              <p:cNvPr id="100" name="Rectangle 99"/>
-              <p:cNvSpPr/>
-              <p:nvPr/>
-            </p:nvSpPr>
-            <p:spPr>
-              <a:xfrm>
-                <a:off x="10439400" y="7239000"/>
-                <a:ext cx="1905000" cy="1371600"/>
-              </a:xfrm>
-              <a:prstGeom prst="rect">
-                <a:avLst/>
-              </a:prstGeom>
-              <a:noFill/>
-              <a:ln>
-                <a:solidFill>
-                  <a:srgbClr val="0000CC"/>
-                </a:solidFill>
-              </a:ln>
-            </p:spPr>
-            <p:style>
-              <a:lnRef idx="2">
-                <a:schemeClr val="accent1">
-                  <a:shade val="50000"/>
-                </a:schemeClr>
-              </a:lnRef>
-              <a:fillRef idx="1">
-                <a:schemeClr val="accent1"/>
-              </a:fillRef>
-              <a:effectRef idx="0">
-                <a:schemeClr val="accent1"/>
-              </a:effectRef>
-              <a:fontRef idx="minor">
-                <a:schemeClr val="lt1"/>
-              </a:fontRef>
-            </p:style>
-            <p:txBody>
-              <a:bodyPr rtlCol="0" anchor="ctr"/>
-              <a:lstStyle/>
-              <a:p>
-                <a:pPr algn="ctr"/>
-                <a:endParaRPr lang="en-US" dirty="0"/>
-              </a:p>
-            </p:txBody>
-          </p:sp>
-          <p:sp>
-            <p:nvSpPr>
-              <p:cNvPr id="101" name="TextBox 100"/>
-              <p:cNvSpPr txBox="1"/>
-              <p:nvPr/>
-            </p:nvSpPr>
-            <p:spPr>
-              <a:xfrm>
-                <a:off x="10439400" y="7248571"/>
-                <a:ext cx="1905000" cy="461665"/>
-              </a:xfrm>
-              <a:prstGeom prst="rect">
-                <a:avLst/>
-              </a:prstGeom>
-              <a:noFill/>
-              <a:ln>
-                <a:noFill/>
-              </a:ln>
-            </p:spPr>
-            <p:txBody>
-              <a:bodyPr wrap="square" rtlCol="0">
-                <a:spAutoFit/>
-              </a:bodyPr>
-              <a:lstStyle/>
-              <a:p>
-                <a:pPr algn="ctr"/>
-                <a:r>
-                  <a:rPr lang="en-US" sz="1200" dirty="0" err="1" smtClean="0">
-                    <a:latin typeface="Times New Roman" pitchFamily="18" charset="0"/>
-                    <a:cs typeface="Times New Roman" pitchFamily="18" charset="0"/>
-                  </a:rPr>
-                  <a:t>LinkFace</a:t>
-                </a:r>
-                <a:endParaRPr lang="en-US" sz="1200" dirty="0" smtClean="0">
-                  <a:latin typeface="Times New Roman" pitchFamily="18" charset="0"/>
-                  <a:cs typeface="Times New Roman" pitchFamily="18" charset="0"/>
-                </a:endParaRPr>
-              </a:p>
-              <a:p>
-                <a:pPr algn="ctr"/>
-                <a:r>
-                  <a:rPr lang="en-US" sz="1200" dirty="0" smtClean="0">
-                    <a:latin typeface="Times New Roman" pitchFamily="18" charset="0"/>
-                    <a:cs typeface="Times New Roman" pitchFamily="18" charset="0"/>
-                  </a:rPr>
-                  <a:t>// Interface</a:t>
-                </a:r>
-                <a:endParaRPr lang="en-US" sz="1200" dirty="0">
-                  <a:latin typeface="Times New Roman" pitchFamily="18" charset="0"/>
-                  <a:cs typeface="Times New Roman" pitchFamily="18" charset="0"/>
-                </a:endParaRPr>
-              </a:p>
-            </p:txBody>
-          </p:sp>
-          <p:cxnSp>
-            <p:nvCxnSpPr>
-              <p:cNvPr id="102" name="Straight Connector 101"/>
-              <p:cNvCxnSpPr/>
-              <p:nvPr/>
-            </p:nvCxnSpPr>
-            <p:spPr>
-              <a:xfrm>
-                <a:off x="10439400" y="7707306"/>
-                <a:ext cx="1905000" cy="0"/>
-              </a:xfrm>
-              <a:prstGeom prst="line">
-                <a:avLst/>
-              </a:prstGeom>
-              <a:ln w="25400">
-                <a:solidFill>
-                  <a:srgbClr val="0000CC"/>
-                </a:solidFill>
-              </a:ln>
-            </p:spPr>
-            <p:style>
-              <a:lnRef idx="1">
-                <a:schemeClr val="accent1"/>
-              </a:lnRef>
-              <a:fillRef idx="0">
-                <a:schemeClr val="accent1"/>
-              </a:fillRef>
-              <a:effectRef idx="0">
-                <a:schemeClr val="accent1"/>
-              </a:effectRef>
-              <a:fontRef idx="minor">
-                <a:schemeClr val="tx1"/>
-              </a:fontRef>
-            </p:style>
-          </p:cxnSp>
-          <p:cxnSp>
-            <p:nvCxnSpPr>
-              <p:cNvPr id="103" name="Straight Connector 102"/>
-              <p:cNvCxnSpPr/>
-              <p:nvPr/>
-            </p:nvCxnSpPr>
-            <p:spPr>
-              <a:xfrm>
-                <a:off x="10439400" y="7820070"/>
-                <a:ext cx="1905000" cy="0"/>
-              </a:xfrm>
-              <a:prstGeom prst="line">
-                <a:avLst/>
-              </a:prstGeom>
-              <a:ln w="25400">
-                <a:solidFill>
-                  <a:srgbClr val="0000CC"/>
-                </a:solidFill>
-              </a:ln>
-            </p:spPr>
-            <p:style>
-              <a:lnRef idx="1">
-                <a:schemeClr val="accent1"/>
-              </a:lnRef>
-              <a:fillRef idx="0">
-                <a:schemeClr val="accent1"/>
-              </a:fillRef>
-              <a:effectRef idx="0">
-                <a:schemeClr val="accent1"/>
-              </a:effectRef>
-              <a:fontRef idx="minor">
-                <a:schemeClr val="tx1"/>
-              </a:fontRef>
-            </p:style>
-          </p:cxnSp>
-          <p:sp>
-            <p:nvSpPr>
-              <p:cNvPr id="104" name="TextBox 103"/>
-              <p:cNvSpPr txBox="1"/>
-              <p:nvPr/>
-            </p:nvSpPr>
-            <p:spPr>
-              <a:xfrm>
-                <a:off x="10439400" y="7780062"/>
-                <a:ext cx="1905000" cy="830997"/>
-              </a:xfrm>
-              <a:prstGeom prst="rect">
-                <a:avLst/>
-              </a:prstGeom>
-              <a:noFill/>
-            </p:spPr>
-            <p:txBody>
-              <a:bodyPr wrap="square" rtlCol="0">
-                <a:spAutoFit/>
-              </a:bodyPr>
-              <a:lstStyle/>
-              <a:p>
-                <a:r>
-                  <a:rPr lang="en-US" sz="1200" dirty="0" smtClean="0">
-                    <a:latin typeface="Times New Roman" pitchFamily="18" charset="0"/>
-                    <a:cs typeface="Times New Roman" pitchFamily="18" charset="0"/>
-                  </a:rPr>
-                  <a:t>+ </a:t>
-                </a:r>
-                <a:r>
-                  <a:rPr lang="en-US" sz="1200" dirty="0" err="1" smtClean="0">
-                    <a:latin typeface="Times New Roman" pitchFamily="18" charset="0"/>
-                    <a:cs typeface="Times New Roman" pitchFamily="18" charset="0"/>
-                  </a:rPr>
-                  <a:t>LinkFace</a:t>
-                </a:r>
-                <a:r>
-                  <a:rPr lang="en-US" sz="1200" dirty="0" smtClean="0">
-                    <a:latin typeface="Times New Roman" pitchFamily="18" charset="0"/>
-                    <a:cs typeface="Times New Roman" pitchFamily="18" charset="0"/>
-                  </a:rPr>
-                  <a:t>(</a:t>
-                </a:r>
-                <a:r>
-                  <a:rPr lang="en-US" sz="1200" dirty="0" err="1" smtClean="0">
-                    <a:latin typeface="Times New Roman" pitchFamily="18" charset="0"/>
-                    <a:cs typeface="Times New Roman" pitchFamily="18" charset="0"/>
-                  </a:rPr>
-                  <a:t>ServerFace</a:t>
-                </a:r>
-                <a:r>
-                  <a:rPr lang="en-US" sz="1200" dirty="0" smtClean="0">
-                    <a:latin typeface="Times New Roman" pitchFamily="18" charset="0"/>
-                    <a:cs typeface="Times New Roman" pitchFamily="18" charset="0"/>
-                  </a:rPr>
-                  <a:t>)</a:t>
-                </a:r>
-                <a:endParaRPr lang="en-US" sz="1200" dirty="0" smtClean="0">
-                  <a:latin typeface="Times New Roman" pitchFamily="18" charset="0"/>
-                  <a:cs typeface="Times New Roman" pitchFamily="18" charset="0"/>
-                </a:endParaRPr>
-              </a:p>
-              <a:p>
-                <a:r>
-                  <a:rPr lang="en-US" sz="1200" dirty="0" smtClean="0">
-                    <a:latin typeface="Times New Roman" pitchFamily="18" charset="0"/>
-                    <a:cs typeface="Times New Roman" pitchFamily="18" charset="0"/>
-                  </a:rPr>
-                  <a:t>+ </a:t>
-                </a:r>
-                <a:r>
-                  <a:rPr lang="en-US" sz="1200" dirty="0" err="1" smtClean="0">
-                    <a:latin typeface="Times New Roman" pitchFamily="18" charset="0"/>
-                    <a:cs typeface="Times New Roman" pitchFamily="18" charset="0"/>
-                  </a:rPr>
-                  <a:t>addLast</a:t>
-                </a:r>
-                <a:r>
-                  <a:rPr lang="en-US" sz="1200" dirty="0" smtClean="0">
-                    <a:latin typeface="Times New Roman" pitchFamily="18" charset="0"/>
-                    <a:cs typeface="Times New Roman" pitchFamily="18" charset="0"/>
-                  </a:rPr>
-                  <a:t>(</a:t>
-                </a:r>
-                <a:r>
-                  <a:rPr lang="en-US" sz="1200" dirty="0" err="1" smtClean="0">
-                    <a:latin typeface="Times New Roman" pitchFamily="18" charset="0"/>
-                    <a:cs typeface="Times New Roman" pitchFamily="18" charset="0"/>
-                  </a:rPr>
-                  <a:t>LinkFace</a:t>
-                </a:r>
-                <a:r>
-                  <a:rPr lang="en-US" sz="1200" dirty="0" smtClean="0">
-                    <a:latin typeface="Times New Roman" pitchFamily="18" charset="0"/>
-                    <a:cs typeface="Times New Roman" pitchFamily="18" charset="0"/>
-                  </a:rPr>
-                  <a:t>)</a:t>
-                </a:r>
-                <a:endParaRPr lang="en-US" sz="1200" dirty="0" smtClean="0">
-                  <a:latin typeface="Times New Roman" pitchFamily="18" charset="0"/>
-                  <a:cs typeface="Times New Roman" pitchFamily="18" charset="0"/>
-                </a:endParaRPr>
-              </a:p>
-              <a:p>
-                <a:r>
-                  <a:rPr lang="en-US" sz="1200" dirty="0" smtClean="0">
-                    <a:latin typeface="Times New Roman" pitchFamily="18" charset="0"/>
-                    <a:cs typeface="Times New Roman" pitchFamily="18" charset="0"/>
-                  </a:rPr>
-                  <a:t>+ </a:t>
-                </a:r>
-                <a:r>
-                  <a:rPr lang="en-US" sz="1200" dirty="0" smtClean="0">
-                    <a:latin typeface="Times New Roman" pitchFamily="18" charset="0"/>
-                    <a:cs typeface="Times New Roman" pitchFamily="18" charset="0"/>
-                  </a:rPr>
-                  <a:t>handle</a:t>
-                </a:r>
-                <a:r>
-                  <a:rPr lang="en-US" sz="1200" dirty="0" smtClean="0">
-                    <a:latin typeface="Times New Roman" pitchFamily="18" charset="0"/>
-                    <a:cs typeface="Times New Roman" pitchFamily="18" charset="0"/>
-                  </a:rPr>
-                  <a:t>(</a:t>
-                </a:r>
-                <a:r>
-                  <a:rPr lang="en-US" sz="1200" dirty="0" err="1" smtClean="0">
-                    <a:latin typeface="Times New Roman" pitchFamily="18" charset="0"/>
-                    <a:cs typeface="Times New Roman" pitchFamily="18" charset="0"/>
-                  </a:rPr>
-                  <a:t>int</a:t>
-                </a:r>
-                <a:r>
-                  <a:rPr lang="en-US" sz="1200" dirty="0" smtClean="0">
-                    <a:latin typeface="Times New Roman" pitchFamily="18" charset="0"/>
-                    <a:cs typeface="Times New Roman" pitchFamily="18" charset="0"/>
-                  </a:rPr>
-                  <a:t>)</a:t>
-                </a:r>
-              </a:p>
-              <a:p>
-                <a:r>
-                  <a:rPr lang="en-US" sz="1200" dirty="0" smtClean="0">
-                    <a:latin typeface="Times New Roman" pitchFamily="18" charset="0"/>
-                    <a:cs typeface="Times New Roman" pitchFamily="18" charset="0"/>
-                  </a:rPr>
-                  <a:t>+ dispose()</a:t>
-                </a:r>
-                <a:endParaRPr lang="en-US" sz="1200" dirty="0">
-                  <a:latin typeface="Times New Roman" pitchFamily="18" charset="0"/>
-                  <a:cs typeface="Times New Roman" pitchFamily="18" charset="0"/>
-                </a:endParaRPr>
-              </a:p>
-            </p:txBody>
-          </p:sp>
-        </p:grpSp>
-        <p:grpSp>
-          <p:nvGrpSpPr>
-            <p:cNvPr id="27" name="Group 26"/>
-            <p:cNvGrpSpPr/>
-            <p:nvPr/>
-          </p:nvGrpSpPr>
-          <p:grpSpPr>
-            <a:xfrm>
-              <a:off x="3048000" y="4693214"/>
-              <a:ext cx="1905000" cy="1740702"/>
-              <a:chOff x="8877300" y="4583898"/>
-              <a:chExt cx="1905000" cy="1740702"/>
+              <a:off x="-2590800" y="5226614"/>
+              <a:ext cx="4419600" cy="3917386"/>
+              <a:chOff x="-2590800" y="5074214"/>
+              <a:chExt cx="4419600" cy="3917386"/>
             </a:xfrm>
           </p:grpSpPr>
           <p:grpSp>
             <p:nvGrpSpPr>
-              <p:cNvPr id="127" name="Group 126"/>
+              <p:cNvPr id="29" name="Group 28"/>
               <p:cNvGrpSpPr/>
               <p:nvPr/>
             </p:nvGrpSpPr>
             <p:grpSpPr>
               <a:xfrm>
-                <a:off x="8877300" y="4583898"/>
-                <a:ext cx="1905000" cy="1740702"/>
-                <a:chOff x="533400" y="672864"/>
-                <a:chExt cx="1905000" cy="2352537"/>
+                <a:off x="-1371600" y="7804207"/>
+                <a:ext cx="1905000" cy="1187393"/>
+                <a:chOff x="533400" y="672865"/>
+                <a:chExt cx="1905000" cy="1604746"/>
               </a:xfrm>
             </p:grpSpPr>
             <p:sp>
               <p:nvSpPr>
-                <p:cNvPr id="129" name="Rectangle 128"/>
+                <p:cNvPr id="30" name="Rectangle 29"/>
                 <p:cNvSpPr/>
                 <p:nvPr/>
               </p:nvSpPr>
               <p:spPr>
                 <a:xfrm>
-                  <a:off x="533400" y="672864"/>
-                  <a:ext cx="1905000" cy="2352537"/>
+                  <a:off x="533400" y="672865"/>
+                  <a:ext cx="1905000" cy="1604746"/>
                 </a:xfrm>
                 <a:prstGeom prst="rect">
                   <a:avLst/>
@@ -7696,7 +6203,7 @@
             </p:sp>
             <p:sp>
               <p:nvSpPr>
-                <p:cNvPr id="130" name="TextBox 129"/>
+                <p:cNvPr id="31" name="TextBox 30"/>
                 <p:cNvSpPr txBox="1"/>
                 <p:nvPr/>
               </p:nvSpPr>
@@ -7725,7 +6232,7 @@
                       <a:latin typeface="Times New Roman" pitchFamily="18" charset="0"/>
                       <a:cs typeface="Times New Roman" pitchFamily="18" charset="0"/>
                     </a:rPr>
-                    <a:t>PrimeLink</a:t>
+                    <a:t>SocketInterface</a:t>
                   </a:r>
                   <a:endParaRPr lang="en-US" sz="1200" dirty="0" smtClean="0">
                     <a:latin typeface="Times New Roman" pitchFamily="18" charset="0"/>
@@ -7739,42 +6246,7 @@
                       <a:latin typeface="Times New Roman" pitchFamily="18" charset="0"/>
                       <a:cs typeface="Times New Roman" pitchFamily="18" charset="0"/>
                     </a:rPr>
-                    <a:t>/</a:t>
-                  </a:r>
-                  <a:r>
-                    <a:rPr lang="en-US" sz="1200" dirty="0" smtClean="0">
-                      <a:latin typeface="Times New Roman" pitchFamily="18" charset="0"/>
-                      <a:cs typeface="Times New Roman" pitchFamily="18" charset="0"/>
-                    </a:rPr>
-                    <a:t>/ </a:t>
-                  </a:r>
-                  <a:r>
-                    <a:rPr lang="en-US" sz="1200" dirty="0">
-                      <a:latin typeface="Times New Roman" pitchFamily="18" charset="0"/>
-                      <a:cs typeface="Times New Roman" pitchFamily="18" charset="0"/>
-                    </a:rPr>
-                    <a:t>p</a:t>
-                  </a:r>
-                  <a:r>
-                    <a:rPr lang="en-US" sz="1200" dirty="0" smtClean="0">
-                      <a:latin typeface="Times New Roman" pitchFamily="18" charset="0"/>
-                      <a:cs typeface="Times New Roman" pitchFamily="18" charset="0"/>
-                    </a:rPr>
-                    <a:t>rime </a:t>
-                  </a:r>
-                  <a:r>
-                    <a:rPr lang="en-US" sz="1200" dirty="0">
-                      <a:latin typeface="Times New Roman" pitchFamily="18" charset="0"/>
-                      <a:cs typeface="Times New Roman" pitchFamily="18" charset="0"/>
-                    </a:rPr>
-                    <a:t>h</a:t>
-                  </a:r>
-                  <a:r>
-                    <a:rPr lang="en-US" sz="1200" dirty="0" smtClean="0">
-                      <a:latin typeface="Times New Roman" pitchFamily="18" charset="0"/>
-                      <a:cs typeface="Times New Roman" pitchFamily="18" charset="0"/>
-                    </a:rPr>
-                    <a:t>andler</a:t>
+                    <a:t>// Interface</a:t>
                   </a:r>
                   <a:endParaRPr lang="en-US" sz="1200" dirty="0">
                     <a:latin typeface="Times New Roman" pitchFamily="18" charset="0"/>
@@ -7785,7 +6257,7 @@
             </p:sp>
             <p:cxnSp>
               <p:nvCxnSpPr>
-                <p:cNvPr id="131" name="Straight Connector 130"/>
+                <p:cNvPr id="32" name="Straight Connector 31"/>
                 <p:cNvCxnSpPr/>
                 <p:nvPr/>
               </p:nvCxnSpPr>
@@ -7820,13 +6292,13 @@
             </p:cxnSp>
             <p:cxnSp>
               <p:nvCxnSpPr>
-                <p:cNvPr id="132" name="Straight Connector 131"/>
+                <p:cNvPr id="33" name="Straight Connector 32"/>
                 <p:cNvCxnSpPr/>
                 <p:nvPr/>
               </p:nvCxnSpPr>
               <p:spPr>
                 <a:xfrm>
-                  <a:off x="533400" y="1686617"/>
+                  <a:off x="533400" y="1458174"/>
                   <a:ext cx="1905000" cy="0"/>
                 </a:xfrm>
                 <a:prstGeom prst="line">
@@ -7855,14 +6327,14 @@
             </p:cxnSp>
             <p:sp>
               <p:nvSpPr>
-                <p:cNvPr id="133" name="TextBox 132"/>
+                <p:cNvPr id="34" name="TextBox 33"/>
                 <p:cNvSpPr txBox="1"/>
                 <p:nvPr/>
               </p:nvSpPr>
               <p:spPr>
                 <a:xfrm>
-                  <a:off x="533400" y="1652745"/>
-                  <a:ext cx="1905000" cy="1372656"/>
+                  <a:off x="533400" y="1404103"/>
+                  <a:ext cx="1905000" cy="873508"/>
                 </a:xfrm>
                 <a:prstGeom prst="rect">
                   <a:avLst/>
@@ -7887,33 +6359,15 @@
                       <a:latin typeface="Times New Roman" pitchFamily="18" charset="0"/>
                       <a:cs typeface="Times New Roman" pitchFamily="18" charset="0"/>
                     </a:rPr>
-                    <a:t>PrimeLink</a:t>
+                    <a:t>getMessage</a:t>
                   </a:r>
                   <a:r>
                     <a:rPr lang="en-US" sz="1200" dirty="0" smtClean="0">
                       <a:latin typeface="Times New Roman" pitchFamily="18" charset="0"/>
                       <a:cs typeface="Times New Roman" pitchFamily="18" charset="0"/>
                     </a:rPr>
-                    <a:t>(</a:t>
+                    <a:t>()</a:t>
                   </a:r>
-                  <a:r>
-                    <a:rPr lang="en-US" sz="1200" dirty="0" err="1" smtClean="0">
-                      <a:latin typeface="Times New Roman" pitchFamily="18" charset="0"/>
-                      <a:cs typeface="Times New Roman" pitchFamily="18" charset="0"/>
-                    </a:rPr>
-                    <a:t>ServerFace</a:t>
-                  </a:r>
-                  <a:r>
-                    <a:rPr lang="en-US" sz="1200" dirty="0" smtClean="0">
-                      <a:latin typeface="Times New Roman" pitchFamily="18" charset="0"/>
-                      <a:cs typeface="Times New Roman" pitchFamily="18" charset="0"/>
-                    </a:rPr>
-                    <a:t>)</a:t>
-                  </a:r>
-                  <a:endParaRPr lang="en-US" sz="1200" dirty="0" smtClean="0">
-                    <a:latin typeface="Times New Roman" pitchFamily="18" charset="0"/>
-                    <a:cs typeface="Times New Roman" pitchFamily="18" charset="0"/>
-                  </a:endParaRPr>
                 </a:p>
                 <a:p>
                   <a:r>
@@ -7928,28 +6382,357 @@
                       <a:latin typeface="Times New Roman" pitchFamily="18" charset="0"/>
                       <a:cs typeface="Times New Roman" pitchFamily="18" charset="0"/>
                     </a:rPr>
-                    <a:t>addLast</a:t>
+                    <a:t>sendMessage</a:t>
                   </a:r>
                   <a:r>
                     <a:rPr lang="en-US" sz="1200" dirty="0" smtClean="0">
                       <a:latin typeface="Times New Roman" pitchFamily="18" charset="0"/>
                       <a:cs typeface="Times New Roman" pitchFamily="18" charset="0"/>
                     </a:rPr>
-                    <a:t>(</a:t>
+                    <a:t>()</a:t>
+                  </a:r>
+                </a:p>
+                <a:p>
+                  <a:r>
+                    <a:rPr lang="en-US" sz="1200" dirty="0" smtClean="0">
+                      <a:latin typeface="Times New Roman" pitchFamily="18" charset="0"/>
+                      <a:cs typeface="Times New Roman" pitchFamily="18" charset="0"/>
+                    </a:rPr>
+                    <a:t>+ dispose()</a:t>
+                  </a:r>
+                  <a:endParaRPr lang="en-US" sz="1200" dirty="0">
+                    <a:latin typeface="Times New Roman" pitchFamily="18" charset="0"/>
+                    <a:cs typeface="Times New Roman" pitchFamily="18" charset="0"/>
+                  </a:endParaRPr>
+                </a:p>
+              </p:txBody>
+            </p:sp>
+          </p:grpSp>
+          <p:grpSp>
+            <p:nvGrpSpPr>
+              <p:cNvPr id="42" name="Group 41"/>
+              <p:cNvGrpSpPr/>
+              <p:nvPr/>
+            </p:nvGrpSpPr>
+            <p:grpSpPr>
+              <a:xfrm>
+                <a:off x="-76200" y="5074214"/>
+                <a:ext cx="1905000" cy="1740669"/>
+                <a:chOff x="4419600" y="1982245"/>
+                <a:chExt cx="1905000" cy="1740669"/>
+              </a:xfrm>
+            </p:grpSpPr>
+            <p:grpSp>
+              <p:nvGrpSpPr>
+                <p:cNvPr id="35" name="Group 34"/>
+                <p:cNvGrpSpPr/>
+                <p:nvPr/>
+              </p:nvGrpSpPr>
+              <p:grpSpPr>
+                <a:xfrm>
+                  <a:off x="4419600" y="1982245"/>
+                  <a:ext cx="1905000" cy="1740669"/>
+                  <a:chOff x="533400" y="672864"/>
+                  <a:chExt cx="1905000" cy="2352492"/>
+                </a:xfrm>
+              </p:grpSpPr>
+              <p:sp>
+                <p:nvSpPr>
+                  <p:cNvPr id="36" name="Rectangle 35"/>
+                  <p:cNvSpPr/>
+                  <p:nvPr/>
+                </p:nvSpPr>
+                <p:spPr>
+                  <a:xfrm>
+                    <a:off x="533400" y="672864"/>
+                    <a:ext cx="1905000" cy="2328646"/>
+                  </a:xfrm>
+                  <a:prstGeom prst="rect">
+                    <a:avLst/>
+                  </a:prstGeom>
+                  <a:noFill/>
+                  <a:ln>
+                    <a:solidFill>
+                      <a:srgbClr val="0000CC"/>
+                    </a:solidFill>
+                  </a:ln>
+                </p:spPr>
+                <p:style>
+                  <a:lnRef idx="2">
+                    <a:schemeClr val="accent1">
+                      <a:shade val="50000"/>
+                    </a:schemeClr>
+                  </a:lnRef>
+                  <a:fillRef idx="1">
+                    <a:schemeClr val="accent1"/>
+                  </a:fillRef>
+                  <a:effectRef idx="0">
+                    <a:schemeClr val="accent1"/>
+                  </a:effectRef>
+                  <a:fontRef idx="minor">
+                    <a:schemeClr val="lt1"/>
+                  </a:fontRef>
+                </p:style>
+                <p:txBody>
+                  <a:bodyPr rtlCol="0" anchor="ctr"/>
+                  <a:lstStyle/>
+                  <a:p>
+                    <a:pPr algn="ctr"/>
+                    <a:endParaRPr lang="en-US" dirty="0"/>
+                  </a:p>
+                </p:txBody>
+              </p:sp>
+              <p:sp>
+                <p:nvSpPr>
+                  <p:cNvPr id="37" name="TextBox 36"/>
+                  <p:cNvSpPr txBox="1"/>
+                  <p:nvPr/>
+                </p:nvSpPr>
+                <p:spPr>
+                  <a:xfrm>
+                    <a:off x="533400" y="685800"/>
+                    <a:ext cx="1905000" cy="623934"/>
+                  </a:xfrm>
+                  <a:prstGeom prst="rect">
+                    <a:avLst/>
+                  </a:prstGeom>
+                  <a:noFill/>
+                  <a:ln>
+                    <a:noFill/>
+                  </a:ln>
+                </p:spPr>
+                <p:txBody>
+                  <a:bodyPr wrap="square" rtlCol="0">
+                    <a:spAutoFit/>
+                  </a:bodyPr>
+                  <a:lstStyle/>
+                  <a:p>
+                    <a:pPr algn="ctr"/>
+                    <a:r>
+                      <a:rPr lang="en-US" sz="1200" dirty="0" err="1" smtClean="0">
+                        <a:latin typeface="Times New Roman" pitchFamily="18" charset="0"/>
+                        <a:cs typeface="Times New Roman" pitchFamily="18" charset="0"/>
+                      </a:rPr>
+                      <a:t>ClientNetProxy</a:t>
+                    </a:r>
+                    <a:endParaRPr lang="en-US" sz="1200" dirty="0" smtClean="0">
+                      <a:latin typeface="Times New Roman" pitchFamily="18" charset="0"/>
+                      <a:cs typeface="Times New Roman" pitchFamily="18" charset="0"/>
+                    </a:endParaRPr>
+                  </a:p>
+                  <a:p>
+                    <a:pPr algn="ctr"/>
+                    <a:r>
+                      <a:rPr lang="en-US" sz="1200" dirty="0" smtClean="0">
+                        <a:latin typeface="Times New Roman" pitchFamily="18" charset="0"/>
+                        <a:cs typeface="Times New Roman" pitchFamily="18" charset="0"/>
+                      </a:rPr>
+                      <a:t>// client side</a:t>
+                    </a:r>
+                    <a:endParaRPr lang="en-US" sz="1200" dirty="0">
+                      <a:latin typeface="Times New Roman" pitchFamily="18" charset="0"/>
+                      <a:cs typeface="Times New Roman" pitchFamily="18" charset="0"/>
+                    </a:endParaRPr>
+                  </a:p>
+                </p:txBody>
+              </p:sp>
+              <p:cxnSp>
+                <p:nvCxnSpPr>
+                  <p:cNvPr id="38" name="Straight Connector 37"/>
+                  <p:cNvCxnSpPr/>
+                  <p:nvPr/>
+                </p:nvCxnSpPr>
+                <p:spPr>
+                  <a:xfrm>
+                    <a:off x="533400" y="1305774"/>
+                    <a:ext cx="1905000" cy="0"/>
+                  </a:xfrm>
+                  <a:prstGeom prst="line">
+                    <a:avLst/>
+                  </a:prstGeom>
+                  <a:ln w="25400">
+                    <a:solidFill>
+                      <a:srgbClr val="0000CC"/>
+                    </a:solidFill>
+                  </a:ln>
+                </p:spPr>
+                <p:style>
+                  <a:lnRef idx="1">
+                    <a:schemeClr val="accent1"/>
+                  </a:lnRef>
+                  <a:fillRef idx="0">
+                    <a:schemeClr val="accent1"/>
+                  </a:fillRef>
+                  <a:effectRef idx="0">
+                    <a:schemeClr val="accent1"/>
+                  </a:effectRef>
+                  <a:fontRef idx="minor">
+                    <a:schemeClr val="tx1"/>
+                  </a:fontRef>
+                </p:style>
+              </p:cxnSp>
+              <p:cxnSp>
+                <p:nvCxnSpPr>
+                  <p:cNvPr id="39" name="Straight Connector 38"/>
+                  <p:cNvCxnSpPr/>
+                  <p:nvPr/>
+                </p:nvCxnSpPr>
+                <p:spPr>
+                  <a:xfrm>
+                    <a:off x="533400" y="2161249"/>
+                    <a:ext cx="1905000" cy="0"/>
+                  </a:xfrm>
+                  <a:prstGeom prst="line">
+                    <a:avLst/>
+                  </a:prstGeom>
+                  <a:ln w="25400">
+                    <a:solidFill>
+                      <a:srgbClr val="0000CC"/>
+                    </a:solidFill>
+                  </a:ln>
+                </p:spPr>
+                <p:style>
+                  <a:lnRef idx="1">
+                    <a:schemeClr val="accent1"/>
+                  </a:lnRef>
+                  <a:fillRef idx="0">
+                    <a:schemeClr val="accent1"/>
+                  </a:fillRef>
+                  <a:effectRef idx="0">
+                    <a:schemeClr val="accent1"/>
+                  </a:effectRef>
+                  <a:fontRef idx="minor">
+                    <a:schemeClr val="tx1"/>
+                  </a:fontRef>
+                </p:style>
+              </p:cxnSp>
+              <p:sp>
+                <p:nvSpPr>
+                  <p:cNvPr id="40" name="TextBox 39"/>
+                  <p:cNvSpPr txBox="1"/>
+                  <p:nvPr/>
+                </p:nvSpPr>
+                <p:spPr>
+                  <a:xfrm>
+                    <a:off x="533400" y="2151848"/>
+                    <a:ext cx="1905000" cy="873508"/>
+                  </a:xfrm>
+                  <a:prstGeom prst="rect">
+                    <a:avLst/>
+                  </a:prstGeom>
+                  <a:noFill/>
+                </p:spPr>
+                <p:txBody>
+                  <a:bodyPr wrap="square" rtlCol="0">
+                    <a:spAutoFit/>
+                  </a:bodyPr>
+                  <a:lstStyle/>
+                  <a:p>
+                    <a:r>
+                      <a:rPr lang="en-US" sz="1200" dirty="0" smtClean="0">
+                        <a:latin typeface="Times New Roman" pitchFamily="18" charset="0"/>
+                        <a:cs typeface="Times New Roman" pitchFamily="18" charset="0"/>
+                      </a:rPr>
+                      <a:t>+ </a:t>
+                    </a:r>
+                    <a:r>
+                      <a:rPr lang="en-US" sz="1200" dirty="0" err="1" smtClean="0">
+                        <a:latin typeface="Times New Roman" pitchFamily="18" charset="0"/>
+                        <a:cs typeface="Times New Roman" pitchFamily="18" charset="0"/>
+                      </a:rPr>
+                      <a:t>getMessage</a:t>
+                    </a:r>
+                    <a:r>
+                      <a:rPr lang="en-US" sz="1200" dirty="0" smtClean="0">
+                        <a:latin typeface="Times New Roman" pitchFamily="18" charset="0"/>
+                        <a:cs typeface="Times New Roman" pitchFamily="18" charset="0"/>
+                      </a:rPr>
+                      <a:t>()</a:t>
+                    </a:r>
+                  </a:p>
+                  <a:p>
+                    <a:r>
+                      <a:rPr lang="en-US" sz="1200" dirty="0" smtClean="0">
+                        <a:latin typeface="Times New Roman" pitchFamily="18" charset="0"/>
+                        <a:cs typeface="Times New Roman" pitchFamily="18" charset="0"/>
+                      </a:rPr>
+                      <a:t>+ </a:t>
+                    </a:r>
+                    <a:r>
+                      <a:rPr lang="en-US" sz="1200" dirty="0" err="1" smtClean="0">
+                        <a:latin typeface="Times New Roman" pitchFamily="18" charset="0"/>
+                        <a:cs typeface="Times New Roman" pitchFamily="18" charset="0"/>
+                      </a:rPr>
+                      <a:t>sendMessage</a:t>
+                    </a:r>
+                    <a:r>
+                      <a:rPr lang="en-US" sz="1200" dirty="0" smtClean="0">
+                        <a:latin typeface="Times New Roman" pitchFamily="18" charset="0"/>
+                        <a:cs typeface="Times New Roman" pitchFamily="18" charset="0"/>
+                      </a:rPr>
+                      <a:t>()</a:t>
+                    </a:r>
+                  </a:p>
+                  <a:p>
+                    <a:r>
+                      <a:rPr lang="en-US" sz="1200" dirty="0" smtClean="0">
+                        <a:latin typeface="Times New Roman" pitchFamily="18" charset="0"/>
+                        <a:cs typeface="Times New Roman" pitchFamily="18" charset="0"/>
+                      </a:rPr>
+                      <a:t>+ dispose()</a:t>
+                    </a:r>
+                    <a:endParaRPr lang="en-US" sz="1200" dirty="0">
+                      <a:latin typeface="Times New Roman" pitchFamily="18" charset="0"/>
+                      <a:cs typeface="Times New Roman" pitchFamily="18" charset="0"/>
+                    </a:endParaRPr>
+                  </a:p>
+                </p:txBody>
+              </p:sp>
+            </p:grpSp>
+            <p:sp>
+              <p:nvSpPr>
+                <p:cNvPr id="41" name="TextBox 40"/>
+                <p:cNvSpPr txBox="1"/>
+                <p:nvPr/>
+              </p:nvSpPr>
+              <p:spPr>
+                <a:xfrm>
+                  <a:off x="4419600" y="2401669"/>
+                  <a:ext cx="1905000" cy="646331"/>
+                </a:xfrm>
+                <a:prstGeom prst="rect">
+                  <a:avLst/>
+                </a:prstGeom>
+                <a:noFill/>
+              </p:spPr>
+              <p:txBody>
+                <a:bodyPr wrap="square" rtlCol="0">
+                  <a:spAutoFit/>
+                </a:bodyPr>
+                <a:lstStyle/>
+                <a:p>
+                  <a:r>
+                    <a:rPr lang="en-US" sz="1200" dirty="0" smtClean="0">
+                      <a:latin typeface="Times New Roman" pitchFamily="18" charset="0"/>
+                      <a:cs typeface="Times New Roman" pitchFamily="18" charset="0"/>
+                    </a:rPr>
+                    <a:t>- socket: Socket</a:t>
+                  </a:r>
+                </a:p>
+                <a:p>
+                  <a:r>
+                    <a:rPr lang="en-US" sz="1200" dirty="0" smtClean="0">
+                      <a:latin typeface="Times New Roman" pitchFamily="18" charset="0"/>
+                      <a:cs typeface="Times New Roman" pitchFamily="18" charset="0"/>
+                    </a:rPr>
+                    <a:t>- in: </a:t>
                   </a:r>
                   <a:r>
                     <a:rPr lang="en-US" sz="1200" dirty="0" err="1" smtClean="0">
                       <a:latin typeface="Times New Roman" pitchFamily="18" charset="0"/>
                       <a:cs typeface="Times New Roman" pitchFamily="18" charset="0"/>
                     </a:rPr>
-                    <a:t>LinkFace</a:t>
-                  </a:r>
-                  <a:r>
-                    <a:rPr lang="en-US" sz="1200" dirty="0" smtClean="0">
-                      <a:latin typeface="Times New Roman" pitchFamily="18" charset="0"/>
-                      <a:cs typeface="Times New Roman" pitchFamily="18" charset="0"/>
-                    </a:rPr>
-                    <a:t>)</a:t>
+                    <a:t>BufferedReader</a:t>
                   </a:r>
                   <a:endParaRPr lang="en-US" sz="1200" dirty="0" smtClean="0">
                     <a:latin typeface="Times New Roman" pitchFamily="18" charset="0"/>
@@ -7962,28 +6745,398 @@
                       <a:latin typeface="Times New Roman" pitchFamily="18" charset="0"/>
                       <a:cs typeface="Times New Roman" pitchFamily="18" charset="0"/>
                     </a:rPr>
-                    <a:t>+ </a:t>
+                    <a:t>- out: </a:t>
+                  </a:r>
+                  <a:r>
+                    <a:rPr lang="en-US" sz="1200" dirty="0" err="1" smtClean="0">
+                      <a:latin typeface="Times New Roman" pitchFamily="18" charset="0"/>
+                      <a:cs typeface="Times New Roman" pitchFamily="18" charset="0"/>
+                    </a:rPr>
+                    <a:t>PrintWriter</a:t>
+                  </a:r>
+                  <a:endParaRPr lang="en-US" sz="1200" dirty="0" smtClean="0">
+                    <a:latin typeface="Times New Roman" pitchFamily="18" charset="0"/>
+                    <a:cs typeface="Times New Roman" pitchFamily="18" charset="0"/>
+                  </a:endParaRPr>
+                </a:p>
+              </p:txBody>
+            </p:sp>
+          </p:grpSp>
+          <p:grpSp>
+            <p:nvGrpSpPr>
+              <p:cNvPr id="43" name="Group 42"/>
+              <p:cNvGrpSpPr/>
+              <p:nvPr/>
+            </p:nvGrpSpPr>
+            <p:grpSpPr>
+              <a:xfrm>
+                <a:off x="-2590800" y="5074214"/>
+                <a:ext cx="1905000" cy="2088586"/>
+                <a:chOff x="4419600" y="1982245"/>
+                <a:chExt cx="1905000" cy="2088586"/>
+              </a:xfrm>
+            </p:grpSpPr>
+            <p:grpSp>
+              <p:nvGrpSpPr>
+                <p:cNvPr id="44" name="Group 43"/>
+                <p:cNvGrpSpPr/>
+                <p:nvPr/>
+              </p:nvGrpSpPr>
+              <p:grpSpPr>
+                <a:xfrm>
+                  <a:off x="4419600" y="1982245"/>
+                  <a:ext cx="1905000" cy="2088586"/>
+                  <a:chOff x="533400" y="672864"/>
+                  <a:chExt cx="1905000" cy="2822698"/>
+                </a:xfrm>
+              </p:grpSpPr>
+              <p:sp>
+                <p:nvSpPr>
+                  <p:cNvPr id="46" name="Rectangle 45"/>
+                  <p:cNvSpPr/>
+                  <p:nvPr/>
+                </p:nvSpPr>
+                <p:spPr>
+                  <a:xfrm>
+                    <a:off x="533400" y="672864"/>
+                    <a:ext cx="1905000" cy="2776350"/>
+                  </a:xfrm>
+                  <a:prstGeom prst="rect">
+                    <a:avLst/>
+                  </a:prstGeom>
+                  <a:noFill/>
+                  <a:ln>
+                    <a:solidFill>
+                      <a:srgbClr val="0000CC"/>
+                    </a:solidFill>
+                  </a:ln>
+                </p:spPr>
+                <p:style>
+                  <a:lnRef idx="2">
+                    <a:schemeClr val="accent1">
+                      <a:shade val="50000"/>
+                    </a:schemeClr>
+                  </a:lnRef>
+                  <a:fillRef idx="1">
+                    <a:schemeClr val="accent1"/>
+                  </a:fillRef>
+                  <a:effectRef idx="0">
+                    <a:schemeClr val="accent1"/>
+                  </a:effectRef>
+                  <a:fontRef idx="minor">
+                    <a:schemeClr val="lt1"/>
+                  </a:fontRef>
+                </p:style>
+                <p:txBody>
+                  <a:bodyPr rtlCol="0" anchor="ctr"/>
+                  <a:lstStyle/>
+                  <a:p>
+                    <a:pPr algn="ctr"/>
+                    <a:endParaRPr lang="en-US" dirty="0"/>
+                  </a:p>
+                </p:txBody>
+              </p:sp>
+              <p:sp>
+                <p:nvSpPr>
+                  <p:cNvPr id="47" name="TextBox 46"/>
+                  <p:cNvSpPr txBox="1"/>
+                  <p:nvPr/>
+                </p:nvSpPr>
+                <p:spPr>
+                  <a:xfrm>
+                    <a:off x="533400" y="685800"/>
+                    <a:ext cx="1905000" cy="623934"/>
+                  </a:xfrm>
+                  <a:prstGeom prst="rect">
+                    <a:avLst/>
+                  </a:prstGeom>
+                  <a:noFill/>
+                  <a:ln>
+                    <a:noFill/>
+                  </a:ln>
+                </p:spPr>
+                <p:txBody>
+                  <a:bodyPr wrap="square" rtlCol="0">
+                    <a:spAutoFit/>
+                  </a:bodyPr>
+                  <a:lstStyle/>
+                  <a:p>
+                    <a:pPr algn="ctr"/>
+                    <a:r>
+                      <a:rPr lang="en-US" sz="1200" dirty="0" err="1" smtClean="0">
+                        <a:latin typeface="Times New Roman" pitchFamily="18" charset="0"/>
+                        <a:cs typeface="Times New Roman" pitchFamily="18" charset="0"/>
+                      </a:rPr>
+                      <a:t>ServerNetProxy</a:t>
+                    </a:r>
+                    <a:endParaRPr lang="en-US" sz="1200" dirty="0" smtClean="0">
+                      <a:latin typeface="Times New Roman" pitchFamily="18" charset="0"/>
+                      <a:cs typeface="Times New Roman" pitchFamily="18" charset="0"/>
+                    </a:endParaRPr>
+                  </a:p>
+                  <a:p>
+                    <a:pPr algn="ctr"/>
+                    <a:r>
+                      <a:rPr lang="en-US" sz="1200" dirty="0" smtClean="0">
+                        <a:latin typeface="Times New Roman" pitchFamily="18" charset="0"/>
+                        <a:cs typeface="Times New Roman" pitchFamily="18" charset="0"/>
+                      </a:rPr>
+                      <a:t>// Server side</a:t>
+                    </a:r>
+                    <a:endParaRPr lang="en-US" sz="1200" dirty="0">
+                      <a:latin typeface="Times New Roman" pitchFamily="18" charset="0"/>
+                      <a:cs typeface="Times New Roman" pitchFamily="18" charset="0"/>
+                    </a:endParaRPr>
+                  </a:p>
+                </p:txBody>
+              </p:sp>
+              <p:cxnSp>
+                <p:nvCxnSpPr>
+                  <p:cNvPr id="48" name="Straight Connector 47"/>
+                  <p:cNvCxnSpPr/>
+                  <p:nvPr/>
+                </p:nvCxnSpPr>
+                <p:spPr>
+                  <a:xfrm>
+                    <a:off x="533400" y="1305774"/>
+                    <a:ext cx="1905000" cy="0"/>
+                  </a:xfrm>
+                  <a:prstGeom prst="line">
+                    <a:avLst/>
+                  </a:prstGeom>
+                  <a:ln w="25400">
+                    <a:solidFill>
+                      <a:srgbClr val="0000CC"/>
+                    </a:solidFill>
+                  </a:ln>
+                </p:spPr>
+                <p:style>
+                  <a:lnRef idx="1">
+                    <a:schemeClr val="accent1"/>
+                  </a:lnRef>
+                  <a:fillRef idx="0">
+                    <a:schemeClr val="accent1"/>
+                  </a:fillRef>
+                  <a:effectRef idx="0">
+                    <a:schemeClr val="accent1"/>
+                  </a:effectRef>
+                  <a:fontRef idx="minor">
+                    <a:schemeClr val="tx1"/>
+                  </a:fontRef>
+                </p:style>
+              </p:cxnSp>
+              <p:cxnSp>
+                <p:nvCxnSpPr>
+                  <p:cNvPr id="49" name="Straight Connector 48"/>
+                  <p:cNvCxnSpPr/>
+                  <p:nvPr/>
+                </p:nvCxnSpPr>
+                <p:spPr>
+                  <a:xfrm>
+                    <a:off x="533400" y="2414053"/>
+                    <a:ext cx="1905000" cy="0"/>
+                  </a:xfrm>
+                  <a:prstGeom prst="line">
+                    <a:avLst/>
+                  </a:prstGeom>
+                  <a:ln w="25400">
+                    <a:solidFill>
+                      <a:srgbClr val="0000CC"/>
+                    </a:solidFill>
+                  </a:ln>
+                </p:spPr>
+                <p:style>
+                  <a:lnRef idx="1">
+                    <a:schemeClr val="accent1"/>
+                  </a:lnRef>
+                  <a:fillRef idx="0">
+                    <a:schemeClr val="accent1"/>
+                  </a:fillRef>
+                  <a:effectRef idx="0">
+                    <a:schemeClr val="accent1"/>
+                  </a:effectRef>
+                  <a:fontRef idx="minor">
+                    <a:schemeClr val="tx1"/>
+                  </a:fontRef>
+                </p:style>
+              </p:cxnSp>
+              <p:sp>
+                <p:nvSpPr>
+                  <p:cNvPr id="50" name="TextBox 49"/>
+                  <p:cNvSpPr txBox="1"/>
+                  <p:nvPr/>
+                </p:nvSpPr>
+                <p:spPr>
+                  <a:xfrm>
+                    <a:off x="533400" y="2372480"/>
+                    <a:ext cx="1905000" cy="1123082"/>
+                  </a:xfrm>
+                  <a:prstGeom prst="rect">
+                    <a:avLst/>
+                  </a:prstGeom>
+                  <a:noFill/>
+                </p:spPr>
+                <p:txBody>
+                  <a:bodyPr wrap="square" rtlCol="0">
+                    <a:spAutoFit/>
+                  </a:bodyPr>
+                  <a:lstStyle/>
+                  <a:p>
+                    <a:r>
+                      <a:rPr lang="en-US" sz="1200" dirty="0" smtClean="0">
+                        <a:latin typeface="Times New Roman" pitchFamily="18" charset="0"/>
+                        <a:cs typeface="Times New Roman" pitchFamily="18" charset="0"/>
+                      </a:rPr>
+                      <a:t>+ accept()</a:t>
+                    </a:r>
+                  </a:p>
+                  <a:p>
+                    <a:r>
+                      <a:rPr lang="en-US" sz="1200" dirty="0" smtClean="0">
+                        <a:latin typeface="Times New Roman" pitchFamily="18" charset="0"/>
+                        <a:cs typeface="Times New Roman" pitchFamily="18" charset="0"/>
+                      </a:rPr>
+                      <a:t>+ </a:t>
+                    </a:r>
+                    <a:r>
+                      <a:rPr lang="en-US" sz="1200" dirty="0" err="1" smtClean="0">
+                        <a:latin typeface="Times New Roman" pitchFamily="18" charset="0"/>
+                        <a:cs typeface="Times New Roman" pitchFamily="18" charset="0"/>
+                      </a:rPr>
+                      <a:t>getMessage</a:t>
+                    </a:r>
+                    <a:r>
+                      <a:rPr lang="en-US" sz="1200" dirty="0" smtClean="0">
+                        <a:latin typeface="Times New Roman" pitchFamily="18" charset="0"/>
+                        <a:cs typeface="Times New Roman" pitchFamily="18" charset="0"/>
+                      </a:rPr>
+                      <a:t>()</a:t>
+                    </a:r>
+                  </a:p>
+                  <a:p>
+                    <a:r>
+                      <a:rPr lang="en-US" sz="1200" dirty="0" smtClean="0">
+                        <a:latin typeface="Times New Roman" pitchFamily="18" charset="0"/>
+                        <a:cs typeface="Times New Roman" pitchFamily="18" charset="0"/>
+                      </a:rPr>
+                      <a:t>+ </a:t>
+                    </a:r>
+                    <a:r>
+                      <a:rPr lang="en-US" sz="1200" dirty="0" err="1" smtClean="0">
+                        <a:latin typeface="Times New Roman" pitchFamily="18" charset="0"/>
+                        <a:cs typeface="Times New Roman" pitchFamily="18" charset="0"/>
+                      </a:rPr>
+                      <a:t>sendMessage</a:t>
+                    </a:r>
+                    <a:r>
+                      <a:rPr lang="en-US" sz="1200" dirty="0" smtClean="0">
+                        <a:latin typeface="Times New Roman" pitchFamily="18" charset="0"/>
+                        <a:cs typeface="Times New Roman" pitchFamily="18" charset="0"/>
+                      </a:rPr>
+                      <a:t>()</a:t>
+                    </a:r>
+                  </a:p>
+                  <a:p>
+                    <a:r>
+                      <a:rPr lang="en-US" sz="1200" dirty="0" smtClean="0">
+                        <a:latin typeface="Times New Roman" pitchFamily="18" charset="0"/>
+                        <a:cs typeface="Times New Roman" pitchFamily="18" charset="0"/>
+                      </a:rPr>
+                      <a:t>+ dispose()</a:t>
+                    </a:r>
+                    <a:endParaRPr lang="en-US" sz="1200" dirty="0">
+                      <a:latin typeface="Times New Roman" pitchFamily="18" charset="0"/>
+                      <a:cs typeface="Times New Roman" pitchFamily="18" charset="0"/>
+                    </a:endParaRPr>
+                  </a:p>
+                </p:txBody>
+              </p:sp>
+            </p:grpSp>
+            <p:sp>
+              <p:nvSpPr>
+                <p:cNvPr id="45" name="TextBox 44"/>
+                <p:cNvSpPr txBox="1"/>
+                <p:nvPr/>
+              </p:nvSpPr>
+              <p:spPr>
+                <a:xfrm>
+                  <a:off x="4419600" y="2432395"/>
+                  <a:ext cx="1905000" cy="830997"/>
+                </a:xfrm>
+                <a:prstGeom prst="rect">
+                  <a:avLst/>
+                </a:prstGeom>
+                <a:noFill/>
+              </p:spPr>
+              <p:txBody>
+                <a:bodyPr wrap="square" rtlCol="0">
+                  <a:spAutoFit/>
+                </a:bodyPr>
+                <a:lstStyle/>
+                <a:p>
+                  <a:r>
+                    <a:rPr lang="en-US" sz="1200" dirty="0" smtClean="0">
+                      <a:latin typeface="Times New Roman" pitchFamily="18" charset="0"/>
+                      <a:cs typeface="Times New Roman" pitchFamily="18" charset="0"/>
+                    </a:rPr>
+                    <a:t>- </a:t>
+                  </a:r>
+                  <a:r>
+                    <a:rPr lang="en-US" sz="1200" dirty="0" err="1" smtClean="0">
+                      <a:latin typeface="Times New Roman" pitchFamily="18" charset="0"/>
+                      <a:cs typeface="Times New Roman" pitchFamily="18" charset="0"/>
+                    </a:rPr>
+                    <a:t>servSocket</a:t>
                   </a:r>
                   <a:r>
                     <a:rPr lang="en-US" sz="1200" dirty="0" smtClean="0">
                       <a:latin typeface="Times New Roman" pitchFamily="18" charset="0"/>
                       <a:cs typeface="Times New Roman" pitchFamily="18" charset="0"/>
                     </a:rPr>
-                    <a:t>handle(</a:t>
+                    <a:t>: </a:t>
                   </a:r>
                   <a:r>
                     <a:rPr lang="en-US" sz="1200" dirty="0" err="1" smtClean="0">
                       <a:latin typeface="Times New Roman" pitchFamily="18" charset="0"/>
                       <a:cs typeface="Times New Roman" pitchFamily="18" charset="0"/>
                     </a:rPr>
-                    <a:t>int</a:t>
+                    <a:t>ServerSocket</a:t>
+                  </a:r>
+                  <a:endParaRPr lang="en-US" sz="1200" dirty="0" smtClean="0">
+                    <a:latin typeface="Times New Roman" pitchFamily="18" charset="0"/>
+                    <a:cs typeface="Times New Roman" pitchFamily="18" charset="0"/>
+                  </a:endParaRPr>
+                </a:p>
+                <a:p>
+                  <a:r>
+                    <a:rPr lang="en-US" sz="1200" dirty="0">
+                      <a:latin typeface="Times New Roman" pitchFamily="18" charset="0"/>
+                      <a:cs typeface="Times New Roman" pitchFamily="18" charset="0"/>
+                    </a:rPr>
+                    <a:t>-</a:t>
                   </a:r>
                   <a:r>
                     <a:rPr lang="en-US" sz="1200" dirty="0" smtClean="0">
                       <a:latin typeface="Times New Roman" pitchFamily="18" charset="0"/>
                       <a:cs typeface="Times New Roman" pitchFamily="18" charset="0"/>
                     </a:rPr>
-                    <a:t>)</a:t>
+                    <a:t> socket: Socket</a:t>
+                  </a:r>
+                </a:p>
+                <a:p>
+                  <a:r>
+                    <a:rPr lang="en-US" sz="1200" dirty="0" smtClean="0">
+                      <a:latin typeface="Times New Roman" pitchFamily="18" charset="0"/>
+                      <a:cs typeface="Times New Roman" pitchFamily="18" charset="0"/>
+                    </a:rPr>
+                    <a:t>- in: </a:t>
+                  </a:r>
+                  <a:r>
+                    <a:rPr lang="en-US" sz="1200" dirty="0" err="1" smtClean="0">
+                      <a:latin typeface="Times New Roman" pitchFamily="18" charset="0"/>
+                      <a:cs typeface="Times New Roman" pitchFamily="18" charset="0"/>
+                    </a:rPr>
+                    <a:t>BufferedReader</a:t>
                   </a:r>
                   <a:endParaRPr lang="en-US" sz="1200" dirty="0" smtClean="0">
                     <a:latin typeface="Times New Roman" pitchFamily="18" charset="0"/>
@@ -7996,39 +7149,16 @@
                       <a:latin typeface="Times New Roman" pitchFamily="18" charset="0"/>
                       <a:cs typeface="Times New Roman" pitchFamily="18" charset="0"/>
                     </a:rPr>
-                    <a:t>+ dispose(</a:t>
-                  </a:r>
-                  <a:r>
-                    <a:rPr lang="en-US" sz="1200" dirty="0" smtClean="0">
-                      <a:latin typeface="Times New Roman" pitchFamily="18" charset="0"/>
-                      <a:cs typeface="Times New Roman" pitchFamily="18" charset="0"/>
-                    </a:rPr>
-                    <a:t>)</a:t>
-                  </a:r>
-                </a:p>
-                <a:p>
-                  <a:r>
-                    <a:rPr lang="en-US" sz="1200" dirty="0" smtClean="0">
-                      <a:latin typeface="Times New Roman" pitchFamily="18" charset="0"/>
-                      <a:cs typeface="Times New Roman" pitchFamily="18" charset="0"/>
-                    </a:rPr>
-                    <a:t>-  </a:t>
+                    <a:t>- out: </a:t>
                   </a:r>
                   <a:r>
                     <a:rPr lang="en-US" sz="1200" dirty="0" err="1" smtClean="0">
                       <a:latin typeface="Times New Roman" pitchFamily="18" charset="0"/>
                       <a:cs typeface="Times New Roman" pitchFamily="18" charset="0"/>
                     </a:rPr>
-                    <a:t>fillPrime</a:t>
+                    <a:t>PrintWriter</a:t>
                   </a:r>
-                  <a:r>
-                    <a:rPr lang="en-US" sz="1200" dirty="0" smtClean="0">
-                      <a:latin typeface="Times New Roman" pitchFamily="18" charset="0"/>
-                      <a:cs typeface="Times New Roman" pitchFamily="18" charset="0"/>
-                    </a:rPr>
-                    <a:t>()</a:t>
-                  </a:r>
-                  <a:endParaRPr lang="en-US" sz="1200" dirty="0">
+                  <a:endParaRPr lang="en-US" sz="1200" dirty="0" smtClean="0">
                     <a:latin typeface="Times New Roman" pitchFamily="18" charset="0"/>
                     <a:cs typeface="Times New Roman" pitchFamily="18" charset="0"/>
                   </a:endParaRPr>
@@ -8036,221 +7166,103 @@
               </p:txBody>
             </p:sp>
           </p:grpSp>
+          <p:cxnSp>
+            <p:nvCxnSpPr>
+              <p:cNvPr id="173" name="Elbow Connector 172"/>
+              <p:cNvCxnSpPr>
+                <a:stCxn id="50" idx="2"/>
+                <a:endCxn id="30" idx="0"/>
+              </p:cNvCxnSpPr>
+              <p:nvPr/>
+            </p:nvCxnSpPr>
+            <p:spPr>
+              <a:xfrm rot="16200000" flipH="1">
+                <a:off x="-1349403" y="6873903"/>
+                <a:ext cx="641407" cy="1219200"/>
+              </a:xfrm>
+              <a:prstGeom prst="bentConnector3">
+                <a:avLst>
+                  <a:gd name="adj1" fmla="val 50000"/>
+                </a:avLst>
+              </a:prstGeom>
+              <a:ln w="25400">
+                <a:solidFill>
+                  <a:srgbClr val="0000CC"/>
+                </a:solidFill>
+              </a:ln>
+            </p:spPr>
+            <p:style>
+              <a:lnRef idx="1">
+                <a:schemeClr val="accent1"/>
+              </a:lnRef>
+              <a:fillRef idx="0">
+                <a:schemeClr val="accent1"/>
+              </a:fillRef>
+              <a:effectRef idx="0">
+                <a:schemeClr val="accent1"/>
+              </a:effectRef>
+              <a:fontRef idx="minor">
+                <a:schemeClr val="tx1"/>
+              </a:fontRef>
+            </p:style>
+          </p:cxnSp>
+          <p:cxnSp>
+            <p:nvCxnSpPr>
+              <p:cNvPr id="174" name="Elbow Connector 173"/>
+              <p:cNvCxnSpPr>
+                <a:stCxn id="40" idx="2"/>
+                <a:endCxn id="30" idx="0"/>
+              </p:cNvCxnSpPr>
+              <p:nvPr/>
+            </p:nvCxnSpPr>
+            <p:spPr>
+              <a:xfrm rot="5400000">
+                <a:off x="-266062" y="6661845"/>
+                <a:ext cx="989324" cy="1295400"/>
+              </a:xfrm>
+              <a:prstGeom prst="bentConnector3">
+                <a:avLst>
+                  <a:gd name="adj1" fmla="val 50000"/>
+                </a:avLst>
+              </a:prstGeom>
+              <a:ln w="25400">
+                <a:solidFill>
+                  <a:srgbClr val="0000CC"/>
+                </a:solidFill>
+              </a:ln>
+            </p:spPr>
+            <p:style>
+              <a:lnRef idx="1">
+                <a:schemeClr val="accent1"/>
+              </a:lnRef>
+              <a:fillRef idx="0">
+                <a:schemeClr val="accent1"/>
+              </a:fillRef>
+              <a:effectRef idx="0">
+                <a:schemeClr val="accent1"/>
+              </a:effectRef>
+              <a:fontRef idx="minor">
+                <a:schemeClr val="tx1"/>
+              </a:fontRef>
+            </p:style>
+          </p:cxnSp>
           <p:sp>
             <p:nvSpPr>
-              <p:cNvPr id="128" name="TextBox 127"/>
-              <p:cNvSpPr txBox="1"/>
-              <p:nvPr/>
-            </p:nvSpPr>
-            <p:spPr>
-              <a:xfrm>
-                <a:off x="8877300" y="5034048"/>
-                <a:ext cx="1905000" cy="276999"/>
-              </a:xfrm>
-              <a:prstGeom prst="rect">
-                <a:avLst/>
-              </a:prstGeom>
-              <a:noFill/>
-            </p:spPr>
-            <p:txBody>
-              <a:bodyPr wrap="square" rtlCol="0">
-                <a:spAutoFit/>
-              </a:bodyPr>
-              <a:lstStyle/>
-              <a:p>
-                <a:r>
-                  <a:rPr lang="en-US" sz="1200" dirty="0" smtClean="0">
-                    <a:latin typeface="Times New Roman" pitchFamily="18" charset="0"/>
-                    <a:cs typeface="Times New Roman" pitchFamily="18" charset="0"/>
-                  </a:rPr>
-                  <a:t>- </a:t>
-                </a:r>
-                <a:r>
-                  <a:rPr lang="en-US" sz="1200" dirty="0" smtClean="0">
-                    <a:latin typeface="Times New Roman" pitchFamily="18" charset="0"/>
-                    <a:cs typeface="Times New Roman" pitchFamily="18" charset="0"/>
-                  </a:rPr>
-                  <a:t>Primes: </a:t>
-                </a:r>
-                <a:r>
-                  <a:rPr lang="en-US" sz="1200" dirty="0" err="1" smtClean="0">
-                    <a:latin typeface="Times New Roman" pitchFamily="18" charset="0"/>
-                    <a:cs typeface="Times New Roman" pitchFamily="18" charset="0"/>
-                  </a:rPr>
-                  <a:t>boolean</a:t>
-                </a:r>
-                <a:r>
-                  <a:rPr lang="en-US" sz="1200" dirty="0" smtClean="0">
-                    <a:latin typeface="Times New Roman" pitchFamily="18" charset="0"/>
-                    <a:cs typeface="Times New Roman" pitchFamily="18" charset="0"/>
-                  </a:rPr>
-                  <a:t>[]</a:t>
-                </a:r>
-                <a:endParaRPr lang="en-US" sz="1200" dirty="0" smtClean="0">
-                  <a:latin typeface="Times New Roman" pitchFamily="18" charset="0"/>
-                  <a:cs typeface="Times New Roman" pitchFamily="18" charset="0"/>
-                </a:endParaRPr>
-              </a:p>
-            </p:txBody>
-          </p:sp>
-        </p:grpSp>
-        <p:cxnSp>
-          <p:nvCxnSpPr>
-            <p:cNvPr id="134" name="Elbow Connector 133"/>
-            <p:cNvCxnSpPr>
-              <a:stCxn id="133" idx="2"/>
-              <a:endCxn id="100" idx="0"/>
-            </p:cNvCxnSpPr>
-            <p:nvPr/>
-          </p:nvCxnSpPr>
-          <p:spPr>
-            <a:xfrm rot="16200000" flipH="1">
-              <a:off x="4779288" y="5655128"/>
-              <a:ext cx="804625" cy="2362200"/>
-            </a:xfrm>
-            <a:prstGeom prst="bentConnector3">
-              <a:avLst>
-                <a:gd name="adj1" fmla="val 50000"/>
-              </a:avLst>
-            </a:prstGeom>
-            <a:ln w="25400">
-              <a:solidFill>
-                <a:srgbClr val="0000CC"/>
-              </a:solidFill>
-            </a:ln>
-          </p:spPr>
-          <p:style>
-            <a:lnRef idx="1">
-              <a:schemeClr val="accent1"/>
-            </a:lnRef>
-            <a:fillRef idx="0">
-              <a:schemeClr val="accent1"/>
-            </a:fillRef>
-            <a:effectRef idx="0">
-              <a:schemeClr val="accent1"/>
-            </a:effectRef>
-            <a:fontRef idx="minor">
-              <a:schemeClr val="tx1"/>
-            </a:fontRef>
-          </p:style>
-        </p:cxnSp>
-        <p:cxnSp>
-          <p:nvCxnSpPr>
-            <p:cNvPr id="135" name="Elbow Connector 134"/>
-            <p:cNvCxnSpPr>
-              <a:stCxn id="156" idx="2"/>
-              <a:endCxn id="100" idx="0"/>
-            </p:cNvCxnSpPr>
-            <p:nvPr/>
-          </p:nvCxnSpPr>
-          <p:spPr>
-            <a:xfrm rot="5400000">
-              <a:off x="7130964" y="5492205"/>
-              <a:ext cx="978072" cy="2514600"/>
-            </a:xfrm>
-            <a:prstGeom prst="bentConnector3">
-              <a:avLst>
-                <a:gd name="adj1" fmla="val 50000"/>
-              </a:avLst>
-            </a:prstGeom>
-            <a:ln w="25400">
-              <a:solidFill>
-                <a:srgbClr val="0000CC"/>
-              </a:solidFill>
-            </a:ln>
-          </p:spPr>
-          <p:style>
-            <a:lnRef idx="1">
-              <a:schemeClr val="accent1"/>
-            </a:lnRef>
-            <a:fillRef idx="0">
-              <a:schemeClr val="accent1"/>
-            </a:fillRef>
-            <a:effectRef idx="0">
-              <a:schemeClr val="accent1"/>
-            </a:effectRef>
-            <a:fontRef idx="minor">
-              <a:schemeClr val="tx1"/>
-            </a:fontRef>
-          </p:style>
-        </p:cxnSp>
-        <p:sp>
-          <p:nvSpPr>
-            <p:cNvPr id="136" name="Isosceles Triangle 135"/>
-            <p:cNvSpPr/>
-            <p:nvPr/>
-          </p:nvSpPr>
-          <p:spPr>
-            <a:xfrm rot="10800000">
-              <a:off x="6216690" y="6878442"/>
-              <a:ext cx="292022" cy="208157"/>
-            </a:xfrm>
-            <a:prstGeom prst="triangle">
-              <a:avLst/>
-            </a:prstGeom>
-            <a:solidFill>
-              <a:schemeClr val="bg1"/>
-            </a:solidFill>
-            <a:ln>
-              <a:solidFill>
-                <a:srgbClr val="0000CC"/>
-              </a:solidFill>
-            </a:ln>
-          </p:spPr>
-          <p:style>
-            <a:lnRef idx="2">
-              <a:schemeClr val="accent1">
-                <a:shade val="50000"/>
-              </a:schemeClr>
-            </a:lnRef>
-            <a:fillRef idx="1">
-              <a:schemeClr val="accent1"/>
-            </a:fillRef>
-            <a:effectRef idx="0">
-              <a:schemeClr val="accent1"/>
-            </a:effectRef>
-            <a:fontRef idx="minor">
-              <a:schemeClr val="lt1"/>
-            </a:fontRef>
-          </p:style>
-          <p:txBody>
-            <a:bodyPr rtlCol="0" anchor="ctr"/>
-            <a:lstStyle/>
-            <a:p>
-              <a:pPr algn="ctr"/>
-              <a:endParaRPr lang="en-US"/>
-            </a:p>
-          </p:txBody>
-        </p:sp>
-        <p:grpSp>
-          <p:nvGrpSpPr>
-            <p:cNvPr id="137" name="Group 136"/>
-            <p:cNvGrpSpPr/>
-            <p:nvPr/>
-          </p:nvGrpSpPr>
-          <p:grpSpPr>
-            <a:xfrm>
-              <a:off x="5505450" y="4693214"/>
-              <a:ext cx="1905000" cy="1600200"/>
-              <a:chOff x="533400" y="672864"/>
-              <a:chExt cx="1905000" cy="2102963"/>
-            </a:xfrm>
-          </p:grpSpPr>
-          <p:sp>
-            <p:nvSpPr>
-              <p:cNvPr id="138" name="Rectangle 137"/>
+              <p:cNvPr id="179" name="Isosceles Triangle 178"/>
               <p:cNvSpPr/>
               <p:nvPr/>
             </p:nvSpPr>
             <p:spPr>
-              <a:xfrm>
-                <a:off x="533400" y="672864"/>
-                <a:ext cx="1905000" cy="2059667"/>
+              <a:xfrm rot="10800000">
+                <a:off x="-558722" y="7446120"/>
+                <a:ext cx="292022" cy="208157"/>
               </a:xfrm>
-              <a:prstGeom prst="rect">
+              <a:prstGeom prst="triangle">
                 <a:avLst/>
               </a:prstGeom>
-              <a:noFill/>
+              <a:solidFill>
+                <a:schemeClr val="bg1"/>
+              </a:solidFill>
               <a:ln>
                 <a:solidFill>
                   <a:srgbClr val="0000CC"/>
@@ -8278,703 +7290,7 @@
               <a:lstStyle/>
               <a:p>
                 <a:pPr algn="ctr"/>
-                <a:endParaRPr lang="en-US" dirty="0"/>
-              </a:p>
-            </p:txBody>
-          </p:sp>
-          <p:sp>
-            <p:nvSpPr>
-              <p:cNvPr id="139" name="TextBox 138"/>
-              <p:cNvSpPr txBox="1"/>
-              <p:nvPr/>
-            </p:nvSpPr>
-            <p:spPr>
-              <a:xfrm>
-                <a:off x="533400" y="685800"/>
-                <a:ext cx="1905000" cy="623934"/>
-              </a:xfrm>
-              <a:prstGeom prst="rect">
-                <a:avLst/>
-              </a:prstGeom>
-              <a:noFill/>
-              <a:ln>
-                <a:noFill/>
-              </a:ln>
-            </p:spPr>
-            <p:txBody>
-              <a:bodyPr wrap="square" rtlCol="0">
-                <a:spAutoFit/>
-              </a:bodyPr>
-              <a:lstStyle/>
-              <a:p>
-                <a:pPr algn="ctr"/>
-                <a:r>
-                  <a:rPr lang="en-US" sz="1200" dirty="0" err="1" smtClean="0">
-                    <a:latin typeface="Times New Roman" pitchFamily="18" charset="0"/>
-                    <a:cs typeface="Times New Roman" pitchFamily="18" charset="0"/>
-                  </a:rPr>
-                  <a:t>OddLink</a:t>
-                </a:r>
-                <a:endParaRPr lang="en-US" sz="1200" dirty="0" smtClean="0">
-                  <a:latin typeface="Times New Roman" pitchFamily="18" charset="0"/>
-                  <a:cs typeface="Times New Roman" pitchFamily="18" charset="0"/>
-                </a:endParaRPr>
-              </a:p>
-              <a:p>
-                <a:pPr algn="ctr"/>
-                <a:r>
-                  <a:rPr lang="en-US" sz="1200" dirty="0" smtClean="0">
-                    <a:latin typeface="Times New Roman" pitchFamily="18" charset="0"/>
-                    <a:cs typeface="Times New Roman" pitchFamily="18" charset="0"/>
-                  </a:rPr>
-                  <a:t>/</a:t>
-                </a:r>
-                <a:r>
-                  <a:rPr lang="en-US" sz="1200" dirty="0" smtClean="0">
-                    <a:latin typeface="Times New Roman" pitchFamily="18" charset="0"/>
-                    <a:cs typeface="Times New Roman" pitchFamily="18" charset="0"/>
-                  </a:rPr>
-                  <a:t>/ odd</a:t>
-                </a:r>
-                <a:r>
-                  <a:rPr lang="en-US" sz="1200" dirty="0" smtClean="0">
-                    <a:latin typeface="Times New Roman" pitchFamily="18" charset="0"/>
-                    <a:cs typeface="Times New Roman" pitchFamily="18" charset="0"/>
-                  </a:rPr>
-                  <a:t> </a:t>
-                </a:r>
-                <a:r>
-                  <a:rPr lang="en-US" sz="1200" dirty="0">
-                    <a:latin typeface="Times New Roman" pitchFamily="18" charset="0"/>
-                    <a:cs typeface="Times New Roman" pitchFamily="18" charset="0"/>
-                  </a:rPr>
-                  <a:t>h</a:t>
-                </a:r>
-                <a:r>
-                  <a:rPr lang="en-US" sz="1200" dirty="0" smtClean="0">
-                    <a:latin typeface="Times New Roman" pitchFamily="18" charset="0"/>
-                    <a:cs typeface="Times New Roman" pitchFamily="18" charset="0"/>
-                  </a:rPr>
-                  <a:t>andler</a:t>
-                </a:r>
-                <a:endParaRPr lang="en-US" sz="1200" dirty="0">
-                  <a:latin typeface="Times New Roman" pitchFamily="18" charset="0"/>
-                  <a:cs typeface="Times New Roman" pitchFamily="18" charset="0"/>
-                </a:endParaRPr>
-              </a:p>
-            </p:txBody>
-          </p:sp>
-          <p:cxnSp>
-            <p:nvCxnSpPr>
-              <p:cNvPr id="140" name="Straight Connector 139"/>
-              <p:cNvCxnSpPr/>
-              <p:nvPr/>
-            </p:nvCxnSpPr>
-            <p:spPr>
-              <a:xfrm>
-                <a:off x="533400" y="1305774"/>
-                <a:ext cx="1905000" cy="0"/>
-              </a:xfrm>
-              <a:prstGeom prst="line">
-                <a:avLst/>
-              </a:prstGeom>
-              <a:ln w="25400">
-                <a:solidFill>
-                  <a:srgbClr val="0000CC"/>
-                </a:solidFill>
-              </a:ln>
-            </p:spPr>
-            <p:style>
-              <a:lnRef idx="1">
-                <a:schemeClr val="accent1"/>
-              </a:lnRef>
-              <a:fillRef idx="0">
-                <a:schemeClr val="accent1"/>
-              </a:fillRef>
-              <a:effectRef idx="0">
-                <a:schemeClr val="accent1"/>
-              </a:effectRef>
-              <a:fontRef idx="minor">
-                <a:schemeClr val="tx1"/>
-              </a:fontRef>
-            </p:style>
-          </p:cxnSp>
-          <p:cxnSp>
-            <p:nvCxnSpPr>
-              <p:cNvPr id="141" name="Straight Connector 140"/>
-              <p:cNvCxnSpPr/>
-              <p:nvPr/>
-            </p:nvCxnSpPr>
-            <p:spPr>
-              <a:xfrm>
-                <a:off x="533400" y="1686617"/>
-                <a:ext cx="1905000" cy="0"/>
-              </a:xfrm>
-              <a:prstGeom prst="line">
-                <a:avLst/>
-              </a:prstGeom>
-              <a:ln w="25400">
-                <a:solidFill>
-                  <a:srgbClr val="0000CC"/>
-                </a:solidFill>
-              </a:ln>
-            </p:spPr>
-            <p:style>
-              <a:lnRef idx="1">
-                <a:schemeClr val="accent1"/>
-              </a:lnRef>
-              <a:fillRef idx="0">
-                <a:schemeClr val="accent1"/>
-              </a:fillRef>
-              <a:effectRef idx="0">
-                <a:schemeClr val="accent1"/>
-              </a:effectRef>
-              <a:fontRef idx="minor">
-                <a:schemeClr val="tx1"/>
-              </a:fontRef>
-            </p:style>
-          </p:cxnSp>
-          <p:sp>
-            <p:nvSpPr>
-              <p:cNvPr id="142" name="TextBox 141"/>
-              <p:cNvSpPr txBox="1"/>
-              <p:nvPr/>
-            </p:nvSpPr>
-            <p:spPr>
-              <a:xfrm>
-                <a:off x="533400" y="1652745"/>
-                <a:ext cx="1905000" cy="1123082"/>
-              </a:xfrm>
-              <a:prstGeom prst="rect">
-                <a:avLst/>
-              </a:prstGeom>
-              <a:noFill/>
-            </p:spPr>
-            <p:txBody>
-              <a:bodyPr wrap="square" rtlCol="0">
-                <a:spAutoFit/>
-              </a:bodyPr>
-              <a:lstStyle/>
-              <a:p>
-                <a:r>
-                  <a:rPr lang="en-US" sz="1200" dirty="0" smtClean="0">
-                    <a:latin typeface="Times New Roman" pitchFamily="18" charset="0"/>
-                    <a:cs typeface="Times New Roman" pitchFamily="18" charset="0"/>
-                  </a:rPr>
-                  <a:t>+ </a:t>
-                </a:r>
-                <a:r>
-                  <a:rPr lang="en-US" sz="1200" dirty="0" err="1" smtClean="0">
-                    <a:latin typeface="Times New Roman" pitchFamily="18" charset="0"/>
-                    <a:cs typeface="Times New Roman" pitchFamily="18" charset="0"/>
-                  </a:rPr>
-                  <a:t>Odd</a:t>
-                </a:r>
-                <a:r>
-                  <a:rPr lang="en-US" sz="1200" dirty="0" err="1" smtClean="0">
-                    <a:latin typeface="Times New Roman" pitchFamily="18" charset="0"/>
-                    <a:cs typeface="Times New Roman" pitchFamily="18" charset="0"/>
-                  </a:rPr>
-                  <a:t>Link</a:t>
-                </a:r>
-                <a:r>
-                  <a:rPr lang="en-US" sz="1200" dirty="0" smtClean="0">
-                    <a:latin typeface="Times New Roman" pitchFamily="18" charset="0"/>
-                    <a:cs typeface="Times New Roman" pitchFamily="18" charset="0"/>
-                  </a:rPr>
-                  <a:t>(</a:t>
-                </a:r>
-                <a:r>
-                  <a:rPr lang="en-US" sz="1200" dirty="0" err="1" smtClean="0">
-                    <a:latin typeface="Times New Roman" pitchFamily="18" charset="0"/>
-                    <a:cs typeface="Times New Roman" pitchFamily="18" charset="0"/>
-                  </a:rPr>
-                  <a:t>ServerFace</a:t>
-                </a:r>
-                <a:r>
-                  <a:rPr lang="en-US" sz="1200" dirty="0" smtClean="0">
-                    <a:latin typeface="Times New Roman" pitchFamily="18" charset="0"/>
-                    <a:cs typeface="Times New Roman" pitchFamily="18" charset="0"/>
-                  </a:rPr>
-                  <a:t>)</a:t>
-                </a:r>
-                <a:endParaRPr lang="en-US" sz="1200" dirty="0" smtClean="0">
-                  <a:latin typeface="Times New Roman" pitchFamily="18" charset="0"/>
-                  <a:cs typeface="Times New Roman" pitchFamily="18" charset="0"/>
-                </a:endParaRPr>
-              </a:p>
-              <a:p>
-                <a:r>
-                  <a:rPr lang="en-US" sz="1200" dirty="0" smtClean="0">
-                    <a:latin typeface="Times New Roman" pitchFamily="18" charset="0"/>
-                    <a:cs typeface="Times New Roman" pitchFamily="18" charset="0"/>
-                  </a:rPr>
-                  <a:t>+ </a:t>
-                </a:r>
-                <a:r>
-                  <a:rPr lang="en-US" sz="1200" dirty="0" err="1" smtClean="0">
-                    <a:latin typeface="Times New Roman" pitchFamily="18" charset="0"/>
-                    <a:cs typeface="Times New Roman" pitchFamily="18" charset="0"/>
-                  </a:rPr>
-                  <a:t>addLast</a:t>
-                </a:r>
-                <a:r>
-                  <a:rPr lang="en-US" sz="1200" dirty="0" smtClean="0">
-                    <a:latin typeface="Times New Roman" pitchFamily="18" charset="0"/>
-                    <a:cs typeface="Times New Roman" pitchFamily="18" charset="0"/>
-                  </a:rPr>
-                  <a:t>(</a:t>
-                </a:r>
-                <a:r>
-                  <a:rPr lang="en-US" sz="1200" dirty="0" err="1" smtClean="0">
-                    <a:latin typeface="Times New Roman" pitchFamily="18" charset="0"/>
-                    <a:cs typeface="Times New Roman" pitchFamily="18" charset="0"/>
-                  </a:rPr>
-                  <a:t>LinkFace</a:t>
-                </a:r>
-                <a:r>
-                  <a:rPr lang="en-US" sz="1200" dirty="0" smtClean="0">
-                    <a:latin typeface="Times New Roman" pitchFamily="18" charset="0"/>
-                    <a:cs typeface="Times New Roman" pitchFamily="18" charset="0"/>
-                  </a:rPr>
-                  <a:t>)</a:t>
-                </a:r>
-                <a:endParaRPr lang="en-US" sz="1200" dirty="0" smtClean="0">
-                  <a:latin typeface="Times New Roman" pitchFamily="18" charset="0"/>
-                  <a:cs typeface="Times New Roman" pitchFamily="18" charset="0"/>
-                </a:endParaRPr>
-              </a:p>
-              <a:p>
-                <a:r>
-                  <a:rPr lang="en-US" sz="1200" dirty="0" smtClean="0">
-                    <a:latin typeface="Times New Roman" pitchFamily="18" charset="0"/>
-                    <a:cs typeface="Times New Roman" pitchFamily="18" charset="0"/>
-                  </a:rPr>
-                  <a:t>+ </a:t>
-                </a:r>
-                <a:r>
-                  <a:rPr lang="en-US" sz="1200" dirty="0" smtClean="0">
-                    <a:latin typeface="Times New Roman" pitchFamily="18" charset="0"/>
-                    <a:cs typeface="Times New Roman" pitchFamily="18" charset="0"/>
-                  </a:rPr>
-                  <a:t>handle(</a:t>
-                </a:r>
-                <a:r>
-                  <a:rPr lang="en-US" sz="1200" dirty="0" err="1" smtClean="0">
-                    <a:latin typeface="Times New Roman" pitchFamily="18" charset="0"/>
-                    <a:cs typeface="Times New Roman" pitchFamily="18" charset="0"/>
-                  </a:rPr>
-                  <a:t>int</a:t>
-                </a:r>
-                <a:r>
-                  <a:rPr lang="en-US" sz="1200" dirty="0" smtClean="0">
-                    <a:latin typeface="Times New Roman" pitchFamily="18" charset="0"/>
-                    <a:cs typeface="Times New Roman" pitchFamily="18" charset="0"/>
-                  </a:rPr>
-                  <a:t>)</a:t>
-                </a:r>
-                <a:endParaRPr lang="en-US" sz="1200" dirty="0" smtClean="0">
-                  <a:latin typeface="Times New Roman" pitchFamily="18" charset="0"/>
-                  <a:cs typeface="Times New Roman" pitchFamily="18" charset="0"/>
-                </a:endParaRPr>
-              </a:p>
-              <a:p>
-                <a:r>
-                  <a:rPr lang="en-US" sz="1200" dirty="0" smtClean="0">
-                    <a:latin typeface="Times New Roman" pitchFamily="18" charset="0"/>
-                    <a:cs typeface="Times New Roman" pitchFamily="18" charset="0"/>
-                  </a:rPr>
-                  <a:t>+ dispose(</a:t>
-                </a:r>
-                <a:r>
-                  <a:rPr lang="en-US" sz="1200" dirty="0" smtClean="0">
-                    <a:latin typeface="Times New Roman" pitchFamily="18" charset="0"/>
-                    <a:cs typeface="Times New Roman" pitchFamily="18" charset="0"/>
-                  </a:rPr>
-                  <a:t>)</a:t>
-                </a:r>
-              </a:p>
-            </p:txBody>
-          </p:sp>
-        </p:grpSp>
-        <p:grpSp>
-          <p:nvGrpSpPr>
-            <p:cNvPr id="155" name="Group 154"/>
-            <p:cNvGrpSpPr/>
-            <p:nvPr/>
-          </p:nvGrpSpPr>
-          <p:grpSpPr>
-            <a:xfrm>
-              <a:off x="7924800" y="4693214"/>
-              <a:ext cx="1905000" cy="1600200"/>
-              <a:chOff x="533400" y="672864"/>
-              <a:chExt cx="1905000" cy="2102963"/>
-            </a:xfrm>
-          </p:grpSpPr>
-          <p:sp>
-            <p:nvSpPr>
-              <p:cNvPr id="156" name="Rectangle 155"/>
-              <p:cNvSpPr/>
-              <p:nvPr/>
-            </p:nvSpPr>
-            <p:spPr>
-              <a:xfrm>
-                <a:off x="533400" y="672864"/>
-                <a:ext cx="1905000" cy="2059667"/>
-              </a:xfrm>
-              <a:prstGeom prst="rect">
-                <a:avLst/>
-              </a:prstGeom>
-              <a:noFill/>
-              <a:ln>
-                <a:solidFill>
-                  <a:srgbClr val="0000CC"/>
-                </a:solidFill>
-              </a:ln>
-            </p:spPr>
-            <p:style>
-              <a:lnRef idx="2">
-                <a:schemeClr val="accent1">
-                  <a:shade val="50000"/>
-                </a:schemeClr>
-              </a:lnRef>
-              <a:fillRef idx="1">
-                <a:schemeClr val="accent1"/>
-              </a:fillRef>
-              <a:effectRef idx="0">
-                <a:schemeClr val="accent1"/>
-              </a:effectRef>
-              <a:fontRef idx="minor">
-                <a:schemeClr val="lt1"/>
-              </a:fontRef>
-            </p:style>
-            <p:txBody>
-              <a:bodyPr rtlCol="0" anchor="ctr"/>
-              <a:lstStyle/>
-              <a:p>
-                <a:pPr algn="ctr"/>
-                <a:endParaRPr lang="en-US" dirty="0"/>
-              </a:p>
-            </p:txBody>
-          </p:sp>
-          <p:sp>
-            <p:nvSpPr>
-              <p:cNvPr id="158" name="TextBox 157"/>
-              <p:cNvSpPr txBox="1"/>
-              <p:nvPr/>
-            </p:nvSpPr>
-            <p:spPr>
-              <a:xfrm>
-                <a:off x="533400" y="685800"/>
-                <a:ext cx="1905000" cy="623934"/>
-              </a:xfrm>
-              <a:prstGeom prst="rect">
-                <a:avLst/>
-              </a:prstGeom>
-              <a:noFill/>
-              <a:ln>
-                <a:noFill/>
-              </a:ln>
-            </p:spPr>
-            <p:txBody>
-              <a:bodyPr wrap="square" rtlCol="0">
-                <a:spAutoFit/>
-              </a:bodyPr>
-              <a:lstStyle/>
-              <a:p>
-                <a:pPr algn="ctr"/>
-                <a:r>
-                  <a:rPr lang="en-US" sz="1200" dirty="0" err="1" smtClean="0">
-                    <a:latin typeface="Times New Roman" pitchFamily="18" charset="0"/>
-                    <a:cs typeface="Times New Roman" pitchFamily="18" charset="0"/>
-                  </a:rPr>
-                  <a:t>Even</a:t>
-                </a:r>
-                <a:r>
-                  <a:rPr lang="en-US" sz="1200" dirty="0" err="1" smtClean="0">
-                    <a:latin typeface="Times New Roman" pitchFamily="18" charset="0"/>
-                    <a:cs typeface="Times New Roman" pitchFamily="18" charset="0"/>
-                  </a:rPr>
-                  <a:t>Link</a:t>
-                </a:r>
-                <a:endParaRPr lang="en-US" sz="1200" dirty="0" smtClean="0">
-                  <a:latin typeface="Times New Roman" pitchFamily="18" charset="0"/>
-                  <a:cs typeface="Times New Roman" pitchFamily="18" charset="0"/>
-                </a:endParaRPr>
-              </a:p>
-              <a:p>
-                <a:pPr algn="ctr"/>
-                <a:r>
-                  <a:rPr lang="en-US" sz="1200" dirty="0" smtClean="0">
-                    <a:latin typeface="Times New Roman" pitchFamily="18" charset="0"/>
-                    <a:cs typeface="Times New Roman" pitchFamily="18" charset="0"/>
-                  </a:rPr>
-                  <a:t>/</a:t>
-                </a:r>
-                <a:r>
-                  <a:rPr lang="en-US" sz="1200" dirty="0" smtClean="0">
-                    <a:latin typeface="Times New Roman" pitchFamily="18" charset="0"/>
-                    <a:cs typeface="Times New Roman" pitchFamily="18" charset="0"/>
-                  </a:rPr>
-                  <a:t>/ even</a:t>
-                </a:r>
-                <a:r>
-                  <a:rPr lang="en-US" sz="1200" dirty="0" smtClean="0">
-                    <a:latin typeface="Times New Roman" pitchFamily="18" charset="0"/>
-                    <a:cs typeface="Times New Roman" pitchFamily="18" charset="0"/>
-                  </a:rPr>
-                  <a:t> </a:t>
-                </a:r>
-                <a:r>
-                  <a:rPr lang="en-US" sz="1200" dirty="0">
-                    <a:latin typeface="Times New Roman" pitchFamily="18" charset="0"/>
-                    <a:cs typeface="Times New Roman" pitchFamily="18" charset="0"/>
-                  </a:rPr>
-                  <a:t>h</a:t>
-                </a:r>
-                <a:r>
-                  <a:rPr lang="en-US" sz="1200" dirty="0" smtClean="0">
-                    <a:latin typeface="Times New Roman" pitchFamily="18" charset="0"/>
-                    <a:cs typeface="Times New Roman" pitchFamily="18" charset="0"/>
-                  </a:rPr>
-                  <a:t>andler</a:t>
-                </a:r>
-                <a:endParaRPr lang="en-US" sz="1200" dirty="0">
-                  <a:latin typeface="Times New Roman" pitchFamily="18" charset="0"/>
-                  <a:cs typeface="Times New Roman" pitchFamily="18" charset="0"/>
-                </a:endParaRPr>
-              </a:p>
-            </p:txBody>
-          </p:sp>
-          <p:cxnSp>
-            <p:nvCxnSpPr>
-              <p:cNvPr id="160" name="Straight Connector 159"/>
-              <p:cNvCxnSpPr/>
-              <p:nvPr/>
-            </p:nvCxnSpPr>
-            <p:spPr>
-              <a:xfrm>
-                <a:off x="533400" y="1305774"/>
-                <a:ext cx="1905000" cy="0"/>
-              </a:xfrm>
-              <a:prstGeom prst="line">
-                <a:avLst/>
-              </a:prstGeom>
-              <a:ln w="25400">
-                <a:solidFill>
-                  <a:srgbClr val="0000CC"/>
-                </a:solidFill>
-              </a:ln>
-            </p:spPr>
-            <p:style>
-              <a:lnRef idx="1">
-                <a:schemeClr val="accent1"/>
-              </a:lnRef>
-              <a:fillRef idx="0">
-                <a:schemeClr val="accent1"/>
-              </a:fillRef>
-              <a:effectRef idx="0">
-                <a:schemeClr val="accent1"/>
-              </a:effectRef>
-              <a:fontRef idx="minor">
-                <a:schemeClr val="tx1"/>
-              </a:fontRef>
-            </p:style>
-          </p:cxnSp>
-          <p:cxnSp>
-            <p:nvCxnSpPr>
-              <p:cNvPr id="163" name="Straight Connector 162"/>
-              <p:cNvCxnSpPr/>
-              <p:nvPr/>
-            </p:nvCxnSpPr>
-            <p:spPr>
-              <a:xfrm>
-                <a:off x="533400" y="1686617"/>
-                <a:ext cx="1905000" cy="0"/>
-              </a:xfrm>
-              <a:prstGeom prst="line">
-                <a:avLst/>
-              </a:prstGeom>
-              <a:ln w="25400">
-                <a:solidFill>
-                  <a:srgbClr val="0000CC"/>
-                </a:solidFill>
-              </a:ln>
-            </p:spPr>
-            <p:style>
-              <a:lnRef idx="1">
-                <a:schemeClr val="accent1"/>
-              </a:lnRef>
-              <a:fillRef idx="0">
-                <a:schemeClr val="accent1"/>
-              </a:fillRef>
-              <a:effectRef idx="0">
-                <a:schemeClr val="accent1"/>
-              </a:effectRef>
-              <a:fontRef idx="minor">
-                <a:schemeClr val="tx1"/>
-              </a:fontRef>
-            </p:style>
-          </p:cxnSp>
-          <p:sp>
-            <p:nvSpPr>
-              <p:cNvPr id="164" name="TextBox 163"/>
-              <p:cNvSpPr txBox="1"/>
-              <p:nvPr/>
-            </p:nvSpPr>
-            <p:spPr>
-              <a:xfrm>
-                <a:off x="533400" y="1652745"/>
-                <a:ext cx="1905000" cy="1123082"/>
-              </a:xfrm>
-              <a:prstGeom prst="rect">
-                <a:avLst/>
-              </a:prstGeom>
-              <a:noFill/>
-            </p:spPr>
-            <p:txBody>
-              <a:bodyPr wrap="square" rtlCol="0">
-                <a:spAutoFit/>
-              </a:bodyPr>
-              <a:lstStyle/>
-              <a:p>
-                <a:r>
-                  <a:rPr lang="en-US" sz="1200" dirty="0" smtClean="0">
-                    <a:latin typeface="Times New Roman" pitchFamily="18" charset="0"/>
-                    <a:cs typeface="Times New Roman" pitchFamily="18" charset="0"/>
-                  </a:rPr>
-                  <a:t>+ </a:t>
-                </a:r>
-                <a:r>
-                  <a:rPr lang="en-US" sz="1200" dirty="0" err="1" smtClean="0">
-                    <a:latin typeface="Times New Roman" pitchFamily="18" charset="0"/>
-                    <a:cs typeface="Times New Roman" pitchFamily="18" charset="0"/>
-                  </a:rPr>
-                  <a:t>Even</a:t>
-                </a:r>
-                <a:r>
-                  <a:rPr lang="en-US" sz="1200" dirty="0" err="1" smtClean="0">
-                    <a:latin typeface="Times New Roman" pitchFamily="18" charset="0"/>
-                    <a:cs typeface="Times New Roman" pitchFamily="18" charset="0"/>
-                  </a:rPr>
-                  <a:t>Link</a:t>
-                </a:r>
-                <a:r>
-                  <a:rPr lang="en-US" sz="1200" dirty="0" smtClean="0">
-                    <a:latin typeface="Times New Roman" pitchFamily="18" charset="0"/>
-                    <a:cs typeface="Times New Roman" pitchFamily="18" charset="0"/>
-                  </a:rPr>
-                  <a:t>(</a:t>
-                </a:r>
-                <a:r>
-                  <a:rPr lang="en-US" sz="1200" dirty="0" err="1" smtClean="0">
-                    <a:latin typeface="Times New Roman" pitchFamily="18" charset="0"/>
-                    <a:cs typeface="Times New Roman" pitchFamily="18" charset="0"/>
-                  </a:rPr>
-                  <a:t>ServerFace</a:t>
-                </a:r>
-                <a:r>
-                  <a:rPr lang="en-US" sz="1200" dirty="0" smtClean="0">
-                    <a:latin typeface="Times New Roman" pitchFamily="18" charset="0"/>
-                    <a:cs typeface="Times New Roman" pitchFamily="18" charset="0"/>
-                  </a:rPr>
-                  <a:t>)</a:t>
-                </a:r>
-                <a:endParaRPr lang="en-US" sz="1200" dirty="0" smtClean="0">
-                  <a:latin typeface="Times New Roman" pitchFamily="18" charset="0"/>
-                  <a:cs typeface="Times New Roman" pitchFamily="18" charset="0"/>
-                </a:endParaRPr>
-              </a:p>
-              <a:p>
-                <a:r>
-                  <a:rPr lang="en-US" sz="1200" dirty="0" smtClean="0">
-                    <a:latin typeface="Times New Roman" pitchFamily="18" charset="0"/>
-                    <a:cs typeface="Times New Roman" pitchFamily="18" charset="0"/>
-                  </a:rPr>
-                  <a:t>+ </a:t>
-                </a:r>
-                <a:r>
-                  <a:rPr lang="en-US" sz="1200" dirty="0" err="1" smtClean="0">
-                    <a:latin typeface="Times New Roman" pitchFamily="18" charset="0"/>
-                    <a:cs typeface="Times New Roman" pitchFamily="18" charset="0"/>
-                  </a:rPr>
-                  <a:t>addLast</a:t>
-                </a:r>
-                <a:r>
-                  <a:rPr lang="en-US" sz="1200" dirty="0" smtClean="0">
-                    <a:latin typeface="Times New Roman" pitchFamily="18" charset="0"/>
-                    <a:cs typeface="Times New Roman" pitchFamily="18" charset="0"/>
-                  </a:rPr>
-                  <a:t>(</a:t>
-                </a:r>
-                <a:r>
-                  <a:rPr lang="en-US" sz="1200" dirty="0" err="1" smtClean="0">
-                    <a:latin typeface="Times New Roman" pitchFamily="18" charset="0"/>
-                    <a:cs typeface="Times New Roman" pitchFamily="18" charset="0"/>
-                  </a:rPr>
-                  <a:t>LinkFace</a:t>
-                </a:r>
-                <a:r>
-                  <a:rPr lang="en-US" sz="1200" dirty="0" smtClean="0">
-                    <a:latin typeface="Times New Roman" pitchFamily="18" charset="0"/>
-                    <a:cs typeface="Times New Roman" pitchFamily="18" charset="0"/>
-                  </a:rPr>
-                  <a:t>)</a:t>
-                </a:r>
-                <a:endParaRPr lang="en-US" sz="1200" dirty="0" smtClean="0">
-                  <a:latin typeface="Times New Roman" pitchFamily="18" charset="0"/>
-                  <a:cs typeface="Times New Roman" pitchFamily="18" charset="0"/>
-                </a:endParaRPr>
-              </a:p>
-              <a:p>
-                <a:r>
-                  <a:rPr lang="en-US" sz="1200" dirty="0" smtClean="0">
-                    <a:latin typeface="Times New Roman" pitchFamily="18" charset="0"/>
-                    <a:cs typeface="Times New Roman" pitchFamily="18" charset="0"/>
-                  </a:rPr>
-                  <a:t>+ </a:t>
-                </a:r>
-                <a:r>
-                  <a:rPr lang="en-US" sz="1200" dirty="0" smtClean="0">
-                    <a:latin typeface="Times New Roman" pitchFamily="18" charset="0"/>
-                    <a:cs typeface="Times New Roman" pitchFamily="18" charset="0"/>
-                  </a:rPr>
-                  <a:t>handle(</a:t>
-                </a:r>
-                <a:r>
-                  <a:rPr lang="en-US" sz="1200" dirty="0" err="1" smtClean="0">
-                    <a:latin typeface="Times New Roman" pitchFamily="18" charset="0"/>
-                    <a:cs typeface="Times New Roman" pitchFamily="18" charset="0"/>
-                  </a:rPr>
-                  <a:t>int</a:t>
-                </a:r>
-                <a:r>
-                  <a:rPr lang="en-US" sz="1200" dirty="0" smtClean="0">
-                    <a:latin typeface="Times New Roman" pitchFamily="18" charset="0"/>
-                    <a:cs typeface="Times New Roman" pitchFamily="18" charset="0"/>
-                  </a:rPr>
-                  <a:t>)</a:t>
-                </a:r>
-                <a:endParaRPr lang="en-US" sz="1200" dirty="0" smtClean="0">
-                  <a:latin typeface="Times New Roman" pitchFamily="18" charset="0"/>
-                  <a:cs typeface="Times New Roman" pitchFamily="18" charset="0"/>
-                </a:endParaRPr>
-              </a:p>
-              <a:p>
-                <a:r>
-                  <a:rPr lang="en-US" sz="1200" dirty="0" smtClean="0">
-                    <a:latin typeface="Times New Roman" pitchFamily="18" charset="0"/>
-                    <a:cs typeface="Times New Roman" pitchFamily="18" charset="0"/>
-                  </a:rPr>
-                  <a:t>+ dispose(</a:t>
-                </a:r>
-                <a:r>
-                  <a:rPr lang="en-US" sz="1200" dirty="0" smtClean="0">
-                    <a:latin typeface="Times New Roman" pitchFamily="18" charset="0"/>
-                    <a:cs typeface="Times New Roman" pitchFamily="18" charset="0"/>
-                  </a:rPr>
-                  <a:t>)</a:t>
-                </a:r>
+                <a:endParaRPr lang="en-US"/>
               </a:p>
             </p:txBody>
           </p:sp>
@@ -9016,41 +7332,6 @@
         </p:cxnSp>
         <p:cxnSp>
           <p:nvCxnSpPr>
-            <p:cNvPr id="167" name="Straight Connector 166"/>
-            <p:cNvCxnSpPr/>
-            <p:nvPr/>
-          </p:nvCxnSpPr>
-          <p:spPr>
-            <a:xfrm flipH="1" flipV="1">
-              <a:off x="6362700" y="6248400"/>
-              <a:ext cx="0" cy="630042"/>
-            </a:xfrm>
-            <a:prstGeom prst="line">
-              <a:avLst/>
-            </a:prstGeom>
-            <a:ln w="25400">
-              <a:solidFill>
-                <a:srgbClr val="0000CC"/>
-              </a:solidFill>
-            </a:ln>
-          </p:spPr>
-          <p:style>
-            <a:lnRef idx="1">
-              <a:schemeClr val="accent1"/>
-            </a:lnRef>
-            <a:fillRef idx="0">
-              <a:schemeClr val="accent1"/>
-            </a:fillRef>
-            <a:effectRef idx="0">
-              <a:schemeClr val="accent1"/>
-            </a:effectRef>
-            <a:fontRef idx="minor">
-              <a:schemeClr val="tx1"/>
-            </a:fontRef>
-          </p:style>
-        </p:cxnSp>
-        <p:cxnSp>
-          <p:nvCxnSpPr>
             <p:cNvPr id="168" name="Elbow Connector 167"/>
             <p:cNvCxnSpPr>
               <a:endCxn id="118" idx="2"/>
@@ -9059,8 +7340,8 @@
           </p:nvCxnSpPr>
           <p:spPr>
             <a:xfrm rot="16200000" flipV="1">
-              <a:off x="2321299" y="3083298"/>
-              <a:ext cx="2929547" cy="2029057"/>
+              <a:off x="1635499" y="3769098"/>
+              <a:ext cx="2472347" cy="200257"/>
             </a:xfrm>
             <a:prstGeom prst="bentConnector3">
               <a:avLst>
@@ -9090,88 +7371,2111 @@
             </a:fontRef>
           </p:style>
         </p:cxnSp>
-        <p:cxnSp>
-          <p:nvCxnSpPr>
-            <p:cNvPr id="170" name="Elbow Connector 169"/>
-            <p:cNvCxnSpPr>
-              <a:endCxn id="65" idx="2"/>
-            </p:cNvCxnSpPr>
+        <p:grpSp>
+          <p:nvGrpSpPr>
+            <p:cNvPr id="126" name="Group 125"/>
+            <p:cNvGrpSpPr/>
             <p:nvPr/>
-          </p:nvCxnSpPr>
-          <p:spPr>
-            <a:xfrm rot="16200000" flipV="1">
-              <a:off x="6381750" y="4781550"/>
-              <a:ext cx="1295400" cy="266700"/>
+          </p:nvGrpSpPr>
+          <p:grpSpPr>
+            <a:xfrm>
+              <a:off x="3048000" y="4267199"/>
+              <a:ext cx="6781800" cy="4876801"/>
+              <a:chOff x="3048000" y="4267199"/>
+              <a:chExt cx="6781800" cy="4876801"/>
             </a:xfrm>
-            <a:prstGeom prst="bentConnector3">
-              <a:avLst>
-                <a:gd name="adj1" fmla="val 50000"/>
-              </a:avLst>
-            </a:prstGeom>
-            <a:ln w="25400">
+          </p:grpSpPr>
+          <p:grpSp>
+            <p:nvGrpSpPr>
+              <p:cNvPr id="72" name="Group 71"/>
+              <p:cNvGrpSpPr/>
+              <p:nvPr/>
+            </p:nvGrpSpPr>
+            <p:grpSpPr>
+              <a:xfrm>
+                <a:off x="5410200" y="7390940"/>
+                <a:ext cx="1905000" cy="1753060"/>
+                <a:chOff x="10439400" y="7238999"/>
+                <a:chExt cx="1905000" cy="1753060"/>
+              </a:xfrm>
+            </p:grpSpPr>
+            <p:sp>
+              <p:nvSpPr>
+                <p:cNvPr id="100" name="Rectangle 99"/>
+                <p:cNvSpPr/>
+                <p:nvPr/>
+              </p:nvSpPr>
+              <p:spPr>
+                <a:xfrm>
+                  <a:off x="10439400" y="7238999"/>
+                  <a:ext cx="1905000" cy="1753060"/>
+                </a:xfrm>
+                <a:prstGeom prst="rect">
+                  <a:avLst/>
+                </a:prstGeom>
+                <a:noFill/>
+                <a:ln>
+                  <a:solidFill>
+                    <a:srgbClr val="0000CC"/>
+                  </a:solidFill>
+                </a:ln>
+              </p:spPr>
+              <p:style>
+                <a:lnRef idx="2">
+                  <a:schemeClr val="accent1">
+                    <a:shade val="50000"/>
+                  </a:schemeClr>
+                </a:lnRef>
+                <a:fillRef idx="1">
+                  <a:schemeClr val="accent1"/>
+                </a:fillRef>
+                <a:effectRef idx="0">
+                  <a:schemeClr val="accent1"/>
+                </a:effectRef>
+                <a:fontRef idx="minor">
+                  <a:schemeClr val="lt1"/>
+                </a:fontRef>
+              </p:style>
+              <p:txBody>
+                <a:bodyPr rtlCol="0" anchor="ctr"/>
+                <a:lstStyle/>
+                <a:p>
+                  <a:pPr algn="ctr"/>
+                  <a:endParaRPr lang="en-US" dirty="0"/>
+                </a:p>
+              </p:txBody>
+            </p:sp>
+            <p:sp>
+              <p:nvSpPr>
+                <p:cNvPr id="101" name="TextBox 100"/>
+                <p:cNvSpPr txBox="1"/>
+                <p:nvPr/>
+              </p:nvSpPr>
+              <p:spPr>
+                <a:xfrm>
+                  <a:off x="10439400" y="7248571"/>
+                  <a:ext cx="1905000" cy="461665"/>
+                </a:xfrm>
+                <a:prstGeom prst="rect">
+                  <a:avLst/>
+                </a:prstGeom>
+                <a:noFill/>
+                <a:ln>
+                  <a:noFill/>
+                </a:ln>
+              </p:spPr>
+              <p:txBody>
+                <a:bodyPr wrap="square" rtlCol="0">
+                  <a:spAutoFit/>
+                </a:bodyPr>
+                <a:lstStyle/>
+                <a:p>
+                  <a:pPr algn="ctr"/>
+                  <a:r>
+                    <a:rPr lang="en-US" sz="1200" dirty="0" err="1" smtClean="0">
+                      <a:latin typeface="Times New Roman" pitchFamily="18" charset="0"/>
+                      <a:cs typeface="Times New Roman" pitchFamily="18" charset="0"/>
+                    </a:rPr>
+                    <a:t>LinkFace</a:t>
+                  </a:r>
+                  <a:endParaRPr lang="en-US" sz="1200" dirty="0" smtClean="0">
+                    <a:latin typeface="Times New Roman" pitchFamily="18" charset="0"/>
+                    <a:cs typeface="Times New Roman" pitchFamily="18" charset="0"/>
+                  </a:endParaRPr>
+                </a:p>
+                <a:p>
+                  <a:pPr algn="ctr"/>
+                  <a:r>
+                    <a:rPr lang="en-US" sz="1200" dirty="0" smtClean="0">
+                      <a:latin typeface="Times New Roman" pitchFamily="18" charset="0"/>
+                      <a:cs typeface="Times New Roman" pitchFamily="18" charset="0"/>
+                    </a:rPr>
+                    <a:t>// Interface</a:t>
+                  </a:r>
+                  <a:endParaRPr lang="en-US" sz="1200" dirty="0">
+                    <a:latin typeface="Times New Roman" pitchFamily="18" charset="0"/>
+                    <a:cs typeface="Times New Roman" pitchFamily="18" charset="0"/>
+                  </a:endParaRPr>
+                </a:p>
+              </p:txBody>
+            </p:sp>
+            <p:cxnSp>
+              <p:nvCxnSpPr>
+                <p:cNvPr id="102" name="Straight Connector 101"/>
+                <p:cNvCxnSpPr/>
+                <p:nvPr/>
+              </p:nvCxnSpPr>
+              <p:spPr>
+                <a:xfrm>
+                  <a:off x="10439400" y="7707306"/>
+                  <a:ext cx="1905000" cy="0"/>
+                </a:xfrm>
+                <a:prstGeom prst="line">
+                  <a:avLst/>
+                </a:prstGeom>
+                <a:ln w="25400">
+                  <a:solidFill>
+                    <a:srgbClr val="0000CC"/>
+                  </a:solidFill>
+                </a:ln>
+              </p:spPr>
+              <p:style>
+                <a:lnRef idx="1">
+                  <a:schemeClr val="accent1"/>
+                </a:lnRef>
+                <a:fillRef idx="0">
+                  <a:schemeClr val="accent1"/>
+                </a:fillRef>
+                <a:effectRef idx="0">
+                  <a:schemeClr val="accent1"/>
+                </a:effectRef>
+                <a:fontRef idx="minor">
+                  <a:schemeClr val="tx1"/>
+                </a:fontRef>
+              </p:style>
+            </p:cxnSp>
+            <p:cxnSp>
+              <p:nvCxnSpPr>
+                <p:cNvPr id="103" name="Straight Connector 102"/>
+                <p:cNvCxnSpPr/>
+                <p:nvPr/>
+              </p:nvCxnSpPr>
+              <p:spPr>
+                <a:xfrm>
+                  <a:off x="10439400" y="8153859"/>
+                  <a:ext cx="1905000" cy="0"/>
+                </a:xfrm>
+                <a:prstGeom prst="line">
+                  <a:avLst/>
+                </a:prstGeom>
+                <a:ln w="25400">
+                  <a:solidFill>
+                    <a:srgbClr val="0000CC"/>
+                  </a:solidFill>
+                </a:ln>
+              </p:spPr>
+              <p:style>
+                <a:lnRef idx="1">
+                  <a:schemeClr val="accent1"/>
+                </a:lnRef>
+                <a:fillRef idx="0">
+                  <a:schemeClr val="accent1"/>
+                </a:fillRef>
+                <a:effectRef idx="0">
+                  <a:schemeClr val="accent1"/>
+                </a:effectRef>
+                <a:fontRef idx="minor">
+                  <a:schemeClr val="tx1"/>
+                </a:fontRef>
+              </p:style>
+            </p:cxnSp>
+            <p:sp>
+              <p:nvSpPr>
+                <p:cNvPr id="104" name="TextBox 103"/>
+                <p:cNvSpPr txBox="1"/>
+                <p:nvPr/>
+              </p:nvSpPr>
+              <p:spPr>
+                <a:xfrm>
+                  <a:off x="10439400" y="8161062"/>
+                  <a:ext cx="1905000" cy="830997"/>
+                </a:xfrm>
+                <a:prstGeom prst="rect">
+                  <a:avLst/>
+                </a:prstGeom>
+                <a:noFill/>
+              </p:spPr>
+              <p:txBody>
+                <a:bodyPr wrap="square" rtlCol="0">
+                  <a:spAutoFit/>
+                </a:bodyPr>
+                <a:lstStyle/>
+                <a:p>
+                  <a:r>
+                    <a:rPr lang="en-US" sz="1200" dirty="0" smtClean="0">
+                      <a:latin typeface="Times New Roman" pitchFamily="18" charset="0"/>
+                      <a:cs typeface="Times New Roman" pitchFamily="18" charset="0"/>
+                    </a:rPr>
+                    <a:t>+ </a:t>
+                  </a:r>
+                  <a:r>
+                    <a:rPr lang="en-US" sz="1200" dirty="0" err="1" smtClean="0">
+                      <a:latin typeface="Times New Roman" pitchFamily="18" charset="0"/>
+                      <a:cs typeface="Times New Roman" pitchFamily="18" charset="0"/>
+                    </a:rPr>
+                    <a:t>LinkFace</a:t>
+                  </a:r>
+                  <a:r>
+                    <a:rPr lang="en-US" sz="1200" dirty="0" smtClean="0">
+                      <a:latin typeface="Times New Roman" pitchFamily="18" charset="0"/>
+                      <a:cs typeface="Times New Roman" pitchFamily="18" charset="0"/>
+                    </a:rPr>
+                    <a:t>(</a:t>
+                  </a:r>
+                  <a:r>
+                    <a:rPr lang="en-US" sz="1200" dirty="0" err="1" smtClean="0">
+                      <a:latin typeface="Times New Roman" pitchFamily="18" charset="0"/>
+                      <a:cs typeface="Times New Roman" pitchFamily="18" charset="0"/>
+                    </a:rPr>
+                    <a:t>ServerFace</a:t>
+                  </a:r>
+                  <a:r>
+                    <a:rPr lang="en-US" sz="1200" dirty="0" smtClean="0">
+                      <a:latin typeface="Times New Roman" pitchFamily="18" charset="0"/>
+                      <a:cs typeface="Times New Roman" pitchFamily="18" charset="0"/>
+                    </a:rPr>
+                    <a:t>)</a:t>
+                  </a:r>
+                </a:p>
+                <a:p>
+                  <a:r>
+                    <a:rPr lang="en-US" sz="1200" dirty="0" smtClean="0">
+                      <a:latin typeface="Times New Roman" pitchFamily="18" charset="0"/>
+                      <a:cs typeface="Times New Roman" pitchFamily="18" charset="0"/>
+                    </a:rPr>
+                    <a:t>+ </a:t>
+                  </a:r>
+                  <a:r>
+                    <a:rPr lang="en-US" sz="1200" dirty="0" err="1" smtClean="0">
+                      <a:latin typeface="Times New Roman" pitchFamily="18" charset="0"/>
+                      <a:cs typeface="Times New Roman" pitchFamily="18" charset="0"/>
+                    </a:rPr>
+                    <a:t>addLast</a:t>
+                  </a:r>
+                  <a:r>
+                    <a:rPr lang="en-US" sz="1200" dirty="0" smtClean="0">
+                      <a:latin typeface="Times New Roman" pitchFamily="18" charset="0"/>
+                      <a:cs typeface="Times New Roman" pitchFamily="18" charset="0"/>
+                    </a:rPr>
+                    <a:t>(</a:t>
+                  </a:r>
+                  <a:r>
+                    <a:rPr lang="en-US" sz="1200" dirty="0" err="1" smtClean="0">
+                      <a:latin typeface="Times New Roman" pitchFamily="18" charset="0"/>
+                      <a:cs typeface="Times New Roman" pitchFamily="18" charset="0"/>
+                    </a:rPr>
+                    <a:t>LinkFace</a:t>
+                  </a:r>
+                  <a:r>
+                    <a:rPr lang="en-US" sz="1200" dirty="0" smtClean="0">
+                      <a:latin typeface="Times New Roman" pitchFamily="18" charset="0"/>
+                      <a:cs typeface="Times New Roman" pitchFamily="18" charset="0"/>
+                    </a:rPr>
+                    <a:t>)</a:t>
+                  </a:r>
+                </a:p>
+                <a:p>
+                  <a:r>
+                    <a:rPr lang="en-US" sz="1200" dirty="0" smtClean="0">
+                      <a:latin typeface="Times New Roman" pitchFamily="18" charset="0"/>
+                      <a:cs typeface="Times New Roman" pitchFamily="18" charset="0"/>
+                    </a:rPr>
+                    <a:t>+ handle(</a:t>
+                  </a:r>
+                  <a:r>
+                    <a:rPr lang="en-US" sz="1200" dirty="0" err="1" smtClean="0">
+                      <a:latin typeface="Times New Roman" pitchFamily="18" charset="0"/>
+                      <a:cs typeface="Times New Roman" pitchFamily="18" charset="0"/>
+                    </a:rPr>
+                    <a:t>int</a:t>
+                  </a:r>
+                  <a:r>
+                    <a:rPr lang="en-US" sz="1200" dirty="0" smtClean="0">
+                      <a:latin typeface="Times New Roman" pitchFamily="18" charset="0"/>
+                      <a:cs typeface="Times New Roman" pitchFamily="18" charset="0"/>
+                    </a:rPr>
+                    <a:t>)</a:t>
+                  </a:r>
+                </a:p>
+                <a:p>
+                  <a:r>
+                    <a:rPr lang="en-US" sz="1200" dirty="0" smtClean="0">
+                      <a:latin typeface="Times New Roman" pitchFamily="18" charset="0"/>
+                      <a:cs typeface="Times New Roman" pitchFamily="18" charset="0"/>
+                    </a:rPr>
+                    <a:t>+ dispose()</a:t>
+                  </a:r>
+                  <a:endParaRPr lang="en-US" sz="1200" dirty="0">
+                    <a:latin typeface="Times New Roman" pitchFamily="18" charset="0"/>
+                    <a:cs typeface="Times New Roman" pitchFamily="18" charset="0"/>
+                  </a:endParaRPr>
+                </a:p>
+              </p:txBody>
+            </p:sp>
+          </p:grpSp>
+          <p:cxnSp>
+            <p:nvCxnSpPr>
+              <p:cNvPr id="134" name="Elbow Connector 133"/>
+              <p:cNvCxnSpPr>
+                <a:stCxn id="133" idx="2"/>
+                <a:endCxn id="100" idx="0"/>
+              </p:cNvCxnSpPr>
+              <p:nvPr/>
+            </p:nvCxnSpPr>
+            <p:spPr>
+              <a:xfrm rot="16200000" flipH="1">
+                <a:off x="4779288" y="5807528"/>
+                <a:ext cx="804624" cy="2362200"/>
+              </a:xfrm>
+              <a:prstGeom prst="bentConnector3">
+                <a:avLst>
+                  <a:gd name="adj1" fmla="val 50000"/>
+                </a:avLst>
+              </a:prstGeom>
+              <a:ln w="25400">
+                <a:solidFill>
+                  <a:srgbClr val="0000CC"/>
+                </a:solidFill>
+              </a:ln>
+            </p:spPr>
+            <p:style>
+              <a:lnRef idx="1">
+                <a:schemeClr val="accent1"/>
+              </a:lnRef>
+              <a:fillRef idx="0">
+                <a:schemeClr val="accent1"/>
+              </a:fillRef>
+              <a:effectRef idx="0">
+                <a:schemeClr val="accent1"/>
+              </a:effectRef>
+              <a:fontRef idx="minor">
+                <a:schemeClr val="tx1"/>
+              </a:fontRef>
+            </p:style>
+          </p:cxnSp>
+          <p:cxnSp>
+            <p:nvCxnSpPr>
+              <p:cNvPr id="135" name="Elbow Connector 134"/>
+              <p:cNvCxnSpPr>
+                <a:stCxn id="172" idx="2"/>
+                <a:endCxn id="100" idx="0"/>
+              </p:cNvCxnSpPr>
+              <p:nvPr/>
+            </p:nvCxnSpPr>
+            <p:spPr>
+              <a:xfrm rot="5400000">
+                <a:off x="7179588" y="5769428"/>
+                <a:ext cx="804624" cy="2438400"/>
+              </a:xfrm>
+              <a:prstGeom prst="bentConnector3">
+                <a:avLst>
+                  <a:gd name="adj1" fmla="val 50000"/>
+                </a:avLst>
+              </a:prstGeom>
+              <a:ln w="25400">
+                <a:solidFill>
+                  <a:srgbClr val="0000CC"/>
+                </a:solidFill>
+              </a:ln>
+            </p:spPr>
+            <p:style>
+              <a:lnRef idx="1">
+                <a:schemeClr val="accent1"/>
+              </a:lnRef>
+              <a:fillRef idx="0">
+                <a:schemeClr val="accent1"/>
+              </a:fillRef>
+              <a:effectRef idx="0">
+                <a:schemeClr val="accent1"/>
+              </a:effectRef>
+              <a:fontRef idx="minor">
+                <a:schemeClr val="tx1"/>
+              </a:fontRef>
+            </p:style>
+          </p:cxnSp>
+          <p:sp>
+            <p:nvSpPr>
+              <p:cNvPr id="136" name="Isosceles Triangle 135"/>
+              <p:cNvSpPr/>
+              <p:nvPr/>
+            </p:nvSpPr>
+            <p:spPr>
+              <a:xfrm rot="10800000">
+                <a:off x="6216690" y="7030842"/>
+                <a:ext cx="292022" cy="208157"/>
+              </a:xfrm>
+              <a:prstGeom prst="triangle">
+                <a:avLst/>
+              </a:prstGeom>
               <a:solidFill>
-                <a:srgbClr val="0000CC"/>
+                <a:schemeClr val="bg1"/>
               </a:solidFill>
-              <a:headEnd type="diamond" w="lg" len="lg"/>
-              <a:tailEnd type="arrow"/>
-            </a:ln>
-          </p:spPr>
-          <p:style>
-            <a:lnRef idx="1">
-              <a:schemeClr val="accent1"/>
-            </a:lnRef>
-            <a:fillRef idx="0">
-              <a:schemeClr val="accent1"/>
-            </a:fillRef>
-            <a:effectRef idx="0">
-              <a:schemeClr val="accent1"/>
-            </a:effectRef>
-            <a:fontRef idx="minor">
-              <a:schemeClr val="tx1"/>
-            </a:fontRef>
-          </p:style>
-        </p:cxnSp>
-        <p:cxnSp>
-          <p:nvCxnSpPr>
-            <p:cNvPr id="176" name="Elbow Connector 175"/>
-            <p:cNvCxnSpPr>
-              <a:endCxn id="19" idx="2"/>
-            </p:cNvCxnSpPr>
-            <p:nvPr/>
-          </p:nvCxnSpPr>
-          <p:spPr>
-            <a:xfrm rot="16200000" flipV="1">
-              <a:off x="8896350" y="4857750"/>
-              <a:ext cx="1295400" cy="114300"/>
-            </a:xfrm>
-            <a:prstGeom prst="bentConnector3">
-              <a:avLst>
-                <a:gd name="adj1" fmla="val 50000"/>
-              </a:avLst>
-            </a:prstGeom>
-            <a:ln w="25400">
-              <a:solidFill>
-                <a:srgbClr val="0000CC"/>
-              </a:solidFill>
-              <a:headEnd type="diamond" w="lg" len="lg"/>
-              <a:tailEnd type="arrow"/>
-            </a:ln>
-          </p:spPr>
-          <p:style>
-            <a:lnRef idx="1">
-              <a:schemeClr val="accent1"/>
-            </a:lnRef>
-            <a:fillRef idx="0">
-              <a:schemeClr val="accent1"/>
-            </a:fillRef>
-            <a:effectRef idx="0">
-              <a:schemeClr val="accent1"/>
-            </a:effectRef>
-            <a:fontRef idx="minor">
-              <a:schemeClr val="tx1"/>
-            </a:fontRef>
-          </p:style>
-        </p:cxnSp>
+              <a:ln>
+                <a:solidFill>
+                  <a:srgbClr val="0000CC"/>
+                </a:solidFill>
+              </a:ln>
+            </p:spPr>
+            <p:style>
+              <a:lnRef idx="2">
+                <a:schemeClr val="accent1">
+                  <a:shade val="50000"/>
+                </a:schemeClr>
+              </a:lnRef>
+              <a:fillRef idx="1">
+                <a:schemeClr val="accent1"/>
+              </a:fillRef>
+              <a:effectRef idx="0">
+                <a:schemeClr val="accent1"/>
+              </a:effectRef>
+              <a:fontRef idx="minor">
+                <a:schemeClr val="lt1"/>
+              </a:fontRef>
+            </p:style>
+            <p:txBody>
+              <a:bodyPr rtlCol="0" anchor="ctr"/>
+              <a:lstStyle/>
+              <a:p>
+                <a:pPr algn="ctr"/>
+                <a:endParaRPr lang="en-US"/>
+              </a:p>
+            </p:txBody>
+          </p:sp>
+          <p:cxnSp>
+            <p:nvCxnSpPr>
+              <p:cNvPr id="167" name="Straight Connector 166"/>
+              <p:cNvCxnSpPr/>
+              <p:nvPr/>
+            </p:nvCxnSpPr>
+            <p:spPr>
+              <a:xfrm flipV="1">
+                <a:off x="6362700" y="6553200"/>
+                <a:ext cx="0" cy="444526"/>
+              </a:xfrm>
+              <a:prstGeom prst="line">
+                <a:avLst/>
+              </a:prstGeom>
+              <a:ln w="25400">
+                <a:solidFill>
+                  <a:srgbClr val="0000CC"/>
+                </a:solidFill>
+              </a:ln>
+            </p:spPr>
+            <p:style>
+              <a:lnRef idx="1">
+                <a:schemeClr val="accent1"/>
+              </a:lnRef>
+              <a:fillRef idx="0">
+                <a:schemeClr val="accent1"/>
+              </a:fillRef>
+              <a:effectRef idx="0">
+                <a:schemeClr val="accent1"/>
+              </a:effectRef>
+              <a:fontRef idx="minor">
+                <a:schemeClr val="tx1"/>
+              </a:fontRef>
+            </p:style>
+          </p:cxnSp>
+          <p:cxnSp>
+            <p:nvCxnSpPr>
+              <p:cNvPr id="170" name="Elbow Connector 169"/>
+              <p:cNvCxnSpPr>
+                <a:endCxn id="69" idx="2"/>
+              </p:cNvCxnSpPr>
+              <p:nvPr/>
+            </p:nvCxnSpPr>
+            <p:spPr>
+              <a:xfrm rot="16200000" flipV="1">
+                <a:off x="6648450" y="4514850"/>
+                <a:ext cx="1066801" cy="571500"/>
+              </a:xfrm>
+              <a:prstGeom prst="bentConnector3">
+                <a:avLst>
+                  <a:gd name="adj1" fmla="val 70526"/>
+                </a:avLst>
+              </a:prstGeom>
+              <a:ln w="25400">
+                <a:solidFill>
+                  <a:srgbClr val="0000CC"/>
+                </a:solidFill>
+                <a:headEnd type="diamond" w="lg" len="lg"/>
+                <a:tailEnd type="arrow"/>
+              </a:ln>
+            </p:spPr>
+            <p:style>
+              <a:lnRef idx="1">
+                <a:schemeClr val="accent1"/>
+              </a:lnRef>
+              <a:fillRef idx="0">
+                <a:schemeClr val="accent1"/>
+              </a:fillRef>
+              <a:effectRef idx="0">
+                <a:schemeClr val="accent1"/>
+              </a:effectRef>
+              <a:fontRef idx="minor">
+                <a:schemeClr val="tx1"/>
+              </a:fontRef>
+            </p:style>
+          </p:cxnSp>
+          <p:cxnSp>
+            <p:nvCxnSpPr>
+              <p:cNvPr id="176" name="Elbow Connector 175"/>
+              <p:cNvCxnSpPr>
+                <a:endCxn id="19" idx="2"/>
+              </p:cNvCxnSpPr>
+              <p:nvPr/>
+            </p:nvCxnSpPr>
+            <p:spPr>
+              <a:xfrm rot="16200000" flipV="1">
+                <a:off x="9124950" y="4629150"/>
+                <a:ext cx="1066800" cy="342900"/>
+              </a:xfrm>
+              <a:prstGeom prst="bentConnector3">
+                <a:avLst>
+                  <a:gd name="adj1" fmla="val 70526"/>
+                </a:avLst>
+              </a:prstGeom>
+              <a:ln w="25400">
+                <a:solidFill>
+                  <a:srgbClr val="0000CC"/>
+                </a:solidFill>
+                <a:headEnd type="diamond" w="lg" len="lg"/>
+                <a:tailEnd type="arrow"/>
+              </a:ln>
+            </p:spPr>
+            <p:style>
+              <a:lnRef idx="1">
+                <a:schemeClr val="accent1"/>
+              </a:lnRef>
+              <a:fillRef idx="0">
+                <a:schemeClr val="accent1"/>
+              </a:fillRef>
+              <a:effectRef idx="0">
+                <a:schemeClr val="accent1"/>
+              </a:effectRef>
+              <a:fontRef idx="minor">
+                <a:schemeClr val="tx1"/>
+              </a:fontRef>
+            </p:style>
+          </p:cxnSp>
+          <p:sp>
+            <p:nvSpPr>
+              <p:cNvPr id="144" name="TextBox 143"/>
+              <p:cNvSpPr txBox="1"/>
+              <p:nvPr/>
+            </p:nvSpPr>
+            <p:spPr>
+              <a:xfrm>
+                <a:off x="5410200" y="7848600"/>
+                <a:ext cx="1905000" cy="461665"/>
+              </a:xfrm>
+              <a:prstGeom prst="rect">
+                <a:avLst/>
+              </a:prstGeom>
+              <a:noFill/>
+            </p:spPr>
+            <p:txBody>
+              <a:bodyPr wrap="square" rtlCol="0">
+                <a:spAutoFit/>
+              </a:bodyPr>
+              <a:lstStyle/>
+              <a:p>
+                <a:pPr marL="171450" indent="-171450">
+                  <a:buFontTx/>
+                  <a:buChar char="-"/>
+                </a:pPr>
+                <a:r>
+                  <a:rPr lang="en-US" sz="1200" dirty="0" err="1" smtClean="0">
+                    <a:latin typeface="Times New Roman" pitchFamily="18" charset="0"/>
+                    <a:cs typeface="Times New Roman" pitchFamily="18" charset="0"/>
+                  </a:rPr>
+                  <a:t>srv</a:t>
+                </a:r>
+                <a:r>
+                  <a:rPr lang="en-US" sz="1200" dirty="0" smtClean="0">
+                    <a:latin typeface="Times New Roman" pitchFamily="18" charset="0"/>
+                    <a:cs typeface="Times New Roman" pitchFamily="18" charset="0"/>
+                  </a:rPr>
+                  <a:t>: </a:t>
+                </a:r>
+                <a:r>
+                  <a:rPr lang="en-US" sz="1200" dirty="0" err="1" smtClean="0">
+                    <a:latin typeface="Times New Roman" pitchFamily="18" charset="0"/>
+                    <a:cs typeface="Times New Roman" pitchFamily="18" charset="0"/>
+                  </a:rPr>
+                  <a:t>ServerFace</a:t>
+                </a:r>
+                <a:endParaRPr lang="en-US" sz="1200" dirty="0" smtClean="0">
+                  <a:latin typeface="Times New Roman" pitchFamily="18" charset="0"/>
+                  <a:cs typeface="Times New Roman" pitchFamily="18" charset="0"/>
+                </a:endParaRPr>
+              </a:p>
+              <a:p>
+                <a:pPr marL="171450" indent="-171450">
+                  <a:buFontTx/>
+                  <a:buChar char="-"/>
+                </a:pPr>
+                <a:r>
+                  <a:rPr lang="en-US" sz="1200" dirty="0">
+                    <a:latin typeface="Times New Roman" pitchFamily="18" charset="0"/>
+                    <a:cs typeface="Times New Roman" pitchFamily="18" charset="0"/>
+                  </a:rPr>
+                  <a:t>next: </a:t>
+                </a:r>
+                <a:r>
+                  <a:rPr lang="en-US" sz="1200" dirty="0" err="1">
+                    <a:latin typeface="Times New Roman" pitchFamily="18" charset="0"/>
+                    <a:cs typeface="Times New Roman" pitchFamily="18" charset="0"/>
+                  </a:rPr>
+                  <a:t>LinkFace</a:t>
+                </a:r>
+                <a:r>
+                  <a:rPr lang="en-US" sz="1200" dirty="0">
+                    <a:latin typeface="Times New Roman" pitchFamily="18" charset="0"/>
+                    <a:cs typeface="Times New Roman" pitchFamily="18" charset="0"/>
+                  </a:rPr>
+                  <a:t> </a:t>
+                </a:r>
+              </a:p>
+            </p:txBody>
+          </p:sp>
+          <p:grpSp>
+            <p:nvGrpSpPr>
+              <p:cNvPr id="84" name="Group 83"/>
+              <p:cNvGrpSpPr/>
+              <p:nvPr/>
+            </p:nvGrpSpPr>
+            <p:grpSpPr>
+              <a:xfrm>
+                <a:off x="3048000" y="4491335"/>
+                <a:ext cx="1905000" cy="2094981"/>
+                <a:chOff x="3048000" y="4338935"/>
+                <a:chExt cx="1905000" cy="2094981"/>
+              </a:xfrm>
+            </p:grpSpPr>
+            <p:grpSp>
+              <p:nvGrpSpPr>
+                <p:cNvPr id="127" name="Group 126"/>
+                <p:cNvGrpSpPr/>
+                <p:nvPr/>
+              </p:nvGrpSpPr>
+              <p:grpSpPr>
+                <a:xfrm>
+                  <a:off x="3048000" y="4338935"/>
+                  <a:ext cx="1905000" cy="2094981"/>
+                  <a:chOff x="533400" y="194060"/>
+                  <a:chExt cx="1905000" cy="2831341"/>
+                </a:xfrm>
+              </p:grpSpPr>
+              <p:sp>
+                <p:nvSpPr>
+                  <p:cNvPr id="129" name="Rectangle 128"/>
+                  <p:cNvSpPr/>
+                  <p:nvPr/>
+                </p:nvSpPr>
+                <p:spPr>
+                  <a:xfrm>
+                    <a:off x="533400" y="200094"/>
+                    <a:ext cx="1905000" cy="2825307"/>
+                  </a:xfrm>
+                  <a:prstGeom prst="rect">
+                    <a:avLst/>
+                  </a:prstGeom>
+                  <a:noFill/>
+                  <a:ln>
+                    <a:solidFill>
+                      <a:srgbClr val="0000CC"/>
+                    </a:solidFill>
+                  </a:ln>
+                </p:spPr>
+                <p:style>
+                  <a:lnRef idx="2">
+                    <a:schemeClr val="accent1">
+                      <a:shade val="50000"/>
+                    </a:schemeClr>
+                  </a:lnRef>
+                  <a:fillRef idx="1">
+                    <a:schemeClr val="accent1"/>
+                  </a:fillRef>
+                  <a:effectRef idx="0">
+                    <a:schemeClr val="accent1"/>
+                  </a:effectRef>
+                  <a:fontRef idx="minor">
+                    <a:schemeClr val="lt1"/>
+                  </a:fontRef>
+                </p:style>
+                <p:txBody>
+                  <a:bodyPr rtlCol="0" anchor="ctr"/>
+                  <a:lstStyle/>
+                  <a:p>
+                    <a:pPr algn="ctr"/>
+                    <a:endParaRPr lang="en-US" dirty="0"/>
+                  </a:p>
+                </p:txBody>
+              </p:sp>
+              <p:sp>
+                <p:nvSpPr>
+                  <p:cNvPr id="130" name="TextBox 129"/>
+                  <p:cNvSpPr txBox="1"/>
+                  <p:nvPr/>
+                </p:nvSpPr>
+                <p:spPr>
+                  <a:xfrm>
+                    <a:off x="533400" y="194060"/>
+                    <a:ext cx="1905000" cy="623935"/>
+                  </a:xfrm>
+                  <a:prstGeom prst="rect">
+                    <a:avLst/>
+                  </a:prstGeom>
+                  <a:noFill/>
+                  <a:ln>
+                    <a:noFill/>
+                  </a:ln>
+                </p:spPr>
+                <p:txBody>
+                  <a:bodyPr wrap="square" rtlCol="0">
+                    <a:spAutoFit/>
+                  </a:bodyPr>
+                  <a:lstStyle/>
+                  <a:p>
+                    <a:pPr algn="ctr"/>
+                    <a:r>
+                      <a:rPr lang="en-US" sz="1200" dirty="0" err="1" smtClean="0">
+                        <a:latin typeface="Times New Roman" pitchFamily="18" charset="0"/>
+                        <a:cs typeface="Times New Roman" pitchFamily="18" charset="0"/>
+                      </a:rPr>
+                      <a:t>PrimeLink</a:t>
+                    </a:r>
+                    <a:endParaRPr lang="en-US" sz="1200" dirty="0" smtClean="0">
+                      <a:latin typeface="Times New Roman" pitchFamily="18" charset="0"/>
+                      <a:cs typeface="Times New Roman" pitchFamily="18" charset="0"/>
+                    </a:endParaRPr>
+                  </a:p>
+                  <a:p>
+                    <a:pPr algn="ctr"/>
+                    <a:r>
+                      <a:rPr lang="en-US" sz="1200" dirty="0" smtClean="0">
+                        <a:latin typeface="Times New Roman" pitchFamily="18" charset="0"/>
+                        <a:cs typeface="Times New Roman" pitchFamily="18" charset="0"/>
+                      </a:rPr>
+                      <a:t>// </a:t>
+                    </a:r>
+                    <a:r>
+                      <a:rPr lang="en-US" sz="1200" dirty="0">
+                        <a:latin typeface="Times New Roman" pitchFamily="18" charset="0"/>
+                        <a:cs typeface="Times New Roman" pitchFamily="18" charset="0"/>
+                      </a:rPr>
+                      <a:t>p</a:t>
+                    </a:r>
+                    <a:r>
+                      <a:rPr lang="en-US" sz="1200" dirty="0" smtClean="0">
+                        <a:latin typeface="Times New Roman" pitchFamily="18" charset="0"/>
+                        <a:cs typeface="Times New Roman" pitchFamily="18" charset="0"/>
+                      </a:rPr>
+                      <a:t>rime </a:t>
+                    </a:r>
+                    <a:r>
+                      <a:rPr lang="en-US" sz="1200" dirty="0">
+                        <a:latin typeface="Times New Roman" pitchFamily="18" charset="0"/>
+                        <a:cs typeface="Times New Roman" pitchFamily="18" charset="0"/>
+                      </a:rPr>
+                      <a:t>h</a:t>
+                    </a:r>
+                    <a:r>
+                      <a:rPr lang="en-US" sz="1200" dirty="0" smtClean="0">
+                        <a:latin typeface="Times New Roman" pitchFamily="18" charset="0"/>
+                        <a:cs typeface="Times New Roman" pitchFamily="18" charset="0"/>
+                      </a:rPr>
+                      <a:t>andler</a:t>
+                    </a:r>
+                    <a:endParaRPr lang="en-US" sz="1200" dirty="0">
+                      <a:latin typeface="Times New Roman" pitchFamily="18" charset="0"/>
+                      <a:cs typeface="Times New Roman" pitchFamily="18" charset="0"/>
+                    </a:endParaRPr>
+                  </a:p>
+                </p:txBody>
+              </p:sp>
+              <p:cxnSp>
+                <p:nvCxnSpPr>
+                  <p:cNvPr id="131" name="Straight Connector 130"/>
+                  <p:cNvCxnSpPr/>
+                  <p:nvPr/>
+                </p:nvCxnSpPr>
+                <p:spPr>
+                  <a:xfrm>
+                    <a:off x="533400" y="817995"/>
+                    <a:ext cx="1905000" cy="0"/>
+                  </a:xfrm>
+                  <a:prstGeom prst="line">
+                    <a:avLst/>
+                  </a:prstGeom>
+                  <a:ln w="25400">
+                    <a:solidFill>
+                      <a:srgbClr val="0000CC"/>
+                    </a:solidFill>
+                  </a:ln>
+                </p:spPr>
+                <p:style>
+                  <a:lnRef idx="1">
+                    <a:schemeClr val="accent1"/>
+                  </a:lnRef>
+                  <a:fillRef idx="0">
+                    <a:schemeClr val="accent1"/>
+                  </a:fillRef>
+                  <a:effectRef idx="0">
+                    <a:schemeClr val="accent1"/>
+                  </a:effectRef>
+                  <a:fontRef idx="minor">
+                    <a:schemeClr val="tx1"/>
+                  </a:fontRef>
+                </p:style>
+              </p:cxnSp>
+              <p:cxnSp>
+                <p:nvCxnSpPr>
+                  <p:cNvPr id="132" name="Straight Connector 131"/>
+                  <p:cNvCxnSpPr/>
+                  <p:nvPr/>
+                </p:nvCxnSpPr>
+                <p:spPr>
+                  <a:xfrm>
+                    <a:off x="533400" y="1686617"/>
+                    <a:ext cx="1905000" cy="0"/>
+                  </a:xfrm>
+                  <a:prstGeom prst="line">
+                    <a:avLst/>
+                  </a:prstGeom>
+                  <a:ln w="25400">
+                    <a:solidFill>
+                      <a:srgbClr val="0000CC"/>
+                    </a:solidFill>
+                  </a:ln>
+                </p:spPr>
+                <p:style>
+                  <a:lnRef idx="1">
+                    <a:schemeClr val="accent1"/>
+                  </a:lnRef>
+                  <a:fillRef idx="0">
+                    <a:schemeClr val="accent1"/>
+                  </a:fillRef>
+                  <a:effectRef idx="0">
+                    <a:schemeClr val="accent1"/>
+                  </a:effectRef>
+                  <a:fontRef idx="minor">
+                    <a:schemeClr val="tx1"/>
+                  </a:fontRef>
+                </p:style>
+              </p:cxnSp>
+              <p:sp>
+                <p:nvSpPr>
+                  <p:cNvPr id="133" name="TextBox 132"/>
+                  <p:cNvSpPr txBox="1"/>
+                  <p:nvPr/>
+                </p:nvSpPr>
+                <p:spPr>
+                  <a:xfrm>
+                    <a:off x="533400" y="1652745"/>
+                    <a:ext cx="1905000" cy="1372656"/>
+                  </a:xfrm>
+                  <a:prstGeom prst="rect">
+                    <a:avLst/>
+                  </a:prstGeom>
+                  <a:noFill/>
+                </p:spPr>
+                <p:txBody>
+                  <a:bodyPr wrap="square" rtlCol="0">
+                    <a:spAutoFit/>
+                  </a:bodyPr>
+                  <a:lstStyle/>
+                  <a:p>
+                    <a:r>
+                      <a:rPr lang="en-US" sz="1200" dirty="0" smtClean="0">
+                        <a:latin typeface="Times New Roman" pitchFamily="18" charset="0"/>
+                        <a:cs typeface="Times New Roman" pitchFamily="18" charset="0"/>
+                      </a:rPr>
+                      <a:t>+ </a:t>
+                    </a:r>
+                    <a:r>
+                      <a:rPr lang="en-US" sz="1200" dirty="0" err="1" smtClean="0">
+                        <a:latin typeface="Times New Roman" pitchFamily="18" charset="0"/>
+                        <a:cs typeface="Times New Roman" pitchFamily="18" charset="0"/>
+                      </a:rPr>
+                      <a:t>PrimeLink</a:t>
+                    </a:r>
+                    <a:r>
+                      <a:rPr lang="en-US" sz="1200" dirty="0" smtClean="0">
+                        <a:latin typeface="Times New Roman" pitchFamily="18" charset="0"/>
+                        <a:cs typeface="Times New Roman" pitchFamily="18" charset="0"/>
+                      </a:rPr>
+                      <a:t>(</a:t>
+                    </a:r>
+                    <a:r>
+                      <a:rPr lang="en-US" sz="1200" dirty="0" err="1" smtClean="0">
+                        <a:latin typeface="Times New Roman" pitchFamily="18" charset="0"/>
+                        <a:cs typeface="Times New Roman" pitchFamily="18" charset="0"/>
+                      </a:rPr>
+                      <a:t>ServerFace</a:t>
+                    </a:r>
+                    <a:r>
+                      <a:rPr lang="en-US" sz="1200" dirty="0" smtClean="0">
+                        <a:latin typeface="Times New Roman" pitchFamily="18" charset="0"/>
+                        <a:cs typeface="Times New Roman" pitchFamily="18" charset="0"/>
+                      </a:rPr>
+                      <a:t>)</a:t>
+                    </a:r>
+                  </a:p>
+                  <a:p>
+                    <a:r>
+                      <a:rPr lang="en-US" sz="1200" dirty="0" smtClean="0">
+                        <a:latin typeface="Times New Roman" pitchFamily="18" charset="0"/>
+                        <a:cs typeface="Times New Roman" pitchFamily="18" charset="0"/>
+                      </a:rPr>
+                      <a:t>+ </a:t>
+                    </a:r>
+                    <a:r>
+                      <a:rPr lang="en-US" sz="1200" dirty="0" err="1" smtClean="0">
+                        <a:latin typeface="Times New Roman" pitchFamily="18" charset="0"/>
+                        <a:cs typeface="Times New Roman" pitchFamily="18" charset="0"/>
+                      </a:rPr>
+                      <a:t>addLast</a:t>
+                    </a:r>
+                    <a:r>
+                      <a:rPr lang="en-US" sz="1200" dirty="0" smtClean="0">
+                        <a:latin typeface="Times New Roman" pitchFamily="18" charset="0"/>
+                        <a:cs typeface="Times New Roman" pitchFamily="18" charset="0"/>
+                      </a:rPr>
+                      <a:t>(</a:t>
+                    </a:r>
+                    <a:r>
+                      <a:rPr lang="en-US" sz="1200" dirty="0" err="1" smtClean="0">
+                        <a:latin typeface="Times New Roman" pitchFamily="18" charset="0"/>
+                        <a:cs typeface="Times New Roman" pitchFamily="18" charset="0"/>
+                      </a:rPr>
+                      <a:t>LinkFace</a:t>
+                    </a:r>
+                    <a:r>
+                      <a:rPr lang="en-US" sz="1200" dirty="0" smtClean="0">
+                        <a:latin typeface="Times New Roman" pitchFamily="18" charset="0"/>
+                        <a:cs typeface="Times New Roman" pitchFamily="18" charset="0"/>
+                      </a:rPr>
+                      <a:t>)</a:t>
+                    </a:r>
+                  </a:p>
+                  <a:p>
+                    <a:r>
+                      <a:rPr lang="en-US" sz="1200" dirty="0" smtClean="0">
+                        <a:latin typeface="Times New Roman" pitchFamily="18" charset="0"/>
+                        <a:cs typeface="Times New Roman" pitchFamily="18" charset="0"/>
+                      </a:rPr>
+                      <a:t>+ handle(</a:t>
+                    </a:r>
+                    <a:r>
+                      <a:rPr lang="en-US" sz="1200" dirty="0" err="1" smtClean="0">
+                        <a:latin typeface="Times New Roman" pitchFamily="18" charset="0"/>
+                        <a:cs typeface="Times New Roman" pitchFamily="18" charset="0"/>
+                      </a:rPr>
+                      <a:t>int</a:t>
+                    </a:r>
+                    <a:r>
+                      <a:rPr lang="en-US" sz="1200" dirty="0" smtClean="0">
+                        <a:latin typeface="Times New Roman" pitchFamily="18" charset="0"/>
+                        <a:cs typeface="Times New Roman" pitchFamily="18" charset="0"/>
+                      </a:rPr>
+                      <a:t>)</a:t>
+                    </a:r>
+                  </a:p>
+                  <a:p>
+                    <a:r>
+                      <a:rPr lang="en-US" sz="1200" dirty="0" smtClean="0">
+                        <a:latin typeface="Times New Roman" pitchFamily="18" charset="0"/>
+                        <a:cs typeface="Times New Roman" pitchFamily="18" charset="0"/>
+                      </a:rPr>
+                      <a:t>+ dispose()</a:t>
+                    </a:r>
+                  </a:p>
+                  <a:p>
+                    <a:r>
+                      <a:rPr lang="en-US" sz="1200" dirty="0" smtClean="0">
+                        <a:latin typeface="Times New Roman" pitchFamily="18" charset="0"/>
+                        <a:cs typeface="Times New Roman" pitchFamily="18" charset="0"/>
+                      </a:rPr>
+                      <a:t>-  </a:t>
+                    </a:r>
+                    <a:r>
+                      <a:rPr lang="en-US" sz="1200" dirty="0" err="1" smtClean="0">
+                        <a:latin typeface="Times New Roman" pitchFamily="18" charset="0"/>
+                        <a:cs typeface="Times New Roman" pitchFamily="18" charset="0"/>
+                      </a:rPr>
+                      <a:t>fillPrime</a:t>
+                    </a:r>
+                    <a:r>
+                      <a:rPr lang="en-US" sz="1200" dirty="0" smtClean="0">
+                        <a:latin typeface="Times New Roman" pitchFamily="18" charset="0"/>
+                        <a:cs typeface="Times New Roman" pitchFamily="18" charset="0"/>
+                      </a:rPr>
+                      <a:t>()</a:t>
+                    </a:r>
+                    <a:endParaRPr lang="en-US" sz="1200" dirty="0">
+                      <a:latin typeface="Times New Roman" pitchFamily="18" charset="0"/>
+                      <a:cs typeface="Times New Roman" pitchFamily="18" charset="0"/>
+                    </a:endParaRPr>
+                  </a:p>
+                </p:txBody>
+              </p:sp>
+            </p:grpSp>
+            <p:sp>
+              <p:nvSpPr>
+                <p:cNvPr id="145" name="TextBox 144"/>
+                <p:cNvSpPr txBox="1"/>
+                <p:nvPr/>
+              </p:nvSpPr>
+              <p:spPr>
+                <a:xfrm>
+                  <a:off x="3048000" y="4800600"/>
+                  <a:ext cx="1905000" cy="646331"/>
+                </a:xfrm>
+                <a:prstGeom prst="rect">
+                  <a:avLst/>
+                </a:prstGeom>
+                <a:noFill/>
+              </p:spPr>
+              <p:txBody>
+                <a:bodyPr wrap="square" rtlCol="0">
+                  <a:spAutoFit/>
+                </a:bodyPr>
+                <a:lstStyle/>
+                <a:p>
+                  <a:pPr marL="171450" indent="-171450">
+                    <a:buFontTx/>
+                    <a:buChar char="-"/>
+                  </a:pPr>
+                  <a:r>
+                    <a:rPr lang="en-US" sz="1200" dirty="0" err="1" smtClean="0">
+                      <a:latin typeface="Times New Roman" pitchFamily="18" charset="0"/>
+                      <a:cs typeface="Times New Roman" pitchFamily="18" charset="0"/>
+                    </a:rPr>
+                    <a:t>srv</a:t>
+                  </a:r>
+                  <a:r>
+                    <a:rPr lang="en-US" sz="1200" dirty="0" smtClean="0">
+                      <a:latin typeface="Times New Roman" pitchFamily="18" charset="0"/>
+                      <a:cs typeface="Times New Roman" pitchFamily="18" charset="0"/>
+                    </a:rPr>
+                    <a:t>: </a:t>
+                  </a:r>
+                  <a:r>
+                    <a:rPr lang="en-US" sz="1200" dirty="0" err="1" smtClean="0">
+                      <a:latin typeface="Times New Roman" pitchFamily="18" charset="0"/>
+                      <a:cs typeface="Times New Roman" pitchFamily="18" charset="0"/>
+                    </a:rPr>
+                    <a:t>ServerFace</a:t>
+                  </a:r>
+                  <a:endParaRPr lang="en-US" sz="1200" dirty="0" smtClean="0">
+                    <a:latin typeface="Times New Roman" pitchFamily="18" charset="0"/>
+                    <a:cs typeface="Times New Roman" pitchFamily="18" charset="0"/>
+                  </a:endParaRPr>
+                </a:p>
+                <a:p>
+                  <a:pPr marL="171450" indent="-171450">
+                    <a:buFontTx/>
+                    <a:buChar char="-"/>
+                  </a:pPr>
+                  <a:r>
+                    <a:rPr lang="en-US" sz="1200" dirty="0">
+                      <a:latin typeface="Times New Roman" pitchFamily="18" charset="0"/>
+                      <a:cs typeface="Times New Roman" pitchFamily="18" charset="0"/>
+                    </a:rPr>
+                    <a:t>next: </a:t>
+                  </a:r>
+                  <a:r>
+                    <a:rPr lang="en-US" sz="1200" dirty="0" err="1">
+                      <a:latin typeface="Times New Roman" pitchFamily="18" charset="0"/>
+                      <a:cs typeface="Times New Roman" pitchFamily="18" charset="0"/>
+                    </a:rPr>
+                    <a:t>LinkFace</a:t>
+                  </a:r>
+                  <a:r>
+                    <a:rPr lang="en-US" sz="1200" dirty="0">
+                      <a:latin typeface="Times New Roman" pitchFamily="18" charset="0"/>
+                      <a:cs typeface="Times New Roman" pitchFamily="18" charset="0"/>
+                    </a:rPr>
+                    <a:t> </a:t>
+                  </a:r>
+                  <a:endParaRPr lang="en-US" sz="1200" dirty="0" smtClean="0">
+                    <a:latin typeface="Times New Roman" pitchFamily="18" charset="0"/>
+                    <a:cs typeface="Times New Roman" pitchFamily="18" charset="0"/>
+                  </a:endParaRPr>
+                </a:p>
+                <a:p>
+                  <a:pPr marL="171450" indent="-171450">
+                    <a:buFontTx/>
+                    <a:buChar char="-"/>
+                  </a:pPr>
+                  <a:r>
+                    <a:rPr lang="en-US" sz="1200" dirty="0">
+                      <a:latin typeface="Times New Roman" pitchFamily="18" charset="0"/>
+                      <a:cs typeface="Times New Roman" pitchFamily="18" charset="0"/>
+                    </a:rPr>
+                    <a:t>p</a:t>
+                  </a:r>
+                  <a:r>
+                    <a:rPr lang="en-US" sz="1200" dirty="0" smtClean="0">
+                      <a:latin typeface="Times New Roman" pitchFamily="18" charset="0"/>
+                      <a:cs typeface="Times New Roman" pitchFamily="18" charset="0"/>
+                    </a:rPr>
+                    <a:t>rimes: </a:t>
+                  </a:r>
+                  <a:r>
+                    <a:rPr lang="en-US" sz="1200" dirty="0" err="1" smtClean="0">
+                      <a:latin typeface="Times New Roman" pitchFamily="18" charset="0"/>
+                      <a:cs typeface="Times New Roman" pitchFamily="18" charset="0"/>
+                    </a:rPr>
+                    <a:t>boolean</a:t>
+                  </a:r>
+                  <a:r>
+                    <a:rPr lang="en-US" sz="1200" dirty="0">
+                      <a:latin typeface="Times New Roman" pitchFamily="18" charset="0"/>
+                      <a:cs typeface="Times New Roman" pitchFamily="18" charset="0"/>
+                    </a:rPr>
+                    <a:t> </a:t>
+                  </a:r>
+                  <a:r>
+                    <a:rPr lang="en-US" sz="1200" dirty="0" smtClean="0">
+                      <a:latin typeface="Times New Roman" pitchFamily="18" charset="0"/>
+                      <a:cs typeface="Times New Roman" pitchFamily="18" charset="0"/>
+                    </a:rPr>
+                    <a:t>[]</a:t>
+                  </a:r>
+                  <a:endParaRPr lang="en-US" sz="1200" dirty="0">
+                    <a:latin typeface="Times New Roman" pitchFamily="18" charset="0"/>
+                    <a:cs typeface="Times New Roman" pitchFamily="18" charset="0"/>
+                  </a:endParaRPr>
+                </a:p>
+              </p:txBody>
+            </p:sp>
+          </p:grpSp>
+          <p:grpSp>
+            <p:nvGrpSpPr>
+              <p:cNvPr id="82" name="Group 81"/>
+              <p:cNvGrpSpPr/>
+              <p:nvPr/>
+            </p:nvGrpSpPr>
+            <p:grpSpPr>
+              <a:xfrm>
+                <a:off x="5438775" y="4788702"/>
+                <a:ext cx="1924050" cy="1797614"/>
+                <a:chOff x="5486400" y="4495800"/>
+                <a:chExt cx="1924050" cy="1797614"/>
+              </a:xfrm>
+            </p:grpSpPr>
+            <p:grpSp>
+              <p:nvGrpSpPr>
+                <p:cNvPr id="137" name="Group 136"/>
+                <p:cNvGrpSpPr/>
+                <p:nvPr/>
+              </p:nvGrpSpPr>
+              <p:grpSpPr>
+                <a:xfrm>
+                  <a:off x="5505450" y="4495800"/>
+                  <a:ext cx="1905000" cy="1797614"/>
+                  <a:chOff x="533400" y="413425"/>
+                  <a:chExt cx="1905000" cy="2362402"/>
+                </a:xfrm>
+              </p:grpSpPr>
+              <p:sp>
+                <p:nvSpPr>
+                  <p:cNvPr id="138" name="Rectangle 137"/>
+                  <p:cNvSpPr/>
+                  <p:nvPr/>
+                </p:nvSpPr>
+                <p:spPr>
+                  <a:xfrm>
+                    <a:off x="533400" y="413425"/>
+                    <a:ext cx="1905000" cy="2319106"/>
+                  </a:xfrm>
+                  <a:prstGeom prst="rect">
+                    <a:avLst/>
+                  </a:prstGeom>
+                  <a:noFill/>
+                  <a:ln>
+                    <a:solidFill>
+                      <a:srgbClr val="0000CC"/>
+                    </a:solidFill>
+                  </a:ln>
+                </p:spPr>
+                <p:style>
+                  <a:lnRef idx="2">
+                    <a:schemeClr val="accent1">
+                      <a:shade val="50000"/>
+                    </a:schemeClr>
+                  </a:lnRef>
+                  <a:fillRef idx="1">
+                    <a:schemeClr val="accent1"/>
+                  </a:fillRef>
+                  <a:effectRef idx="0">
+                    <a:schemeClr val="accent1"/>
+                  </a:effectRef>
+                  <a:fontRef idx="minor">
+                    <a:schemeClr val="lt1"/>
+                  </a:fontRef>
+                </p:style>
+                <p:txBody>
+                  <a:bodyPr rtlCol="0" anchor="ctr"/>
+                  <a:lstStyle/>
+                  <a:p>
+                    <a:pPr algn="ctr"/>
+                    <a:endParaRPr lang="en-US" dirty="0"/>
+                  </a:p>
+                </p:txBody>
+              </p:sp>
+              <p:sp>
+                <p:nvSpPr>
+                  <p:cNvPr id="139" name="TextBox 138"/>
+                  <p:cNvSpPr txBox="1"/>
+                  <p:nvPr/>
+                </p:nvSpPr>
+                <p:spPr>
+                  <a:xfrm>
+                    <a:off x="533400" y="413425"/>
+                    <a:ext cx="1905000" cy="623934"/>
+                  </a:xfrm>
+                  <a:prstGeom prst="rect">
+                    <a:avLst/>
+                  </a:prstGeom>
+                  <a:noFill/>
+                  <a:ln>
+                    <a:noFill/>
+                  </a:ln>
+                </p:spPr>
+                <p:txBody>
+                  <a:bodyPr wrap="square" rtlCol="0">
+                    <a:spAutoFit/>
+                  </a:bodyPr>
+                  <a:lstStyle/>
+                  <a:p>
+                    <a:pPr algn="ctr"/>
+                    <a:r>
+                      <a:rPr lang="en-US" sz="1200" dirty="0" err="1" smtClean="0">
+                        <a:latin typeface="Times New Roman" pitchFamily="18" charset="0"/>
+                        <a:cs typeface="Times New Roman" pitchFamily="18" charset="0"/>
+                      </a:rPr>
+                      <a:t>OddLink</a:t>
+                    </a:r>
+                    <a:endParaRPr lang="en-US" sz="1200" dirty="0" smtClean="0">
+                      <a:latin typeface="Times New Roman" pitchFamily="18" charset="0"/>
+                      <a:cs typeface="Times New Roman" pitchFamily="18" charset="0"/>
+                    </a:endParaRPr>
+                  </a:p>
+                  <a:p>
+                    <a:pPr algn="ctr"/>
+                    <a:r>
+                      <a:rPr lang="en-US" sz="1200" dirty="0" smtClean="0">
+                        <a:latin typeface="Times New Roman" pitchFamily="18" charset="0"/>
+                        <a:cs typeface="Times New Roman" pitchFamily="18" charset="0"/>
+                      </a:rPr>
+                      <a:t>// odd </a:t>
+                    </a:r>
+                    <a:r>
+                      <a:rPr lang="en-US" sz="1200" dirty="0">
+                        <a:latin typeface="Times New Roman" pitchFamily="18" charset="0"/>
+                        <a:cs typeface="Times New Roman" pitchFamily="18" charset="0"/>
+                      </a:rPr>
+                      <a:t>h</a:t>
+                    </a:r>
+                    <a:r>
+                      <a:rPr lang="en-US" sz="1200" dirty="0" smtClean="0">
+                        <a:latin typeface="Times New Roman" pitchFamily="18" charset="0"/>
+                        <a:cs typeface="Times New Roman" pitchFamily="18" charset="0"/>
+                      </a:rPr>
+                      <a:t>andler</a:t>
+                    </a:r>
+                    <a:endParaRPr lang="en-US" sz="1200" dirty="0">
+                      <a:latin typeface="Times New Roman" pitchFamily="18" charset="0"/>
+                      <a:cs typeface="Times New Roman" pitchFamily="18" charset="0"/>
+                    </a:endParaRPr>
+                  </a:p>
+                </p:txBody>
+              </p:sp>
+              <p:cxnSp>
+                <p:nvCxnSpPr>
+                  <p:cNvPr id="140" name="Straight Connector 139"/>
+                  <p:cNvCxnSpPr/>
+                  <p:nvPr/>
+                </p:nvCxnSpPr>
+                <p:spPr>
+                  <a:xfrm>
+                    <a:off x="533400" y="1014272"/>
+                    <a:ext cx="1905000" cy="0"/>
+                  </a:xfrm>
+                  <a:prstGeom prst="line">
+                    <a:avLst/>
+                  </a:prstGeom>
+                  <a:ln w="25400">
+                    <a:solidFill>
+                      <a:srgbClr val="0000CC"/>
+                    </a:solidFill>
+                  </a:ln>
+                </p:spPr>
+                <p:style>
+                  <a:lnRef idx="1">
+                    <a:schemeClr val="accent1"/>
+                  </a:lnRef>
+                  <a:fillRef idx="0">
+                    <a:schemeClr val="accent1"/>
+                  </a:fillRef>
+                  <a:effectRef idx="0">
+                    <a:schemeClr val="accent1"/>
+                  </a:effectRef>
+                  <a:fontRef idx="minor">
+                    <a:schemeClr val="tx1"/>
+                  </a:fontRef>
+                </p:style>
+              </p:cxnSp>
+              <p:cxnSp>
+                <p:nvCxnSpPr>
+                  <p:cNvPr id="141" name="Straight Connector 140"/>
+                  <p:cNvCxnSpPr/>
+                  <p:nvPr/>
+                </p:nvCxnSpPr>
+                <p:spPr>
+                  <a:xfrm>
+                    <a:off x="533400" y="1686617"/>
+                    <a:ext cx="1905000" cy="0"/>
+                  </a:xfrm>
+                  <a:prstGeom prst="line">
+                    <a:avLst/>
+                  </a:prstGeom>
+                  <a:ln w="25400">
+                    <a:solidFill>
+                      <a:srgbClr val="0000CC"/>
+                    </a:solidFill>
+                  </a:ln>
+                </p:spPr>
+                <p:style>
+                  <a:lnRef idx="1">
+                    <a:schemeClr val="accent1"/>
+                  </a:lnRef>
+                  <a:fillRef idx="0">
+                    <a:schemeClr val="accent1"/>
+                  </a:fillRef>
+                  <a:effectRef idx="0">
+                    <a:schemeClr val="accent1"/>
+                  </a:effectRef>
+                  <a:fontRef idx="minor">
+                    <a:schemeClr val="tx1"/>
+                  </a:fontRef>
+                </p:style>
+              </p:cxnSp>
+              <p:sp>
+                <p:nvSpPr>
+                  <p:cNvPr id="142" name="TextBox 141"/>
+                  <p:cNvSpPr txBox="1"/>
+                  <p:nvPr/>
+                </p:nvSpPr>
+                <p:spPr>
+                  <a:xfrm>
+                    <a:off x="533400" y="1652745"/>
+                    <a:ext cx="1905000" cy="1123082"/>
+                  </a:xfrm>
+                  <a:prstGeom prst="rect">
+                    <a:avLst/>
+                  </a:prstGeom>
+                  <a:noFill/>
+                </p:spPr>
+                <p:txBody>
+                  <a:bodyPr wrap="square" rtlCol="0">
+                    <a:spAutoFit/>
+                  </a:bodyPr>
+                  <a:lstStyle/>
+                  <a:p>
+                    <a:r>
+                      <a:rPr lang="en-US" sz="1200" dirty="0" smtClean="0">
+                        <a:latin typeface="Times New Roman" pitchFamily="18" charset="0"/>
+                        <a:cs typeface="Times New Roman" pitchFamily="18" charset="0"/>
+                      </a:rPr>
+                      <a:t>+ </a:t>
+                    </a:r>
+                    <a:r>
+                      <a:rPr lang="en-US" sz="1200" dirty="0" err="1" smtClean="0">
+                        <a:latin typeface="Times New Roman" pitchFamily="18" charset="0"/>
+                        <a:cs typeface="Times New Roman" pitchFamily="18" charset="0"/>
+                      </a:rPr>
+                      <a:t>OddLink</a:t>
+                    </a:r>
+                    <a:r>
+                      <a:rPr lang="en-US" sz="1200" dirty="0" smtClean="0">
+                        <a:latin typeface="Times New Roman" pitchFamily="18" charset="0"/>
+                        <a:cs typeface="Times New Roman" pitchFamily="18" charset="0"/>
+                      </a:rPr>
+                      <a:t>(</a:t>
+                    </a:r>
+                    <a:r>
+                      <a:rPr lang="en-US" sz="1200" dirty="0" err="1" smtClean="0">
+                        <a:latin typeface="Times New Roman" pitchFamily="18" charset="0"/>
+                        <a:cs typeface="Times New Roman" pitchFamily="18" charset="0"/>
+                      </a:rPr>
+                      <a:t>ServerFace</a:t>
+                    </a:r>
+                    <a:r>
+                      <a:rPr lang="en-US" sz="1200" dirty="0" smtClean="0">
+                        <a:latin typeface="Times New Roman" pitchFamily="18" charset="0"/>
+                        <a:cs typeface="Times New Roman" pitchFamily="18" charset="0"/>
+                      </a:rPr>
+                      <a:t>)</a:t>
+                    </a:r>
+                  </a:p>
+                  <a:p>
+                    <a:r>
+                      <a:rPr lang="en-US" sz="1200" dirty="0" smtClean="0">
+                        <a:latin typeface="Times New Roman" pitchFamily="18" charset="0"/>
+                        <a:cs typeface="Times New Roman" pitchFamily="18" charset="0"/>
+                      </a:rPr>
+                      <a:t>+ </a:t>
+                    </a:r>
+                    <a:r>
+                      <a:rPr lang="en-US" sz="1200" dirty="0" err="1" smtClean="0">
+                        <a:latin typeface="Times New Roman" pitchFamily="18" charset="0"/>
+                        <a:cs typeface="Times New Roman" pitchFamily="18" charset="0"/>
+                      </a:rPr>
+                      <a:t>addLast</a:t>
+                    </a:r>
+                    <a:r>
+                      <a:rPr lang="en-US" sz="1200" dirty="0" smtClean="0">
+                        <a:latin typeface="Times New Roman" pitchFamily="18" charset="0"/>
+                        <a:cs typeface="Times New Roman" pitchFamily="18" charset="0"/>
+                      </a:rPr>
+                      <a:t>(</a:t>
+                    </a:r>
+                    <a:r>
+                      <a:rPr lang="en-US" sz="1200" dirty="0" err="1" smtClean="0">
+                        <a:latin typeface="Times New Roman" pitchFamily="18" charset="0"/>
+                        <a:cs typeface="Times New Roman" pitchFamily="18" charset="0"/>
+                      </a:rPr>
+                      <a:t>LinkFace</a:t>
+                    </a:r>
+                    <a:r>
+                      <a:rPr lang="en-US" sz="1200" dirty="0" smtClean="0">
+                        <a:latin typeface="Times New Roman" pitchFamily="18" charset="0"/>
+                        <a:cs typeface="Times New Roman" pitchFamily="18" charset="0"/>
+                      </a:rPr>
+                      <a:t>)</a:t>
+                    </a:r>
+                  </a:p>
+                  <a:p>
+                    <a:r>
+                      <a:rPr lang="en-US" sz="1200" dirty="0" smtClean="0">
+                        <a:latin typeface="Times New Roman" pitchFamily="18" charset="0"/>
+                        <a:cs typeface="Times New Roman" pitchFamily="18" charset="0"/>
+                      </a:rPr>
+                      <a:t>+ handle(</a:t>
+                    </a:r>
+                    <a:r>
+                      <a:rPr lang="en-US" sz="1200" dirty="0" err="1" smtClean="0">
+                        <a:latin typeface="Times New Roman" pitchFamily="18" charset="0"/>
+                        <a:cs typeface="Times New Roman" pitchFamily="18" charset="0"/>
+                      </a:rPr>
+                      <a:t>int</a:t>
+                    </a:r>
+                    <a:r>
+                      <a:rPr lang="en-US" sz="1200" dirty="0" smtClean="0">
+                        <a:latin typeface="Times New Roman" pitchFamily="18" charset="0"/>
+                        <a:cs typeface="Times New Roman" pitchFamily="18" charset="0"/>
+                      </a:rPr>
+                      <a:t>)</a:t>
+                    </a:r>
+                  </a:p>
+                  <a:p>
+                    <a:r>
+                      <a:rPr lang="en-US" sz="1200" dirty="0" smtClean="0">
+                        <a:latin typeface="Times New Roman" pitchFamily="18" charset="0"/>
+                        <a:cs typeface="Times New Roman" pitchFamily="18" charset="0"/>
+                      </a:rPr>
+                      <a:t>+ dispose()</a:t>
+                    </a:r>
+                  </a:p>
+                </p:txBody>
+              </p:sp>
+            </p:grpSp>
+            <p:sp>
+              <p:nvSpPr>
+                <p:cNvPr id="147" name="TextBox 146"/>
+                <p:cNvSpPr txBox="1"/>
+                <p:nvPr/>
+              </p:nvSpPr>
+              <p:spPr>
+                <a:xfrm>
+                  <a:off x="5486400" y="4953000"/>
+                  <a:ext cx="1905000" cy="461665"/>
+                </a:xfrm>
+                <a:prstGeom prst="rect">
+                  <a:avLst/>
+                </a:prstGeom>
+                <a:noFill/>
+              </p:spPr>
+              <p:txBody>
+                <a:bodyPr wrap="square" rtlCol="0">
+                  <a:spAutoFit/>
+                </a:bodyPr>
+                <a:lstStyle/>
+                <a:p>
+                  <a:pPr marL="171450" indent="-171450">
+                    <a:buFontTx/>
+                    <a:buChar char="-"/>
+                  </a:pPr>
+                  <a:r>
+                    <a:rPr lang="en-US" sz="1200" dirty="0" err="1" smtClean="0">
+                      <a:latin typeface="Times New Roman" pitchFamily="18" charset="0"/>
+                      <a:cs typeface="Times New Roman" pitchFamily="18" charset="0"/>
+                    </a:rPr>
+                    <a:t>srv</a:t>
+                  </a:r>
+                  <a:r>
+                    <a:rPr lang="en-US" sz="1200" dirty="0" smtClean="0">
+                      <a:latin typeface="Times New Roman" pitchFamily="18" charset="0"/>
+                      <a:cs typeface="Times New Roman" pitchFamily="18" charset="0"/>
+                    </a:rPr>
+                    <a:t>: </a:t>
+                  </a:r>
+                  <a:r>
+                    <a:rPr lang="en-US" sz="1200" dirty="0" err="1" smtClean="0">
+                      <a:latin typeface="Times New Roman" pitchFamily="18" charset="0"/>
+                      <a:cs typeface="Times New Roman" pitchFamily="18" charset="0"/>
+                    </a:rPr>
+                    <a:t>ServerFace</a:t>
+                  </a:r>
+                  <a:endParaRPr lang="en-US" sz="1200" dirty="0" smtClean="0">
+                    <a:latin typeface="Times New Roman" pitchFamily="18" charset="0"/>
+                    <a:cs typeface="Times New Roman" pitchFamily="18" charset="0"/>
+                  </a:endParaRPr>
+                </a:p>
+                <a:p>
+                  <a:pPr marL="171450" indent="-171450">
+                    <a:buFontTx/>
+                    <a:buChar char="-"/>
+                  </a:pPr>
+                  <a:r>
+                    <a:rPr lang="en-US" sz="1200" dirty="0">
+                      <a:latin typeface="Times New Roman" pitchFamily="18" charset="0"/>
+                      <a:cs typeface="Times New Roman" pitchFamily="18" charset="0"/>
+                    </a:rPr>
+                    <a:t>next: </a:t>
+                  </a:r>
+                  <a:r>
+                    <a:rPr lang="en-US" sz="1200" dirty="0" err="1">
+                      <a:latin typeface="Times New Roman" pitchFamily="18" charset="0"/>
+                      <a:cs typeface="Times New Roman" pitchFamily="18" charset="0"/>
+                    </a:rPr>
+                    <a:t>LinkFace</a:t>
+                  </a:r>
+                  <a:r>
+                    <a:rPr lang="en-US" sz="1200" dirty="0">
+                      <a:latin typeface="Times New Roman" pitchFamily="18" charset="0"/>
+                      <a:cs typeface="Times New Roman" pitchFamily="18" charset="0"/>
+                    </a:rPr>
+                    <a:t> </a:t>
+                  </a:r>
+                </a:p>
+              </p:txBody>
+            </p:sp>
+          </p:grpSp>
+          <p:grpSp>
+            <p:nvGrpSpPr>
+              <p:cNvPr id="83" name="Group 82"/>
+              <p:cNvGrpSpPr/>
+              <p:nvPr/>
+            </p:nvGrpSpPr>
+            <p:grpSpPr>
+              <a:xfrm>
+                <a:off x="7848600" y="4788702"/>
+                <a:ext cx="1905000" cy="1797614"/>
+                <a:chOff x="7848600" y="4495800"/>
+                <a:chExt cx="1905000" cy="1797614"/>
+              </a:xfrm>
+            </p:grpSpPr>
+            <p:grpSp>
+              <p:nvGrpSpPr>
+                <p:cNvPr id="150" name="Group 149"/>
+                <p:cNvGrpSpPr/>
+                <p:nvPr/>
+              </p:nvGrpSpPr>
+              <p:grpSpPr>
+                <a:xfrm>
+                  <a:off x="7848600" y="4495800"/>
+                  <a:ext cx="1905000" cy="1797614"/>
+                  <a:chOff x="533400" y="413425"/>
+                  <a:chExt cx="1905000" cy="2362402"/>
+                </a:xfrm>
+              </p:grpSpPr>
+              <p:sp>
+                <p:nvSpPr>
+                  <p:cNvPr id="151" name="Rectangle 150"/>
+                  <p:cNvSpPr/>
+                  <p:nvPr/>
+                </p:nvSpPr>
+                <p:spPr>
+                  <a:xfrm>
+                    <a:off x="533400" y="413425"/>
+                    <a:ext cx="1905000" cy="2319106"/>
+                  </a:xfrm>
+                  <a:prstGeom prst="rect">
+                    <a:avLst/>
+                  </a:prstGeom>
+                  <a:noFill/>
+                  <a:ln>
+                    <a:solidFill>
+                      <a:srgbClr val="0000CC"/>
+                    </a:solidFill>
+                  </a:ln>
+                </p:spPr>
+                <p:style>
+                  <a:lnRef idx="2">
+                    <a:schemeClr val="accent1">
+                      <a:shade val="50000"/>
+                    </a:schemeClr>
+                  </a:lnRef>
+                  <a:fillRef idx="1">
+                    <a:schemeClr val="accent1"/>
+                  </a:fillRef>
+                  <a:effectRef idx="0">
+                    <a:schemeClr val="accent1"/>
+                  </a:effectRef>
+                  <a:fontRef idx="minor">
+                    <a:schemeClr val="lt1"/>
+                  </a:fontRef>
+                </p:style>
+                <p:txBody>
+                  <a:bodyPr rtlCol="0" anchor="ctr"/>
+                  <a:lstStyle/>
+                  <a:p>
+                    <a:pPr algn="ctr"/>
+                    <a:endParaRPr lang="en-US" dirty="0"/>
+                  </a:p>
+                </p:txBody>
+              </p:sp>
+              <p:sp>
+                <p:nvSpPr>
+                  <p:cNvPr id="154" name="TextBox 153"/>
+                  <p:cNvSpPr txBox="1"/>
+                  <p:nvPr/>
+                </p:nvSpPr>
+                <p:spPr>
+                  <a:xfrm>
+                    <a:off x="533400" y="413425"/>
+                    <a:ext cx="1905000" cy="623934"/>
+                  </a:xfrm>
+                  <a:prstGeom prst="rect">
+                    <a:avLst/>
+                  </a:prstGeom>
+                  <a:noFill/>
+                  <a:ln>
+                    <a:noFill/>
+                  </a:ln>
+                </p:spPr>
+                <p:txBody>
+                  <a:bodyPr wrap="square" rtlCol="0">
+                    <a:spAutoFit/>
+                  </a:bodyPr>
+                  <a:lstStyle/>
+                  <a:p>
+                    <a:pPr algn="ctr"/>
+                    <a:r>
+                      <a:rPr lang="en-US" sz="1200" dirty="0" err="1" smtClean="0">
+                        <a:latin typeface="Times New Roman" pitchFamily="18" charset="0"/>
+                        <a:cs typeface="Times New Roman" pitchFamily="18" charset="0"/>
+                      </a:rPr>
+                      <a:t>EvenLink</a:t>
+                    </a:r>
+                    <a:endParaRPr lang="en-US" sz="1200" dirty="0" smtClean="0">
+                      <a:latin typeface="Times New Roman" pitchFamily="18" charset="0"/>
+                      <a:cs typeface="Times New Roman" pitchFamily="18" charset="0"/>
+                    </a:endParaRPr>
+                  </a:p>
+                  <a:p>
+                    <a:pPr algn="ctr"/>
+                    <a:r>
+                      <a:rPr lang="en-US" sz="1200" dirty="0" smtClean="0">
+                        <a:latin typeface="Times New Roman" pitchFamily="18" charset="0"/>
+                        <a:cs typeface="Times New Roman" pitchFamily="18" charset="0"/>
+                      </a:rPr>
+                      <a:t>// even </a:t>
+                    </a:r>
+                    <a:r>
+                      <a:rPr lang="en-US" sz="1200" dirty="0">
+                        <a:latin typeface="Times New Roman" pitchFamily="18" charset="0"/>
+                        <a:cs typeface="Times New Roman" pitchFamily="18" charset="0"/>
+                      </a:rPr>
+                      <a:t>h</a:t>
+                    </a:r>
+                    <a:r>
+                      <a:rPr lang="en-US" sz="1200" dirty="0" smtClean="0">
+                        <a:latin typeface="Times New Roman" pitchFamily="18" charset="0"/>
+                        <a:cs typeface="Times New Roman" pitchFamily="18" charset="0"/>
+                      </a:rPr>
+                      <a:t>andler</a:t>
+                    </a:r>
+                    <a:endParaRPr lang="en-US" sz="1200" dirty="0">
+                      <a:latin typeface="Times New Roman" pitchFamily="18" charset="0"/>
+                      <a:cs typeface="Times New Roman" pitchFamily="18" charset="0"/>
+                    </a:endParaRPr>
+                  </a:p>
+                </p:txBody>
+              </p:sp>
+              <p:cxnSp>
+                <p:nvCxnSpPr>
+                  <p:cNvPr id="165" name="Straight Connector 164"/>
+                  <p:cNvCxnSpPr/>
+                  <p:nvPr/>
+                </p:nvCxnSpPr>
+                <p:spPr>
+                  <a:xfrm>
+                    <a:off x="533400" y="1014272"/>
+                    <a:ext cx="1905000" cy="0"/>
+                  </a:xfrm>
+                  <a:prstGeom prst="line">
+                    <a:avLst/>
+                  </a:prstGeom>
+                  <a:ln w="25400">
+                    <a:solidFill>
+                      <a:srgbClr val="0000CC"/>
+                    </a:solidFill>
+                  </a:ln>
+                </p:spPr>
+                <p:style>
+                  <a:lnRef idx="1">
+                    <a:schemeClr val="accent1"/>
+                  </a:lnRef>
+                  <a:fillRef idx="0">
+                    <a:schemeClr val="accent1"/>
+                  </a:fillRef>
+                  <a:effectRef idx="0">
+                    <a:schemeClr val="accent1"/>
+                  </a:effectRef>
+                  <a:fontRef idx="minor">
+                    <a:schemeClr val="tx1"/>
+                  </a:fontRef>
+                </p:style>
+              </p:cxnSp>
+              <p:cxnSp>
+                <p:nvCxnSpPr>
+                  <p:cNvPr id="171" name="Straight Connector 170"/>
+                  <p:cNvCxnSpPr/>
+                  <p:nvPr/>
+                </p:nvCxnSpPr>
+                <p:spPr>
+                  <a:xfrm>
+                    <a:off x="533400" y="1686617"/>
+                    <a:ext cx="1905000" cy="0"/>
+                  </a:xfrm>
+                  <a:prstGeom prst="line">
+                    <a:avLst/>
+                  </a:prstGeom>
+                  <a:ln w="25400">
+                    <a:solidFill>
+                      <a:srgbClr val="0000CC"/>
+                    </a:solidFill>
+                  </a:ln>
+                </p:spPr>
+                <p:style>
+                  <a:lnRef idx="1">
+                    <a:schemeClr val="accent1"/>
+                  </a:lnRef>
+                  <a:fillRef idx="0">
+                    <a:schemeClr val="accent1"/>
+                  </a:fillRef>
+                  <a:effectRef idx="0">
+                    <a:schemeClr val="accent1"/>
+                  </a:effectRef>
+                  <a:fontRef idx="minor">
+                    <a:schemeClr val="tx1"/>
+                  </a:fontRef>
+                </p:style>
+              </p:cxnSp>
+              <p:sp>
+                <p:nvSpPr>
+                  <p:cNvPr id="172" name="TextBox 171"/>
+                  <p:cNvSpPr txBox="1"/>
+                  <p:nvPr/>
+                </p:nvSpPr>
+                <p:spPr>
+                  <a:xfrm>
+                    <a:off x="533400" y="1652745"/>
+                    <a:ext cx="1905000" cy="1123082"/>
+                  </a:xfrm>
+                  <a:prstGeom prst="rect">
+                    <a:avLst/>
+                  </a:prstGeom>
+                  <a:noFill/>
+                </p:spPr>
+                <p:txBody>
+                  <a:bodyPr wrap="square" rtlCol="0">
+                    <a:spAutoFit/>
+                  </a:bodyPr>
+                  <a:lstStyle/>
+                  <a:p>
+                    <a:r>
+                      <a:rPr lang="en-US" sz="1200" dirty="0" smtClean="0">
+                        <a:latin typeface="Times New Roman" pitchFamily="18" charset="0"/>
+                        <a:cs typeface="Times New Roman" pitchFamily="18" charset="0"/>
+                      </a:rPr>
+                      <a:t>+ </a:t>
+                    </a:r>
+                    <a:r>
+                      <a:rPr lang="en-US" sz="1200" dirty="0" err="1" smtClean="0">
+                        <a:latin typeface="Times New Roman" pitchFamily="18" charset="0"/>
+                        <a:cs typeface="Times New Roman" pitchFamily="18" charset="0"/>
+                      </a:rPr>
+                      <a:t>EvenLink</a:t>
+                    </a:r>
+                    <a:r>
+                      <a:rPr lang="en-US" sz="1200" dirty="0" smtClean="0">
+                        <a:latin typeface="Times New Roman" pitchFamily="18" charset="0"/>
+                        <a:cs typeface="Times New Roman" pitchFamily="18" charset="0"/>
+                      </a:rPr>
+                      <a:t>(</a:t>
+                    </a:r>
+                    <a:r>
+                      <a:rPr lang="en-US" sz="1200" dirty="0" err="1" smtClean="0">
+                        <a:latin typeface="Times New Roman" pitchFamily="18" charset="0"/>
+                        <a:cs typeface="Times New Roman" pitchFamily="18" charset="0"/>
+                      </a:rPr>
+                      <a:t>ServerFace</a:t>
+                    </a:r>
+                    <a:r>
+                      <a:rPr lang="en-US" sz="1200" dirty="0" smtClean="0">
+                        <a:latin typeface="Times New Roman" pitchFamily="18" charset="0"/>
+                        <a:cs typeface="Times New Roman" pitchFamily="18" charset="0"/>
+                      </a:rPr>
+                      <a:t>)</a:t>
+                    </a:r>
+                  </a:p>
+                  <a:p>
+                    <a:r>
+                      <a:rPr lang="en-US" sz="1200" dirty="0" smtClean="0">
+                        <a:latin typeface="Times New Roman" pitchFamily="18" charset="0"/>
+                        <a:cs typeface="Times New Roman" pitchFamily="18" charset="0"/>
+                      </a:rPr>
+                      <a:t>+ </a:t>
+                    </a:r>
+                    <a:r>
+                      <a:rPr lang="en-US" sz="1200" dirty="0" err="1" smtClean="0">
+                        <a:latin typeface="Times New Roman" pitchFamily="18" charset="0"/>
+                        <a:cs typeface="Times New Roman" pitchFamily="18" charset="0"/>
+                      </a:rPr>
+                      <a:t>addLast</a:t>
+                    </a:r>
+                    <a:r>
+                      <a:rPr lang="en-US" sz="1200" dirty="0" smtClean="0">
+                        <a:latin typeface="Times New Roman" pitchFamily="18" charset="0"/>
+                        <a:cs typeface="Times New Roman" pitchFamily="18" charset="0"/>
+                      </a:rPr>
+                      <a:t>(</a:t>
+                    </a:r>
+                    <a:r>
+                      <a:rPr lang="en-US" sz="1200" dirty="0" err="1" smtClean="0">
+                        <a:latin typeface="Times New Roman" pitchFamily="18" charset="0"/>
+                        <a:cs typeface="Times New Roman" pitchFamily="18" charset="0"/>
+                      </a:rPr>
+                      <a:t>LinkFace</a:t>
+                    </a:r>
+                    <a:r>
+                      <a:rPr lang="en-US" sz="1200" dirty="0" smtClean="0">
+                        <a:latin typeface="Times New Roman" pitchFamily="18" charset="0"/>
+                        <a:cs typeface="Times New Roman" pitchFamily="18" charset="0"/>
+                      </a:rPr>
+                      <a:t>)</a:t>
+                    </a:r>
+                  </a:p>
+                  <a:p>
+                    <a:r>
+                      <a:rPr lang="en-US" sz="1200" dirty="0" smtClean="0">
+                        <a:latin typeface="Times New Roman" pitchFamily="18" charset="0"/>
+                        <a:cs typeface="Times New Roman" pitchFamily="18" charset="0"/>
+                      </a:rPr>
+                      <a:t>+ handle(</a:t>
+                    </a:r>
+                    <a:r>
+                      <a:rPr lang="en-US" sz="1200" dirty="0" err="1" smtClean="0">
+                        <a:latin typeface="Times New Roman" pitchFamily="18" charset="0"/>
+                        <a:cs typeface="Times New Roman" pitchFamily="18" charset="0"/>
+                      </a:rPr>
+                      <a:t>int</a:t>
+                    </a:r>
+                    <a:r>
+                      <a:rPr lang="en-US" sz="1200" dirty="0" smtClean="0">
+                        <a:latin typeface="Times New Roman" pitchFamily="18" charset="0"/>
+                        <a:cs typeface="Times New Roman" pitchFamily="18" charset="0"/>
+                      </a:rPr>
+                      <a:t>)</a:t>
+                    </a:r>
+                  </a:p>
+                  <a:p>
+                    <a:r>
+                      <a:rPr lang="en-US" sz="1200" dirty="0" smtClean="0">
+                        <a:latin typeface="Times New Roman" pitchFamily="18" charset="0"/>
+                        <a:cs typeface="Times New Roman" pitchFamily="18" charset="0"/>
+                      </a:rPr>
+                      <a:t>+ dispose()</a:t>
+                    </a:r>
+                  </a:p>
+                </p:txBody>
+              </p:sp>
+            </p:grpSp>
+            <p:sp>
+              <p:nvSpPr>
+                <p:cNvPr id="175" name="TextBox 174"/>
+                <p:cNvSpPr txBox="1"/>
+                <p:nvPr/>
+              </p:nvSpPr>
+              <p:spPr>
+                <a:xfrm>
+                  <a:off x="7848600" y="4953000"/>
+                  <a:ext cx="1905000" cy="461665"/>
+                </a:xfrm>
+                <a:prstGeom prst="rect">
+                  <a:avLst/>
+                </a:prstGeom>
+                <a:noFill/>
+              </p:spPr>
+              <p:txBody>
+                <a:bodyPr wrap="square" rtlCol="0">
+                  <a:spAutoFit/>
+                </a:bodyPr>
+                <a:lstStyle/>
+                <a:p>
+                  <a:pPr marL="171450" indent="-171450">
+                    <a:buFontTx/>
+                    <a:buChar char="-"/>
+                  </a:pPr>
+                  <a:r>
+                    <a:rPr lang="en-US" sz="1200" dirty="0" err="1" smtClean="0">
+                      <a:latin typeface="Times New Roman" pitchFamily="18" charset="0"/>
+                      <a:cs typeface="Times New Roman" pitchFamily="18" charset="0"/>
+                    </a:rPr>
+                    <a:t>srv</a:t>
+                  </a:r>
+                  <a:r>
+                    <a:rPr lang="en-US" sz="1200" dirty="0" smtClean="0">
+                      <a:latin typeface="Times New Roman" pitchFamily="18" charset="0"/>
+                      <a:cs typeface="Times New Roman" pitchFamily="18" charset="0"/>
+                    </a:rPr>
+                    <a:t>: </a:t>
+                  </a:r>
+                  <a:r>
+                    <a:rPr lang="en-US" sz="1200" dirty="0" err="1" smtClean="0">
+                      <a:latin typeface="Times New Roman" pitchFamily="18" charset="0"/>
+                      <a:cs typeface="Times New Roman" pitchFamily="18" charset="0"/>
+                    </a:rPr>
+                    <a:t>ServerFace</a:t>
+                  </a:r>
+                  <a:endParaRPr lang="en-US" sz="1200" dirty="0" smtClean="0">
+                    <a:latin typeface="Times New Roman" pitchFamily="18" charset="0"/>
+                    <a:cs typeface="Times New Roman" pitchFamily="18" charset="0"/>
+                  </a:endParaRPr>
+                </a:p>
+                <a:p>
+                  <a:pPr marL="171450" indent="-171450">
+                    <a:buFontTx/>
+                    <a:buChar char="-"/>
+                  </a:pPr>
+                  <a:r>
+                    <a:rPr lang="en-US" sz="1200" dirty="0">
+                      <a:latin typeface="Times New Roman" pitchFamily="18" charset="0"/>
+                      <a:cs typeface="Times New Roman" pitchFamily="18" charset="0"/>
+                    </a:rPr>
+                    <a:t>next: </a:t>
+                  </a:r>
+                  <a:r>
+                    <a:rPr lang="en-US" sz="1200" dirty="0" err="1">
+                      <a:latin typeface="Times New Roman" pitchFamily="18" charset="0"/>
+                      <a:cs typeface="Times New Roman" pitchFamily="18" charset="0"/>
+                    </a:rPr>
+                    <a:t>LinkFace</a:t>
+                  </a:r>
+                  <a:r>
+                    <a:rPr lang="en-US" sz="1200" dirty="0">
+                      <a:latin typeface="Times New Roman" pitchFamily="18" charset="0"/>
+                      <a:cs typeface="Times New Roman" pitchFamily="18" charset="0"/>
+                    </a:rPr>
+                    <a:t> </a:t>
+                  </a:r>
+                </a:p>
+              </p:txBody>
+            </p:sp>
+          </p:grpSp>
+          <p:cxnSp>
+            <p:nvCxnSpPr>
+              <p:cNvPr id="177" name="Elbow Connector 176"/>
+              <p:cNvCxnSpPr>
+                <a:endCxn id="139" idx="0"/>
+              </p:cNvCxnSpPr>
+              <p:nvPr/>
+            </p:nvCxnSpPr>
+            <p:spPr>
+              <a:xfrm flipV="1">
+                <a:off x="4343400" y="4788702"/>
+                <a:ext cx="2066925" cy="480996"/>
+              </a:xfrm>
+              <a:prstGeom prst="bentConnector4">
+                <a:avLst>
+                  <a:gd name="adj1" fmla="val 41789"/>
+                  <a:gd name="adj2" fmla="val 147526"/>
+                </a:avLst>
+              </a:prstGeom>
+              <a:ln w="25400">
+                <a:solidFill>
+                  <a:srgbClr val="0000CC"/>
+                </a:solidFill>
+                <a:headEnd type="diamond" w="lg" len="lg"/>
+                <a:tailEnd type="arrow"/>
+              </a:ln>
+            </p:spPr>
+            <p:style>
+              <a:lnRef idx="1">
+                <a:schemeClr val="accent1"/>
+              </a:lnRef>
+              <a:fillRef idx="0">
+                <a:schemeClr val="accent1"/>
+              </a:fillRef>
+              <a:effectRef idx="0">
+                <a:schemeClr val="accent1"/>
+              </a:effectRef>
+              <a:fontRef idx="minor">
+                <a:schemeClr val="tx1"/>
+              </a:fontRef>
+            </p:style>
+          </p:cxnSp>
+          <p:cxnSp>
+            <p:nvCxnSpPr>
+              <p:cNvPr id="178" name="Elbow Connector 177"/>
+              <p:cNvCxnSpPr>
+                <a:endCxn id="151" idx="0"/>
+              </p:cNvCxnSpPr>
+              <p:nvPr/>
+            </p:nvCxnSpPr>
+            <p:spPr>
+              <a:xfrm flipV="1">
+                <a:off x="6781800" y="4788702"/>
+                <a:ext cx="2019300" cy="785796"/>
+              </a:xfrm>
+              <a:prstGeom prst="bentConnector4">
+                <a:avLst>
+                  <a:gd name="adj1" fmla="val 42473"/>
+                  <a:gd name="adj2" fmla="val 129092"/>
+                </a:avLst>
+              </a:prstGeom>
+              <a:ln w="25400">
+                <a:solidFill>
+                  <a:srgbClr val="0000CC"/>
+                </a:solidFill>
+                <a:headEnd type="diamond" w="lg" len="lg"/>
+                <a:tailEnd type="arrow"/>
+              </a:ln>
+            </p:spPr>
+            <p:style>
+              <a:lnRef idx="1">
+                <a:schemeClr val="accent1"/>
+              </a:lnRef>
+              <a:fillRef idx="0">
+                <a:schemeClr val="accent1"/>
+              </a:fillRef>
+              <a:effectRef idx="0">
+                <a:schemeClr val="accent1"/>
+              </a:effectRef>
+              <a:fontRef idx="minor">
+                <a:schemeClr val="tx1"/>
+              </a:fontRef>
+            </p:style>
+          </p:cxnSp>
+        </p:grpSp>
       </p:grpSp>
     </p:spTree>
     <p:extLst>

--- a/a8_diagram.pptx
+++ b/a8_diagram.pptx
@@ -288,7 +288,7 @@
           <a:p>
             <a:fld id="{8F33E51C-ABBC-46F7-B561-86F3B2DB8CCA}" type="datetimeFigureOut">
               <a:rPr lang="en-US" smtClean="0"/>
-              <a:t>3/21/13</a:t>
+              <a:t>3/21/2013</a:t>
             </a:fld>
             <a:endParaRPr lang="en-US"/>
           </a:p>
@@ -458,7 +458,7 @@
           <a:p>
             <a:fld id="{8F33E51C-ABBC-46F7-B561-86F3B2DB8CCA}" type="datetimeFigureOut">
               <a:rPr lang="en-US" smtClean="0"/>
-              <a:t>3/21/13</a:t>
+              <a:t>3/21/2013</a:t>
             </a:fld>
             <a:endParaRPr lang="en-US"/>
           </a:p>
@@ -638,7 +638,7 @@
           <a:p>
             <a:fld id="{8F33E51C-ABBC-46F7-B561-86F3B2DB8CCA}" type="datetimeFigureOut">
               <a:rPr lang="en-US" smtClean="0"/>
-              <a:t>3/21/13</a:t>
+              <a:t>3/21/2013</a:t>
             </a:fld>
             <a:endParaRPr lang="en-US"/>
           </a:p>
@@ -808,7 +808,7 @@
           <a:p>
             <a:fld id="{8F33E51C-ABBC-46F7-B561-86F3B2DB8CCA}" type="datetimeFigureOut">
               <a:rPr lang="en-US" smtClean="0"/>
-              <a:t>3/21/13</a:t>
+              <a:t>3/21/2013</a:t>
             </a:fld>
             <a:endParaRPr lang="en-US"/>
           </a:p>
@@ -1054,7 +1054,7 @@
           <a:p>
             <a:fld id="{8F33E51C-ABBC-46F7-B561-86F3B2DB8CCA}" type="datetimeFigureOut">
               <a:rPr lang="en-US" smtClean="0"/>
-              <a:t>3/21/13</a:t>
+              <a:t>3/21/2013</a:t>
             </a:fld>
             <a:endParaRPr lang="en-US"/>
           </a:p>
@@ -1342,7 +1342,7 @@
           <a:p>
             <a:fld id="{8F33E51C-ABBC-46F7-B561-86F3B2DB8CCA}" type="datetimeFigureOut">
               <a:rPr lang="en-US" smtClean="0"/>
-              <a:t>3/21/13</a:t>
+              <a:t>3/21/2013</a:t>
             </a:fld>
             <a:endParaRPr lang="en-US"/>
           </a:p>
@@ -1764,7 +1764,7 @@
           <a:p>
             <a:fld id="{8F33E51C-ABBC-46F7-B561-86F3B2DB8CCA}" type="datetimeFigureOut">
               <a:rPr lang="en-US" smtClean="0"/>
-              <a:t>3/21/13</a:t>
+              <a:t>3/21/2013</a:t>
             </a:fld>
             <a:endParaRPr lang="en-US"/>
           </a:p>
@@ -1882,7 +1882,7 @@
           <a:p>
             <a:fld id="{8F33E51C-ABBC-46F7-B561-86F3B2DB8CCA}" type="datetimeFigureOut">
               <a:rPr lang="en-US" smtClean="0"/>
-              <a:t>3/21/13</a:t>
+              <a:t>3/21/2013</a:t>
             </a:fld>
             <a:endParaRPr lang="en-US"/>
           </a:p>
@@ -1977,7 +1977,7 @@
           <a:p>
             <a:fld id="{8F33E51C-ABBC-46F7-B561-86F3B2DB8CCA}" type="datetimeFigureOut">
               <a:rPr lang="en-US" smtClean="0"/>
-              <a:t>3/21/13</a:t>
+              <a:t>3/21/2013</a:t>
             </a:fld>
             <a:endParaRPr lang="en-US"/>
           </a:p>
@@ -2254,7 +2254,7 @@
           <a:p>
             <a:fld id="{8F33E51C-ABBC-46F7-B561-86F3B2DB8CCA}" type="datetimeFigureOut">
               <a:rPr lang="en-US" smtClean="0"/>
-              <a:t>3/21/13</a:t>
+              <a:t>3/21/2013</a:t>
             </a:fld>
             <a:endParaRPr lang="en-US"/>
           </a:p>
@@ -2507,7 +2507,7 @@
           <a:p>
             <a:fld id="{8F33E51C-ABBC-46F7-B561-86F3B2DB8CCA}" type="datetimeFigureOut">
               <a:rPr lang="en-US" smtClean="0"/>
-              <a:t>3/21/13</a:t>
+              <a:t>3/21/2013</a:t>
             </a:fld>
             <a:endParaRPr lang="en-US"/>
           </a:p>
@@ -2720,7 +2720,7 @@
           <a:p>
             <a:fld id="{8F33E51C-ABBC-46F7-B561-86F3B2DB8CCA}" type="datetimeFigureOut">
               <a:rPr lang="en-US" smtClean="0"/>
-              <a:t>3/21/13</a:t>
+              <a:t>3/21/2013</a:t>
             </a:fld>
             <a:endParaRPr lang="en-US"/>
           </a:p>
@@ -3097,7 +3097,7 @@
       </p:grpSpPr>
       <p:grpSp>
         <p:nvGrpSpPr>
-          <p:cNvPr id="195" name="Group 194"/>
+          <p:cNvPr id="12" name="Group 11"/>
           <p:cNvGrpSpPr/>
           <p:nvPr/>
         </p:nvGrpSpPr>
@@ -3111,16 +3111,16 @@
         </p:grpSpPr>
         <p:grpSp>
           <p:nvGrpSpPr>
-            <p:cNvPr id="12" name="Group 11"/>
+            <p:cNvPr id="105" name="Group 104"/>
             <p:cNvGrpSpPr/>
             <p:nvPr/>
           </p:nvGrpSpPr>
           <p:grpSpPr>
             <a:xfrm>
-              <a:off x="3372315" y="-210390"/>
-              <a:ext cx="1905000" cy="971645"/>
-              <a:chOff x="533400" y="672865"/>
-              <a:chExt cx="1905000" cy="1313165"/>
+              <a:off x="-2971800" y="-210390"/>
+              <a:ext cx="13411200" cy="9354390"/>
+              <a:chOff x="-2971800" y="-210390"/>
+              <a:chExt cx="13411200" cy="9354390"/>
             </a:xfrm>
           </p:grpSpPr>
           <p:sp>
@@ -3131,8 +3131,8 @@
             </p:nvSpPr>
             <p:spPr>
               <a:xfrm>
-                <a:off x="533400" y="672865"/>
-                <a:ext cx="1905000" cy="1313165"/>
+                <a:off x="3372315" y="-210390"/>
+                <a:ext cx="1905000" cy="971645"/>
               </a:xfrm>
               <a:prstGeom prst="rect">
                 <a:avLst/>
@@ -3177,8 +3177,8 @@
             </p:nvSpPr>
             <p:spPr>
               <a:xfrm>
-                <a:off x="533400" y="685800"/>
-                <a:ext cx="1905000" cy="461665"/>
+                <a:off x="3372315" y="-200819"/>
+                <a:ext cx="1905000" cy="341598"/>
               </a:xfrm>
               <a:prstGeom prst="rect">
                 <a:avLst/>
@@ -3231,7 +3231,7 @@
             </p:nvCxnSpPr>
             <p:spPr>
               <a:xfrm>
-                <a:off x="533400" y="1305774"/>
+                <a:off x="3372315" y="257916"/>
                 <a:ext cx="1905000" cy="0"/>
               </a:xfrm>
               <a:prstGeom prst="line">
@@ -3266,7 +3266,7 @@
             </p:nvCxnSpPr>
             <p:spPr>
               <a:xfrm>
-                <a:off x="533400" y="1458174"/>
+                <a:off x="3372315" y="370681"/>
                 <a:ext cx="1905000" cy="0"/>
               </a:xfrm>
               <a:prstGeom prst="line">
@@ -3301,8 +3301,8 @@
             </p:nvSpPr>
             <p:spPr>
               <a:xfrm>
-                <a:off x="533400" y="1404103"/>
-                <a:ext cx="1905000" cy="461665"/>
+                <a:off x="3372315" y="330672"/>
+                <a:ext cx="1905000" cy="341598"/>
               </a:xfrm>
               <a:prstGeom prst="rect">
                 <a:avLst/>
@@ -3366,21 +3366,6 @@
               </a:p>
             </p:txBody>
           </p:sp>
-        </p:grpSp>
-        <p:grpSp>
-          <p:nvGrpSpPr>
-            <p:cNvPr id="25" name="Group 24"/>
-            <p:cNvGrpSpPr/>
-            <p:nvPr/>
-          </p:nvGrpSpPr>
-          <p:grpSpPr>
-            <a:xfrm>
-              <a:off x="7353300" y="1426916"/>
-              <a:ext cx="1905000" cy="1071265"/>
-              <a:chOff x="838200" y="2743200"/>
-              <a:chExt cx="1905000" cy="1071265"/>
-            </a:xfrm>
-          </p:grpSpPr>
           <p:sp>
             <p:nvSpPr>
               <p:cNvPr id="14" name="Rectangle 13"/>
@@ -3389,7 +3374,7 @@
             </p:nvSpPr>
             <p:spPr>
               <a:xfrm>
-                <a:off x="838200" y="2743200"/>
+                <a:off x="7353300" y="1426916"/>
                 <a:ext cx="1905000" cy="1071265"/>
               </a:xfrm>
               <a:prstGeom prst="rect">
@@ -3435,7 +3420,7 @@
             </p:nvSpPr>
             <p:spPr>
               <a:xfrm>
-                <a:off x="838200" y="2743200"/>
+                <a:off x="7353300" y="1426916"/>
                 <a:ext cx="1905000" cy="461665"/>
               </a:xfrm>
               <a:prstGeom prst="rect">
@@ -3489,7 +3474,7 @@
             </p:nvCxnSpPr>
             <p:spPr>
               <a:xfrm>
-                <a:off x="838200" y="3200400"/>
+                <a:off x="7353300" y="1884116"/>
                 <a:ext cx="1905000" cy="0"/>
               </a:xfrm>
               <a:prstGeom prst="line">
@@ -3524,7 +3509,7 @@
             </p:nvCxnSpPr>
             <p:spPr>
               <a:xfrm>
-                <a:off x="838200" y="3352800"/>
+                <a:off x="7353300" y="2036516"/>
                 <a:ext cx="1905000" cy="0"/>
               </a:xfrm>
               <a:prstGeom prst="line">
@@ -3559,7 +3544,7 @@
             </p:nvSpPr>
             <p:spPr>
               <a:xfrm>
-                <a:off x="838200" y="3352800"/>
+                <a:off x="7353300" y="2036516"/>
                 <a:ext cx="1905000" cy="461665"/>
               </a:xfrm>
               <a:prstGeom prst="rect">
@@ -3624,21 +3609,6 @@
               </a:p>
             </p:txBody>
           </p:sp>
-        </p:grpSp>
-        <p:grpSp>
-          <p:nvGrpSpPr>
-            <p:cNvPr id="26" name="Group 25"/>
-            <p:cNvGrpSpPr/>
-            <p:nvPr/>
-          </p:nvGrpSpPr>
-          <p:grpSpPr>
-            <a:xfrm>
-              <a:off x="8534400" y="3057939"/>
-              <a:ext cx="1905000" cy="1209261"/>
-              <a:chOff x="3048000" y="2747665"/>
-              <a:chExt cx="1905000" cy="1209261"/>
-            </a:xfrm>
-          </p:grpSpPr>
           <p:sp>
             <p:nvSpPr>
               <p:cNvPr id="19" name="Rectangle 18"/>
@@ -3647,7 +3617,7 @@
             </p:nvSpPr>
             <p:spPr>
               <a:xfrm>
-                <a:off x="3048000" y="2747666"/>
+                <a:off x="8534400" y="3057940"/>
                 <a:ext cx="1905000" cy="1209260"/>
               </a:xfrm>
               <a:prstGeom prst="rect">
@@ -3693,7 +3663,7 @@
             </p:nvSpPr>
             <p:spPr>
               <a:xfrm>
-                <a:off x="3048000" y="2747665"/>
+                <a:off x="8534400" y="3057939"/>
                 <a:ext cx="1905000" cy="461665"/>
               </a:xfrm>
               <a:prstGeom prst="rect">
@@ -3740,7 +3710,7 @@
             </p:nvCxnSpPr>
             <p:spPr>
               <a:xfrm>
-                <a:off x="3048000" y="3204865"/>
+                <a:off x="8534400" y="3515139"/>
                 <a:ext cx="1905000" cy="0"/>
               </a:xfrm>
               <a:prstGeom prst="line">
@@ -3775,7 +3745,7 @@
             </p:nvCxnSpPr>
             <p:spPr>
               <a:xfrm>
-                <a:off x="3048000" y="3495260"/>
+                <a:off x="8534400" y="3805534"/>
                 <a:ext cx="1905000" cy="0"/>
               </a:xfrm>
               <a:prstGeom prst="line">
@@ -3810,7 +3780,7 @@
             </p:nvSpPr>
             <p:spPr>
               <a:xfrm>
-                <a:off x="3048000" y="3495260"/>
+                <a:off x="8534400" y="3805534"/>
                 <a:ext cx="1905000" cy="461665"/>
               </a:xfrm>
               <a:prstGeom prst="rect">
@@ -3883,7 +3853,7 @@
             </p:nvSpPr>
             <p:spPr>
               <a:xfrm>
-                <a:off x="3048000" y="3209330"/>
+                <a:off x="8534400" y="3519604"/>
                 <a:ext cx="1905000" cy="276999"/>
               </a:xfrm>
               <a:prstGeom prst="rect">
@@ -3926,61 +3896,46 @@
               </a:p>
             </p:txBody>
           </p:sp>
-        </p:grpSp>
-        <p:cxnSp>
-          <p:nvCxnSpPr>
-            <p:cNvPr id="28" name="Elbow Connector 27"/>
-            <p:cNvCxnSpPr>
-              <a:stCxn id="24" idx="1"/>
-              <a:endCxn id="14" idx="2"/>
-            </p:cNvCxnSpPr>
-            <p:nvPr/>
-          </p:nvCxnSpPr>
-          <p:spPr>
-            <a:xfrm rot="10800000">
-              <a:off x="8305800" y="2498182"/>
-              <a:ext cx="228600" cy="1159923"/>
-            </a:xfrm>
-            <a:prstGeom prst="bentConnector2">
-              <a:avLst/>
-            </a:prstGeom>
-            <a:ln w="25400">
-              <a:solidFill>
-                <a:srgbClr val="0000CC"/>
-              </a:solidFill>
-              <a:headEnd type="diamond" w="lg" len="lg"/>
-              <a:tailEnd type="arrow"/>
-            </a:ln>
-          </p:spPr>
-          <p:style>
-            <a:lnRef idx="1">
-              <a:schemeClr val="accent1"/>
-            </a:lnRef>
-            <a:fillRef idx="0">
-              <a:schemeClr val="accent1"/>
-            </a:fillRef>
-            <a:effectRef idx="0">
-              <a:schemeClr val="accent1"/>
-            </a:effectRef>
-            <a:fontRef idx="minor">
-              <a:schemeClr val="tx1"/>
-            </a:fontRef>
-          </p:style>
-        </p:cxnSp>
-        <p:grpSp>
-          <p:nvGrpSpPr>
-            <p:cNvPr id="51" name="Group 50"/>
-            <p:cNvGrpSpPr/>
-            <p:nvPr/>
-          </p:nvGrpSpPr>
-          <p:grpSpPr>
-            <a:xfrm>
-              <a:off x="4502306" y="1426915"/>
-              <a:ext cx="2324100" cy="1209261"/>
-              <a:chOff x="3048000" y="2747665"/>
-              <a:chExt cx="1905000" cy="1209261"/>
-            </a:xfrm>
-          </p:grpSpPr>
+          <p:cxnSp>
+            <p:nvCxnSpPr>
+              <p:cNvPr id="28" name="Elbow Connector 27"/>
+              <p:cNvCxnSpPr>
+                <a:stCxn id="24" idx="1"/>
+                <a:endCxn id="14" idx="2"/>
+              </p:cNvCxnSpPr>
+              <p:nvPr/>
+            </p:nvCxnSpPr>
+            <p:spPr>
+              <a:xfrm rot="10800000">
+                <a:off x="8305800" y="2498182"/>
+                <a:ext cx="228600" cy="1159923"/>
+              </a:xfrm>
+              <a:prstGeom prst="bentConnector2">
+                <a:avLst/>
+              </a:prstGeom>
+              <a:ln w="25400">
+                <a:solidFill>
+                  <a:srgbClr val="0000CC"/>
+                </a:solidFill>
+                <a:headEnd type="diamond" w="lg" len="lg"/>
+                <a:tailEnd type="arrow"/>
+              </a:ln>
+            </p:spPr>
+            <p:style>
+              <a:lnRef idx="1">
+                <a:schemeClr val="accent1"/>
+              </a:lnRef>
+              <a:fillRef idx="0">
+                <a:schemeClr val="accent1"/>
+              </a:fillRef>
+              <a:effectRef idx="0">
+                <a:schemeClr val="accent1"/>
+              </a:effectRef>
+              <a:fontRef idx="minor">
+                <a:schemeClr val="tx1"/>
+              </a:fontRef>
+            </p:style>
+          </p:cxnSp>
           <p:sp>
             <p:nvSpPr>
               <p:cNvPr id="52" name="Rectangle 51"/>
@@ -3989,8 +3944,8 @@
             </p:nvSpPr>
             <p:spPr>
               <a:xfrm>
-                <a:off x="3048000" y="2747666"/>
-                <a:ext cx="1905000" cy="1209260"/>
+                <a:off x="4502306" y="1426916"/>
+                <a:ext cx="2324100" cy="1209260"/>
               </a:xfrm>
               <a:prstGeom prst="rect">
                 <a:avLst/>
@@ -4035,8 +3990,8 @@
             </p:nvSpPr>
             <p:spPr>
               <a:xfrm>
-                <a:off x="3048000" y="2747665"/>
-                <a:ext cx="1905000" cy="461665"/>
+                <a:off x="4502306" y="1426915"/>
+                <a:ext cx="2324100" cy="461665"/>
               </a:xfrm>
               <a:prstGeom prst="rect">
                 <a:avLst/>
@@ -4089,8 +4044,8 @@
             </p:nvCxnSpPr>
             <p:spPr>
               <a:xfrm>
-                <a:off x="3048000" y="3204865"/>
-                <a:ext cx="1905000" cy="0"/>
+                <a:off x="4502306" y="1884115"/>
+                <a:ext cx="2324100" cy="0"/>
               </a:xfrm>
               <a:prstGeom prst="line">
                 <a:avLst/>
@@ -4124,8 +4079,8 @@
             </p:nvCxnSpPr>
             <p:spPr>
               <a:xfrm>
-                <a:off x="3048000" y="3495260"/>
-                <a:ext cx="1905000" cy="0"/>
+                <a:off x="4502306" y="2174510"/>
+                <a:ext cx="2324100" cy="0"/>
               </a:xfrm>
               <a:prstGeom prst="line">
                 <a:avLst/>
@@ -4159,8 +4114,8 @@
             </p:nvSpPr>
             <p:spPr>
               <a:xfrm>
-                <a:off x="3048000" y="3495260"/>
-                <a:ext cx="1905000" cy="461665"/>
+                <a:off x="4502306" y="2174510"/>
+                <a:ext cx="2324100" cy="461665"/>
               </a:xfrm>
               <a:prstGeom prst="rect">
                 <a:avLst/>
@@ -4232,8 +4187,8 @@
             </p:nvSpPr>
             <p:spPr>
               <a:xfrm>
-                <a:off x="3048000" y="3209330"/>
-                <a:ext cx="1905000" cy="276999"/>
+                <a:off x="4502306" y="1888580"/>
+                <a:ext cx="2324100" cy="276999"/>
               </a:xfrm>
               <a:prstGeom prst="rect">
                 <a:avLst/>
@@ -4275,21 +4230,6 @@
               </a:p>
             </p:txBody>
           </p:sp>
-        </p:grpSp>
-        <p:grpSp>
-          <p:nvGrpSpPr>
-            <p:cNvPr id="58" name="Group 57"/>
-            <p:cNvGrpSpPr/>
-            <p:nvPr/>
-          </p:nvGrpSpPr>
-          <p:grpSpPr>
-            <a:xfrm>
-              <a:off x="-2971800" y="1483857"/>
-              <a:ext cx="1905000" cy="1071265"/>
-              <a:chOff x="838200" y="2743200"/>
-              <a:chExt cx="1905000" cy="1071265"/>
-            </a:xfrm>
-          </p:grpSpPr>
           <p:sp>
             <p:nvSpPr>
               <p:cNvPr id="59" name="Rectangle 58"/>
@@ -4298,7 +4238,7 @@
             </p:nvSpPr>
             <p:spPr>
               <a:xfrm>
-                <a:off x="838200" y="2743200"/>
+                <a:off x="-2971800" y="1483857"/>
                 <a:ext cx="1905000" cy="1071265"/>
               </a:xfrm>
               <a:prstGeom prst="rect">
@@ -4344,7 +4284,7 @@
             </p:nvSpPr>
             <p:spPr>
               <a:xfrm>
-                <a:off x="838200" y="2743200"/>
+                <a:off x="-2971800" y="1483857"/>
                 <a:ext cx="1905000" cy="461665"/>
               </a:xfrm>
               <a:prstGeom prst="rect">
@@ -4398,7 +4338,7 @@
             </p:nvCxnSpPr>
             <p:spPr>
               <a:xfrm>
-                <a:off x="838200" y="3200400"/>
+                <a:off x="-2971800" y="1941057"/>
                 <a:ext cx="1905000" cy="0"/>
               </a:xfrm>
               <a:prstGeom prst="line">
@@ -4433,7 +4373,7 @@
             </p:nvCxnSpPr>
             <p:spPr>
               <a:xfrm>
-                <a:off x="838200" y="3352800"/>
+                <a:off x="-2971800" y="2093457"/>
                 <a:ext cx="1905000" cy="0"/>
               </a:xfrm>
               <a:prstGeom prst="line">
@@ -4468,7 +4408,7 @@
             </p:nvSpPr>
             <p:spPr>
               <a:xfrm>
-                <a:off x="838200" y="3352800"/>
+                <a:off x="-2971800" y="2093457"/>
                 <a:ext cx="1905000" cy="461665"/>
               </a:xfrm>
               <a:prstGeom prst="rect">
@@ -4533,21 +4473,6 @@
               </a:p>
             </p:txBody>
           </p:sp>
-        </p:grpSp>
-        <p:grpSp>
-          <p:nvGrpSpPr>
-            <p:cNvPr id="64" name="Group 63"/>
-            <p:cNvGrpSpPr/>
-            <p:nvPr/>
-          </p:nvGrpSpPr>
-          <p:grpSpPr>
-            <a:xfrm>
-              <a:off x="5943600" y="3057939"/>
-              <a:ext cx="1905000" cy="1209261"/>
-              <a:chOff x="3048000" y="2747665"/>
-              <a:chExt cx="1905000" cy="1209261"/>
-            </a:xfrm>
-          </p:grpSpPr>
           <p:sp>
             <p:nvSpPr>
               <p:cNvPr id="65" name="Rectangle 64"/>
@@ -4556,7 +4481,7 @@
             </p:nvSpPr>
             <p:spPr>
               <a:xfrm>
-                <a:off x="3048000" y="2747666"/>
+                <a:off x="5943600" y="3057940"/>
                 <a:ext cx="1905000" cy="1209260"/>
               </a:xfrm>
               <a:prstGeom prst="rect">
@@ -4602,7 +4527,7 @@
             </p:nvSpPr>
             <p:spPr>
               <a:xfrm>
-                <a:off x="3048000" y="2747665"/>
+                <a:off x="5943600" y="3057939"/>
                 <a:ext cx="1905000" cy="461665"/>
               </a:xfrm>
               <a:prstGeom prst="rect">
@@ -4649,7 +4574,7 @@
             </p:nvCxnSpPr>
             <p:spPr>
               <a:xfrm>
-                <a:off x="3048000" y="3204865"/>
+                <a:off x="5943600" y="3515139"/>
                 <a:ext cx="1905000" cy="0"/>
               </a:xfrm>
               <a:prstGeom prst="line">
@@ -4684,7 +4609,7 @@
             </p:nvCxnSpPr>
             <p:spPr>
               <a:xfrm>
-                <a:off x="3048000" y="3495260"/>
+                <a:off x="5943600" y="3805534"/>
                 <a:ext cx="1905000" cy="0"/>
               </a:xfrm>
               <a:prstGeom prst="line">
@@ -4719,7 +4644,7 @@
             </p:nvSpPr>
             <p:spPr>
               <a:xfrm>
-                <a:off x="3048000" y="3495260"/>
+                <a:off x="5943600" y="3805534"/>
                 <a:ext cx="1905000" cy="461665"/>
               </a:xfrm>
               <a:prstGeom prst="rect">
@@ -4792,7 +4717,7 @@
             </p:nvSpPr>
             <p:spPr>
               <a:xfrm>
-                <a:off x="3048000" y="3209330"/>
+                <a:off x="5943600" y="3519604"/>
                 <a:ext cx="1905000" cy="276999"/>
               </a:xfrm>
               <a:prstGeom prst="rect">
@@ -4835,61 +4760,46 @@
               </a:p>
             </p:txBody>
           </p:sp>
-        </p:grpSp>
-        <p:cxnSp>
-          <p:nvCxnSpPr>
-            <p:cNvPr id="71" name="Elbow Connector 70"/>
-            <p:cNvCxnSpPr>
-              <a:stCxn id="65" idx="1"/>
-              <a:endCxn id="52" idx="2"/>
-            </p:cNvCxnSpPr>
-            <p:nvPr/>
-          </p:nvCxnSpPr>
-          <p:spPr>
-            <a:xfrm rot="10800000">
-              <a:off x="5664356" y="2636176"/>
-              <a:ext cx="279244" cy="1026394"/>
-            </a:xfrm>
-            <a:prstGeom prst="bentConnector2">
-              <a:avLst/>
-            </a:prstGeom>
-            <a:ln w="25400">
-              <a:solidFill>
-                <a:srgbClr val="0000CC"/>
-              </a:solidFill>
-              <a:headEnd type="diamond" w="lg" len="lg"/>
-              <a:tailEnd type="arrow"/>
-            </a:ln>
-          </p:spPr>
-          <p:style>
-            <a:lnRef idx="1">
-              <a:schemeClr val="accent1"/>
-            </a:lnRef>
-            <a:fillRef idx="0">
-              <a:schemeClr val="accent1"/>
-            </a:fillRef>
-            <a:effectRef idx="0">
-              <a:schemeClr val="accent1"/>
-            </a:effectRef>
-            <a:fontRef idx="minor">
-              <a:schemeClr val="tx1"/>
-            </a:fontRef>
-          </p:style>
-        </p:cxnSp>
-        <p:grpSp>
-          <p:nvGrpSpPr>
-            <p:cNvPr id="88" name="Group 87"/>
-            <p:cNvGrpSpPr/>
-            <p:nvPr/>
-          </p:nvGrpSpPr>
-          <p:grpSpPr>
-            <a:xfrm>
-              <a:off x="-582386" y="3048000"/>
-              <a:ext cx="2334986" cy="1193241"/>
-              <a:chOff x="3048000" y="2747665"/>
-              <a:chExt cx="1913923" cy="1193241"/>
-            </a:xfrm>
-          </p:grpSpPr>
+          <p:cxnSp>
+            <p:nvCxnSpPr>
+              <p:cNvPr id="71" name="Elbow Connector 70"/>
+              <p:cNvCxnSpPr>
+                <a:stCxn id="65" idx="1"/>
+                <a:endCxn id="52" idx="2"/>
+              </p:cNvCxnSpPr>
+              <p:nvPr/>
+            </p:nvCxnSpPr>
+            <p:spPr>
+              <a:xfrm rot="10800000">
+                <a:off x="5664356" y="2636176"/>
+                <a:ext cx="279244" cy="1026394"/>
+              </a:xfrm>
+              <a:prstGeom prst="bentConnector2">
+                <a:avLst/>
+              </a:prstGeom>
+              <a:ln w="25400">
+                <a:solidFill>
+                  <a:srgbClr val="0000CC"/>
+                </a:solidFill>
+                <a:headEnd type="diamond" w="lg" len="lg"/>
+                <a:tailEnd type="arrow"/>
+              </a:ln>
+            </p:spPr>
+            <p:style>
+              <a:lnRef idx="1">
+                <a:schemeClr val="accent1"/>
+              </a:lnRef>
+              <a:fillRef idx="0">
+                <a:schemeClr val="accent1"/>
+              </a:fillRef>
+              <a:effectRef idx="0">
+                <a:schemeClr val="accent1"/>
+              </a:effectRef>
+              <a:fontRef idx="minor">
+                <a:schemeClr val="tx1"/>
+              </a:fontRef>
+            </p:style>
+          </p:cxnSp>
           <p:sp>
             <p:nvSpPr>
               <p:cNvPr id="89" name="Rectangle 88"/>
@@ -4898,8 +4808,8 @@
             </p:nvSpPr>
             <p:spPr>
               <a:xfrm>
-                <a:off x="3048000" y="2747666"/>
-                <a:ext cx="1905000" cy="1193240"/>
+                <a:off x="-582386" y="3048001"/>
+                <a:ext cx="2324100" cy="1193240"/>
               </a:xfrm>
               <a:prstGeom prst="rect">
                 <a:avLst/>
@@ -4944,8 +4854,8 @@
             </p:nvSpPr>
             <p:spPr>
               <a:xfrm>
-                <a:off x="3048000" y="2747665"/>
-                <a:ext cx="1905000" cy="461665"/>
+                <a:off x="-582386" y="3048000"/>
+                <a:ext cx="2324100" cy="461665"/>
               </a:xfrm>
               <a:prstGeom prst="rect">
                 <a:avLst/>
@@ -4998,8 +4908,8 @@
             </p:nvCxnSpPr>
             <p:spPr>
               <a:xfrm>
-                <a:off x="3048000" y="3204865"/>
-                <a:ext cx="1905000" cy="0"/>
+                <a:off x="-582386" y="3505200"/>
+                <a:ext cx="2324100" cy="0"/>
               </a:xfrm>
               <a:prstGeom prst="line">
                 <a:avLst/>
@@ -5033,8 +4943,8 @@
             </p:nvCxnSpPr>
             <p:spPr>
               <a:xfrm>
-                <a:off x="3048000" y="3676470"/>
-                <a:ext cx="1905000" cy="0"/>
+                <a:off x="-582386" y="3976805"/>
+                <a:ext cx="2324100" cy="0"/>
               </a:xfrm>
               <a:prstGeom prst="line">
                 <a:avLst/>
@@ -5068,8 +4978,8 @@
             </p:nvSpPr>
             <p:spPr>
               <a:xfrm>
-                <a:off x="3056923" y="3663906"/>
-                <a:ext cx="1905000" cy="276999"/>
+                <a:off x="-571500" y="3964241"/>
+                <a:ext cx="2324100" cy="276999"/>
               </a:xfrm>
               <a:prstGeom prst="rect">
                 <a:avLst/>
@@ -5118,8 +5028,8 @@
             </p:nvSpPr>
             <p:spPr>
               <a:xfrm>
-                <a:off x="3048000" y="3209330"/>
-                <a:ext cx="1905000" cy="461665"/>
+                <a:off x="-582386" y="3509665"/>
+                <a:ext cx="2324100" cy="461665"/>
               </a:xfrm>
               <a:prstGeom prst="rect">
                 <a:avLst/>
@@ -5201,21 +5111,6 @@
               </a:p>
             </p:txBody>
           </p:sp>
-        </p:grpSp>
-        <p:grpSp>
-          <p:nvGrpSpPr>
-            <p:cNvPr id="107" name="Group 106"/>
-            <p:cNvGrpSpPr/>
-            <p:nvPr/>
-          </p:nvGrpSpPr>
-          <p:grpSpPr>
-            <a:xfrm>
-              <a:off x="-685800" y="1443335"/>
-              <a:ext cx="1905000" cy="1071265"/>
-              <a:chOff x="838200" y="2743200"/>
-              <a:chExt cx="1905000" cy="1071265"/>
-            </a:xfrm>
-          </p:grpSpPr>
           <p:sp>
             <p:nvSpPr>
               <p:cNvPr id="108" name="Rectangle 107"/>
@@ -5224,7 +5119,7 @@
             </p:nvSpPr>
             <p:spPr>
               <a:xfrm>
-                <a:off x="838200" y="2743200"/>
+                <a:off x="-685800" y="1443335"/>
                 <a:ext cx="1905000" cy="1071265"/>
               </a:xfrm>
               <a:prstGeom prst="rect">
@@ -5270,7 +5165,7 @@
             </p:nvSpPr>
             <p:spPr>
               <a:xfrm>
-                <a:off x="838200" y="2743200"/>
+                <a:off x="-685800" y="1443335"/>
                 <a:ext cx="1905000" cy="461665"/>
               </a:xfrm>
               <a:prstGeom prst="rect">
@@ -5324,7 +5219,7 @@
             </p:nvCxnSpPr>
             <p:spPr>
               <a:xfrm>
-                <a:off x="838200" y="3200400"/>
+                <a:off x="-685800" y="1900535"/>
                 <a:ext cx="1905000" cy="0"/>
               </a:xfrm>
               <a:prstGeom prst="line">
@@ -5359,7 +5254,7 @@
             </p:nvCxnSpPr>
             <p:spPr>
               <a:xfrm>
-                <a:off x="838200" y="3352800"/>
+                <a:off x="-685800" y="2052935"/>
                 <a:ext cx="1905000" cy="0"/>
               </a:xfrm>
               <a:prstGeom prst="line">
@@ -5394,7 +5289,7 @@
             </p:nvSpPr>
             <p:spPr>
               <a:xfrm>
-                <a:off x="838200" y="3352800"/>
+                <a:off x="-685800" y="2052935"/>
                 <a:ext cx="1905000" cy="461665"/>
               </a:xfrm>
               <a:prstGeom prst="rect">
@@ -5459,21 +5354,6 @@
               </a:p>
             </p:txBody>
           </p:sp>
-        </p:grpSp>
-        <p:grpSp>
-          <p:nvGrpSpPr>
-            <p:cNvPr id="113" name="Group 112"/>
-            <p:cNvGrpSpPr/>
-            <p:nvPr/>
-          </p:nvGrpSpPr>
-          <p:grpSpPr>
-            <a:xfrm>
-              <a:off x="1609493" y="1423793"/>
-              <a:ext cx="2324100" cy="1209261"/>
-              <a:chOff x="3048000" y="2747665"/>
-              <a:chExt cx="1905000" cy="1209261"/>
-            </a:xfrm>
-          </p:grpSpPr>
           <p:sp>
             <p:nvSpPr>
               <p:cNvPr id="114" name="Rectangle 113"/>
@@ -5482,8 +5362,8 @@
             </p:nvSpPr>
             <p:spPr>
               <a:xfrm>
-                <a:off x="3048000" y="2747666"/>
-                <a:ext cx="1905000" cy="1209260"/>
+                <a:off x="1609493" y="1423794"/>
+                <a:ext cx="2324100" cy="1209260"/>
               </a:xfrm>
               <a:prstGeom prst="rect">
                 <a:avLst/>
@@ -5528,7 +5408,659 @@
             </p:nvSpPr>
             <p:spPr>
               <a:xfrm>
-                <a:off x="3048000" y="2747665"/>
+                <a:off x="1609493" y="1423793"/>
+                <a:ext cx="2324100" cy="461665"/>
+              </a:xfrm>
+              <a:prstGeom prst="rect">
+                <a:avLst/>
+              </a:prstGeom>
+              <a:noFill/>
+              <a:ln>
+                <a:noFill/>
+              </a:ln>
+            </p:spPr>
+            <p:txBody>
+              <a:bodyPr wrap="square" rtlCol="0">
+                <a:spAutoFit/>
+              </a:bodyPr>
+              <a:lstStyle/>
+              <a:p>
+                <a:pPr algn="ctr"/>
+                <a:r>
+                  <a:rPr lang="en-US" sz="1200" dirty="0" err="1" smtClean="0">
+                    <a:latin typeface="Times New Roman" pitchFamily="18" charset="0"/>
+                    <a:cs typeface="Times New Roman" pitchFamily="18" charset="0"/>
+                  </a:rPr>
+                  <a:t>PrimeNetServer</a:t>
+                </a:r>
+                <a:endParaRPr lang="en-US" sz="1200" dirty="0" smtClean="0">
+                  <a:latin typeface="Times New Roman" pitchFamily="18" charset="0"/>
+                  <a:cs typeface="Times New Roman" pitchFamily="18" charset="0"/>
+                </a:endParaRPr>
+              </a:p>
+              <a:p>
+                <a:pPr algn="ctr"/>
+                <a:r>
+                  <a:rPr lang="en-US" sz="1200" dirty="0" smtClean="0">
+                    <a:latin typeface="Times New Roman" pitchFamily="18" charset="0"/>
+                    <a:cs typeface="Times New Roman" pitchFamily="18" charset="0"/>
+                  </a:rPr>
+                  <a:t>// involve remote call</a:t>
+                </a:r>
+                <a:endParaRPr lang="en-US" sz="1200" dirty="0">
+                  <a:latin typeface="Times New Roman" pitchFamily="18" charset="0"/>
+                  <a:cs typeface="Times New Roman" pitchFamily="18" charset="0"/>
+                </a:endParaRPr>
+              </a:p>
+            </p:txBody>
+          </p:sp>
+          <p:cxnSp>
+            <p:nvCxnSpPr>
+              <p:cNvPr id="116" name="Straight Connector 115"/>
+              <p:cNvCxnSpPr/>
+              <p:nvPr/>
+            </p:nvCxnSpPr>
+            <p:spPr>
+              <a:xfrm>
+                <a:off x="1609493" y="1880993"/>
+                <a:ext cx="2324100" cy="0"/>
+              </a:xfrm>
+              <a:prstGeom prst="line">
+                <a:avLst/>
+              </a:prstGeom>
+              <a:ln w="25400">
+                <a:solidFill>
+                  <a:srgbClr val="0000CC"/>
+                </a:solidFill>
+              </a:ln>
+            </p:spPr>
+            <p:style>
+              <a:lnRef idx="1">
+                <a:schemeClr val="accent1"/>
+              </a:lnRef>
+              <a:fillRef idx="0">
+                <a:schemeClr val="accent1"/>
+              </a:fillRef>
+              <a:effectRef idx="0">
+                <a:schemeClr val="accent1"/>
+              </a:effectRef>
+              <a:fontRef idx="minor">
+                <a:schemeClr val="tx1"/>
+              </a:fontRef>
+            </p:style>
+          </p:cxnSp>
+          <p:cxnSp>
+            <p:nvCxnSpPr>
+              <p:cNvPr id="117" name="Straight Connector 116"/>
+              <p:cNvCxnSpPr/>
+              <p:nvPr/>
+            </p:nvCxnSpPr>
+            <p:spPr>
+              <a:xfrm>
+                <a:off x="1609493" y="2171388"/>
+                <a:ext cx="2324100" cy="0"/>
+              </a:xfrm>
+              <a:prstGeom prst="line">
+                <a:avLst/>
+              </a:prstGeom>
+              <a:ln w="25400">
+                <a:solidFill>
+                  <a:srgbClr val="0000CC"/>
+                </a:solidFill>
+              </a:ln>
+            </p:spPr>
+            <p:style>
+              <a:lnRef idx="1">
+                <a:schemeClr val="accent1"/>
+              </a:lnRef>
+              <a:fillRef idx="0">
+                <a:schemeClr val="accent1"/>
+              </a:fillRef>
+              <a:effectRef idx="0">
+                <a:schemeClr val="accent1"/>
+              </a:effectRef>
+              <a:fontRef idx="minor">
+                <a:schemeClr val="tx1"/>
+              </a:fontRef>
+            </p:style>
+          </p:cxnSp>
+          <p:sp>
+            <p:nvSpPr>
+              <p:cNvPr id="118" name="TextBox 117"/>
+              <p:cNvSpPr txBox="1"/>
+              <p:nvPr/>
+            </p:nvSpPr>
+            <p:spPr>
+              <a:xfrm>
+                <a:off x="1609493" y="2171388"/>
+                <a:ext cx="2324100" cy="461665"/>
+              </a:xfrm>
+              <a:prstGeom prst="rect">
+                <a:avLst/>
+              </a:prstGeom>
+              <a:noFill/>
+            </p:spPr>
+            <p:txBody>
+              <a:bodyPr wrap="square" rtlCol="0">
+                <a:spAutoFit/>
+              </a:bodyPr>
+              <a:lstStyle/>
+              <a:p>
+                <a:r>
+                  <a:rPr lang="en-US" sz="1200" dirty="0" smtClean="0">
+                    <a:latin typeface="Times New Roman" pitchFamily="18" charset="0"/>
+                    <a:cs typeface="Times New Roman" pitchFamily="18" charset="0"/>
+                  </a:rPr>
+                  <a:t>+ </a:t>
+                </a:r>
+                <a:r>
+                  <a:rPr lang="en-US" sz="1200" dirty="0" err="1" smtClean="0">
+                    <a:latin typeface="Times New Roman" pitchFamily="18" charset="0"/>
+                    <a:cs typeface="Times New Roman" pitchFamily="18" charset="0"/>
+                  </a:rPr>
+                  <a:t>mash_number</a:t>
+                </a:r>
+                <a:r>
+                  <a:rPr lang="en-US" sz="1200" dirty="0" smtClean="0">
+                    <a:latin typeface="Times New Roman" pitchFamily="18" charset="0"/>
+                    <a:cs typeface="Times New Roman" pitchFamily="18" charset="0"/>
+                  </a:rPr>
+                  <a:t>(</a:t>
+                </a:r>
+                <a:r>
+                  <a:rPr lang="en-US" sz="1200" dirty="0" err="1" smtClean="0">
+                    <a:latin typeface="Times New Roman" pitchFamily="18" charset="0"/>
+                    <a:cs typeface="Times New Roman" pitchFamily="18" charset="0"/>
+                  </a:rPr>
+                  <a:t>int</a:t>
+                </a:r>
+                <a:r>
+                  <a:rPr lang="en-US" sz="1200" dirty="0" smtClean="0">
+                    <a:latin typeface="Times New Roman" pitchFamily="18" charset="0"/>
+                    <a:cs typeface="Times New Roman" pitchFamily="18" charset="0"/>
+                  </a:rPr>
+                  <a:t>)</a:t>
+                </a:r>
+              </a:p>
+              <a:p>
+                <a:r>
+                  <a:rPr lang="en-US" sz="1200" dirty="0" smtClean="0">
+                    <a:latin typeface="Times New Roman" pitchFamily="18" charset="0"/>
+                    <a:cs typeface="Times New Roman" pitchFamily="18" charset="0"/>
+                  </a:rPr>
+                  <a:t>+ dispose()</a:t>
+                </a:r>
+                <a:endParaRPr lang="en-US" sz="1200" dirty="0">
+                  <a:latin typeface="Times New Roman" pitchFamily="18" charset="0"/>
+                  <a:cs typeface="Times New Roman" pitchFamily="18" charset="0"/>
+                </a:endParaRPr>
+              </a:p>
+            </p:txBody>
+          </p:sp>
+          <p:sp>
+            <p:nvSpPr>
+              <p:cNvPr id="119" name="TextBox 118"/>
+              <p:cNvSpPr txBox="1"/>
+              <p:nvPr/>
+            </p:nvSpPr>
+            <p:spPr>
+              <a:xfrm>
+                <a:off x="1609493" y="1885458"/>
+                <a:ext cx="2324100" cy="276999"/>
+              </a:xfrm>
+              <a:prstGeom prst="rect">
+                <a:avLst/>
+              </a:prstGeom>
+              <a:noFill/>
+            </p:spPr>
+            <p:txBody>
+              <a:bodyPr wrap="square" rtlCol="0">
+                <a:spAutoFit/>
+              </a:bodyPr>
+              <a:lstStyle/>
+              <a:p>
+                <a:r>
+                  <a:rPr lang="en-US" sz="1200" dirty="0" smtClean="0"/>
+                  <a:t>- </a:t>
+                </a:r>
+                <a:r>
+                  <a:rPr lang="en-US" sz="1200" dirty="0" err="1" smtClean="0">
+                    <a:latin typeface="Times New Roman" pitchFamily="18" charset="0"/>
+                    <a:cs typeface="Times New Roman" pitchFamily="18" charset="0"/>
+                  </a:rPr>
+                  <a:t>net_proxy</a:t>
+                </a:r>
+                <a:r>
+                  <a:rPr lang="en-US" sz="1200" dirty="0" smtClean="0">
+                    <a:latin typeface="Times New Roman" pitchFamily="18" charset="0"/>
+                    <a:cs typeface="Times New Roman" pitchFamily="18" charset="0"/>
+                  </a:rPr>
+                  <a:t>: </a:t>
+                </a:r>
+                <a:r>
+                  <a:rPr lang="en-US" sz="1200" dirty="0" err="1" smtClean="0">
+                    <a:latin typeface="Times New Roman" pitchFamily="18" charset="0"/>
+                    <a:cs typeface="Times New Roman" pitchFamily="18" charset="0"/>
+                  </a:rPr>
+                  <a:t>ClientNetProxy</a:t>
+                </a:r>
+                <a:endParaRPr lang="en-US" sz="1200" dirty="0"/>
+              </a:p>
+            </p:txBody>
+          </p:sp>
+          <p:cxnSp>
+            <p:nvCxnSpPr>
+              <p:cNvPr id="143" name="Elbow Connector 142"/>
+              <p:cNvCxnSpPr>
+                <a:stCxn id="89" idx="1"/>
+                <a:endCxn id="109" idx="1"/>
+              </p:cNvCxnSpPr>
+              <p:nvPr/>
+            </p:nvCxnSpPr>
+            <p:spPr>
+              <a:xfrm rot="10800000">
+                <a:off x="-685800" y="1674169"/>
+                <a:ext cx="103414" cy="1970453"/>
+              </a:xfrm>
+              <a:prstGeom prst="bentConnector3">
+                <a:avLst>
+                  <a:gd name="adj1" fmla="val 321053"/>
+                </a:avLst>
+              </a:prstGeom>
+              <a:ln w="25400">
+                <a:solidFill>
+                  <a:srgbClr val="0000CC"/>
+                </a:solidFill>
+                <a:headEnd type="diamond" w="lg" len="lg"/>
+                <a:tailEnd type="arrow"/>
+              </a:ln>
+            </p:spPr>
+            <p:style>
+              <a:lnRef idx="1">
+                <a:schemeClr val="accent1"/>
+              </a:lnRef>
+              <a:fillRef idx="0">
+                <a:schemeClr val="accent1"/>
+              </a:fillRef>
+              <a:effectRef idx="0">
+                <a:schemeClr val="accent1"/>
+              </a:effectRef>
+              <a:fontRef idx="minor">
+                <a:schemeClr val="tx1"/>
+              </a:fontRef>
+            </p:style>
+          </p:cxnSp>
+          <p:cxnSp>
+            <p:nvCxnSpPr>
+              <p:cNvPr id="146" name="Elbow Connector 145"/>
+              <p:cNvCxnSpPr>
+                <a:stCxn id="89" idx="1"/>
+                <a:endCxn id="60" idx="1"/>
+              </p:cNvCxnSpPr>
+              <p:nvPr/>
+            </p:nvCxnSpPr>
+            <p:spPr>
+              <a:xfrm rot="10800000">
+                <a:off x="-2971800" y="1714691"/>
+                <a:ext cx="2389414" cy="1929931"/>
+              </a:xfrm>
+              <a:prstGeom prst="bentConnector3">
+                <a:avLst>
+                  <a:gd name="adj1" fmla="val 109567"/>
+                </a:avLst>
+              </a:prstGeom>
+              <a:ln w="25400">
+                <a:solidFill>
+                  <a:srgbClr val="0000CC"/>
+                </a:solidFill>
+                <a:headEnd type="diamond" w="lg" len="lg"/>
+                <a:tailEnd type="arrow"/>
+              </a:ln>
+            </p:spPr>
+            <p:style>
+              <a:lnRef idx="1">
+                <a:schemeClr val="accent1"/>
+              </a:lnRef>
+              <a:fillRef idx="0">
+                <a:schemeClr val="accent1"/>
+              </a:fillRef>
+              <a:effectRef idx="0">
+                <a:schemeClr val="accent1"/>
+              </a:effectRef>
+              <a:fontRef idx="minor">
+                <a:schemeClr val="tx1"/>
+              </a:fontRef>
+            </p:style>
+          </p:cxnSp>
+          <p:cxnSp>
+            <p:nvCxnSpPr>
+              <p:cNvPr id="152" name="Elbow Connector 151"/>
+              <p:cNvCxnSpPr>
+                <a:stCxn id="4" idx="2"/>
+                <a:endCxn id="59" idx="0"/>
+              </p:cNvCxnSpPr>
+              <p:nvPr/>
+            </p:nvCxnSpPr>
+            <p:spPr>
+              <a:xfrm rot="5400000">
+                <a:off x="791457" y="-2049501"/>
+                <a:ext cx="722602" cy="6344115"/>
+              </a:xfrm>
+              <a:prstGeom prst="bentConnector3">
+                <a:avLst/>
+              </a:prstGeom>
+              <a:ln w="25400" cap="rnd">
+                <a:solidFill>
+                  <a:srgbClr val="0000CC"/>
+                </a:solidFill>
+                <a:headEnd type="none" w="lg" len="lg"/>
+                <a:tailEnd type="none"/>
+              </a:ln>
+            </p:spPr>
+            <p:style>
+              <a:lnRef idx="1">
+                <a:schemeClr val="accent1"/>
+              </a:lnRef>
+              <a:fillRef idx="0">
+                <a:schemeClr val="accent1"/>
+              </a:fillRef>
+              <a:effectRef idx="0">
+                <a:schemeClr val="accent1"/>
+              </a:effectRef>
+              <a:fontRef idx="minor">
+                <a:schemeClr val="tx1"/>
+              </a:fontRef>
+            </p:style>
+          </p:cxnSp>
+          <p:cxnSp>
+            <p:nvCxnSpPr>
+              <p:cNvPr id="157" name="Straight Connector 156"/>
+              <p:cNvCxnSpPr>
+                <a:stCxn id="114" idx="0"/>
+              </p:cNvCxnSpPr>
+              <p:nvPr/>
+            </p:nvCxnSpPr>
+            <p:spPr>
+              <a:xfrm flipV="1">
+                <a:off x="2771543" y="1122556"/>
+                <a:ext cx="0" cy="301238"/>
+              </a:xfrm>
+              <a:prstGeom prst="line">
+                <a:avLst/>
+              </a:prstGeom>
+              <a:ln w="25400">
+                <a:solidFill>
+                  <a:srgbClr val="0000CC"/>
+                </a:solidFill>
+              </a:ln>
+            </p:spPr>
+            <p:style>
+              <a:lnRef idx="1">
+                <a:schemeClr val="accent1"/>
+              </a:lnRef>
+              <a:fillRef idx="0">
+                <a:schemeClr val="accent1"/>
+              </a:fillRef>
+              <a:effectRef idx="0">
+                <a:schemeClr val="accent1"/>
+              </a:effectRef>
+              <a:fontRef idx="minor">
+                <a:schemeClr val="tx1"/>
+              </a:fontRef>
+            </p:style>
+          </p:cxnSp>
+          <p:cxnSp>
+            <p:nvCxnSpPr>
+              <p:cNvPr id="159" name="Elbow Connector 158"/>
+              <p:cNvCxnSpPr>
+                <a:stCxn id="14" idx="0"/>
+                <a:endCxn id="4" idx="2"/>
+              </p:cNvCxnSpPr>
+              <p:nvPr/>
+            </p:nvCxnSpPr>
+            <p:spPr>
+              <a:xfrm rot="16200000" flipV="1">
+                <a:off x="5982478" y="-896407"/>
+                <a:ext cx="665661" cy="3980985"/>
+              </a:xfrm>
+              <a:prstGeom prst="bentConnector3">
+                <a:avLst>
+                  <a:gd name="adj1" fmla="val 46650"/>
+                </a:avLst>
+              </a:prstGeom>
+              <a:ln w="25400">
+                <a:solidFill>
+                  <a:srgbClr val="0000CC"/>
+                </a:solidFill>
+              </a:ln>
+            </p:spPr>
+            <p:style>
+              <a:lnRef idx="1">
+                <a:schemeClr val="accent1"/>
+              </a:lnRef>
+              <a:fillRef idx="0">
+                <a:schemeClr val="accent1"/>
+              </a:fillRef>
+              <a:effectRef idx="0">
+                <a:schemeClr val="accent1"/>
+              </a:effectRef>
+              <a:fontRef idx="minor">
+                <a:schemeClr val="tx1"/>
+              </a:fontRef>
+            </p:style>
+          </p:cxnSp>
+          <p:sp>
+            <p:nvSpPr>
+              <p:cNvPr id="153" name="Isosceles Triangle 152"/>
+              <p:cNvSpPr/>
+              <p:nvPr/>
+            </p:nvSpPr>
+            <p:spPr>
+              <a:xfrm>
+                <a:off x="4201223" y="914400"/>
+                <a:ext cx="247185" cy="208156"/>
+              </a:xfrm>
+              <a:prstGeom prst="triangle">
+                <a:avLst/>
+              </a:prstGeom>
+              <a:solidFill>
+                <a:schemeClr val="bg1"/>
+              </a:solidFill>
+              <a:ln>
+                <a:solidFill>
+                  <a:srgbClr val="0000CC"/>
+                </a:solidFill>
+              </a:ln>
+            </p:spPr>
+            <p:style>
+              <a:lnRef idx="2">
+                <a:schemeClr val="accent1">
+                  <a:shade val="50000"/>
+                </a:schemeClr>
+              </a:lnRef>
+              <a:fillRef idx="1">
+                <a:schemeClr val="accent1"/>
+              </a:fillRef>
+              <a:effectRef idx="0">
+                <a:schemeClr val="accent1"/>
+              </a:effectRef>
+              <a:fontRef idx="minor">
+                <a:schemeClr val="lt1"/>
+              </a:fontRef>
+            </p:style>
+            <p:txBody>
+              <a:bodyPr rtlCol="0" anchor="ctr"/>
+              <a:lstStyle/>
+              <a:p>
+                <a:pPr algn="ctr"/>
+                <a:endParaRPr lang="en-US"/>
+              </a:p>
+            </p:txBody>
+          </p:sp>
+          <p:cxnSp>
+            <p:nvCxnSpPr>
+              <p:cNvPr id="161" name="Straight Connector 160"/>
+              <p:cNvCxnSpPr/>
+              <p:nvPr/>
+            </p:nvCxnSpPr>
+            <p:spPr>
+              <a:xfrm flipV="1">
+                <a:off x="5664356" y="1120775"/>
+                <a:ext cx="0" cy="301238"/>
+              </a:xfrm>
+              <a:prstGeom prst="line">
+                <a:avLst/>
+              </a:prstGeom>
+              <a:ln w="25400">
+                <a:solidFill>
+                  <a:srgbClr val="0000CC"/>
+                </a:solidFill>
+              </a:ln>
+            </p:spPr>
+            <p:style>
+              <a:lnRef idx="1">
+                <a:schemeClr val="accent1"/>
+              </a:lnRef>
+              <a:fillRef idx="0">
+                <a:schemeClr val="accent1"/>
+              </a:fillRef>
+              <a:effectRef idx="0">
+                <a:schemeClr val="accent1"/>
+              </a:effectRef>
+              <a:fontRef idx="minor">
+                <a:schemeClr val="tx1"/>
+              </a:fontRef>
+            </p:style>
+          </p:cxnSp>
+          <p:cxnSp>
+            <p:nvCxnSpPr>
+              <p:cNvPr id="162" name="Straight Connector 161"/>
+              <p:cNvCxnSpPr/>
+              <p:nvPr/>
+            </p:nvCxnSpPr>
+            <p:spPr>
+              <a:xfrm flipV="1">
+                <a:off x="7010400" y="1125678"/>
+                <a:ext cx="0" cy="1932261"/>
+              </a:xfrm>
+              <a:prstGeom prst="line">
+                <a:avLst/>
+              </a:prstGeom>
+              <a:ln w="25400">
+                <a:solidFill>
+                  <a:srgbClr val="0000CC"/>
+                </a:solidFill>
+              </a:ln>
+            </p:spPr>
+            <p:style>
+              <a:lnRef idx="1">
+                <a:schemeClr val="accent1"/>
+              </a:lnRef>
+              <a:fillRef idx="0">
+                <a:schemeClr val="accent1"/>
+              </a:fillRef>
+              <a:effectRef idx="0">
+                <a:schemeClr val="accent1"/>
+              </a:effectRef>
+              <a:fontRef idx="minor">
+                <a:schemeClr val="tx1"/>
+              </a:fontRef>
+            </p:style>
+          </p:cxnSp>
+          <p:cxnSp>
+            <p:nvCxnSpPr>
+              <p:cNvPr id="169" name="Elbow Connector 168"/>
+              <p:cNvCxnSpPr>
+                <a:stCxn id="19" idx="0"/>
+              </p:cNvCxnSpPr>
+              <p:nvPr/>
+            </p:nvCxnSpPr>
+            <p:spPr>
+              <a:xfrm rot="16200000" flipV="1">
+                <a:off x="7815919" y="1386959"/>
+                <a:ext cx="1932262" cy="1409700"/>
+              </a:xfrm>
+              <a:prstGeom prst="bentConnector3">
+                <a:avLst>
+                  <a:gd name="adj1" fmla="val 100785"/>
+                </a:avLst>
+              </a:prstGeom>
+              <a:ln w="25400">
+                <a:solidFill>
+                  <a:srgbClr val="0000CC"/>
+                </a:solidFill>
+              </a:ln>
+            </p:spPr>
+            <p:style>
+              <a:lnRef idx="1">
+                <a:schemeClr val="accent1"/>
+              </a:lnRef>
+              <a:fillRef idx="0">
+                <a:schemeClr val="accent1"/>
+              </a:fillRef>
+              <a:effectRef idx="0">
+                <a:schemeClr val="accent1"/>
+              </a:effectRef>
+              <a:fontRef idx="minor">
+                <a:schemeClr val="tx1"/>
+              </a:fontRef>
+            </p:style>
+          </p:cxnSp>
+          <p:sp>
+            <p:nvSpPr>
+              <p:cNvPr id="30" name="Rectangle 29"/>
+              <p:cNvSpPr/>
+              <p:nvPr/>
+            </p:nvSpPr>
+            <p:spPr>
+              <a:xfrm>
+                <a:off x="-1371600" y="7956607"/>
+                <a:ext cx="1905000" cy="1187393"/>
+              </a:xfrm>
+              <a:prstGeom prst="rect">
+                <a:avLst/>
+              </a:prstGeom>
+              <a:noFill/>
+              <a:ln>
+                <a:solidFill>
+                  <a:srgbClr val="0000CC"/>
+                </a:solidFill>
+              </a:ln>
+            </p:spPr>
+            <p:style>
+              <a:lnRef idx="2">
+                <a:schemeClr val="accent1">
+                  <a:shade val="50000"/>
+                </a:schemeClr>
+              </a:lnRef>
+              <a:fillRef idx="1">
+                <a:schemeClr val="accent1"/>
+              </a:fillRef>
+              <a:effectRef idx="0">
+                <a:schemeClr val="accent1"/>
+              </a:effectRef>
+              <a:fontRef idx="minor">
+                <a:schemeClr val="lt1"/>
+              </a:fontRef>
+            </p:style>
+            <p:txBody>
+              <a:bodyPr rtlCol="0" anchor="ctr"/>
+              <a:lstStyle/>
+              <a:p>
+                <a:pPr algn="ctr"/>
+                <a:endParaRPr lang="en-US" dirty="0"/>
+              </a:p>
+            </p:txBody>
+          </p:sp>
+          <p:sp>
+            <p:nvSpPr>
+              <p:cNvPr id="31" name="TextBox 30"/>
+              <p:cNvSpPr txBox="1"/>
+              <p:nvPr/>
+            </p:nvSpPr>
+            <p:spPr>
+              <a:xfrm>
+                <a:off x="-1371600" y="7966178"/>
                 <a:ext cx="1905000" cy="461665"/>
               </a:xfrm>
               <a:prstGeom prst="rect">
@@ -5551,7 +6083,7 @@
                     <a:latin typeface="Times New Roman" pitchFamily="18" charset="0"/>
                     <a:cs typeface="Times New Roman" pitchFamily="18" charset="0"/>
                   </a:rPr>
-                  <a:t>PrimeNetServer</a:t>
+                  <a:t>SocketInterface</a:t>
                 </a:r>
                 <a:endParaRPr lang="en-US" sz="1200" dirty="0" smtClean="0">
                   <a:latin typeface="Times New Roman" pitchFamily="18" charset="0"/>
@@ -5565,7 +6097,7 @@
                     <a:latin typeface="Times New Roman" pitchFamily="18" charset="0"/>
                     <a:cs typeface="Times New Roman" pitchFamily="18" charset="0"/>
                   </a:rPr>
-                  <a:t>// involve remote call</a:t>
+                  <a:t>// Interface</a:t>
                 </a:r>
                 <a:endParaRPr lang="en-US" sz="1200" dirty="0">
                   <a:latin typeface="Times New Roman" pitchFamily="18" charset="0"/>
@@ -5576,13 +6108,13 @@
           </p:sp>
           <p:cxnSp>
             <p:nvCxnSpPr>
-              <p:cNvPr id="116" name="Straight Connector 115"/>
+              <p:cNvPr id="32" name="Straight Connector 31"/>
               <p:cNvCxnSpPr/>
               <p:nvPr/>
             </p:nvCxnSpPr>
             <p:spPr>
               <a:xfrm>
-                <a:off x="3048000" y="3204865"/>
+                <a:off x="-1371600" y="8424913"/>
                 <a:ext cx="1905000" cy="0"/>
               </a:xfrm>
               <a:prstGeom prst="line">
@@ -5611,13 +6143,13 @@
           </p:cxnSp>
           <p:cxnSp>
             <p:nvCxnSpPr>
-              <p:cNvPr id="117" name="Straight Connector 116"/>
+              <p:cNvPr id="33" name="Straight Connector 32"/>
               <p:cNvCxnSpPr/>
               <p:nvPr/>
             </p:nvCxnSpPr>
             <p:spPr>
               <a:xfrm>
-                <a:off x="3048000" y="3495260"/>
+                <a:off x="-1371600" y="8537677"/>
                 <a:ext cx="1905000" cy="0"/>
               </a:xfrm>
               <a:prstGeom prst="line">
@@ -5646,14 +6178,14 @@
           </p:cxnSp>
           <p:sp>
             <p:nvSpPr>
-              <p:cNvPr id="118" name="TextBox 117"/>
+              <p:cNvPr id="34" name="TextBox 33"/>
               <p:cNvSpPr txBox="1"/>
               <p:nvPr/>
             </p:nvSpPr>
             <p:spPr>
               <a:xfrm>
-                <a:off x="3048000" y="3495260"/>
-                <a:ext cx="1905000" cy="461665"/>
+                <a:off x="-1371600" y="8497669"/>
+                <a:ext cx="1905000" cy="646331"/>
               </a:xfrm>
               <a:prstGeom prst="rect">
                 <a:avLst/>
@@ -5678,28 +6210,37 @@
                     <a:latin typeface="Times New Roman" pitchFamily="18" charset="0"/>
                     <a:cs typeface="Times New Roman" pitchFamily="18" charset="0"/>
                   </a:rPr>
-                  <a:t>mash_number</a:t>
+                  <a:t>getMessage</a:t>
                 </a:r>
                 <a:r>
                   <a:rPr lang="en-US" sz="1200" dirty="0" smtClean="0">
                     <a:latin typeface="Times New Roman" pitchFamily="18" charset="0"/>
                     <a:cs typeface="Times New Roman" pitchFamily="18" charset="0"/>
                   </a:rPr>
-                  <a:t>(</a:t>
+                  <a:t>()</a:t>
+                </a:r>
+              </a:p>
+              <a:p>
+                <a:r>
+                  <a:rPr lang="en-US" sz="1200" dirty="0" smtClean="0">
+                    <a:latin typeface="Times New Roman" pitchFamily="18" charset="0"/>
+                    <a:cs typeface="Times New Roman" pitchFamily="18" charset="0"/>
+                  </a:rPr>
+                  <a:t>+ </a:t>
                 </a:r>
                 <a:r>
                   <a:rPr lang="en-US" sz="1200" dirty="0" err="1" smtClean="0">
                     <a:latin typeface="Times New Roman" pitchFamily="18" charset="0"/>
                     <a:cs typeface="Times New Roman" pitchFamily="18" charset="0"/>
                   </a:rPr>
-                  <a:t>int</a:t>
+                  <a:t>sendMessage</a:t>
                 </a:r>
                 <a:r>
                   <a:rPr lang="en-US" sz="1200" dirty="0" smtClean="0">
                     <a:latin typeface="Times New Roman" pitchFamily="18" charset="0"/>
                     <a:cs typeface="Times New Roman" pitchFamily="18" charset="0"/>
                   </a:rPr>
-                  <a:t>)</a:t>
+                  <a:t>()</a:t>
                 </a:r>
               </a:p>
               <a:p>
@@ -5717,454 +6258,30 @@
               </a:p>
             </p:txBody>
           </p:sp>
-          <p:sp>
-            <p:nvSpPr>
-              <p:cNvPr id="119" name="TextBox 118"/>
-              <p:cNvSpPr txBox="1"/>
-              <p:nvPr/>
-            </p:nvSpPr>
-            <p:spPr>
-              <a:xfrm>
-                <a:off x="3048000" y="3209330"/>
-                <a:ext cx="1905000" cy="276999"/>
-              </a:xfrm>
-              <a:prstGeom prst="rect">
-                <a:avLst/>
-              </a:prstGeom>
-              <a:noFill/>
-            </p:spPr>
-            <p:txBody>
-              <a:bodyPr wrap="square" rtlCol="0">
-                <a:spAutoFit/>
-              </a:bodyPr>
-              <a:lstStyle/>
-              <a:p>
-                <a:r>
-                  <a:rPr lang="en-US" sz="1200" dirty="0" smtClean="0"/>
-                  <a:t>- </a:t>
-                </a:r>
-                <a:r>
-                  <a:rPr lang="en-US" sz="1200" dirty="0" err="1" smtClean="0">
-                    <a:latin typeface="Times New Roman" pitchFamily="18" charset="0"/>
-                    <a:cs typeface="Times New Roman" pitchFamily="18" charset="0"/>
-                  </a:rPr>
-                  <a:t>net_proxy</a:t>
-                </a:r>
-                <a:r>
-                  <a:rPr lang="en-US" sz="1200" dirty="0" smtClean="0">
-                    <a:latin typeface="Times New Roman" pitchFamily="18" charset="0"/>
-                    <a:cs typeface="Times New Roman" pitchFamily="18" charset="0"/>
-                  </a:rPr>
-                  <a:t>: </a:t>
-                </a:r>
-                <a:r>
-                  <a:rPr lang="en-US" sz="1200" dirty="0" err="1" smtClean="0">
-                    <a:latin typeface="Times New Roman" pitchFamily="18" charset="0"/>
-                    <a:cs typeface="Times New Roman" pitchFamily="18" charset="0"/>
-                  </a:rPr>
-                  <a:t>ClientNetProxy</a:t>
-                </a:r>
-                <a:endParaRPr lang="en-US" sz="1200" dirty="0"/>
-              </a:p>
-            </p:txBody>
-          </p:sp>
-        </p:grpSp>
-        <p:cxnSp>
-          <p:nvCxnSpPr>
-            <p:cNvPr id="143" name="Elbow Connector 142"/>
-            <p:cNvCxnSpPr>
-              <a:stCxn id="89" idx="1"/>
-              <a:endCxn id="109" idx="1"/>
-            </p:cNvCxnSpPr>
-            <p:nvPr/>
-          </p:nvCxnSpPr>
-          <p:spPr>
-            <a:xfrm rot="10800000">
-              <a:off x="-685800" y="1674169"/>
-              <a:ext cx="103414" cy="1970453"/>
-            </a:xfrm>
-            <a:prstGeom prst="bentConnector3">
-              <a:avLst>
-                <a:gd name="adj1" fmla="val 321053"/>
-              </a:avLst>
-            </a:prstGeom>
-            <a:ln w="25400">
-              <a:solidFill>
-                <a:srgbClr val="0000CC"/>
-              </a:solidFill>
-              <a:headEnd type="diamond" w="lg" len="lg"/>
-              <a:tailEnd type="arrow"/>
-            </a:ln>
-          </p:spPr>
-          <p:style>
-            <a:lnRef idx="1">
-              <a:schemeClr val="accent1"/>
-            </a:lnRef>
-            <a:fillRef idx="0">
-              <a:schemeClr val="accent1"/>
-            </a:fillRef>
-            <a:effectRef idx="0">
-              <a:schemeClr val="accent1"/>
-            </a:effectRef>
-            <a:fontRef idx="minor">
-              <a:schemeClr val="tx1"/>
-            </a:fontRef>
-          </p:style>
-        </p:cxnSp>
-        <p:cxnSp>
-          <p:nvCxnSpPr>
-            <p:cNvPr id="146" name="Elbow Connector 145"/>
-            <p:cNvCxnSpPr>
-              <a:stCxn id="89" idx="1"/>
-              <a:endCxn id="60" idx="1"/>
-            </p:cNvCxnSpPr>
-            <p:nvPr/>
-          </p:nvCxnSpPr>
-          <p:spPr>
-            <a:xfrm rot="10800000">
-              <a:off x="-2971800" y="1714691"/>
-              <a:ext cx="2389414" cy="1929931"/>
-            </a:xfrm>
-            <a:prstGeom prst="bentConnector3">
-              <a:avLst>
-                <a:gd name="adj1" fmla="val 109567"/>
-              </a:avLst>
-            </a:prstGeom>
-            <a:ln w="25400">
-              <a:solidFill>
-                <a:srgbClr val="0000CC"/>
-              </a:solidFill>
-              <a:headEnd type="diamond" w="lg" len="lg"/>
-              <a:tailEnd type="arrow"/>
-            </a:ln>
-          </p:spPr>
-          <p:style>
-            <a:lnRef idx="1">
-              <a:schemeClr val="accent1"/>
-            </a:lnRef>
-            <a:fillRef idx="0">
-              <a:schemeClr val="accent1"/>
-            </a:fillRef>
-            <a:effectRef idx="0">
-              <a:schemeClr val="accent1"/>
-            </a:effectRef>
-            <a:fontRef idx="minor">
-              <a:schemeClr val="tx1"/>
-            </a:fontRef>
-          </p:style>
-        </p:cxnSp>
-        <p:cxnSp>
-          <p:nvCxnSpPr>
-            <p:cNvPr id="152" name="Elbow Connector 151"/>
-            <p:cNvCxnSpPr>
-              <a:stCxn id="4" idx="2"/>
-              <a:endCxn id="59" idx="0"/>
-            </p:cNvCxnSpPr>
-            <p:nvPr/>
-          </p:nvCxnSpPr>
-          <p:spPr>
-            <a:xfrm rot="5400000">
-              <a:off x="791457" y="-2049501"/>
-              <a:ext cx="722602" cy="6344115"/>
-            </a:xfrm>
-            <a:prstGeom prst="bentConnector3">
-              <a:avLst/>
-            </a:prstGeom>
-            <a:ln w="25400" cap="rnd">
-              <a:solidFill>
-                <a:srgbClr val="0000CC"/>
-              </a:solidFill>
-              <a:headEnd type="none" w="lg" len="lg"/>
-              <a:tailEnd type="none"/>
-            </a:ln>
-          </p:spPr>
-          <p:style>
-            <a:lnRef idx="1">
-              <a:schemeClr val="accent1"/>
-            </a:lnRef>
-            <a:fillRef idx="0">
-              <a:schemeClr val="accent1"/>
-            </a:fillRef>
-            <a:effectRef idx="0">
-              <a:schemeClr val="accent1"/>
-            </a:effectRef>
-            <a:fontRef idx="minor">
-              <a:schemeClr val="tx1"/>
-            </a:fontRef>
-          </p:style>
-        </p:cxnSp>
-        <p:cxnSp>
-          <p:nvCxnSpPr>
-            <p:cNvPr id="157" name="Straight Connector 156"/>
-            <p:cNvCxnSpPr>
-              <a:stCxn id="114" idx="0"/>
-            </p:cNvCxnSpPr>
-            <p:nvPr/>
-          </p:nvCxnSpPr>
-          <p:spPr>
-            <a:xfrm flipV="1">
-              <a:off x="2771543" y="1122556"/>
-              <a:ext cx="0" cy="301238"/>
-            </a:xfrm>
-            <a:prstGeom prst="line">
-              <a:avLst/>
-            </a:prstGeom>
-            <a:ln w="25400">
-              <a:solidFill>
-                <a:srgbClr val="0000CC"/>
-              </a:solidFill>
-            </a:ln>
-          </p:spPr>
-          <p:style>
-            <a:lnRef idx="1">
-              <a:schemeClr val="accent1"/>
-            </a:lnRef>
-            <a:fillRef idx="0">
-              <a:schemeClr val="accent1"/>
-            </a:fillRef>
-            <a:effectRef idx="0">
-              <a:schemeClr val="accent1"/>
-            </a:effectRef>
-            <a:fontRef idx="minor">
-              <a:schemeClr val="tx1"/>
-            </a:fontRef>
-          </p:style>
-        </p:cxnSp>
-        <p:cxnSp>
-          <p:nvCxnSpPr>
-            <p:cNvPr id="159" name="Elbow Connector 158"/>
-            <p:cNvCxnSpPr>
-              <a:stCxn id="14" idx="0"/>
-              <a:endCxn id="4" idx="2"/>
-            </p:cNvCxnSpPr>
-            <p:nvPr/>
-          </p:nvCxnSpPr>
-          <p:spPr>
-            <a:xfrm rot="16200000" flipV="1">
-              <a:off x="5982478" y="-896407"/>
-              <a:ext cx="665661" cy="3980985"/>
-            </a:xfrm>
-            <a:prstGeom prst="bentConnector3">
-              <a:avLst>
-                <a:gd name="adj1" fmla="val 46650"/>
-              </a:avLst>
-            </a:prstGeom>
-            <a:ln w="25400">
-              <a:solidFill>
-                <a:srgbClr val="0000CC"/>
-              </a:solidFill>
-            </a:ln>
-          </p:spPr>
-          <p:style>
-            <a:lnRef idx="1">
-              <a:schemeClr val="accent1"/>
-            </a:lnRef>
-            <a:fillRef idx="0">
-              <a:schemeClr val="accent1"/>
-            </a:fillRef>
-            <a:effectRef idx="0">
-              <a:schemeClr val="accent1"/>
-            </a:effectRef>
-            <a:fontRef idx="minor">
-              <a:schemeClr val="tx1"/>
-            </a:fontRef>
-          </p:style>
-        </p:cxnSp>
-        <p:sp>
-          <p:nvSpPr>
-            <p:cNvPr id="153" name="Isosceles Triangle 152"/>
-            <p:cNvSpPr/>
-            <p:nvPr/>
-          </p:nvSpPr>
-          <p:spPr>
-            <a:xfrm>
-              <a:off x="4201223" y="914400"/>
-              <a:ext cx="247185" cy="208156"/>
-            </a:xfrm>
-            <a:prstGeom prst="triangle">
-              <a:avLst/>
-            </a:prstGeom>
-            <a:solidFill>
-              <a:schemeClr val="bg1"/>
-            </a:solidFill>
-            <a:ln>
-              <a:solidFill>
-                <a:srgbClr val="0000CC"/>
-              </a:solidFill>
-            </a:ln>
-          </p:spPr>
-          <p:style>
-            <a:lnRef idx="2">
-              <a:schemeClr val="accent1">
-                <a:shade val="50000"/>
-              </a:schemeClr>
-            </a:lnRef>
-            <a:fillRef idx="1">
-              <a:schemeClr val="accent1"/>
-            </a:fillRef>
-            <a:effectRef idx="0">
-              <a:schemeClr val="accent1"/>
-            </a:effectRef>
-            <a:fontRef idx="minor">
-              <a:schemeClr val="lt1"/>
-            </a:fontRef>
-          </p:style>
-          <p:txBody>
-            <a:bodyPr rtlCol="0" anchor="ctr"/>
-            <a:lstStyle/>
-            <a:p>
-              <a:pPr algn="ctr"/>
-              <a:endParaRPr lang="en-US"/>
-            </a:p>
-          </p:txBody>
-        </p:sp>
-        <p:cxnSp>
-          <p:nvCxnSpPr>
-            <p:cNvPr id="161" name="Straight Connector 160"/>
-            <p:cNvCxnSpPr/>
-            <p:nvPr/>
-          </p:nvCxnSpPr>
-          <p:spPr>
-            <a:xfrm flipV="1">
-              <a:off x="5664356" y="1120775"/>
-              <a:ext cx="0" cy="301238"/>
-            </a:xfrm>
-            <a:prstGeom prst="line">
-              <a:avLst/>
-            </a:prstGeom>
-            <a:ln w="25400">
-              <a:solidFill>
-                <a:srgbClr val="0000CC"/>
-              </a:solidFill>
-            </a:ln>
-          </p:spPr>
-          <p:style>
-            <a:lnRef idx="1">
-              <a:schemeClr val="accent1"/>
-            </a:lnRef>
-            <a:fillRef idx="0">
-              <a:schemeClr val="accent1"/>
-            </a:fillRef>
-            <a:effectRef idx="0">
-              <a:schemeClr val="accent1"/>
-            </a:effectRef>
-            <a:fontRef idx="minor">
-              <a:schemeClr val="tx1"/>
-            </a:fontRef>
-          </p:style>
-        </p:cxnSp>
-        <p:cxnSp>
-          <p:nvCxnSpPr>
-            <p:cNvPr id="162" name="Straight Connector 161"/>
-            <p:cNvCxnSpPr/>
-            <p:nvPr/>
-          </p:nvCxnSpPr>
-          <p:spPr>
-            <a:xfrm flipV="1">
-              <a:off x="7010400" y="1125678"/>
-              <a:ext cx="0" cy="1932261"/>
-            </a:xfrm>
-            <a:prstGeom prst="line">
-              <a:avLst/>
-            </a:prstGeom>
-            <a:ln w="25400">
-              <a:solidFill>
-                <a:srgbClr val="0000CC"/>
-              </a:solidFill>
-            </a:ln>
-          </p:spPr>
-          <p:style>
-            <a:lnRef idx="1">
-              <a:schemeClr val="accent1"/>
-            </a:lnRef>
-            <a:fillRef idx="0">
-              <a:schemeClr val="accent1"/>
-            </a:fillRef>
-            <a:effectRef idx="0">
-              <a:schemeClr val="accent1"/>
-            </a:effectRef>
-            <a:fontRef idx="minor">
-              <a:schemeClr val="tx1"/>
-            </a:fontRef>
-          </p:style>
-        </p:cxnSp>
-        <p:cxnSp>
-          <p:nvCxnSpPr>
-            <p:cNvPr id="169" name="Elbow Connector 168"/>
-            <p:cNvCxnSpPr>
-              <a:stCxn id="19" idx="0"/>
-            </p:cNvCxnSpPr>
-            <p:nvPr/>
-          </p:nvCxnSpPr>
-          <p:spPr>
-            <a:xfrm rot="16200000" flipV="1">
-              <a:off x="7815919" y="1386959"/>
-              <a:ext cx="1932262" cy="1409700"/>
-            </a:xfrm>
-            <a:prstGeom prst="bentConnector3">
-              <a:avLst>
-                <a:gd name="adj1" fmla="val 100785"/>
-              </a:avLst>
-            </a:prstGeom>
-            <a:ln w="25400">
-              <a:solidFill>
-                <a:srgbClr val="0000CC"/>
-              </a:solidFill>
-            </a:ln>
-          </p:spPr>
-          <p:style>
-            <a:lnRef idx="1">
-              <a:schemeClr val="accent1"/>
-            </a:lnRef>
-            <a:fillRef idx="0">
-              <a:schemeClr val="accent1"/>
-            </a:fillRef>
-            <a:effectRef idx="0">
-              <a:schemeClr val="accent1"/>
-            </a:effectRef>
-            <a:fontRef idx="minor">
-              <a:schemeClr val="tx1"/>
-            </a:fontRef>
-          </p:style>
-        </p:cxnSp>
-        <p:grpSp>
-          <p:nvGrpSpPr>
-            <p:cNvPr id="125" name="Group 124"/>
-            <p:cNvGrpSpPr/>
-            <p:nvPr/>
-          </p:nvGrpSpPr>
-          <p:grpSpPr>
-            <a:xfrm>
-              <a:off x="-2590800" y="5226614"/>
-              <a:ext cx="4419600" cy="3917386"/>
-              <a:chOff x="-2590800" y="5074214"/>
-              <a:chExt cx="4419600" cy="3917386"/>
-            </a:xfrm>
-          </p:grpSpPr>
           <p:grpSp>
             <p:nvGrpSpPr>
-              <p:cNvPr id="29" name="Group 28"/>
+              <p:cNvPr id="35" name="Group 34"/>
               <p:cNvGrpSpPr/>
               <p:nvPr/>
             </p:nvGrpSpPr>
             <p:grpSpPr>
               <a:xfrm>
-                <a:off x="-1371600" y="7804207"/>
-                <a:ext cx="1905000" cy="1187393"/>
-                <a:chOff x="533400" y="672865"/>
-                <a:chExt cx="1905000" cy="1604746"/>
+                <a:off x="-76200" y="5226614"/>
+                <a:ext cx="1905000" cy="1740669"/>
+                <a:chOff x="533400" y="672864"/>
+                <a:chExt cx="1905000" cy="2352492"/>
               </a:xfrm>
             </p:grpSpPr>
             <p:sp>
               <p:nvSpPr>
-                <p:cNvPr id="30" name="Rectangle 29"/>
+                <p:cNvPr id="36" name="Rectangle 35"/>
                 <p:cNvSpPr/>
                 <p:nvPr/>
               </p:nvSpPr>
               <p:spPr>
                 <a:xfrm>
-                  <a:off x="533400" y="672865"/>
-                  <a:ext cx="1905000" cy="1604746"/>
+                  <a:off x="533400" y="672864"/>
+                  <a:ext cx="1905000" cy="2328646"/>
                 </a:xfrm>
                 <a:prstGeom prst="rect">
                   <a:avLst/>
@@ -6203,7 +6320,7 @@
             </p:sp>
             <p:sp>
               <p:nvSpPr>
-                <p:cNvPr id="31" name="TextBox 30"/>
+                <p:cNvPr id="37" name="TextBox 36"/>
                 <p:cNvSpPr txBox="1"/>
                 <p:nvPr/>
               </p:nvSpPr>
@@ -6232,7 +6349,7 @@
                       <a:latin typeface="Times New Roman" pitchFamily="18" charset="0"/>
                       <a:cs typeface="Times New Roman" pitchFamily="18" charset="0"/>
                     </a:rPr>
-                    <a:t>SocketInterface</a:t>
+                    <a:t>ClientNetProxy</a:t>
                   </a:r>
                   <a:endParaRPr lang="en-US" sz="1200" dirty="0" smtClean="0">
                     <a:latin typeface="Times New Roman" pitchFamily="18" charset="0"/>
@@ -6246,7 +6363,7 @@
                       <a:latin typeface="Times New Roman" pitchFamily="18" charset="0"/>
                       <a:cs typeface="Times New Roman" pitchFamily="18" charset="0"/>
                     </a:rPr>
-                    <a:t>// Interface</a:t>
+                    <a:t>// client side</a:t>
                   </a:r>
                   <a:endParaRPr lang="en-US" sz="1200" dirty="0">
                     <a:latin typeface="Times New Roman" pitchFamily="18" charset="0"/>
@@ -6257,7 +6374,7 @@
             </p:sp>
             <p:cxnSp>
               <p:nvCxnSpPr>
-                <p:cNvPr id="32" name="Straight Connector 31"/>
+                <p:cNvPr id="38" name="Straight Connector 37"/>
                 <p:cNvCxnSpPr/>
                 <p:nvPr/>
               </p:nvCxnSpPr>
@@ -6292,13 +6409,13 @@
             </p:cxnSp>
             <p:cxnSp>
               <p:nvCxnSpPr>
-                <p:cNvPr id="33" name="Straight Connector 32"/>
+                <p:cNvPr id="39" name="Straight Connector 38"/>
                 <p:cNvCxnSpPr/>
                 <p:nvPr/>
               </p:nvCxnSpPr>
               <p:spPr>
                 <a:xfrm>
-                  <a:off x="533400" y="1458174"/>
+                  <a:off x="533400" y="2161249"/>
                   <a:ext cx="1905000" cy="0"/>
                 </a:xfrm>
                 <a:prstGeom prst="line">
@@ -6327,13 +6444,13 @@
             </p:cxnSp>
             <p:sp>
               <p:nvSpPr>
-                <p:cNvPr id="34" name="TextBox 33"/>
+                <p:cNvPr id="40" name="TextBox 39"/>
                 <p:cNvSpPr txBox="1"/>
                 <p:nvPr/>
               </p:nvSpPr>
               <p:spPr>
                 <a:xfrm>
-                  <a:off x="533400" y="1404103"/>
+                  <a:off x="533400" y="2151848"/>
                   <a:ext cx="1905000" cy="873508"/>
                 </a:xfrm>
                 <a:prstGeom prst="rect">
@@ -6408,1007 +6525,102 @@
               </p:txBody>
             </p:sp>
           </p:grpSp>
+          <p:sp>
+            <p:nvSpPr>
+              <p:cNvPr id="41" name="TextBox 40"/>
+              <p:cNvSpPr txBox="1"/>
+              <p:nvPr/>
+            </p:nvSpPr>
+            <p:spPr>
+              <a:xfrm>
+                <a:off x="-76200" y="5646038"/>
+                <a:ext cx="1905000" cy="646331"/>
+              </a:xfrm>
+              <a:prstGeom prst="rect">
+                <a:avLst/>
+              </a:prstGeom>
+              <a:noFill/>
+            </p:spPr>
+            <p:txBody>
+              <a:bodyPr wrap="square" rtlCol="0">
+                <a:spAutoFit/>
+              </a:bodyPr>
+              <a:lstStyle/>
+              <a:p>
+                <a:r>
+                  <a:rPr lang="en-US" sz="1200" dirty="0" smtClean="0">
+                    <a:latin typeface="Times New Roman" pitchFamily="18" charset="0"/>
+                    <a:cs typeface="Times New Roman" pitchFamily="18" charset="0"/>
+                  </a:rPr>
+                  <a:t>- socket: Socket</a:t>
+                </a:r>
+              </a:p>
+              <a:p>
+                <a:r>
+                  <a:rPr lang="en-US" sz="1200" dirty="0" smtClean="0">
+                    <a:latin typeface="Times New Roman" pitchFamily="18" charset="0"/>
+                    <a:cs typeface="Times New Roman" pitchFamily="18" charset="0"/>
+                  </a:rPr>
+                  <a:t>- in: </a:t>
+                </a:r>
+                <a:r>
+                  <a:rPr lang="en-US" sz="1200" dirty="0" err="1" smtClean="0">
+                    <a:latin typeface="Times New Roman" pitchFamily="18" charset="0"/>
+                    <a:cs typeface="Times New Roman" pitchFamily="18" charset="0"/>
+                  </a:rPr>
+                  <a:t>BufferedReader</a:t>
+                </a:r>
+                <a:endParaRPr lang="en-US" sz="1200" dirty="0" smtClean="0">
+                  <a:latin typeface="Times New Roman" pitchFamily="18" charset="0"/>
+                  <a:cs typeface="Times New Roman" pitchFamily="18" charset="0"/>
+                </a:endParaRPr>
+              </a:p>
+              <a:p>
+                <a:r>
+                  <a:rPr lang="en-US" sz="1200" dirty="0" smtClean="0">
+                    <a:latin typeface="Times New Roman" pitchFamily="18" charset="0"/>
+                    <a:cs typeface="Times New Roman" pitchFamily="18" charset="0"/>
+                  </a:rPr>
+                  <a:t>- out: </a:t>
+                </a:r>
+                <a:r>
+                  <a:rPr lang="en-US" sz="1200" dirty="0" err="1" smtClean="0">
+                    <a:latin typeface="Times New Roman" pitchFamily="18" charset="0"/>
+                    <a:cs typeface="Times New Roman" pitchFamily="18" charset="0"/>
+                  </a:rPr>
+                  <a:t>PrintWriter</a:t>
+                </a:r>
+                <a:endParaRPr lang="en-US" sz="1200" dirty="0" smtClean="0">
+                  <a:latin typeface="Times New Roman" pitchFamily="18" charset="0"/>
+                  <a:cs typeface="Times New Roman" pitchFamily="18" charset="0"/>
+                </a:endParaRPr>
+              </a:p>
+            </p:txBody>
+          </p:sp>
           <p:grpSp>
             <p:nvGrpSpPr>
-              <p:cNvPr id="42" name="Group 41"/>
+              <p:cNvPr id="44" name="Group 43"/>
               <p:cNvGrpSpPr/>
               <p:nvPr/>
             </p:nvGrpSpPr>
             <p:grpSpPr>
               <a:xfrm>
-                <a:off x="-76200" y="5074214"/>
-                <a:ext cx="1905000" cy="1740669"/>
-                <a:chOff x="4419600" y="1982245"/>
-                <a:chExt cx="1905000" cy="1740669"/>
-              </a:xfrm>
-            </p:grpSpPr>
-            <p:grpSp>
-              <p:nvGrpSpPr>
-                <p:cNvPr id="35" name="Group 34"/>
-                <p:cNvGrpSpPr/>
-                <p:nvPr/>
-              </p:nvGrpSpPr>
-              <p:grpSpPr>
-                <a:xfrm>
-                  <a:off x="4419600" y="1982245"/>
-                  <a:ext cx="1905000" cy="1740669"/>
-                  <a:chOff x="533400" y="672864"/>
-                  <a:chExt cx="1905000" cy="2352492"/>
-                </a:xfrm>
-              </p:grpSpPr>
-              <p:sp>
-                <p:nvSpPr>
-                  <p:cNvPr id="36" name="Rectangle 35"/>
-                  <p:cNvSpPr/>
-                  <p:nvPr/>
-                </p:nvSpPr>
-                <p:spPr>
-                  <a:xfrm>
-                    <a:off x="533400" y="672864"/>
-                    <a:ext cx="1905000" cy="2328646"/>
-                  </a:xfrm>
-                  <a:prstGeom prst="rect">
-                    <a:avLst/>
-                  </a:prstGeom>
-                  <a:noFill/>
-                  <a:ln>
-                    <a:solidFill>
-                      <a:srgbClr val="0000CC"/>
-                    </a:solidFill>
-                  </a:ln>
-                </p:spPr>
-                <p:style>
-                  <a:lnRef idx="2">
-                    <a:schemeClr val="accent1">
-                      <a:shade val="50000"/>
-                    </a:schemeClr>
-                  </a:lnRef>
-                  <a:fillRef idx="1">
-                    <a:schemeClr val="accent1"/>
-                  </a:fillRef>
-                  <a:effectRef idx="0">
-                    <a:schemeClr val="accent1"/>
-                  </a:effectRef>
-                  <a:fontRef idx="minor">
-                    <a:schemeClr val="lt1"/>
-                  </a:fontRef>
-                </p:style>
-                <p:txBody>
-                  <a:bodyPr rtlCol="0" anchor="ctr"/>
-                  <a:lstStyle/>
-                  <a:p>
-                    <a:pPr algn="ctr"/>
-                    <a:endParaRPr lang="en-US" dirty="0"/>
-                  </a:p>
-                </p:txBody>
-              </p:sp>
-              <p:sp>
-                <p:nvSpPr>
-                  <p:cNvPr id="37" name="TextBox 36"/>
-                  <p:cNvSpPr txBox="1"/>
-                  <p:nvPr/>
-                </p:nvSpPr>
-                <p:spPr>
-                  <a:xfrm>
-                    <a:off x="533400" y="685800"/>
-                    <a:ext cx="1905000" cy="623934"/>
-                  </a:xfrm>
-                  <a:prstGeom prst="rect">
-                    <a:avLst/>
-                  </a:prstGeom>
-                  <a:noFill/>
-                  <a:ln>
-                    <a:noFill/>
-                  </a:ln>
-                </p:spPr>
-                <p:txBody>
-                  <a:bodyPr wrap="square" rtlCol="0">
-                    <a:spAutoFit/>
-                  </a:bodyPr>
-                  <a:lstStyle/>
-                  <a:p>
-                    <a:pPr algn="ctr"/>
-                    <a:r>
-                      <a:rPr lang="en-US" sz="1200" dirty="0" err="1" smtClean="0">
-                        <a:latin typeface="Times New Roman" pitchFamily="18" charset="0"/>
-                        <a:cs typeface="Times New Roman" pitchFamily="18" charset="0"/>
-                      </a:rPr>
-                      <a:t>ClientNetProxy</a:t>
-                    </a:r>
-                    <a:endParaRPr lang="en-US" sz="1200" dirty="0" smtClean="0">
-                      <a:latin typeface="Times New Roman" pitchFamily="18" charset="0"/>
-                      <a:cs typeface="Times New Roman" pitchFamily="18" charset="0"/>
-                    </a:endParaRPr>
-                  </a:p>
-                  <a:p>
-                    <a:pPr algn="ctr"/>
-                    <a:r>
-                      <a:rPr lang="en-US" sz="1200" dirty="0" smtClean="0">
-                        <a:latin typeface="Times New Roman" pitchFamily="18" charset="0"/>
-                        <a:cs typeface="Times New Roman" pitchFamily="18" charset="0"/>
-                      </a:rPr>
-                      <a:t>// client side</a:t>
-                    </a:r>
-                    <a:endParaRPr lang="en-US" sz="1200" dirty="0">
-                      <a:latin typeface="Times New Roman" pitchFamily="18" charset="0"/>
-                      <a:cs typeface="Times New Roman" pitchFamily="18" charset="0"/>
-                    </a:endParaRPr>
-                  </a:p>
-                </p:txBody>
-              </p:sp>
-              <p:cxnSp>
-                <p:nvCxnSpPr>
-                  <p:cNvPr id="38" name="Straight Connector 37"/>
-                  <p:cNvCxnSpPr/>
-                  <p:nvPr/>
-                </p:nvCxnSpPr>
-                <p:spPr>
-                  <a:xfrm>
-                    <a:off x="533400" y="1305774"/>
-                    <a:ext cx="1905000" cy="0"/>
-                  </a:xfrm>
-                  <a:prstGeom prst="line">
-                    <a:avLst/>
-                  </a:prstGeom>
-                  <a:ln w="25400">
-                    <a:solidFill>
-                      <a:srgbClr val="0000CC"/>
-                    </a:solidFill>
-                  </a:ln>
-                </p:spPr>
-                <p:style>
-                  <a:lnRef idx="1">
-                    <a:schemeClr val="accent1"/>
-                  </a:lnRef>
-                  <a:fillRef idx="0">
-                    <a:schemeClr val="accent1"/>
-                  </a:fillRef>
-                  <a:effectRef idx="0">
-                    <a:schemeClr val="accent1"/>
-                  </a:effectRef>
-                  <a:fontRef idx="minor">
-                    <a:schemeClr val="tx1"/>
-                  </a:fontRef>
-                </p:style>
-              </p:cxnSp>
-              <p:cxnSp>
-                <p:nvCxnSpPr>
-                  <p:cNvPr id="39" name="Straight Connector 38"/>
-                  <p:cNvCxnSpPr/>
-                  <p:nvPr/>
-                </p:nvCxnSpPr>
-                <p:spPr>
-                  <a:xfrm>
-                    <a:off x="533400" y="2161249"/>
-                    <a:ext cx="1905000" cy="0"/>
-                  </a:xfrm>
-                  <a:prstGeom prst="line">
-                    <a:avLst/>
-                  </a:prstGeom>
-                  <a:ln w="25400">
-                    <a:solidFill>
-                      <a:srgbClr val="0000CC"/>
-                    </a:solidFill>
-                  </a:ln>
-                </p:spPr>
-                <p:style>
-                  <a:lnRef idx="1">
-                    <a:schemeClr val="accent1"/>
-                  </a:lnRef>
-                  <a:fillRef idx="0">
-                    <a:schemeClr val="accent1"/>
-                  </a:fillRef>
-                  <a:effectRef idx="0">
-                    <a:schemeClr val="accent1"/>
-                  </a:effectRef>
-                  <a:fontRef idx="minor">
-                    <a:schemeClr val="tx1"/>
-                  </a:fontRef>
-                </p:style>
-              </p:cxnSp>
-              <p:sp>
-                <p:nvSpPr>
-                  <p:cNvPr id="40" name="TextBox 39"/>
-                  <p:cNvSpPr txBox="1"/>
-                  <p:nvPr/>
-                </p:nvSpPr>
-                <p:spPr>
-                  <a:xfrm>
-                    <a:off x="533400" y="2151848"/>
-                    <a:ext cx="1905000" cy="873508"/>
-                  </a:xfrm>
-                  <a:prstGeom prst="rect">
-                    <a:avLst/>
-                  </a:prstGeom>
-                  <a:noFill/>
-                </p:spPr>
-                <p:txBody>
-                  <a:bodyPr wrap="square" rtlCol="0">
-                    <a:spAutoFit/>
-                  </a:bodyPr>
-                  <a:lstStyle/>
-                  <a:p>
-                    <a:r>
-                      <a:rPr lang="en-US" sz="1200" dirty="0" smtClean="0">
-                        <a:latin typeface="Times New Roman" pitchFamily="18" charset="0"/>
-                        <a:cs typeface="Times New Roman" pitchFamily="18" charset="0"/>
-                      </a:rPr>
-                      <a:t>+ </a:t>
-                    </a:r>
-                    <a:r>
-                      <a:rPr lang="en-US" sz="1200" dirty="0" err="1" smtClean="0">
-                        <a:latin typeface="Times New Roman" pitchFamily="18" charset="0"/>
-                        <a:cs typeface="Times New Roman" pitchFamily="18" charset="0"/>
-                      </a:rPr>
-                      <a:t>getMessage</a:t>
-                    </a:r>
-                    <a:r>
-                      <a:rPr lang="en-US" sz="1200" dirty="0" smtClean="0">
-                        <a:latin typeface="Times New Roman" pitchFamily="18" charset="0"/>
-                        <a:cs typeface="Times New Roman" pitchFamily="18" charset="0"/>
-                      </a:rPr>
-                      <a:t>()</a:t>
-                    </a:r>
-                  </a:p>
-                  <a:p>
-                    <a:r>
-                      <a:rPr lang="en-US" sz="1200" dirty="0" smtClean="0">
-                        <a:latin typeface="Times New Roman" pitchFamily="18" charset="0"/>
-                        <a:cs typeface="Times New Roman" pitchFamily="18" charset="0"/>
-                      </a:rPr>
-                      <a:t>+ </a:t>
-                    </a:r>
-                    <a:r>
-                      <a:rPr lang="en-US" sz="1200" dirty="0" err="1" smtClean="0">
-                        <a:latin typeface="Times New Roman" pitchFamily="18" charset="0"/>
-                        <a:cs typeface="Times New Roman" pitchFamily="18" charset="0"/>
-                      </a:rPr>
-                      <a:t>sendMessage</a:t>
-                    </a:r>
-                    <a:r>
-                      <a:rPr lang="en-US" sz="1200" dirty="0" smtClean="0">
-                        <a:latin typeface="Times New Roman" pitchFamily="18" charset="0"/>
-                        <a:cs typeface="Times New Roman" pitchFamily="18" charset="0"/>
-                      </a:rPr>
-                      <a:t>()</a:t>
-                    </a:r>
-                  </a:p>
-                  <a:p>
-                    <a:r>
-                      <a:rPr lang="en-US" sz="1200" dirty="0" smtClean="0">
-                        <a:latin typeface="Times New Roman" pitchFamily="18" charset="0"/>
-                        <a:cs typeface="Times New Roman" pitchFamily="18" charset="0"/>
-                      </a:rPr>
-                      <a:t>+ dispose()</a:t>
-                    </a:r>
-                    <a:endParaRPr lang="en-US" sz="1200" dirty="0">
-                      <a:latin typeface="Times New Roman" pitchFamily="18" charset="0"/>
-                      <a:cs typeface="Times New Roman" pitchFamily="18" charset="0"/>
-                    </a:endParaRPr>
-                  </a:p>
-                </p:txBody>
-              </p:sp>
-            </p:grpSp>
-            <p:sp>
-              <p:nvSpPr>
-                <p:cNvPr id="41" name="TextBox 40"/>
-                <p:cNvSpPr txBox="1"/>
-                <p:nvPr/>
-              </p:nvSpPr>
-              <p:spPr>
-                <a:xfrm>
-                  <a:off x="4419600" y="2401669"/>
-                  <a:ext cx="1905000" cy="646331"/>
-                </a:xfrm>
-                <a:prstGeom prst="rect">
-                  <a:avLst/>
-                </a:prstGeom>
-                <a:noFill/>
-              </p:spPr>
-              <p:txBody>
-                <a:bodyPr wrap="square" rtlCol="0">
-                  <a:spAutoFit/>
-                </a:bodyPr>
-                <a:lstStyle/>
-                <a:p>
-                  <a:r>
-                    <a:rPr lang="en-US" sz="1200" dirty="0" smtClean="0">
-                      <a:latin typeface="Times New Roman" pitchFamily="18" charset="0"/>
-                      <a:cs typeface="Times New Roman" pitchFamily="18" charset="0"/>
-                    </a:rPr>
-                    <a:t>- socket: Socket</a:t>
-                  </a:r>
-                </a:p>
-                <a:p>
-                  <a:r>
-                    <a:rPr lang="en-US" sz="1200" dirty="0" smtClean="0">
-                      <a:latin typeface="Times New Roman" pitchFamily="18" charset="0"/>
-                      <a:cs typeface="Times New Roman" pitchFamily="18" charset="0"/>
-                    </a:rPr>
-                    <a:t>- in: </a:t>
-                  </a:r>
-                  <a:r>
-                    <a:rPr lang="en-US" sz="1200" dirty="0" err="1" smtClean="0">
-                      <a:latin typeface="Times New Roman" pitchFamily="18" charset="0"/>
-                      <a:cs typeface="Times New Roman" pitchFamily="18" charset="0"/>
-                    </a:rPr>
-                    <a:t>BufferedReader</a:t>
-                  </a:r>
-                  <a:endParaRPr lang="en-US" sz="1200" dirty="0" smtClean="0">
-                    <a:latin typeface="Times New Roman" pitchFamily="18" charset="0"/>
-                    <a:cs typeface="Times New Roman" pitchFamily="18" charset="0"/>
-                  </a:endParaRPr>
-                </a:p>
-                <a:p>
-                  <a:r>
-                    <a:rPr lang="en-US" sz="1200" dirty="0" smtClean="0">
-                      <a:latin typeface="Times New Roman" pitchFamily="18" charset="0"/>
-                      <a:cs typeface="Times New Roman" pitchFamily="18" charset="0"/>
-                    </a:rPr>
-                    <a:t>- out: </a:t>
-                  </a:r>
-                  <a:r>
-                    <a:rPr lang="en-US" sz="1200" dirty="0" err="1" smtClean="0">
-                      <a:latin typeface="Times New Roman" pitchFamily="18" charset="0"/>
-                      <a:cs typeface="Times New Roman" pitchFamily="18" charset="0"/>
-                    </a:rPr>
-                    <a:t>PrintWriter</a:t>
-                  </a:r>
-                  <a:endParaRPr lang="en-US" sz="1200" dirty="0" smtClean="0">
-                    <a:latin typeface="Times New Roman" pitchFamily="18" charset="0"/>
-                    <a:cs typeface="Times New Roman" pitchFamily="18" charset="0"/>
-                  </a:endParaRPr>
-                </a:p>
-              </p:txBody>
-            </p:sp>
-          </p:grpSp>
-          <p:grpSp>
-            <p:nvGrpSpPr>
-              <p:cNvPr id="43" name="Group 42"/>
-              <p:cNvGrpSpPr/>
-              <p:nvPr/>
-            </p:nvGrpSpPr>
-            <p:grpSpPr>
-              <a:xfrm>
-                <a:off x="-2590800" y="5074214"/>
+                <a:off x="-2590800" y="5226614"/>
                 <a:ext cx="1905000" cy="2088586"/>
-                <a:chOff x="4419600" y="1982245"/>
-                <a:chExt cx="1905000" cy="2088586"/>
-              </a:xfrm>
-            </p:grpSpPr>
-            <p:grpSp>
-              <p:nvGrpSpPr>
-                <p:cNvPr id="44" name="Group 43"/>
-                <p:cNvGrpSpPr/>
-                <p:nvPr/>
-              </p:nvGrpSpPr>
-              <p:grpSpPr>
-                <a:xfrm>
-                  <a:off x="4419600" y="1982245"/>
-                  <a:ext cx="1905000" cy="2088586"/>
-                  <a:chOff x="533400" y="672864"/>
-                  <a:chExt cx="1905000" cy="2822698"/>
-                </a:xfrm>
-              </p:grpSpPr>
-              <p:sp>
-                <p:nvSpPr>
-                  <p:cNvPr id="46" name="Rectangle 45"/>
-                  <p:cNvSpPr/>
-                  <p:nvPr/>
-                </p:nvSpPr>
-                <p:spPr>
-                  <a:xfrm>
-                    <a:off x="533400" y="672864"/>
-                    <a:ext cx="1905000" cy="2776350"/>
-                  </a:xfrm>
-                  <a:prstGeom prst="rect">
-                    <a:avLst/>
-                  </a:prstGeom>
-                  <a:noFill/>
-                  <a:ln>
-                    <a:solidFill>
-                      <a:srgbClr val="0000CC"/>
-                    </a:solidFill>
-                  </a:ln>
-                </p:spPr>
-                <p:style>
-                  <a:lnRef idx="2">
-                    <a:schemeClr val="accent1">
-                      <a:shade val="50000"/>
-                    </a:schemeClr>
-                  </a:lnRef>
-                  <a:fillRef idx="1">
-                    <a:schemeClr val="accent1"/>
-                  </a:fillRef>
-                  <a:effectRef idx="0">
-                    <a:schemeClr val="accent1"/>
-                  </a:effectRef>
-                  <a:fontRef idx="minor">
-                    <a:schemeClr val="lt1"/>
-                  </a:fontRef>
-                </p:style>
-                <p:txBody>
-                  <a:bodyPr rtlCol="0" anchor="ctr"/>
-                  <a:lstStyle/>
-                  <a:p>
-                    <a:pPr algn="ctr"/>
-                    <a:endParaRPr lang="en-US" dirty="0"/>
-                  </a:p>
-                </p:txBody>
-              </p:sp>
-              <p:sp>
-                <p:nvSpPr>
-                  <p:cNvPr id="47" name="TextBox 46"/>
-                  <p:cNvSpPr txBox="1"/>
-                  <p:nvPr/>
-                </p:nvSpPr>
-                <p:spPr>
-                  <a:xfrm>
-                    <a:off x="533400" y="685800"/>
-                    <a:ext cx="1905000" cy="623934"/>
-                  </a:xfrm>
-                  <a:prstGeom prst="rect">
-                    <a:avLst/>
-                  </a:prstGeom>
-                  <a:noFill/>
-                  <a:ln>
-                    <a:noFill/>
-                  </a:ln>
-                </p:spPr>
-                <p:txBody>
-                  <a:bodyPr wrap="square" rtlCol="0">
-                    <a:spAutoFit/>
-                  </a:bodyPr>
-                  <a:lstStyle/>
-                  <a:p>
-                    <a:pPr algn="ctr"/>
-                    <a:r>
-                      <a:rPr lang="en-US" sz="1200" dirty="0" err="1" smtClean="0">
-                        <a:latin typeface="Times New Roman" pitchFamily="18" charset="0"/>
-                        <a:cs typeface="Times New Roman" pitchFamily="18" charset="0"/>
-                      </a:rPr>
-                      <a:t>ServerNetProxy</a:t>
-                    </a:r>
-                    <a:endParaRPr lang="en-US" sz="1200" dirty="0" smtClean="0">
-                      <a:latin typeface="Times New Roman" pitchFamily="18" charset="0"/>
-                      <a:cs typeface="Times New Roman" pitchFamily="18" charset="0"/>
-                    </a:endParaRPr>
-                  </a:p>
-                  <a:p>
-                    <a:pPr algn="ctr"/>
-                    <a:r>
-                      <a:rPr lang="en-US" sz="1200" dirty="0" smtClean="0">
-                        <a:latin typeface="Times New Roman" pitchFamily="18" charset="0"/>
-                        <a:cs typeface="Times New Roman" pitchFamily="18" charset="0"/>
-                      </a:rPr>
-                      <a:t>// Server side</a:t>
-                    </a:r>
-                    <a:endParaRPr lang="en-US" sz="1200" dirty="0">
-                      <a:latin typeface="Times New Roman" pitchFamily="18" charset="0"/>
-                      <a:cs typeface="Times New Roman" pitchFamily="18" charset="0"/>
-                    </a:endParaRPr>
-                  </a:p>
-                </p:txBody>
-              </p:sp>
-              <p:cxnSp>
-                <p:nvCxnSpPr>
-                  <p:cNvPr id="48" name="Straight Connector 47"/>
-                  <p:cNvCxnSpPr/>
-                  <p:nvPr/>
-                </p:nvCxnSpPr>
-                <p:spPr>
-                  <a:xfrm>
-                    <a:off x="533400" y="1305774"/>
-                    <a:ext cx="1905000" cy="0"/>
-                  </a:xfrm>
-                  <a:prstGeom prst="line">
-                    <a:avLst/>
-                  </a:prstGeom>
-                  <a:ln w="25400">
-                    <a:solidFill>
-                      <a:srgbClr val="0000CC"/>
-                    </a:solidFill>
-                  </a:ln>
-                </p:spPr>
-                <p:style>
-                  <a:lnRef idx="1">
-                    <a:schemeClr val="accent1"/>
-                  </a:lnRef>
-                  <a:fillRef idx="0">
-                    <a:schemeClr val="accent1"/>
-                  </a:fillRef>
-                  <a:effectRef idx="0">
-                    <a:schemeClr val="accent1"/>
-                  </a:effectRef>
-                  <a:fontRef idx="minor">
-                    <a:schemeClr val="tx1"/>
-                  </a:fontRef>
-                </p:style>
-              </p:cxnSp>
-              <p:cxnSp>
-                <p:nvCxnSpPr>
-                  <p:cNvPr id="49" name="Straight Connector 48"/>
-                  <p:cNvCxnSpPr/>
-                  <p:nvPr/>
-                </p:nvCxnSpPr>
-                <p:spPr>
-                  <a:xfrm>
-                    <a:off x="533400" y="2414053"/>
-                    <a:ext cx="1905000" cy="0"/>
-                  </a:xfrm>
-                  <a:prstGeom prst="line">
-                    <a:avLst/>
-                  </a:prstGeom>
-                  <a:ln w="25400">
-                    <a:solidFill>
-                      <a:srgbClr val="0000CC"/>
-                    </a:solidFill>
-                  </a:ln>
-                </p:spPr>
-                <p:style>
-                  <a:lnRef idx="1">
-                    <a:schemeClr val="accent1"/>
-                  </a:lnRef>
-                  <a:fillRef idx="0">
-                    <a:schemeClr val="accent1"/>
-                  </a:fillRef>
-                  <a:effectRef idx="0">
-                    <a:schemeClr val="accent1"/>
-                  </a:effectRef>
-                  <a:fontRef idx="minor">
-                    <a:schemeClr val="tx1"/>
-                  </a:fontRef>
-                </p:style>
-              </p:cxnSp>
-              <p:sp>
-                <p:nvSpPr>
-                  <p:cNvPr id="50" name="TextBox 49"/>
-                  <p:cNvSpPr txBox="1"/>
-                  <p:nvPr/>
-                </p:nvSpPr>
-                <p:spPr>
-                  <a:xfrm>
-                    <a:off x="533400" y="2372480"/>
-                    <a:ext cx="1905000" cy="1123082"/>
-                  </a:xfrm>
-                  <a:prstGeom prst="rect">
-                    <a:avLst/>
-                  </a:prstGeom>
-                  <a:noFill/>
-                </p:spPr>
-                <p:txBody>
-                  <a:bodyPr wrap="square" rtlCol="0">
-                    <a:spAutoFit/>
-                  </a:bodyPr>
-                  <a:lstStyle/>
-                  <a:p>
-                    <a:r>
-                      <a:rPr lang="en-US" sz="1200" dirty="0" smtClean="0">
-                        <a:latin typeface="Times New Roman" pitchFamily="18" charset="0"/>
-                        <a:cs typeface="Times New Roman" pitchFamily="18" charset="0"/>
-                      </a:rPr>
-                      <a:t>+ accept()</a:t>
-                    </a:r>
-                  </a:p>
-                  <a:p>
-                    <a:r>
-                      <a:rPr lang="en-US" sz="1200" dirty="0" smtClean="0">
-                        <a:latin typeface="Times New Roman" pitchFamily="18" charset="0"/>
-                        <a:cs typeface="Times New Roman" pitchFamily="18" charset="0"/>
-                      </a:rPr>
-                      <a:t>+ </a:t>
-                    </a:r>
-                    <a:r>
-                      <a:rPr lang="en-US" sz="1200" dirty="0" err="1" smtClean="0">
-                        <a:latin typeface="Times New Roman" pitchFamily="18" charset="0"/>
-                        <a:cs typeface="Times New Roman" pitchFamily="18" charset="0"/>
-                      </a:rPr>
-                      <a:t>getMessage</a:t>
-                    </a:r>
-                    <a:r>
-                      <a:rPr lang="en-US" sz="1200" dirty="0" smtClean="0">
-                        <a:latin typeface="Times New Roman" pitchFamily="18" charset="0"/>
-                        <a:cs typeface="Times New Roman" pitchFamily="18" charset="0"/>
-                      </a:rPr>
-                      <a:t>()</a:t>
-                    </a:r>
-                  </a:p>
-                  <a:p>
-                    <a:r>
-                      <a:rPr lang="en-US" sz="1200" dirty="0" smtClean="0">
-                        <a:latin typeface="Times New Roman" pitchFamily="18" charset="0"/>
-                        <a:cs typeface="Times New Roman" pitchFamily="18" charset="0"/>
-                      </a:rPr>
-                      <a:t>+ </a:t>
-                    </a:r>
-                    <a:r>
-                      <a:rPr lang="en-US" sz="1200" dirty="0" err="1" smtClean="0">
-                        <a:latin typeface="Times New Roman" pitchFamily="18" charset="0"/>
-                        <a:cs typeface="Times New Roman" pitchFamily="18" charset="0"/>
-                      </a:rPr>
-                      <a:t>sendMessage</a:t>
-                    </a:r>
-                    <a:r>
-                      <a:rPr lang="en-US" sz="1200" dirty="0" smtClean="0">
-                        <a:latin typeface="Times New Roman" pitchFamily="18" charset="0"/>
-                        <a:cs typeface="Times New Roman" pitchFamily="18" charset="0"/>
-                      </a:rPr>
-                      <a:t>()</a:t>
-                    </a:r>
-                  </a:p>
-                  <a:p>
-                    <a:r>
-                      <a:rPr lang="en-US" sz="1200" dirty="0" smtClean="0">
-                        <a:latin typeface="Times New Roman" pitchFamily="18" charset="0"/>
-                        <a:cs typeface="Times New Roman" pitchFamily="18" charset="0"/>
-                      </a:rPr>
-                      <a:t>+ dispose()</a:t>
-                    </a:r>
-                    <a:endParaRPr lang="en-US" sz="1200" dirty="0">
-                      <a:latin typeface="Times New Roman" pitchFamily="18" charset="0"/>
-                      <a:cs typeface="Times New Roman" pitchFamily="18" charset="0"/>
-                    </a:endParaRPr>
-                  </a:p>
-                </p:txBody>
-              </p:sp>
-            </p:grpSp>
-            <p:sp>
-              <p:nvSpPr>
-                <p:cNvPr id="45" name="TextBox 44"/>
-                <p:cNvSpPr txBox="1"/>
-                <p:nvPr/>
-              </p:nvSpPr>
-              <p:spPr>
-                <a:xfrm>
-                  <a:off x="4419600" y="2432395"/>
-                  <a:ext cx="1905000" cy="830997"/>
-                </a:xfrm>
-                <a:prstGeom prst="rect">
-                  <a:avLst/>
-                </a:prstGeom>
-                <a:noFill/>
-              </p:spPr>
-              <p:txBody>
-                <a:bodyPr wrap="square" rtlCol="0">
-                  <a:spAutoFit/>
-                </a:bodyPr>
-                <a:lstStyle/>
-                <a:p>
-                  <a:r>
-                    <a:rPr lang="en-US" sz="1200" dirty="0" smtClean="0">
-                      <a:latin typeface="Times New Roman" pitchFamily="18" charset="0"/>
-                      <a:cs typeface="Times New Roman" pitchFamily="18" charset="0"/>
-                    </a:rPr>
-                    <a:t>- </a:t>
-                  </a:r>
-                  <a:r>
-                    <a:rPr lang="en-US" sz="1200" dirty="0" err="1" smtClean="0">
-                      <a:latin typeface="Times New Roman" pitchFamily="18" charset="0"/>
-                      <a:cs typeface="Times New Roman" pitchFamily="18" charset="0"/>
-                    </a:rPr>
-                    <a:t>servSocket</a:t>
-                  </a:r>
-                  <a:r>
-                    <a:rPr lang="en-US" sz="1200" dirty="0" smtClean="0">
-                      <a:latin typeface="Times New Roman" pitchFamily="18" charset="0"/>
-                      <a:cs typeface="Times New Roman" pitchFamily="18" charset="0"/>
-                    </a:rPr>
-                    <a:t>: </a:t>
-                  </a:r>
-                  <a:r>
-                    <a:rPr lang="en-US" sz="1200" dirty="0" err="1" smtClean="0">
-                      <a:latin typeface="Times New Roman" pitchFamily="18" charset="0"/>
-                      <a:cs typeface="Times New Roman" pitchFamily="18" charset="0"/>
-                    </a:rPr>
-                    <a:t>ServerSocket</a:t>
-                  </a:r>
-                  <a:endParaRPr lang="en-US" sz="1200" dirty="0" smtClean="0">
-                    <a:latin typeface="Times New Roman" pitchFamily="18" charset="0"/>
-                    <a:cs typeface="Times New Roman" pitchFamily="18" charset="0"/>
-                  </a:endParaRPr>
-                </a:p>
-                <a:p>
-                  <a:r>
-                    <a:rPr lang="en-US" sz="1200" dirty="0">
-                      <a:latin typeface="Times New Roman" pitchFamily="18" charset="0"/>
-                      <a:cs typeface="Times New Roman" pitchFamily="18" charset="0"/>
-                    </a:rPr>
-                    <a:t>-</a:t>
-                  </a:r>
-                  <a:r>
-                    <a:rPr lang="en-US" sz="1200" dirty="0" smtClean="0">
-                      <a:latin typeface="Times New Roman" pitchFamily="18" charset="0"/>
-                      <a:cs typeface="Times New Roman" pitchFamily="18" charset="0"/>
-                    </a:rPr>
-                    <a:t> socket: Socket</a:t>
-                  </a:r>
-                </a:p>
-                <a:p>
-                  <a:r>
-                    <a:rPr lang="en-US" sz="1200" dirty="0" smtClean="0">
-                      <a:latin typeface="Times New Roman" pitchFamily="18" charset="0"/>
-                      <a:cs typeface="Times New Roman" pitchFamily="18" charset="0"/>
-                    </a:rPr>
-                    <a:t>- in: </a:t>
-                  </a:r>
-                  <a:r>
-                    <a:rPr lang="en-US" sz="1200" dirty="0" err="1" smtClean="0">
-                      <a:latin typeface="Times New Roman" pitchFamily="18" charset="0"/>
-                      <a:cs typeface="Times New Roman" pitchFamily="18" charset="0"/>
-                    </a:rPr>
-                    <a:t>BufferedReader</a:t>
-                  </a:r>
-                  <a:endParaRPr lang="en-US" sz="1200" dirty="0" smtClean="0">
-                    <a:latin typeface="Times New Roman" pitchFamily="18" charset="0"/>
-                    <a:cs typeface="Times New Roman" pitchFamily="18" charset="0"/>
-                  </a:endParaRPr>
-                </a:p>
-                <a:p>
-                  <a:r>
-                    <a:rPr lang="en-US" sz="1200" dirty="0" smtClean="0">
-                      <a:latin typeface="Times New Roman" pitchFamily="18" charset="0"/>
-                      <a:cs typeface="Times New Roman" pitchFamily="18" charset="0"/>
-                    </a:rPr>
-                    <a:t>- out: </a:t>
-                  </a:r>
-                  <a:r>
-                    <a:rPr lang="en-US" sz="1200" dirty="0" err="1" smtClean="0">
-                      <a:latin typeface="Times New Roman" pitchFamily="18" charset="0"/>
-                      <a:cs typeface="Times New Roman" pitchFamily="18" charset="0"/>
-                    </a:rPr>
-                    <a:t>PrintWriter</a:t>
-                  </a:r>
-                  <a:endParaRPr lang="en-US" sz="1200" dirty="0" smtClean="0">
-                    <a:latin typeface="Times New Roman" pitchFamily="18" charset="0"/>
-                    <a:cs typeface="Times New Roman" pitchFamily="18" charset="0"/>
-                  </a:endParaRPr>
-                </a:p>
-              </p:txBody>
-            </p:sp>
-          </p:grpSp>
-          <p:cxnSp>
-            <p:nvCxnSpPr>
-              <p:cNvPr id="173" name="Elbow Connector 172"/>
-              <p:cNvCxnSpPr>
-                <a:stCxn id="50" idx="2"/>
-                <a:endCxn id="30" idx="0"/>
-              </p:cNvCxnSpPr>
-              <p:nvPr/>
-            </p:nvCxnSpPr>
-            <p:spPr>
-              <a:xfrm rot="16200000" flipH="1">
-                <a:off x="-1349403" y="6873903"/>
-                <a:ext cx="641407" cy="1219200"/>
-              </a:xfrm>
-              <a:prstGeom prst="bentConnector3">
-                <a:avLst>
-                  <a:gd name="adj1" fmla="val 50000"/>
-                </a:avLst>
-              </a:prstGeom>
-              <a:ln w="25400">
-                <a:solidFill>
-                  <a:srgbClr val="0000CC"/>
-                </a:solidFill>
-              </a:ln>
-            </p:spPr>
-            <p:style>
-              <a:lnRef idx="1">
-                <a:schemeClr val="accent1"/>
-              </a:lnRef>
-              <a:fillRef idx="0">
-                <a:schemeClr val="accent1"/>
-              </a:fillRef>
-              <a:effectRef idx="0">
-                <a:schemeClr val="accent1"/>
-              </a:effectRef>
-              <a:fontRef idx="minor">
-                <a:schemeClr val="tx1"/>
-              </a:fontRef>
-            </p:style>
-          </p:cxnSp>
-          <p:cxnSp>
-            <p:nvCxnSpPr>
-              <p:cNvPr id="174" name="Elbow Connector 173"/>
-              <p:cNvCxnSpPr>
-                <a:stCxn id="40" idx="2"/>
-                <a:endCxn id="30" idx="0"/>
-              </p:cNvCxnSpPr>
-              <p:nvPr/>
-            </p:nvCxnSpPr>
-            <p:spPr>
-              <a:xfrm rot="5400000">
-                <a:off x="-266062" y="6661845"/>
-                <a:ext cx="989324" cy="1295400"/>
-              </a:xfrm>
-              <a:prstGeom prst="bentConnector3">
-                <a:avLst>
-                  <a:gd name="adj1" fmla="val 50000"/>
-                </a:avLst>
-              </a:prstGeom>
-              <a:ln w="25400">
-                <a:solidFill>
-                  <a:srgbClr val="0000CC"/>
-                </a:solidFill>
-              </a:ln>
-            </p:spPr>
-            <p:style>
-              <a:lnRef idx="1">
-                <a:schemeClr val="accent1"/>
-              </a:lnRef>
-              <a:fillRef idx="0">
-                <a:schemeClr val="accent1"/>
-              </a:fillRef>
-              <a:effectRef idx="0">
-                <a:schemeClr val="accent1"/>
-              </a:effectRef>
-              <a:fontRef idx="minor">
-                <a:schemeClr val="tx1"/>
-              </a:fontRef>
-            </p:style>
-          </p:cxnSp>
-          <p:sp>
-            <p:nvSpPr>
-              <p:cNvPr id="179" name="Isosceles Triangle 178"/>
-              <p:cNvSpPr/>
-              <p:nvPr/>
-            </p:nvSpPr>
-            <p:spPr>
-              <a:xfrm rot="10800000">
-                <a:off x="-558722" y="7446120"/>
-                <a:ext cx="292022" cy="208157"/>
-              </a:xfrm>
-              <a:prstGeom prst="triangle">
-                <a:avLst/>
-              </a:prstGeom>
-              <a:solidFill>
-                <a:schemeClr val="bg1"/>
-              </a:solidFill>
-              <a:ln>
-                <a:solidFill>
-                  <a:srgbClr val="0000CC"/>
-                </a:solidFill>
-              </a:ln>
-            </p:spPr>
-            <p:style>
-              <a:lnRef idx="2">
-                <a:schemeClr val="accent1">
-                  <a:shade val="50000"/>
-                </a:schemeClr>
-              </a:lnRef>
-              <a:fillRef idx="1">
-                <a:schemeClr val="accent1"/>
-              </a:fillRef>
-              <a:effectRef idx="0">
-                <a:schemeClr val="accent1"/>
-              </a:effectRef>
-              <a:fontRef idx="minor">
-                <a:schemeClr val="lt1"/>
-              </a:fontRef>
-            </p:style>
-            <p:txBody>
-              <a:bodyPr rtlCol="0" anchor="ctr"/>
-              <a:lstStyle/>
-              <a:p>
-                <a:pPr algn="ctr"/>
-                <a:endParaRPr lang="en-US"/>
-              </a:p>
-            </p:txBody>
-          </p:sp>
-        </p:grpSp>
-        <p:cxnSp>
-          <p:nvCxnSpPr>
-            <p:cNvPr id="166" name="Straight Connector 165"/>
-            <p:cNvCxnSpPr/>
-            <p:nvPr/>
-          </p:nvCxnSpPr>
-          <p:spPr>
-            <a:xfrm flipV="1">
-              <a:off x="266700" y="1143000"/>
-              <a:ext cx="0" cy="301238"/>
-            </a:xfrm>
-            <a:prstGeom prst="line">
-              <a:avLst/>
-            </a:prstGeom>
-            <a:ln w="25400">
-              <a:solidFill>
-                <a:srgbClr val="0000CC"/>
-              </a:solidFill>
-            </a:ln>
-          </p:spPr>
-          <p:style>
-            <a:lnRef idx="1">
-              <a:schemeClr val="accent1"/>
-            </a:lnRef>
-            <a:fillRef idx="0">
-              <a:schemeClr val="accent1"/>
-            </a:fillRef>
-            <a:effectRef idx="0">
-              <a:schemeClr val="accent1"/>
-            </a:effectRef>
-            <a:fontRef idx="minor">
-              <a:schemeClr val="tx1"/>
-            </a:fontRef>
-          </p:style>
-        </p:cxnSp>
-        <p:cxnSp>
-          <p:nvCxnSpPr>
-            <p:cNvPr id="168" name="Elbow Connector 167"/>
-            <p:cNvCxnSpPr>
-              <a:endCxn id="118" idx="2"/>
-            </p:cNvCxnSpPr>
-            <p:nvPr/>
-          </p:nvCxnSpPr>
-          <p:spPr>
-            <a:xfrm rot="16200000" flipV="1">
-              <a:off x="1635499" y="3769098"/>
-              <a:ext cx="2472347" cy="200257"/>
-            </a:xfrm>
-            <a:prstGeom prst="bentConnector3">
-              <a:avLst>
-                <a:gd name="adj1" fmla="val 50000"/>
-              </a:avLst>
-            </a:prstGeom>
-            <a:ln w="25400">
-              <a:solidFill>
-                <a:srgbClr val="0000CC"/>
-              </a:solidFill>
-              <a:headEnd type="diamond" w="lg" len="lg"/>
-              <a:tailEnd type="arrow"/>
-            </a:ln>
-          </p:spPr>
-          <p:style>
-            <a:lnRef idx="1">
-              <a:schemeClr val="accent1"/>
-            </a:lnRef>
-            <a:fillRef idx="0">
-              <a:schemeClr val="accent1"/>
-            </a:fillRef>
-            <a:effectRef idx="0">
-              <a:schemeClr val="accent1"/>
-            </a:effectRef>
-            <a:fontRef idx="minor">
-              <a:schemeClr val="tx1"/>
-            </a:fontRef>
-          </p:style>
-        </p:cxnSp>
-        <p:grpSp>
-          <p:nvGrpSpPr>
-            <p:cNvPr id="126" name="Group 125"/>
-            <p:cNvGrpSpPr/>
-            <p:nvPr/>
-          </p:nvGrpSpPr>
-          <p:grpSpPr>
-            <a:xfrm>
-              <a:off x="3048000" y="4267199"/>
-              <a:ext cx="6781800" cy="4876801"/>
-              <a:chOff x="3048000" y="4267199"/>
-              <a:chExt cx="6781800" cy="4876801"/>
-            </a:xfrm>
-          </p:grpSpPr>
-          <p:grpSp>
-            <p:nvGrpSpPr>
-              <p:cNvPr id="72" name="Group 71"/>
-              <p:cNvGrpSpPr/>
-              <p:nvPr/>
-            </p:nvGrpSpPr>
-            <p:grpSpPr>
-              <a:xfrm>
-                <a:off x="5410200" y="7390940"/>
-                <a:ext cx="1905000" cy="1753060"/>
-                <a:chOff x="10439400" y="7238999"/>
-                <a:chExt cx="1905000" cy="1753060"/>
+                <a:chOff x="533400" y="672864"/>
+                <a:chExt cx="1905000" cy="2822698"/>
               </a:xfrm>
             </p:grpSpPr>
             <p:sp>
               <p:nvSpPr>
-                <p:cNvPr id="100" name="Rectangle 99"/>
+                <p:cNvPr id="46" name="Rectangle 45"/>
                 <p:cNvSpPr/>
                 <p:nvPr/>
               </p:nvSpPr>
               <p:spPr>
                 <a:xfrm>
-                  <a:off x="10439400" y="7238999"/>
-                  <a:ext cx="1905000" cy="1753060"/>
+                  <a:off x="533400" y="672864"/>
+                  <a:ext cx="1905000" cy="2776350"/>
                 </a:xfrm>
                 <a:prstGeom prst="rect">
                   <a:avLst/>
@@ -7447,14 +6659,14 @@
             </p:sp>
             <p:sp>
               <p:nvSpPr>
-                <p:cNvPr id="101" name="TextBox 100"/>
+                <p:cNvPr id="47" name="TextBox 46"/>
                 <p:cNvSpPr txBox="1"/>
                 <p:nvPr/>
               </p:nvSpPr>
               <p:spPr>
                 <a:xfrm>
-                  <a:off x="10439400" y="7248571"/>
-                  <a:ext cx="1905000" cy="461665"/>
+                  <a:off x="533400" y="685800"/>
+                  <a:ext cx="1905000" cy="623934"/>
                 </a:xfrm>
                 <a:prstGeom prst="rect">
                   <a:avLst/>
@@ -7476,7 +6688,7 @@
                       <a:latin typeface="Times New Roman" pitchFamily="18" charset="0"/>
                       <a:cs typeface="Times New Roman" pitchFamily="18" charset="0"/>
                     </a:rPr>
-                    <a:t>LinkFace</a:t>
+                    <a:t>ServerNetProxy</a:t>
                   </a:r>
                   <a:endParaRPr lang="en-US" sz="1200" dirty="0" smtClean="0">
                     <a:latin typeface="Times New Roman" pitchFamily="18" charset="0"/>
@@ -7490,7 +6702,7 @@
                       <a:latin typeface="Times New Roman" pitchFamily="18" charset="0"/>
                       <a:cs typeface="Times New Roman" pitchFamily="18" charset="0"/>
                     </a:rPr>
-                    <a:t>// Interface</a:t>
+                    <a:t>// Server side</a:t>
                   </a:r>
                   <a:endParaRPr lang="en-US" sz="1200" dirty="0">
                     <a:latin typeface="Times New Roman" pitchFamily="18" charset="0"/>
@@ -7501,13 +6713,13 @@
             </p:sp>
             <p:cxnSp>
               <p:nvCxnSpPr>
-                <p:cNvPr id="102" name="Straight Connector 101"/>
+                <p:cNvPr id="48" name="Straight Connector 47"/>
                 <p:cNvCxnSpPr/>
                 <p:nvPr/>
               </p:nvCxnSpPr>
               <p:spPr>
                 <a:xfrm>
-                  <a:off x="10439400" y="7707306"/>
+                  <a:off x="533400" y="1305774"/>
                   <a:ext cx="1905000" cy="0"/>
                 </a:xfrm>
                 <a:prstGeom prst="line">
@@ -7536,13 +6748,13 @@
             </p:cxnSp>
             <p:cxnSp>
               <p:nvCxnSpPr>
-                <p:cNvPr id="103" name="Straight Connector 102"/>
+                <p:cNvPr id="49" name="Straight Connector 48"/>
                 <p:cNvCxnSpPr/>
                 <p:nvPr/>
               </p:nvCxnSpPr>
               <p:spPr>
                 <a:xfrm>
-                  <a:off x="10439400" y="8153859"/>
+                  <a:off x="533400" y="2414053"/>
                   <a:ext cx="1905000" cy="0"/>
                 </a:xfrm>
                 <a:prstGeom prst="line">
@@ -7571,14 +6783,14 @@
             </p:cxnSp>
             <p:sp>
               <p:nvSpPr>
-                <p:cNvPr id="104" name="TextBox 103"/>
+                <p:cNvPr id="50" name="TextBox 49"/>
                 <p:cNvSpPr txBox="1"/>
                 <p:nvPr/>
               </p:nvSpPr>
               <p:spPr>
                 <a:xfrm>
-                  <a:off x="10439400" y="8161062"/>
-                  <a:ext cx="1905000" cy="830997"/>
+                  <a:off x="533400" y="2372480"/>
+                  <a:ext cx="1905000" cy="1123082"/>
                 </a:xfrm>
                 <a:prstGeom prst="rect">
                   <a:avLst/>
@@ -7596,35 +6808,7 @@
                       <a:latin typeface="Times New Roman" pitchFamily="18" charset="0"/>
                       <a:cs typeface="Times New Roman" pitchFamily="18" charset="0"/>
                     </a:rPr>
-                    <a:t>+ </a:t>
-                  </a:r>
-                  <a:r>
-                    <a:rPr lang="en-US" sz="1200" dirty="0" err="1" smtClean="0">
-                      <a:latin typeface="Times New Roman" pitchFamily="18" charset="0"/>
-                      <a:cs typeface="Times New Roman" pitchFamily="18" charset="0"/>
-                    </a:rPr>
-                    <a:t>LinkFace</a:t>
-                  </a:r>
-                  <a:r>
-                    <a:rPr lang="en-US" sz="1200" dirty="0" smtClean="0">
-                      <a:latin typeface="Times New Roman" pitchFamily="18" charset="0"/>
-                      <a:cs typeface="Times New Roman" pitchFamily="18" charset="0"/>
-                    </a:rPr>
-                    <a:t>(</a:t>
-                  </a:r>
-                  <a:r>
-                    <a:rPr lang="en-US" sz="1200" dirty="0" err="1" smtClean="0">
-                      <a:latin typeface="Times New Roman" pitchFamily="18" charset="0"/>
-                      <a:cs typeface="Times New Roman" pitchFamily="18" charset="0"/>
-                    </a:rPr>
-                    <a:t>ServerFace</a:t>
-                  </a:r>
-                  <a:r>
-                    <a:rPr lang="en-US" sz="1200" dirty="0" smtClean="0">
-                      <a:latin typeface="Times New Roman" pitchFamily="18" charset="0"/>
-                      <a:cs typeface="Times New Roman" pitchFamily="18" charset="0"/>
-                    </a:rPr>
-                    <a:t>)</a:t>
+                    <a:t>+ accept()</a:t>
                   </a:r>
                 </a:p>
                 <a:p>
@@ -7640,28 +6824,14 @@
                       <a:latin typeface="Times New Roman" pitchFamily="18" charset="0"/>
                       <a:cs typeface="Times New Roman" pitchFamily="18" charset="0"/>
                     </a:rPr>
-                    <a:t>addLast</a:t>
+                    <a:t>getMessage</a:t>
                   </a:r>
                   <a:r>
                     <a:rPr lang="en-US" sz="1200" dirty="0" smtClean="0">
                       <a:latin typeface="Times New Roman" pitchFamily="18" charset="0"/>
                       <a:cs typeface="Times New Roman" pitchFamily="18" charset="0"/>
                     </a:rPr>
-                    <a:t>(</a:t>
-                  </a:r>
-                  <a:r>
-                    <a:rPr lang="en-US" sz="1200" dirty="0" err="1" smtClean="0">
-                      <a:latin typeface="Times New Roman" pitchFamily="18" charset="0"/>
-                      <a:cs typeface="Times New Roman" pitchFamily="18" charset="0"/>
-                    </a:rPr>
-                    <a:t>LinkFace</a:t>
-                  </a:r>
-                  <a:r>
-                    <a:rPr lang="en-US" sz="1200" dirty="0" smtClean="0">
-                      <a:latin typeface="Times New Roman" pitchFamily="18" charset="0"/>
-                      <a:cs typeface="Times New Roman" pitchFamily="18" charset="0"/>
-                    </a:rPr>
-                    <a:t>)</a:t>
+                    <a:t>()</a:t>
                   </a:r>
                 </a:p>
                 <a:p>
@@ -7670,21 +6840,21 @@
                       <a:latin typeface="Times New Roman" pitchFamily="18" charset="0"/>
                       <a:cs typeface="Times New Roman" pitchFamily="18" charset="0"/>
                     </a:rPr>
-                    <a:t>+ handle(</a:t>
+                    <a:t>+ </a:t>
                   </a:r>
                   <a:r>
                     <a:rPr lang="en-US" sz="1200" dirty="0" err="1" smtClean="0">
                       <a:latin typeface="Times New Roman" pitchFamily="18" charset="0"/>
                       <a:cs typeface="Times New Roman" pitchFamily="18" charset="0"/>
                     </a:rPr>
-                    <a:t>int</a:t>
+                    <a:t>sendMessage</a:t>
                   </a:r>
                   <a:r>
                     <a:rPr lang="en-US" sz="1200" dirty="0" smtClean="0">
                       <a:latin typeface="Times New Roman" pitchFamily="18" charset="0"/>
                       <a:cs typeface="Times New Roman" pitchFamily="18" charset="0"/>
                     </a:rPr>
-                    <a:t>)</a:t>
+                    <a:t>()</a:t>
                   </a:r>
                 </a:p>
                 <a:p>
@@ -7703,19 +6873,132 @@
               </p:txBody>
             </p:sp>
           </p:grpSp>
+          <p:sp>
+            <p:nvSpPr>
+              <p:cNvPr id="45" name="TextBox 44"/>
+              <p:cNvSpPr txBox="1"/>
+              <p:nvPr/>
+            </p:nvSpPr>
+            <p:spPr>
+              <a:xfrm>
+                <a:off x="-2590800" y="5676764"/>
+                <a:ext cx="1905000" cy="830997"/>
+              </a:xfrm>
+              <a:prstGeom prst="rect">
+                <a:avLst/>
+              </a:prstGeom>
+              <a:noFill/>
+            </p:spPr>
+            <p:txBody>
+              <a:bodyPr wrap="square" rtlCol="0">
+                <a:spAutoFit/>
+              </a:bodyPr>
+              <a:lstStyle/>
+              <a:p>
+                <a:r>
+                  <a:rPr lang="en-US" sz="1200" dirty="0" smtClean="0">
+                    <a:latin typeface="Times New Roman" pitchFamily="18" charset="0"/>
+                    <a:cs typeface="Times New Roman" pitchFamily="18" charset="0"/>
+                  </a:rPr>
+                  <a:t>- </a:t>
+                </a:r>
+                <a:r>
+                  <a:rPr lang="en-US" sz="1200" dirty="0" err="1" smtClean="0">
+                    <a:latin typeface="Times New Roman" pitchFamily="18" charset="0"/>
+                    <a:cs typeface="Times New Roman" pitchFamily="18" charset="0"/>
+                  </a:rPr>
+                  <a:t>servSocket</a:t>
+                </a:r>
+                <a:r>
+                  <a:rPr lang="en-US" sz="1200" dirty="0" smtClean="0">
+                    <a:latin typeface="Times New Roman" pitchFamily="18" charset="0"/>
+                    <a:cs typeface="Times New Roman" pitchFamily="18" charset="0"/>
+                  </a:rPr>
+                  <a:t>: </a:t>
+                </a:r>
+                <a:r>
+                  <a:rPr lang="en-US" sz="1200" dirty="0" err="1" smtClean="0">
+                    <a:latin typeface="Times New Roman" pitchFamily="18" charset="0"/>
+                    <a:cs typeface="Times New Roman" pitchFamily="18" charset="0"/>
+                  </a:rPr>
+                  <a:t>ServerSocket</a:t>
+                </a:r>
+                <a:endParaRPr lang="en-US" sz="1200" dirty="0" smtClean="0">
+                  <a:latin typeface="Times New Roman" pitchFamily="18" charset="0"/>
+                  <a:cs typeface="Times New Roman" pitchFamily="18" charset="0"/>
+                </a:endParaRPr>
+              </a:p>
+              <a:p>
+                <a:r>
+                  <a:rPr lang="en-US" sz="1200" dirty="0">
+                    <a:latin typeface="Times New Roman" pitchFamily="18" charset="0"/>
+                    <a:cs typeface="Times New Roman" pitchFamily="18" charset="0"/>
+                  </a:rPr>
+                  <a:t>-</a:t>
+                </a:r>
+                <a:r>
+                  <a:rPr lang="en-US" sz="1200" dirty="0" smtClean="0">
+                    <a:latin typeface="Times New Roman" pitchFamily="18" charset="0"/>
+                    <a:cs typeface="Times New Roman" pitchFamily="18" charset="0"/>
+                  </a:rPr>
+                  <a:t> socket: Socket</a:t>
+                </a:r>
+              </a:p>
+              <a:p>
+                <a:r>
+                  <a:rPr lang="en-US" sz="1200" dirty="0" smtClean="0">
+                    <a:latin typeface="Times New Roman" pitchFamily="18" charset="0"/>
+                    <a:cs typeface="Times New Roman" pitchFamily="18" charset="0"/>
+                  </a:rPr>
+                  <a:t>- in: </a:t>
+                </a:r>
+                <a:r>
+                  <a:rPr lang="en-US" sz="1200" dirty="0" err="1" smtClean="0">
+                    <a:latin typeface="Times New Roman" pitchFamily="18" charset="0"/>
+                    <a:cs typeface="Times New Roman" pitchFamily="18" charset="0"/>
+                  </a:rPr>
+                  <a:t>BufferedReader</a:t>
+                </a:r>
+                <a:endParaRPr lang="en-US" sz="1200" dirty="0" smtClean="0">
+                  <a:latin typeface="Times New Roman" pitchFamily="18" charset="0"/>
+                  <a:cs typeface="Times New Roman" pitchFamily="18" charset="0"/>
+                </a:endParaRPr>
+              </a:p>
+              <a:p>
+                <a:r>
+                  <a:rPr lang="en-US" sz="1200" dirty="0" smtClean="0">
+                    <a:latin typeface="Times New Roman" pitchFamily="18" charset="0"/>
+                    <a:cs typeface="Times New Roman" pitchFamily="18" charset="0"/>
+                  </a:rPr>
+                  <a:t>- out: </a:t>
+                </a:r>
+                <a:r>
+                  <a:rPr lang="en-US" sz="1200" dirty="0" err="1" smtClean="0">
+                    <a:latin typeface="Times New Roman" pitchFamily="18" charset="0"/>
+                    <a:cs typeface="Times New Roman" pitchFamily="18" charset="0"/>
+                  </a:rPr>
+                  <a:t>PrintWriter</a:t>
+                </a:r>
+                <a:endParaRPr lang="en-US" sz="1200" dirty="0" smtClean="0">
+                  <a:latin typeface="Times New Roman" pitchFamily="18" charset="0"/>
+                  <a:cs typeface="Times New Roman" pitchFamily="18" charset="0"/>
+                </a:endParaRPr>
+              </a:p>
+            </p:txBody>
+          </p:sp>
           <p:cxnSp>
             <p:nvCxnSpPr>
-              <p:cNvPr id="134" name="Elbow Connector 133"/>
+              <p:cNvPr id="173" name="Elbow Connector 172"/>
               <p:cNvCxnSpPr>
-                <a:stCxn id="133" idx="2"/>
-                <a:endCxn id="100" idx="0"/>
+                <a:stCxn id="50" idx="2"/>
+                <a:endCxn id="30" idx="0"/>
               </p:cNvCxnSpPr>
               <p:nvPr/>
             </p:nvCxnSpPr>
             <p:spPr>
               <a:xfrm rot="16200000" flipH="1">
-                <a:off x="4779288" y="5807528"/>
-                <a:ext cx="804624" cy="2362200"/>
+                <a:off x="-1349403" y="7026303"/>
+                <a:ext cx="641407" cy="1219200"/>
               </a:xfrm>
               <a:prstGeom prst="bentConnector3">
                 <a:avLst>
@@ -7745,17 +7028,487 @@
           </p:cxnSp>
           <p:cxnSp>
             <p:nvCxnSpPr>
+              <p:cNvPr id="174" name="Elbow Connector 173"/>
+              <p:cNvCxnSpPr>
+                <a:stCxn id="40" idx="2"/>
+                <a:endCxn id="30" idx="0"/>
+              </p:cNvCxnSpPr>
+              <p:nvPr/>
+            </p:nvCxnSpPr>
+            <p:spPr>
+              <a:xfrm rot="5400000">
+                <a:off x="-266062" y="6814245"/>
+                <a:ext cx="989324" cy="1295400"/>
+              </a:xfrm>
+              <a:prstGeom prst="bentConnector3">
+                <a:avLst>
+                  <a:gd name="adj1" fmla="val 50000"/>
+                </a:avLst>
+              </a:prstGeom>
+              <a:ln w="25400">
+                <a:solidFill>
+                  <a:srgbClr val="0000CC"/>
+                </a:solidFill>
+              </a:ln>
+            </p:spPr>
+            <p:style>
+              <a:lnRef idx="1">
+                <a:schemeClr val="accent1"/>
+              </a:lnRef>
+              <a:fillRef idx="0">
+                <a:schemeClr val="accent1"/>
+              </a:fillRef>
+              <a:effectRef idx="0">
+                <a:schemeClr val="accent1"/>
+              </a:effectRef>
+              <a:fontRef idx="minor">
+                <a:schemeClr val="tx1"/>
+              </a:fontRef>
+            </p:style>
+          </p:cxnSp>
+          <p:sp>
+            <p:nvSpPr>
+              <p:cNvPr id="179" name="Isosceles Triangle 178"/>
+              <p:cNvSpPr/>
+              <p:nvPr/>
+            </p:nvSpPr>
+            <p:spPr>
+              <a:xfrm rot="10800000">
+                <a:off x="-558722" y="7598520"/>
+                <a:ext cx="292022" cy="208157"/>
+              </a:xfrm>
+              <a:prstGeom prst="triangle">
+                <a:avLst/>
+              </a:prstGeom>
+              <a:solidFill>
+                <a:schemeClr val="bg1"/>
+              </a:solidFill>
+              <a:ln>
+                <a:solidFill>
+                  <a:srgbClr val="0000CC"/>
+                </a:solidFill>
+              </a:ln>
+            </p:spPr>
+            <p:style>
+              <a:lnRef idx="2">
+                <a:schemeClr val="accent1">
+                  <a:shade val="50000"/>
+                </a:schemeClr>
+              </a:lnRef>
+              <a:fillRef idx="1">
+                <a:schemeClr val="accent1"/>
+              </a:fillRef>
+              <a:effectRef idx="0">
+                <a:schemeClr val="accent1"/>
+              </a:effectRef>
+              <a:fontRef idx="minor">
+                <a:schemeClr val="lt1"/>
+              </a:fontRef>
+            </p:style>
+            <p:txBody>
+              <a:bodyPr rtlCol="0" anchor="ctr"/>
+              <a:lstStyle/>
+              <a:p>
+                <a:pPr algn="ctr"/>
+                <a:endParaRPr lang="en-US"/>
+              </a:p>
+            </p:txBody>
+          </p:sp>
+          <p:cxnSp>
+            <p:nvCxnSpPr>
+              <p:cNvPr id="166" name="Straight Connector 165"/>
+              <p:cNvCxnSpPr/>
+              <p:nvPr/>
+            </p:nvCxnSpPr>
+            <p:spPr>
+              <a:xfrm flipV="1">
+                <a:off x="266700" y="1143000"/>
+                <a:ext cx="0" cy="301238"/>
+              </a:xfrm>
+              <a:prstGeom prst="line">
+                <a:avLst/>
+              </a:prstGeom>
+              <a:ln w="25400">
+                <a:solidFill>
+                  <a:srgbClr val="0000CC"/>
+                </a:solidFill>
+              </a:ln>
+            </p:spPr>
+            <p:style>
+              <a:lnRef idx="1">
+                <a:schemeClr val="accent1"/>
+              </a:lnRef>
+              <a:fillRef idx="0">
+                <a:schemeClr val="accent1"/>
+              </a:fillRef>
+              <a:effectRef idx="0">
+                <a:schemeClr val="accent1"/>
+              </a:effectRef>
+              <a:fontRef idx="minor">
+                <a:schemeClr val="tx1"/>
+              </a:fontRef>
+            </p:style>
+          </p:cxnSp>
+          <p:cxnSp>
+            <p:nvCxnSpPr>
+              <p:cNvPr id="168" name="Elbow Connector 167"/>
+              <p:cNvCxnSpPr>
+                <a:endCxn id="118" idx="2"/>
+              </p:cNvCxnSpPr>
+              <p:nvPr/>
+            </p:nvCxnSpPr>
+            <p:spPr>
+              <a:xfrm rot="16200000" flipV="1">
+                <a:off x="1497691" y="3906906"/>
+                <a:ext cx="2824163" cy="276457"/>
+              </a:xfrm>
+              <a:prstGeom prst="bentConnector3">
+                <a:avLst>
+                  <a:gd name="adj1" fmla="val -73"/>
+                </a:avLst>
+              </a:prstGeom>
+              <a:ln w="25400">
+                <a:solidFill>
+                  <a:srgbClr val="0000CC"/>
+                </a:solidFill>
+                <a:headEnd type="diamond" w="lg" len="lg"/>
+                <a:tailEnd type="arrow"/>
+              </a:ln>
+            </p:spPr>
+            <p:style>
+              <a:lnRef idx="1">
+                <a:schemeClr val="accent1"/>
+              </a:lnRef>
+              <a:fillRef idx="0">
+                <a:schemeClr val="accent1"/>
+              </a:fillRef>
+              <a:effectRef idx="0">
+                <a:schemeClr val="accent1"/>
+              </a:effectRef>
+              <a:fontRef idx="minor">
+                <a:schemeClr val="tx1"/>
+              </a:fontRef>
+            </p:style>
+          </p:cxnSp>
+          <p:sp>
+            <p:nvSpPr>
+              <p:cNvPr id="100" name="Rectangle 99"/>
+              <p:cNvSpPr/>
+              <p:nvPr/>
+            </p:nvSpPr>
+            <p:spPr>
+              <a:xfrm>
+                <a:off x="5410200" y="7390940"/>
+                <a:ext cx="1905000" cy="1753060"/>
+              </a:xfrm>
+              <a:prstGeom prst="rect">
+                <a:avLst/>
+              </a:prstGeom>
+              <a:noFill/>
+              <a:ln>
+                <a:solidFill>
+                  <a:srgbClr val="0000CC"/>
+                </a:solidFill>
+              </a:ln>
+            </p:spPr>
+            <p:style>
+              <a:lnRef idx="2">
+                <a:schemeClr val="accent1">
+                  <a:shade val="50000"/>
+                </a:schemeClr>
+              </a:lnRef>
+              <a:fillRef idx="1">
+                <a:schemeClr val="accent1"/>
+              </a:fillRef>
+              <a:effectRef idx="0">
+                <a:schemeClr val="accent1"/>
+              </a:effectRef>
+              <a:fontRef idx="minor">
+                <a:schemeClr val="lt1"/>
+              </a:fontRef>
+            </p:style>
+            <p:txBody>
+              <a:bodyPr rtlCol="0" anchor="ctr"/>
+              <a:lstStyle/>
+              <a:p>
+                <a:pPr algn="ctr"/>
+                <a:endParaRPr lang="en-US" dirty="0"/>
+              </a:p>
+            </p:txBody>
+          </p:sp>
+          <p:sp>
+            <p:nvSpPr>
+              <p:cNvPr id="101" name="TextBox 100"/>
+              <p:cNvSpPr txBox="1"/>
+              <p:nvPr/>
+            </p:nvSpPr>
+            <p:spPr>
+              <a:xfrm>
+                <a:off x="5410200" y="7400512"/>
+                <a:ext cx="1905000" cy="461665"/>
+              </a:xfrm>
+              <a:prstGeom prst="rect">
+                <a:avLst/>
+              </a:prstGeom>
+              <a:noFill/>
+              <a:ln>
+                <a:noFill/>
+              </a:ln>
+            </p:spPr>
+            <p:txBody>
+              <a:bodyPr wrap="square" rtlCol="0">
+                <a:spAutoFit/>
+              </a:bodyPr>
+              <a:lstStyle/>
+              <a:p>
+                <a:pPr algn="ctr"/>
+                <a:r>
+                  <a:rPr lang="en-US" sz="1200" dirty="0" err="1" smtClean="0">
+                    <a:latin typeface="Times New Roman" pitchFamily="18" charset="0"/>
+                    <a:cs typeface="Times New Roman" pitchFamily="18" charset="0"/>
+                  </a:rPr>
+                  <a:t>LinkFace</a:t>
+                </a:r>
+                <a:endParaRPr lang="en-US" sz="1200" dirty="0" smtClean="0">
+                  <a:latin typeface="Times New Roman" pitchFamily="18" charset="0"/>
+                  <a:cs typeface="Times New Roman" pitchFamily="18" charset="0"/>
+                </a:endParaRPr>
+              </a:p>
+              <a:p>
+                <a:pPr algn="ctr"/>
+                <a:r>
+                  <a:rPr lang="en-US" sz="1200" dirty="0" smtClean="0">
+                    <a:latin typeface="Times New Roman" pitchFamily="18" charset="0"/>
+                    <a:cs typeface="Times New Roman" pitchFamily="18" charset="0"/>
+                  </a:rPr>
+                  <a:t>// Interface</a:t>
+                </a:r>
+                <a:endParaRPr lang="en-US" sz="1200" dirty="0">
+                  <a:latin typeface="Times New Roman" pitchFamily="18" charset="0"/>
+                  <a:cs typeface="Times New Roman" pitchFamily="18" charset="0"/>
+                </a:endParaRPr>
+              </a:p>
+            </p:txBody>
+          </p:sp>
+          <p:cxnSp>
+            <p:nvCxnSpPr>
+              <p:cNvPr id="102" name="Straight Connector 101"/>
+              <p:cNvCxnSpPr/>
+              <p:nvPr/>
+            </p:nvCxnSpPr>
+            <p:spPr>
+              <a:xfrm>
+                <a:off x="5410200" y="7859247"/>
+                <a:ext cx="1905000" cy="0"/>
+              </a:xfrm>
+              <a:prstGeom prst="line">
+                <a:avLst/>
+              </a:prstGeom>
+              <a:ln w="25400">
+                <a:solidFill>
+                  <a:srgbClr val="0000CC"/>
+                </a:solidFill>
+              </a:ln>
+            </p:spPr>
+            <p:style>
+              <a:lnRef idx="1">
+                <a:schemeClr val="accent1"/>
+              </a:lnRef>
+              <a:fillRef idx="0">
+                <a:schemeClr val="accent1"/>
+              </a:fillRef>
+              <a:effectRef idx="0">
+                <a:schemeClr val="accent1"/>
+              </a:effectRef>
+              <a:fontRef idx="minor">
+                <a:schemeClr val="tx1"/>
+              </a:fontRef>
+            </p:style>
+          </p:cxnSp>
+          <p:cxnSp>
+            <p:nvCxnSpPr>
+              <p:cNvPr id="103" name="Straight Connector 102"/>
+              <p:cNvCxnSpPr/>
+              <p:nvPr/>
+            </p:nvCxnSpPr>
+            <p:spPr>
+              <a:xfrm>
+                <a:off x="5410200" y="8305800"/>
+                <a:ext cx="1905000" cy="0"/>
+              </a:xfrm>
+              <a:prstGeom prst="line">
+                <a:avLst/>
+              </a:prstGeom>
+              <a:ln w="25400">
+                <a:solidFill>
+                  <a:srgbClr val="0000CC"/>
+                </a:solidFill>
+              </a:ln>
+            </p:spPr>
+            <p:style>
+              <a:lnRef idx="1">
+                <a:schemeClr val="accent1"/>
+              </a:lnRef>
+              <a:fillRef idx="0">
+                <a:schemeClr val="accent1"/>
+              </a:fillRef>
+              <a:effectRef idx="0">
+                <a:schemeClr val="accent1"/>
+              </a:effectRef>
+              <a:fontRef idx="minor">
+                <a:schemeClr val="tx1"/>
+              </a:fontRef>
+            </p:style>
+          </p:cxnSp>
+          <p:sp>
+            <p:nvSpPr>
+              <p:cNvPr id="104" name="TextBox 103"/>
+              <p:cNvSpPr txBox="1"/>
+              <p:nvPr/>
+            </p:nvSpPr>
+            <p:spPr>
+              <a:xfrm>
+                <a:off x="5410200" y="8313003"/>
+                <a:ext cx="1905000" cy="646331"/>
+              </a:xfrm>
+              <a:prstGeom prst="rect">
+                <a:avLst/>
+              </a:prstGeom>
+              <a:noFill/>
+            </p:spPr>
+            <p:txBody>
+              <a:bodyPr wrap="square" rtlCol="0">
+                <a:spAutoFit/>
+              </a:bodyPr>
+              <a:lstStyle/>
+              <a:p>
+                <a:r>
+                  <a:rPr lang="en-US" sz="1200" dirty="0" smtClean="0">
+                    <a:latin typeface="Times New Roman" pitchFamily="18" charset="0"/>
+                    <a:cs typeface="Times New Roman" pitchFamily="18" charset="0"/>
+                  </a:rPr>
+                  <a:t>+ </a:t>
+                </a:r>
+                <a:r>
+                  <a:rPr lang="en-US" sz="1200" dirty="0" err="1" smtClean="0">
+                    <a:latin typeface="Times New Roman" pitchFamily="18" charset="0"/>
+                    <a:cs typeface="Times New Roman" pitchFamily="18" charset="0"/>
+                  </a:rPr>
+                  <a:t>addLast</a:t>
+                </a:r>
+                <a:r>
+                  <a:rPr lang="en-US" sz="1200" dirty="0" smtClean="0">
+                    <a:latin typeface="Times New Roman" pitchFamily="18" charset="0"/>
+                    <a:cs typeface="Times New Roman" pitchFamily="18" charset="0"/>
+                  </a:rPr>
+                  <a:t>(</a:t>
+                </a:r>
+                <a:r>
+                  <a:rPr lang="en-US" sz="1200" dirty="0" err="1" smtClean="0">
+                    <a:latin typeface="Times New Roman" pitchFamily="18" charset="0"/>
+                    <a:cs typeface="Times New Roman" pitchFamily="18" charset="0"/>
+                  </a:rPr>
+                  <a:t>LinkFace</a:t>
+                </a:r>
+                <a:r>
+                  <a:rPr lang="en-US" sz="1200" dirty="0" smtClean="0">
+                    <a:latin typeface="Times New Roman" pitchFamily="18" charset="0"/>
+                    <a:cs typeface="Times New Roman" pitchFamily="18" charset="0"/>
+                  </a:rPr>
+                  <a:t>)</a:t>
+                </a:r>
+              </a:p>
+              <a:p>
+                <a:r>
+                  <a:rPr lang="en-US" sz="1200" dirty="0" smtClean="0">
+                    <a:latin typeface="Times New Roman" pitchFamily="18" charset="0"/>
+                    <a:cs typeface="Times New Roman" pitchFamily="18" charset="0"/>
+                  </a:rPr>
+                  <a:t>+ handle(</a:t>
+                </a:r>
+                <a:r>
+                  <a:rPr lang="en-US" sz="1200" dirty="0" err="1" smtClean="0">
+                    <a:latin typeface="Times New Roman" pitchFamily="18" charset="0"/>
+                    <a:cs typeface="Times New Roman" pitchFamily="18" charset="0"/>
+                  </a:rPr>
+                  <a:t>int</a:t>
+                </a:r>
+                <a:r>
+                  <a:rPr lang="en-US" sz="1200" dirty="0" smtClean="0">
+                    <a:latin typeface="Times New Roman" pitchFamily="18" charset="0"/>
+                    <a:cs typeface="Times New Roman" pitchFamily="18" charset="0"/>
+                  </a:rPr>
+                  <a:t>)</a:t>
+                </a:r>
+              </a:p>
+              <a:p>
+                <a:r>
+                  <a:rPr lang="en-US" sz="1200" dirty="0" smtClean="0">
+                    <a:latin typeface="Times New Roman" pitchFamily="18" charset="0"/>
+                    <a:cs typeface="Times New Roman" pitchFamily="18" charset="0"/>
+                  </a:rPr>
+                  <a:t>+ dispose()</a:t>
+                </a:r>
+                <a:endParaRPr lang="en-US" sz="1200" dirty="0">
+                  <a:latin typeface="Times New Roman" pitchFamily="18" charset="0"/>
+                  <a:cs typeface="Times New Roman" pitchFamily="18" charset="0"/>
+                </a:endParaRPr>
+              </a:p>
+            </p:txBody>
+          </p:sp>
+          <p:cxnSp>
+            <p:nvCxnSpPr>
+              <p:cNvPr id="134" name="Elbow Connector 133"/>
+              <p:cNvCxnSpPr>
+                <a:stCxn id="129" idx="2"/>
+                <a:endCxn id="136" idx="3"/>
+              </p:cNvCxnSpPr>
+              <p:nvPr/>
+            </p:nvCxnSpPr>
+            <p:spPr>
+              <a:xfrm rot="16200000" flipH="1">
+                <a:off x="4637980" y="5306120"/>
+                <a:ext cx="1087241" cy="2362201"/>
+              </a:xfrm>
+              <a:prstGeom prst="bentConnector3">
+                <a:avLst>
+                  <a:gd name="adj1" fmla="val 66625"/>
+                </a:avLst>
+              </a:prstGeom>
+              <a:ln w="25400">
+                <a:solidFill>
+                  <a:srgbClr val="0000CC"/>
+                </a:solidFill>
+              </a:ln>
+            </p:spPr>
+            <p:style>
+              <a:lnRef idx="1">
+                <a:schemeClr val="accent1"/>
+              </a:lnRef>
+              <a:fillRef idx="0">
+                <a:schemeClr val="accent1"/>
+              </a:fillRef>
+              <a:effectRef idx="0">
+                <a:schemeClr val="accent1"/>
+              </a:effectRef>
+              <a:fontRef idx="minor">
+                <a:schemeClr val="tx1"/>
+              </a:fontRef>
+            </p:style>
+          </p:cxnSp>
+          <p:cxnSp>
+            <p:nvCxnSpPr>
               <p:cNvPr id="135" name="Elbow Connector 134"/>
               <p:cNvCxnSpPr>
-                <a:stCxn id="172" idx="2"/>
+                <a:stCxn id="151" idx="2"/>
                 <a:endCxn id="100" idx="0"/>
               </p:cNvCxnSpPr>
               <p:nvPr/>
             </p:nvCxnSpPr>
             <p:spPr>
               <a:xfrm rot="5400000">
-                <a:off x="7179588" y="5769428"/>
-                <a:ext cx="804624" cy="2438400"/>
+                <a:off x="6815478" y="5490821"/>
+                <a:ext cx="1447342" cy="2352897"/>
               </a:xfrm>
               <a:prstGeom prst="bentConnector3">
                 <a:avLst>
@@ -7834,13 +7587,15 @@
           <p:cxnSp>
             <p:nvCxnSpPr>
               <p:cNvPr id="167" name="Straight Connector 166"/>
-              <p:cNvCxnSpPr/>
+              <p:cNvCxnSpPr>
+                <a:endCxn id="138" idx="2"/>
+              </p:cNvCxnSpPr>
               <p:nvPr/>
             </p:nvCxnSpPr>
             <p:spPr>
               <a:xfrm flipV="1">
-                <a:off x="6362700" y="6553200"/>
-                <a:ext cx="0" cy="444526"/>
+                <a:off x="6362700" y="5950781"/>
+                <a:ext cx="2845" cy="1046945"/>
               </a:xfrm>
               <a:prstGeom prst="line">
                 <a:avLst/>
@@ -7870,18 +7625,20 @@
             <p:nvCxnSpPr>
               <p:cNvPr id="170" name="Elbow Connector 169"/>
               <p:cNvCxnSpPr>
+                <a:stCxn id="147" idx="1"/>
                 <a:endCxn id="69" idx="2"/>
               </p:cNvCxnSpPr>
               <p:nvPr/>
             </p:nvCxnSpPr>
             <p:spPr>
-              <a:xfrm rot="16200000" flipV="1">
-                <a:off x="6648450" y="4514850"/>
-                <a:ext cx="1066801" cy="571500"/>
+              <a:xfrm rot="10800000" flipH="1">
+                <a:off x="5393994" y="4267200"/>
+                <a:ext cx="1502105" cy="1220331"/>
               </a:xfrm>
-              <a:prstGeom prst="bentConnector3">
+              <a:prstGeom prst="bentConnector4">
                 <a:avLst>
-                  <a:gd name="adj1" fmla="val 70526"/>
+                  <a:gd name="adj1" fmla="val -15219"/>
+                  <a:gd name="adj2" fmla="val 73101"/>
                 </a:avLst>
               </a:prstGeom>
               <a:ln w="25400">
@@ -7911,18 +7668,20 @@
             <p:nvCxnSpPr>
               <p:cNvPr id="176" name="Elbow Connector 175"/>
               <p:cNvCxnSpPr>
+                <a:stCxn id="175" idx="3"/>
                 <a:endCxn id="19" idx="2"/>
               </p:cNvCxnSpPr>
               <p:nvPr/>
             </p:nvCxnSpPr>
             <p:spPr>
-              <a:xfrm rot="16200000" flipV="1">
-                <a:off x="9124950" y="4629150"/>
-                <a:ext cx="1066800" cy="342900"/>
+              <a:xfrm flipH="1" flipV="1">
+                <a:off x="9486900" y="4267200"/>
+                <a:ext cx="181197" cy="1204676"/>
               </a:xfrm>
-              <a:prstGeom prst="bentConnector3">
+              <a:prstGeom prst="bentConnector4">
                 <a:avLst>
-                  <a:gd name="adj1" fmla="val 70526"/>
+                  <a:gd name="adj1" fmla="val -126161"/>
+                  <a:gd name="adj2" fmla="val 73400"/>
                 </a:avLst>
               </a:prstGeom>
               <a:ln w="25400">
@@ -7957,7 +7716,7 @@
             <p:spPr>
               <a:xfrm>
                 <a:off x="5410200" y="7848600"/>
-                <a:ext cx="1905000" cy="461665"/>
+                <a:ext cx="1905000" cy="276999"/>
               </a:xfrm>
               <a:prstGeom prst="rect">
                 <a:avLst/>
@@ -8000,428 +7759,230 @@
                   <a:cs typeface="Times New Roman" pitchFamily="18" charset="0"/>
                 </a:endParaRPr>
               </a:p>
-              <a:p>
-                <a:pPr marL="171450" indent="-171450">
-                  <a:buFontTx/>
-                  <a:buChar char="-"/>
-                </a:pPr>
-                <a:r>
-                  <a:rPr lang="en-US" sz="1200" dirty="0">
-                    <a:latin typeface="Times New Roman" pitchFamily="18" charset="0"/>
-                    <a:cs typeface="Times New Roman" pitchFamily="18" charset="0"/>
-                  </a:rPr>
-                  <a:t>next: </a:t>
-                </a:r>
-                <a:r>
-                  <a:rPr lang="en-US" sz="1200" dirty="0" err="1">
-                    <a:latin typeface="Times New Roman" pitchFamily="18" charset="0"/>
-                    <a:cs typeface="Times New Roman" pitchFamily="18" charset="0"/>
-                  </a:rPr>
-                  <a:t>LinkFace</a:t>
-                </a:r>
-                <a:r>
-                  <a:rPr lang="en-US" sz="1200" dirty="0">
-                    <a:latin typeface="Times New Roman" pitchFamily="18" charset="0"/>
-                    <a:cs typeface="Times New Roman" pitchFamily="18" charset="0"/>
-                  </a:rPr>
-                  <a:t> </a:t>
-                </a:r>
-              </a:p>
             </p:txBody>
           </p:sp>
           <p:grpSp>
             <p:nvGrpSpPr>
-              <p:cNvPr id="84" name="Group 83"/>
+              <p:cNvPr id="127" name="Group 126"/>
               <p:cNvGrpSpPr/>
               <p:nvPr/>
             </p:nvGrpSpPr>
             <p:grpSpPr>
               <a:xfrm>
-                <a:off x="3048000" y="4491335"/>
-                <a:ext cx="1905000" cy="2094981"/>
-                <a:chOff x="3048000" y="4338935"/>
-                <a:chExt cx="1905000" cy="2094981"/>
+                <a:off x="3048000" y="4891829"/>
+                <a:ext cx="1915633" cy="1051772"/>
+                <a:chOff x="533400" y="735322"/>
+                <a:chExt cx="1915633" cy="1421457"/>
               </a:xfrm>
             </p:grpSpPr>
-            <p:grpSp>
-              <p:nvGrpSpPr>
-                <p:cNvPr id="127" name="Group 126"/>
-                <p:cNvGrpSpPr/>
-                <p:nvPr/>
-              </p:nvGrpSpPr>
-              <p:grpSpPr>
-                <a:xfrm>
-                  <a:off x="3048000" y="4338935"/>
-                  <a:ext cx="1905000" cy="2094981"/>
-                  <a:chOff x="533400" y="194060"/>
-                  <a:chExt cx="1905000" cy="2831341"/>
-                </a:xfrm>
-              </p:grpSpPr>
-              <p:sp>
-                <p:nvSpPr>
-                  <p:cNvPr id="129" name="Rectangle 128"/>
-                  <p:cNvSpPr/>
-                  <p:nvPr/>
-                </p:nvSpPr>
-                <p:spPr>
-                  <a:xfrm>
-                    <a:off x="533400" y="200094"/>
-                    <a:ext cx="1905000" cy="2825307"/>
-                  </a:xfrm>
-                  <a:prstGeom prst="rect">
-                    <a:avLst/>
-                  </a:prstGeom>
-                  <a:noFill/>
-                  <a:ln>
-                    <a:solidFill>
-                      <a:srgbClr val="0000CC"/>
-                    </a:solidFill>
-                  </a:ln>
-                </p:spPr>
-                <p:style>
-                  <a:lnRef idx="2">
-                    <a:schemeClr val="accent1">
-                      <a:shade val="50000"/>
-                    </a:schemeClr>
-                  </a:lnRef>
-                  <a:fillRef idx="1">
-                    <a:schemeClr val="accent1"/>
-                  </a:fillRef>
-                  <a:effectRef idx="0">
-                    <a:schemeClr val="accent1"/>
-                  </a:effectRef>
-                  <a:fontRef idx="minor">
-                    <a:schemeClr val="lt1"/>
-                  </a:fontRef>
-                </p:style>
-                <p:txBody>
-                  <a:bodyPr rtlCol="0" anchor="ctr"/>
-                  <a:lstStyle/>
-                  <a:p>
-                    <a:pPr algn="ctr"/>
-                    <a:endParaRPr lang="en-US" dirty="0"/>
-                  </a:p>
-                </p:txBody>
-              </p:sp>
-              <p:sp>
-                <p:nvSpPr>
-                  <p:cNvPr id="130" name="TextBox 129"/>
-                  <p:cNvSpPr txBox="1"/>
-                  <p:nvPr/>
-                </p:nvSpPr>
-                <p:spPr>
-                  <a:xfrm>
-                    <a:off x="533400" y="194060"/>
-                    <a:ext cx="1905000" cy="623935"/>
-                  </a:xfrm>
-                  <a:prstGeom prst="rect">
-                    <a:avLst/>
-                  </a:prstGeom>
-                  <a:noFill/>
-                  <a:ln>
-                    <a:noFill/>
-                  </a:ln>
-                </p:spPr>
-                <p:txBody>
-                  <a:bodyPr wrap="square" rtlCol="0">
-                    <a:spAutoFit/>
-                  </a:bodyPr>
-                  <a:lstStyle/>
-                  <a:p>
-                    <a:pPr algn="ctr"/>
-                    <a:r>
-                      <a:rPr lang="en-US" sz="1200" dirty="0" err="1" smtClean="0">
-                        <a:latin typeface="Times New Roman" pitchFamily="18" charset="0"/>
-                        <a:cs typeface="Times New Roman" pitchFamily="18" charset="0"/>
-                      </a:rPr>
-                      <a:t>PrimeLink</a:t>
-                    </a:r>
-                    <a:endParaRPr lang="en-US" sz="1200" dirty="0" smtClean="0">
-                      <a:latin typeface="Times New Roman" pitchFamily="18" charset="0"/>
-                      <a:cs typeface="Times New Roman" pitchFamily="18" charset="0"/>
-                    </a:endParaRPr>
-                  </a:p>
-                  <a:p>
-                    <a:pPr algn="ctr"/>
-                    <a:r>
-                      <a:rPr lang="en-US" sz="1200" dirty="0" smtClean="0">
-                        <a:latin typeface="Times New Roman" pitchFamily="18" charset="0"/>
-                        <a:cs typeface="Times New Roman" pitchFamily="18" charset="0"/>
-                      </a:rPr>
-                      <a:t>// </a:t>
-                    </a:r>
-                    <a:r>
-                      <a:rPr lang="en-US" sz="1200" dirty="0">
-                        <a:latin typeface="Times New Roman" pitchFamily="18" charset="0"/>
-                        <a:cs typeface="Times New Roman" pitchFamily="18" charset="0"/>
-                      </a:rPr>
-                      <a:t>p</a:t>
-                    </a:r>
-                    <a:r>
-                      <a:rPr lang="en-US" sz="1200" dirty="0" smtClean="0">
-                        <a:latin typeface="Times New Roman" pitchFamily="18" charset="0"/>
-                        <a:cs typeface="Times New Roman" pitchFamily="18" charset="0"/>
-                      </a:rPr>
-                      <a:t>rime </a:t>
-                    </a:r>
-                    <a:r>
-                      <a:rPr lang="en-US" sz="1200" dirty="0">
-                        <a:latin typeface="Times New Roman" pitchFamily="18" charset="0"/>
-                        <a:cs typeface="Times New Roman" pitchFamily="18" charset="0"/>
-                      </a:rPr>
-                      <a:t>h</a:t>
-                    </a:r>
-                    <a:r>
-                      <a:rPr lang="en-US" sz="1200" dirty="0" smtClean="0">
-                        <a:latin typeface="Times New Roman" pitchFamily="18" charset="0"/>
-                        <a:cs typeface="Times New Roman" pitchFamily="18" charset="0"/>
-                      </a:rPr>
-                      <a:t>andler</a:t>
-                    </a:r>
-                    <a:endParaRPr lang="en-US" sz="1200" dirty="0">
-                      <a:latin typeface="Times New Roman" pitchFamily="18" charset="0"/>
-                      <a:cs typeface="Times New Roman" pitchFamily="18" charset="0"/>
-                    </a:endParaRPr>
-                  </a:p>
-                </p:txBody>
-              </p:sp>
-              <p:cxnSp>
-                <p:nvCxnSpPr>
-                  <p:cNvPr id="131" name="Straight Connector 130"/>
-                  <p:cNvCxnSpPr/>
-                  <p:nvPr/>
-                </p:nvCxnSpPr>
-                <p:spPr>
-                  <a:xfrm>
-                    <a:off x="533400" y="817995"/>
-                    <a:ext cx="1905000" cy="0"/>
-                  </a:xfrm>
-                  <a:prstGeom prst="line">
-                    <a:avLst/>
-                  </a:prstGeom>
-                  <a:ln w="25400">
-                    <a:solidFill>
-                      <a:srgbClr val="0000CC"/>
-                    </a:solidFill>
-                  </a:ln>
-                </p:spPr>
-                <p:style>
-                  <a:lnRef idx="1">
-                    <a:schemeClr val="accent1"/>
-                  </a:lnRef>
-                  <a:fillRef idx="0">
-                    <a:schemeClr val="accent1"/>
-                  </a:fillRef>
-                  <a:effectRef idx="0">
-                    <a:schemeClr val="accent1"/>
-                  </a:effectRef>
-                  <a:fontRef idx="minor">
-                    <a:schemeClr val="tx1"/>
-                  </a:fontRef>
-                </p:style>
-              </p:cxnSp>
-              <p:cxnSp>
-                <p:nvCxnSpPr>
-                  <p:cNvPr id="132" name="Straight Connector 131"/>
-                  <p:cNvCxnSpPr/>
-                  <p:nvPr/>
-                </p:nvCxnSpPr>
-                <p:spPr>
-                  <a:xfrm>
-                    <a:off x="533400" y="1686617"/>
-                    <a:ext cx="1905000" cy="0"/>
-                  </a:xfrm>
-                  <a:prstGeom prst="line">
-                    <a:avLst/>
-                  </a:prstGeom>
-                  <a:ln w="25400">
-                    <a:solidFill>
-                      <a:srgbClr val="0000CC"/>
-                    </a:solidFill>
-                  </a:ln>
-                </p:spPr>
-                <p:style>
-                  <a:lnRef idx="1">
-                    <a:schemeClr val="accent1"/>
-                  </a:lnRef>
-                  <a:fillRef idx="0">
-                    <a:schemeClr val="accent1"/>
-                  </a:fillRef>
-                  <a:effectRef idx="0">
-                    <a:schemeClr val="accent1"/>
-                  </a:effectRef>
-                  <a:fontRef idx="minor">
-                    <a:schemeClr val="tx1"/>
-                  </a:fontRef>
-                </p:style>
-              </p:cxnSp>
-              <p:sp>
-                <p:nvSpPr>
-                  <p:cNvPr id="133" name="TextBox 132"/>
-                  <p:cNvSpPr txBox="1"/>
-                  <p:nvPr/>
-                </p:nvSpPr>
-                <p:spPr>
-                  <a:xfrm>
-                    <a:off x="533400" y="1652745"/>
-                    <a:ext cx="1905000" cy="1372656"/>
-                  </a:xfrm>
-                  <a:prstGeom prst="rect">
-                    <a:avLst/>
-                  </a:prstGeom>
-                  <a:noFill/>
-                </p:spPr>
-                <p:txBody>
-                  <a:bodyPr wrap="square" rtlCol="0">
-                    <a:spAutoFit/>
-                  </a:bodyPr>
-                  <a:lstStyle/>
-                  <a:p>
-                    <a:r>
-                      <a:rPr lang="en-US" sz="1200" dirty="0" smtClean="0">
-                        <a:latin typeface="Times New Roman" pitchFamily="18" charset="0"/>
-                        <a:cs typeface="Times New Roman" pitchFamily="18" charset="0"/>
-                      </a:rPr>
-                      <a:t>+ </a:t>
-                    </a:r>
-                    <a:r>
-                      <a:rPr lang="en-US" sz="1200" dirty="0" err="1" smtClean="0">
-                        <a:latin typeface="Times New Roman" pitchFamily="18" charset="0"/>
-                        <a:cs typeface="Times New Roman" pitchFamily="18" charset="0"/>
-                      </a:rPr>
-                      <a:t>PrimeLink</a:t>
-                    </a:r>
-                    <a:r>
-                      <a:rPr lang="en-US" sz="1200" dirty="0" smtClean="0">
-                        <a:latin typeface="Times New Roman" pitchFamily="18" charset="0"/>
-                        <a:cs typeface="Times New Roman" pitchFamily="18" charset="0"/>
-                      </a:rPr>
-                      <a:t>(</a:t>
-                    </a:r>
-                    <a:r>
-                      <a:rPr lang="en-US" sz="1200" dirty="0" err="1" smtClean="0">
-                        <a:latin typeface="Times New Roman" pitchFamily="18" charset="0"/>
-                        <a:cs typeface="Times New Roman" pitchFamily="18" charset="0"/>
-                      </a:rPr>
-                      <a:t>ServerFace</a:t>
-                    </a:r>
-                    <a:r>
-                      <a:rPr lang="en-US" sz="1200" dirty="0" smtClean="0">
-                        <a:latin typeface="Times New Roman" pitchFamily="18" charset="0"/>
-                        <a:cs typeface="Times New Roman" pitchFamily="18" charset="0"/>
-                      </a:rPr>
-                      <a:t>)</a:t>
-                    </a:r>
-                  </a:p>
-                  <a:p>
-                    <a:r>
-                      <a:rPr lang="en-US" sz="1200" dirty="0" smtClean="0">
-                        <a:latin typeface="Times New Roman" pitchFamily="18" charset="0"/>
-                        <a:cs typeface="Times New Roman" pitchFamily="18" charset="0"/>
-                      </a:rPr>
-                      <a:t>+ </a:t>
-                    </a:r>
-                    <a:r>
-                      <a:rPr lang="en-US" sz="1200" dirty="0" err="1" smtClean="0">
-                        <a:latin typeface="Times New Roman" pitchFamily="18" charset="0"/>
-                        <a:cs typeface="Times New Roman" pitchFamily="18" charset="0"/>
-                      </a:rPr>
-                      <a:t>addLast</a:t>
-                    </a:r>
-                    <a:r>
-                      <a:rPr lang="en-US" sz="1200" dirty="0" smtClean="0">
-                        <a:latin typeface="Times New Roman" pitchFamily="18" charset="0"/>
-                        <a:cs typeface="Times New Roman" pitchFamily="18" charset="0"/>
-                      </a:rPr>
-                      <a:t>(</a:t>
-                    </a:r>
-                    <a:r>
-                      <a:rPr lang="en-US" sz="1200" dirty="0" err="1" smtClean="0">
-                        <a:latin typeface="Times New Roman" pitchFamily="18" charset="0"/>
-                        <a:cs typeface="Times New Roman" pitchFamily="18" charset="0"/>
-                      </a:rPr>
-                      <a:t>LinkFace</a:t>
-                    </a:r>
-                    <a:r>
-                      <a:rPr lang="en-US" sz="1200" dirty="0" smtClean="0">
-                        <a:latin typeface="Times New Roman" pitchFamily="18" charset="0"/>
-                        <a:cs typeface="Times New Roman" pitchFamily="18" charset="0"/>
-                      </a:rPr>
-                      <a:t>)</a:t>
-                    </a:r>
-                  </a:p>
-                  <a:p>
-                    <a:r>
-                      <a:rPr lang="en-US" sz="1200" dirty="0" smtClean="0">
-                        <a:latin typeface="Times New Roman" pitchFamily="18" charset="0"/>
-                        <a:cs typeface="Times New Roman" pitchFamily="18" charset="0"/>
-                      </a:rPr>
-                      <a:t>+ handle(</a:t>
-                    </a:r>
-                    <a:r>
-                      <a:rPr lang="en-US" sz="1200" dirty="0" err="1" smtClean="0">
-                        <a:latin typeface="Times New Roman" pitchFamily="18" charset="0"/>
-                        <a:cs typeface="Times New Roman" pitchFamily="18" charset="0"/>
-                      </a:rPr>
-                      <a:t>int</a:t>
-                    </a:r>
-                    <a:r>
-                      <a:rPr lang="en-US" sz="1200" dirty="0" smtClean="0">
-                        <a:latin typeface="Times New Roman" pitchFamily="18" charset="0"/>
-                        <a:cs typeface="Times New Roman" pitchFamily="18" charset="0"/>
-                      </a:rPr>
-                      <a:t>)</a:t>
-                    </a:r>
-                  </a:p>
-                  <a:p>
-                    <a:r>
-                      <a:rPr lang="en-US" sz="1200" dirty="0" smtClean="0">
-                        <a:latin typeface="Times New Roman" pitchFamily="18" charset="0"/>
-                        <a:cs typeface="Times New Roman" pitchFamily="18" charset="0"/>
-                      </a:rPr>
-                      <a:t>+ dispose()</a:t>
-                    </a:r>
-                  </a:p>
-                  <a:p>
-                    <a:r>
-                      <a:rPr lang="en-US" sz="1200" dirty="0" smtClean="0">
-                        <a:latin typeface="Times New Roman" pitchFamily="18" charset="0"/>
-                        <a:cs typeface="Times New Roman" pitchFamily="18" charset="0"/>
-                      </a:rPr>
-                      <a:t>-  </a:t>
-                    </a:r>
-                    <a:r>
-                      <a:rPr lang="en-US" sz="1200" dirty="0" err="1" smtClean="0">
-                        <a:latin typeface="Times New Roman" pitchFamily="18" charset="0"/>
-                        <a:cs typeface="Times New Roman" pitchFamily="18" charset="0"/>
-                      </a:rPr>
-                      <a:t>fillPrime</a:t>
-                    </a:r>
-                    <a:r>
-                      <a:rPr lang="en-US" sz="1200" dirty="0" smtClean="0">
-                        <a:latin typeface="Times New Roman" pitchFamily="18" charset="0"/>
-                        <a:cs typeface="Times New Roman" pitchFamily="18" charset="0"/>
-                      </a:rPr>
-                      <a:t>()</a:t>
-                    </a:r>
-                    <a:endParaRPr lang="en-US" sz="1200" dirty="0">
-                      <a:latin typeface="Times New Roman" pitchFamily="18" charset="0"/>
-                      <a:cs typeface="Times New Roman" pitchFamily="18" charset="0"/>
-                    </a:endParaRPr>
-                  </a:p>
-                </p:txBody>
-              </p:sp>
-            </p:grpSp>
             <p:sp>
               <p:nvSpPr>
-                <p:cNvPr id="145" name="TextBox 144"/>
+                <p:cNvPr id="129" name="Rectangle 128"/>
+                <p:cNvSpPr/>
+                <p:nvPr/>
+              </p:nvSpPr>
+              <p:spPr>
+                <a:xfrm>
+                  <a:off x="533400" y="735322"/>
+                  <a:ext cx="1905000" cy="1421457"/>
+                </a:xfrm>
+                <a:prstGeom prst="rect">
+                  <a:avLst/>
+                </a:prstGeom>
+                <a:noFill/>
+                <a:ln>
+                  <a:solidFill>
+                    <a:srgbClr val="0000CC"/>
+                  </a:solidFill>
+                </a:ln>
+              </p:spPr>
+              <p:style>
+                <a:lnRef idx="2">
+                  <a:schemeClr val="accent1">
+                    <a:shade val="50000"/>
+                  </a:schemeClr>
+                </a:lnRef>
+                <a:fillRef idx="1">
+                  <a:schemeClr val="accent1"/>
+                </a:fillRef>
+                <a:effectRef idx="0">
+                  <a:schemeClr val="accent1"/>
+                </a:effectRef>
+                <a:fontRef idx="minor">
+                  <a:schemeClr val="lt1"/>
+                </a:fontRef>
+              </p:style>
+              <p:txBody>
+                <a:bodyPr rtlCol="0" anchor="ctr"/>
+                <a:lstStyle/>
+                <a:p>
+                  <a:pPr algn="ctr"/>
+                  <a:endParaRPr lang="en-US" dirty="0"/>
+                </a:p>
+              </p:txBody>
+            </p:sp>
+            <p:sp>
+              <p:nvSpPr>
+                <p:cNvPr id="130" name="TextBox 129"/>
                 <p:cNvSpPr txBox="1"/>
                 <p:nvPr/>
               </p:nvSpPr>
               <p:spPr>
                 <a:xfrm>
-                  <a:off x="3048000" y="4800600"/>
-                  <a:ext cx="1905000" cy="646331"/>
+                  <a:off x="544033" y="735323"/>
+                  <a:ext cx="1905000" cy="623935"/>
+                </a:xfrm>
+                <a:prstGeom prst="rect">
+                  <a:avLst/>
+                </a:prstGeom>
+                <a:noFill/>
+                <a:ln>
+                  <a:noFill/>
+                </a:ln>
+              </p:spPr>
+              <p:txBody>
+                <a:bodyPr wrap="square" rtlCol="0">
+                  <a:spAutoFit/>
+                </a:bodyPr>
+                <a:lstStyle/>
+                <a:p>
+                  <a:pPr algn="ctr"/>
+                  <a:r>
+                    <a:rPr lang="en-US" sz="1200" dirty="0" err="1" smtClean="0">
+                      <a:latin typeface="Times New Roman" pitchFamily="18" charset="0"/>
+                      <a:cs typeface="Times New Roman" pitchFamily="18" charset="0"/>
+                    </a:rPr>
+                    <a:t>PrimeLink</a:t>
+                  </a:r>
+                  <a:endParaRPr lang="en-US" sz="1200" dirty="0" smtClean="0">
+                    <a:latin typeface="Times New Roman" pitchFamily="18" charset="0"/>
+                    <a:cs typeface="Times New Roman" pitchFamily="18" charset="0"/>
+                  </a:endParaRPr>
+                </a:p>
+                <a:p>
+                  <a:pPr algn="ctr"/>
+                  <a:r>
+                    <a:rPr lang="en-US" sz="1200" dirty="0" smtClean="0">
+                      <a:latin typeface="Times New Roman" pitchFamily="18" charset="0"/>
+                      <a:cs typeface="Times New Roman" pitchFamily="18" charset="0"/>
+                    </a:rPr>
+                    <a:t>// </a:t>
+                  </a:r>
+                  <a:r>
+                    <a:rPr lang="en-US" sz="1200" dirty="0">
+                      <a:latin typeface="Times New Roman" pitchFamily="18" charset="0"/>
+                      <a:cs typeface="Times New Roman" pitchFamily="18" charset="0"/>
+                    </a:rPr>
+                    <a:t>p</a:t>
+                  </a:r>
+                  <a:r>
+                    <a:rPr lang="en-US" sz="1200" dirty="0" smtClean="0">
+                      <a:latin typeface="Times New Roman" pitchFamily="18" charset="0"/>
+                      <a:cs typeface="Times New Roman" pitchFamily="18" charset="0"/>
+                    </a:rPr>
+                    <a:t>rime </a:t>
+                  </a:r>
+                  <a:r>
+                    <a:rPr lang="en-US" sz="1200" dirty="0">
+                      <a:latin typeface="Times New Roman" pitchFamily="18" charset="0"/>
+                      <a:cs typeface="Times New Roman" pitchFamily="18" charset="0"/>
+                    </a:rPr>
+                    <a:t>h</a:t>
+                  </a:r>
+                  <a:r>
+                    <a:rPr lang="en-US" sz="1200" dirty="0" smtClean="0">
+                      <a:latin typeface="Times New Roman" pitchFamily="18" charset="0"/>
+                      <a:cs typeface="Times New Roman" pitchFamily="18" charset="0"/>
+                    </a:rPr>
+                    <a:t>andler</a:t>
+                  </a:r>
+                  <a:endParaRPr lang="en-US" sz="1200" dirty="0">
+                    <a:latin typeface="Times New Roman" pitchFamily="18" charset="0"/>
+                    <a:cs typeface="Times New Roman" pitchFamily="18" charset="0"/>
+                  </a:endParaRPr>
+                </a:p>
+              </p:txBody>
+            </p:sp>
+            <p:cxnSp>
+              <p:nvCxnSpPr>
+                <p:cNvPr id="131" name="Straight Connector 130"/>
+                <p:cNvCxnSpPr/>
+                <p:nvPr/>
+              </p:nvCxnSpPr>
+              <p:spPr>
+                <a:xfrm>
+                  <a:off x="533400" y="1344887"/>
+                  <a:ext cx="1905000" cy="0"/>
+                </a:xfrm>
+                <a:prstGeom prst="line">
+                  <a:avLst/>
+                </a:prstGeom>
+                <a:ln w="25400">
+                  <a:solidFill>
+                    <a:srgbClr val="0000CC"/>
+                  </a:solidFill>
+                </a:ln>
+              </p:spPr>
+              <p:style>
+                <a:lnRef idx="1">
+                  <a:schemeClr val="accent1"/>
+                </a:lnRef>
+                <a:fillRef idx="0">
+                  <a:schemeClr val="accent1"/>
+                </a:fillRef>
+                <a:effectRef idx="0">
+                  <a:schemeClr val="accent1"/>
+                </a:effectRef>
+                <a:fontRef idx="minor">
+                  <a:schemeClr val="tx1"/>
+                </a:fontRef>
+              </p:style>
+            </p:cxnSp>
+            <p:cxnSp>
+              <p:nvCxnSpPr>
+                <p:cNvPr id="132" name="Straight Connector 131"/>
+                <p:cNvCxnSpPr/>
+                <p:nvPr/>
+              </p:nvCxnSpPr>
+              <p:spPr>
+                <a:xfrm>
+                  <a:off x="533400" y="1686617"/>
+                  <a:ext cx="1905000" cy="0"/>
+                </a:xfrm>
+                <a:prstGeom prst="line">
+                  <a:avLst/>
+                </a:prstGeom>
+                <a:ln w="25400">
+                  <a:solidFill>
+                    <a:srgbClr val="0000CC"/>
+                  </a:solidFill>
+                </a:ln>
+              </p:spPr>
+              <p:style>
+                <a:lnRef idx="1">
+                  <a:schemeClr val="accent1"/>
+                </a:lnRef>
+                <a:fillRef idx="0">
+                  <a:schemeClr val="accent1"/>
+                </a:fillRef>
+                <a:effectRef idx="0">
+                  <a:schemeClr val="accent1"/>
+                </a:effectRef>
+                <a:fontRef idx="minor">
+                  <a:schemeClr val="tx1"/>
+                </a:fontRef>
+              </p:style>
+            </p:cxnSp>
+            <p:sp>
+              <p:nvSpPr>
+                <p:cNvPr id="133" name="TextBox 132"/>
+                <p:cNvSpPr txBox="1"/>
+                <p:nvPr/>
+              </p:nvSpPr>
+              <p:spPr>
+                <a:xfrm>
+                  <a:off x="533400" y="1652745"/>
+                  <a:ext cx="1905000" cy="374361"/>
                 </a:xfrm>
                 <a:prstGeom prst="rect">
                   <a:avLst/>
@@ -8434,127 +7995,97 @@
                 </a:bodyPr>
                 <a:lstStyle/>
                 <a:p>
-                  <a:pPr marL="171450" indent="-171450">
-                    <a:buFontTx/>
-                    <a:buChar char="-"/>
-                  </a:pPr>
+                  <a:r>
+                    <a:rPr lang="en-US" sz="1200" dirty="0" smtClean="0">
+                      <a:latin typeface="Times New Roman" pitchFamily="18" charset="0"/>
+                      <a:cs typeface="Times New Roman" pitchFamily="18" charset="0"/>
+                    </a:rPr>
+                    <a:t>+ handle(</a:t>
+                  </a:r>
                   <a:r>
                     <a:rPr lang="en-US" sz="1200" dirty="0" err="1" smtClean="0">
                       <a:latin typeface="Times New Roman" pitchFamily="18" charset="0"/>
                       <a:cs typeface="Times New Roman" pitchFamily="18" charset="0"/>
                     </a:rPr>
-                    <a:t>srv</a:t>
+                    <a:t>int</a:t>
                   </a:r>
                   <a:r>
                     <a:rPr lang="en-US" sz="1200" dirty="0" smtClean="0">
                       <a:latin typeface="Times New Roman" pitchFamily="18" charset="0"/>
                       <a:cs typeface="Times New Roman" pitchFamily="18" charset="0"/>
                     </a:rPr>
-                    <a:t>: </a:t>
+                    <a:t>)</a:t>
                   </a:r>
-                  <a:r>
-                    <a:rPr lang="en-US" sz="1200" dirty="0" err="1" smtClean="0">
-                      <a:latin typeface="Times New Roman" pitchFamily="18" charset="0"/>
-                      <a:cs typeface="Times New Roman" pitchFamily="18" charset="0"/>
-                    </a:rPr>
-                    <a:t>ServerFace</a:t>
-                  </a:r>
-                  <a:endParaRPr lang="en-US" sz="1200" dirty="0" smtClean="0">
-                    <a:latin typeface="Times New Roman" pitchFamily="18" charset="0"/>
-                    <a:cs typeface="Times New Roman" pitchFamily="18" charset="0"/>
-                  </a:endParaRPr>
-                </a:p>
-                <a:p>
-                  <a:pPr marL="171450" indent="-171450">
-                    <a:buFontTx/>
-                    <a:buChar char="-"/>
-                  </a:pPr>
-                  <a:r>
-                    <a:rPr lang="en-US" sz="1200" dirty="0">
-                      <a:latin typeface="Times New Roman" pitchFamily="18" charset="0"/>
-                      <a:cs typeface="Times New Roman" pitchFamily="18" charset="0"/>
-                    </a:rPr>
-                    <a:t>next: </a:t>
-                  </a:r>
-                  <a:r>
-                    <a:rPr lang="en-US" sz="1200" dirty="0" err="1">
-                      <a:latin typeface="Times New Roman" pitchFamily="18" charset="0"/>
-                      <a:cs typeface="Times New Roman" pitchFamily="18" charset="0"/>
-                    </a:rPr>
-                    <a:t>LinkFace</a:t>
-                  </a:r>
-                  <a:r>
-                    <a:rPr lang="en-US" sz="1200" dirty="0">
-                      <a:latin typeface="Times New Roman" pitchFamily="18" charset="0"/>
-                      <a:cs typeface="Times New Roman" pitchFamily="18" charset="0"/>
-                    </a:rPr>
-                    <a:t> </a:t>
-                  </a:r>
-                  <a:endParaRPr lang="en-US" sz="1200" dirty="0" smtClean="0">
-                    <a:latin typeface="Times New Roman" pitchFamily="18" charset="0"/>
-                    <a:cs typeface="Times New Roman" pitchFamily="18" charset="0"/>
-                  </a:endParaRPr>
-                </a:p>
-                <a:p>
-                  <a:pPr marL="171450" indent="-171450">
-                    <a:buFontTx/>
-                    <a:buChar char="-"/>
-                  </a:pPr>
-                  <a:r>
-                    <a:rPr lang="en-US" sz="1200" dirty="0">
-                      <a:latin typeface="Times New Roman" pitchFamily="18" charset="0"/>
-                      <a:cs typeface="Times New Roman" pitchFamily="18" charset="0"/>
-                    </a:rPr>
-                    <a:t>p</a:t>
-                  </a:r>
-                  <a:r>
-                    <a:rPr lang="en-US" sz="1200" dirty="0" smtClean="0">
-                      <a:latin typeface="Times New Roman" pitchFamily="18" charset="0"/>
-                      <a:cs typeface="Times New Roman" pitchFamily="18" charset="0"/>
-                    </a:rPr>
-                    <a:t>rimes: </a:t>
-                  </a:r>
-                  <a:r>
-                    <a:rPr lang="en-US" sz="1200" dirty="0" err="1" smtClean="0">
-                      <a:latin typeface="Times New Roman" pitchFamily="18" charset="0"/>
-                      <a:cs typeface="Times New Roman" pitchFamily="18" charset="0"/>
-                    </a:rPr>
-                    <a:t>boolean</a:t>
-                  </a:r>
-                  <a:r>
-                    <a:rPr lang="en-US" sz="1200" dirty="0">
-                      <a:latin typeface="Times New Roman" pitchFamily="18" charset="0"/>
-                      <a:cs typeface="Times New Roman" pitchFamily="18" charset="0"/>
-                    </a:rPr>
-                    <a:t> </a:t>
-                  </a:r>
-                  <a:r>
-                    <a:rPr lang="en-US" sz="1200" dirty="0" smtClean="0">
-                      <a:latin typeface="Times New Roman" pitchFamily="18" charset="0"/>
-                      <a:cs typeface="Times New Roman" pitchFamily="18" charset="0"/>
-                    </a:rPr>
-                    <a:t>[]</a:t>
-                  </a:r>
-                  <a:endParaRPr lang="en-US" sz="1200" dirty="0">
-                    <a:latin typeface="Times New Roman" pitchFamily="18" charset="0"/>
-                    <a:cs typeface="Times New Roman" pitchFamily="18" charset="0"/>
-                  </a:endParaRPr>
                 </a:p>
               </p:txBody>
             </p:sp>
           </p:grpSp>
+          <p:sp>
+            <p:nvSpPr>
+              <p:cNvPr id="145" name="TextBox 144"/>
+              <p:cNvSpPr txBox="1"/>
+              <p:nvPr/>
+            </p:nvSpPr>
+            <p:spPr>
+              <a:xfrm>
+                <a:off x="3048000" y="5318717"/>
+                <a:ext cx="1905000" cy="276999"/>
+              </a:xfrm>
+              <a:prstGeom prst="rect">
+                <a:avLst/>
+              </a:prstGeom>
+              <a:noFill/>
+            </p:spPr>
+            <p:txBody>
+              <a:bodyPr wrap="square" rtlCol="0">
+                <a:spAutoFit/>
+              </a:bodyPr>
+              <a:lstStyle/>
+              <a:p>
+                <a:pPr marL="171450" indent="-171450">
+                  <a:buFontTx/>
+                  <a:buChar char="-"/>
+                </a:pPr>
+                <a:r>
+                  <a:rPr lang="en-US" sz="1200" dirty="0" err="1" smtClean="0">
+                    <a:latin typeface="Times New Roman" pitchFamily="18" charset="0"/>
+                    <a:cs typeface="Times New Roman" pitchFamily="18" charset="0"/>
+                  </a:rPr>
+                  <a:t>srv</a:t>
+                </a:r>
+                <a:r>
+                  <a:rPr lang="en-US" sz="1200" dirty="0" smtClean="0">
+                    <a:latin typeface="Times New Roman" pitchFamily="18" charset="0"/>
+                    <a:cs typeface="Times New Roman" pitchFamily="18" charset="0"/>
+                  </a:rPr>
+                  <a:t>: </a:t>
+                </a:r>
+                <a:r>
+                  <a:rPr lang="en-US" sz="1200" dirty="0" err="1" smtClean="0">
+                    <a:latin typeface="Times New Roman" pitchFamily="18" charset="0"/>
+                    <a:cs typeface="Times New Roman" pitchFamily="18" charset="0"/>
+                  </a:rPr>
+                  <a:t>ServerFace</a:t>
+                </a:r>
+                <a:endParaRPr lang="en-US" sz="1200" dirty="0">
+                  <a:latin typeface="Times New Roman" pitchFamily="18" charset="0"/>
+                  <a:cs typeface="Times New Roman" pitchFamily="18" charset="0"/>
+                </a:endParaRPr>
+              </a:p>
+            </p:txBody>
+          </p:sp>
           <p:grpSp>
             <p:nvGrpSpPr>
-              <p:cNvPr id="82" name="Group 81"/>
+              <p:cNvPr id="79" name="Group 78"/>
               <p:cNvGrpSpPr/>
               <p:nvPr/>
             </p:nvGrpSpPr>
             <p:grpSpPr>
               <a:xfrm>
-                <a:off x="5438775" y="4788702"/>
-                <a:ext cx="1924050" cy="1797614"/>
-                <a:chOff x="5486400" y="4495800"/>
-                <a:chExt cx="1924050" cy="1797614"/>
+                <a:off x="5390229" y="4891830"/>
+                <a:ext cx="1927816" cy="1058951"/>
+                <a:chOff x="5435009" y="4788702"/>
+                <a:chExt cx="1927816" cy="1058951"/>
               </a:xfrm>
             </p:grpSpPr>
             <p:grpSp>
@@ -8565,10 +8096,10 @@
               </p:nvGrpSpPr>
               <p:grpSpPr>
                 <a:xfrm>
-                  <a:off x="5505450" y="4495800"/>
-                  <a:ext cx="1905000" cy="1797614"/>
-                  <a:chOff x="533400" y="413425"/>
-                  <a:chExt cx="1905000" cy="2362402"/>
+                  <a:off x="5435009" y="4788702"/>
+                  <a:ext cx="1927816" cy="1058951"/>
+                  <a:chOff x="510584" y="413425"/>
+                  <a:chExt cx="1927816" cy="1391659"/>
                 </a:xfrm>
               </p:grpSpPr>
               <p:sp>
@@ -8579,8 +8110,8 @@
                 </p:nvSpPr>
                 <p:spPr>
                   <a:xfrm>
-                    <a:off x="533400" y="413425"/>
-                    <a:ext cx="1905000" cy="2319106"/>
+                    <a:off x="533400" y="413426"/>
+                    <a:ext cx="1905000" cy="1391658"/>
                   </a:xfrm>
                   <a:prstGeom prst="rect">
                     <a:avLst/>
@@ -8728,7 +8259,7 @@
                 </p:nvCxnSpPr>
                 <p:spPr>
                   <a:xfrm>
-                    <a:off x="533400" y="1686617"/>
+                    <a:off x="533400" y="1385256"/>
                     <a:ext cx="1905000" cy="0"/>
                   </a:xfrm>
                   <a:prstGeom prst="line">
@@ -8763,8 +8294,8 @@
                 </p:nvSpPr>
                 <p:spPr>
                   <a:xfrm>
-                    <a:off x="533400" y="1652745"/>
-                    <a:ext cx="1905000" cy="1123082"/>
+                    <a:off x="510584" y="1385255"/>
+                    <a:ext cx="1905000" cy="364028"/>
                   </a:xfrm>
                   <a:prstGeom prst="rect">
                     <a:avLst/>
@@ -8776,80 +8307,6 @@
                     <a:spAutoFit/>
                   </a:bodyPr>
                   <a:lstStyle/>
-                  <a:p>
-                    <a:r>
-                      <a:rPr lang="en-US" sz="1200" dirty="0" smtClean="0">
-                        <a:latin typeface="Times New Roman" pitchFamily="18" charset="0"/>
-                        <a:cs typeface="Times New Roman" pitchFamily="18" charset="0"/>
-                      </a:rPr>
-                      <a:t>+ </a:t>
-                    </a:r>
-                    <a:r>
-                      <a:rPr lang="en-US" sz="1200" dirty="0" err="1" smtClean="0">
-                        <a:latin typeface="Times New Roman" pitchFamily="18" charset="0"/>
-                        <a:cs typeface="Times New Roman" pitchFamily="18" charset="0"/>
-                      </a:rPr>
-                      <a:t>OddLink</a:t>
-                    </a:r>
-                    <a:r>
-                      <a:rPr lang="en-US" sz="1200" dirty="0" smtClean="0">
-                        <a:latin typeface="Times New Roman" pitchFamily="18" charset="0"/>
-                        <a:cs typeface="Times New Roman" pitchFamily="18" charset="0"/>
-                      </a:rPr>
-                      <a:t>(</a:t>
-                    </a:r>
-                    <a:r>
-                      <a:rPr lang="en-US" sz="1200" dirty="0" err="1" smtClean="0">
-                        <a:latin typeface="Times New Roman" pitchFamily="18" charset="0"/>
-                        <a:cs typeface="Times New Roman" pitchFamily="18" charset="0"/>
-                      </a:rPr>
-                      <a:t>ServerFace</a:t>
-                    </a:r>
-                    <a:r>
-                      <a:rPr lang="en-US" sz="1200" dirty="0" smtClean="0">
-                        <a:latin typeface="Times New Roman" pitchFamily="18" charset="0"/>
-                        <a:cs typeface="Times New Roman" pitchFamily="18" charset="0"/>
-                      </a:rPr>
-                      <a:t>)</a:t>
-                    </a:r>
-                  </a:p>
-                  <a:p>
-                    <a:r>
-                      <a:rPr lang="en-US" sz="1200" dirty="0" smtClean="0">
-                        <a:latin typeface="Times New Roman" pitchFamily="18" charset="0"/>
-                        <a:cs typeface="Times New Roman" pitchFamily="18" charset="0"/>
-                      </a:rPr>
-                      <a:t>+ </a:t>
-                    </a:r>
-                    <a:r>
-                      <a:rPr lang="en-US" sz="1200" dirty="0" err="1" smtClean="0">
-                        <a:latin typeface="Times New Roman" pitchFamily="18" charset="0"/>
-                        <a:cs typeface="Times New Roman" pitchFamily="18" charset="0"/>
-                      </a:rPr>
-                      <a:t>addLast</a:t>
-                    </a:r>
-                    <a:r>
-                      <a:rPr lang="en-US" sz="1200" dirty="0" smtClean="0">
-                        <a:latin typeface="Times New Roman" pitchFamily="18" charset="0"/>
-                        <a:cs typeface="Times New Roman" pitchFamily="18" charset="0"/>
-                      </a:rPr>
-                      <a:t>(</a:t>
-                    </a:r>
-                    <a:r>
-                      <a:rPr lang="en-US" sz="1200" dirty="0" err="1" smtClean="0">
-                        <a:latin typeface="Times New Roman" pitchFamily="18" charset="0"/>
-                        <a:cs typeface="Times New Roman" pitchFamily="18" charset="0"/>
-                      </a:rPr>
-                      <a:t>LinkFace</a:t>
-                    </a:r>
-                    <a:r>
-                      <a:rPr lang="en-US" sz="1200" dirty="0" smtClean="0">
-                        <a:latin typeface="Times New Roman" pitchFamily="18" charset="0"/>
-                        <a:cs typeface="Times New Roman" pitchFamily="18" charset="0"/>
-                      </a:rPr>
-                      <a:t>)</a:t>
-                    </a:r>
-                  </a:p>
                   <a:p>
                     <a:r>
                       <a:rPr lang="en-US" sz="1200" dirty="0" smtClean="0">
@@ -8873,15 +8330,6 @@
                       <a:t>)</a:t>
                     </a:r>
                   </a:p>
-                  <a:p>
-                    <a:r>
-                      <a:rPr lang="en-US" sz="1200" dirty="0" smtClean="0">
-                        <a:latin typeface="Times New Roman" pitchFamily="18" charset="0"/>
-                        <a:cs typeface="Times New Roman" pitchFamily="18" charset="0"/>
-                      </a:rPr>
-                      <a:t>+ dispose()</a:t>
-                    </a:r>
-                  </a:p>
                 </p:txBody>
               </p:sp>
             </p:grpSp>
@@ -8893,8 +8341,8 @@
               </p:nvSpPr>
               <p:spPr>
                 <a:xfrm>
-                  <a:off x="5486400" y="4953000"/>
-                  <a:ext cx="1905000" cy="461665"/>
+                  <a:off x="5438775" y="5245902"/>
+                  <a:ext cx="1905000" cy="276999"/>
                 </a:xfrm>
                 <a:prstGeom prst="rect">
                   <a:avLst/>
@@ -8932,53 +8380,26 @@
                     </a:rPr>
                     <a:t>ServerFace</a:t>
                   </a:r>
-                  <a:endParaRPr lang="en-US" sz="1200" dirty="0" smtClean="0">
+                  <a:endParaRPr lang="en-US" sz="1200" dirty="0">
                     <a:latin typeface="Times New Roman" pitchFamily="18" charset="0"/>
                     <a:cs typeface="Times New Roman" pitchFamily="18" charset="0"/>
                   </a:endParaRPr>
-                </a:p>
-                <a:p>
-                  <a:pPr marL="171450" indent="-171450">
-                    <a:buFontTx/>
-                    <a:buChar char="-"/>
-                  </a:pPr>
-                  <a:r>
-                    <a:rPr lang="en-US" sz="1200" dirty="0">
-                      <a:latin typeface="Times New Roman" pitchFamily="18" charset="0"/>
-                      <a:cs typeface="Times New Roman" pitchFamily="18" charset="0"/>
-                    </a:rPr>
-                    <a:t>next: </a:t>
-                  </a:r>
-                  <a:r>
-                    <a:rPr lang="en-US" sz="1200" dirty="0" err="1">
-                      <a:latin typeface="Times New Roman" pitchFamily="18" charset="0"/>
-                      <a:cs typeface="Times New Roman" pitchFamily="18" charset="0"/>
-                    </a:rPr>
-                    <a:t>LinkFace</a:t>
-                  </a:r>
-                  <a:r>
-                    <a:rPr lang="en-US" sz="1200" dirty="0">
-                      <a:latin typeface="Times New Roman" pitchFamily="18" charset="0"/>
-                      <a:cs typeface="Times New Roman" pitchFamily="18" charset="0"/>
-                    </a:rPr>
-                    <a:t> </a:t>
-                  </a:r>
                 </a:p>
               </p:txBody>
             </p:sp>
           </p:grpSp>
           <p:grpSp>
             <p:nvGrpSpPr>
-              <p:cNvPr id="83" name="Group 82"/>
+              <p:cNvPr id="86" name="Group 85"/>
               <p:cNvGrpSpPr/>
               <p:nvPr/>
             </p:nvGrpSpPr>
             <p:grpSpPr>
               <a:xfrm>
-                <a:off x="7848600" y="4788702"/>
-                <a:ext cx="1905000" cy="1797614"/>
-                <a:chOff x="7848600" y="4495800"/>
-                <a:chExt cx="1905000" cy="1797614"/>
+                <a:off x="7763097" y="4876176"/>
+                <a:ext cx="1912974" cy="1067422"/>
+                <a:chOff x="7848600" y="4788702"/>
+                <a:chExt cx="1912974" cy="1067422"/>
               </a:xfrm>
             </p:grpSpPr>
             <p:grpSp>
@@ -8989,10 +8410,10 @@
               </p:nvGrpSpPr>
               <p:grpSpPr>
                 <a:xfrm>
-                  <a:off x="7848600" y="4495800"/>
-                  <a:ext cx="1905000" cy="1797614"/>
+                  <a:off x="7848600" y="4788702"/>
+                  <a:ext cx="1912974" cy="1067422"/>
                   <a:chOff x="533400" y="413425"/>
-                  <a:chExt cx="1905000" cy="2362402"/>
+                  <a:chExt cx="1912974" cy="1402794"/>
                 </a:xfrm>
               </p:grpSpPr>
               <p:sp>
@@ -9004,7 +8425,7 @@
                 <p:spPr>
                   <a:xfrm>
                     <a:off x="533400" y="413425"/>
-                    <a:ext cx="1905000" cy="2319106"/>
+                    <a:ext cx="1905000" cy="1402794"/>
                   </a:xfrm>
                   <a:prstGeom prst="rect">
                     <a:avLst/>
@@ -9152,7 +8573,7 @@
                 </p:nvCxnSpPr>
                 <p:spPr>
                   <a:xfrm>
-                    <a:off x="533400" y="1686617"/>
+                    <a:off x="541374" y="1378300"/>
                     <a:ext cx="1905000" cy="0"/>
                   </a:xfrm>
                   <a:prstGeom prst="line">
@@ -9187,8 +8608,8 @@
                 </p:nvSpPr>
                 <p:spPr>
                   <a:xfrm>
-                    <a:off x="533400" y="1652745"/>
-                    <a:ext cx="1905000" cy="1123082"/>
+                    <a:off x="541374" y="1371411"/>
+                    <a:ext cx="1905000" cy="364029"/>
                   </a:xfrm>
                   <a:prstGeom prst="rect">
                     <a:avLst/>
@@ -9200,80 +8621,6 @@
                     <a:spAutoFit/>
                   </a:bodyPr>
                   <a:lstStyle/>
-                  <a:p>
-                    <a:r>
-                      <a:rPr lang="en-US" sz="1200" dirty="0" smtClean="0">
-                        <a:latin typeface="Times New Roman" pitchFamily="18" charset="0"/>
-                        <a:cs typeface="Times New Roman" pitchFamily="18" charset="0"/>
-                      </a:rPr>
-                      <a:t>+ </a:t>
-                    </a:r>
-                    <a:r>
-                      <a:rPr lang="en-US" sz="1200" dirty="0" err="1" smtClean="0">
-                        <a:latin typeface="Times New Roman" pitchFamily="18" charset="0"/>
-                        <a:cs typeface="Times New Roman" pitchFamily="18" charset="0"/>
-                      </a:rPr>
-                      <a:t>EvenLink</a:t>
-                    </a:r>
-                    <a:r>
-                      <a:rPr lang="en-US" sz="1200" dirty="0" smtClean="0">
-                        <a:latin typeface="Times New Roman" pitchFamily="18" charset="0"/>
-                        <a:cs typeface="Times New Roman" pitchFamily="18" charset="0"/>
-                      </a:rPr>
-                      <a:t>(</a:t>
-                    </a:r>
-                    <a:r>
-                      <a:rPr lang="en-US" sz="1200" dirty="0" err="1" smtClean="0">
-                        <a:latin typeface="Times New Roman" pitchFamily="18" charset="0"/>
-                        <a:cs typeface="Times New Roman" pitchFamily="18" charset="0"/>
-                      </a:rPr>
-                      <a:t>ServerFace</a:t>
-                    </a:r>
-                    <a:r>
-                      <a:rPr lang="en-US" sz="1200" dirty="0" smtClean="0">
-                        <a:latin typeface="Times New Roman" pitchFamily="18" charset="0"/>
-                        <a:cs typeface="Times New Roman" pitchFamily="18" charset="0"/>
-                      </a:rPr>
-                      <a:t>)</a:t>
-                    </a:r>
-                  </a:p>
-                  <a:p>
-                    <a:r>
-                      <a:rPr lang="en-US" sz="1200" dirty="0" smtClean="0">
-                        <a:latin typeface="Times New Roman" pitchFamily="18" charset="0"/>
-                        <a:cs typeface="Times New Roman" pitchFamily="18" charset="0"/>
-                      </a:rPr>
-                      <a:t>+ </a:t>
-                    </a:r>
-                    <a:r>
-                      <a:rPr lang="en-US" sz="1200" dirty="0" err="1" smtClean="0">
-                        <a:latin typeface="Times New Roman" pitchFamily="18" charset="0"/>
-                        <a:cs typeface="Times New Roman" pitchFamily="18" charset="0"/>
-                      </a:rPr>
-                      <a:t>addLast</a:t>
-                    </a:r>
-                    <a:r>
-                      <a:rPr lang="en-US" sz="1200" dirty="0" smtClean="0">
-                        <a:latin typeface="Times New Roman" pitchFamily="18" charset="0"/>
-                        <a:cs typeface="Times New Roman" pitchFamily="18" charset="0"/>
-                      </a:rPr>
-                      <a:t>(</a:t>
-                    </a:r>
-                    <a:r>
-                      <a:rPr lang="en-US" sz="1200" dirty="0" err="1" smtClean="0">
-                        <a:latin typeface="Times New Roman" pitchFamily="18" charset="0"/>
-                        <a:cs typeface="Times New Roman" pitchFamily="18" charset="0"/>
-                      </a:rPr>
-                      <a:t>LinkFace</a:t>
-                    </a:r>
-                    <a:r>
-                      <a:rPr lang="en-US" sz="1200" dirty="0" smtClean="0">
-                        <a:latin typeface="Times New Roman" pitchFamily="18" charset="0"/>
-                        <a:cs typeface="Times New Roman" pitchFamily="18" charset="0"/>
-                      </a:rPr>
-                      <a:t>)</a:t>
-                    </a:r>
-                  </a:p>
                   <a:p>
                     <a:r>
                       <a:rPr lang="en-US" sz="1200" dirty="0" smtClean="0">
@@ -9297,15 +8644,6 @@
                       <a:t>)</a:t>
                     </a:r>
                   </a:p>
-                  <a:p>
-                    <a:r>
-                      <a:rPr lang="en-US" sz="1200" dirty="0" smtClean="0">
-                        <a:latin typeface="Times New Roman" pitchFamily="18" charset="0"/>
-                        <a:cs typeface="Times New Roman" pitchFamily="18" charset="0"/>
-                      </a:rPr>
-                      <a:t>+ dispose()</a:t>
-                    </a:r>
-                  </a:p>
                 </p:txBody>
               </p:sp>
             </p:grpSp>
@@ -9317,8 +8655,8 @@
               </p:nvSpPr>
               <p:spPr>
                 <a:xfrm>
-                  <a:off x="7848600" y="4953000"/>
-                  <a:ext cx="1905000" cy="461665"/>
+                  <a:off x="7848600" y="5245902"/>
+                  <a:ext cx="1905000" cy="276999"/>
                 </a:xfrm>
                 <a:prstGeom prst="rect">
                   <a:avLst/>
@@ -9356,126 +8694,108 @@
                     </a:rPr>
                     <a:t>ServerFace</a:t>
                   </a:r>
-                  <a:endParaRPr lang="en-US" sz="1200" dirty="0" smtClean="0">
+                  <a:endParaRPr lang="en-US" sz="1200" dirty="0">
                     <a:latin typeface="Times New Roman" pitchFamily="18" charset="0"/>
                     <a:cs typeface="Times New Roman" pitchFamily="18" charset="0"/>
                   </a:endParaRPr>
-                </a:p>
-                <a:p>
-                  <a:pPr marL="171450" indent="-171450">
-                    <a:buFontTx/>
-                    <a:buChar char="-"/>
-                  </a:pPr>
-                  <a:r>
-                    <a:rPr lang="en-US" sz="1200" dirty="0">
-                      <a:latin typeface="Times New Roman" pitchFamily="18" charset="0"/>
-                      <a:cs typeface="Times New Roman" pitchFamily="18" charset="0"/>
-                    </a:rPr>
-                    <a:t>next: </a:t>
-                  </a:r>
-                  <a:r>
-                    <a:rPr lang="en-US" sz="1200" dirty="0" err="1">
-                      <a:latin typeface="Times New Roman" pitchFamily="18" charset="0"/>
-                      <a:cs typeface="Times New Roman" pitchFamily="18" charset="0"/>
-                    </a:rPr>
-                    <a:t>LinkFace</a:t>
-                  </a:r>
-                  <a:r>
-                    <a:rPr lang="en-US" sz="1200" dirty="0">
-                      <a:latin typeface="Times New Roman" pitchFamily="18" charset="0"/>
-                      <a:cs typeface="Times New Roman" pitchFamily="18" charset="0"/>
-                    </a:rPr>
-                    <a:t> </a:t>
-                  </a:r>
                 </a:p>
               </p:txBody>
             </p:sp>
           </p:grpSp>
-          <p:cxnSp>
-            <p:nvCxnSpPr>
-              <p:cNvPr id="177" name="Elbow Connector 176"/>
-              <p:cNvCxnSpPr>
-                <a:endCxn id="139" idx="0"/>
-              </p:cNvCxnSpPr>
-              <p:nvPr/>
-            </p:nvCxnSpPr>
-            <p:spPr>
-              <a:xfrm flipV="1">
-                <a:off x="4343400" y="4788702"/>
-                <a:ext cx="2066925" cy="480996"/>
-              </a:xfrm>
-              <a:prstGeom prst="bentConnector4">
-                <a:avLst>
-                  <a:gd name="adj1" fmla="val 41789"/>
-                  <a:gd name="adj2" fmla="val 147526"/>
-                </a:avLst>
-              </a:prstGeom>
-              <a:ln w="25400">
-                <a:solidFill>
-                  <a:srgbClr val="0000CC"/>
-                </a:solidFill>
-                <a:headEnd type="diamond" w="lg" len="lg"/>
-                <a:tailEnd type="arrow"/>
-              </a:ln>
-            </p:spPr>
-            <p:style>
-              <a:lnRef idx="1">
-                <a:schemeClr val="accent1"/>
-              </a:lnRef>
-              <a:fillRef idx="0">
-                <a:schemeClr val="accent1"/>
-              </a:fillRef>
-              <a:effectRef idx="0">
-                <a:schemeClr val="accent1"/>
-              </a:effectRef>
-              <a:fontRef idx="minor">
-                <a:schemeClr val="tx1"/>
-              </a:fontRef>
-            </p:style>
-          </p:cxnSp>
-          <p:cxnSp>
-            <p:nvCxnSpPr>
-              <p:cNvPr id="178" name="Elbow Connector 177"/>
-              <p:cNvCxnSpPr>
-                <a:endCxn id="151" idx="0"/>
-              </p:cNvCxnSpPr>
-              <p:nvPr/>
-            </p:nvCxnSpPr>
-            <p:spPr>
-              <a:xfrm flipV="1">
-                <a:off x="6781800" y="4788702"/>
-                <a:ext cx="2019300" cy="785796"/>
-              </a:xfrm>
-              <a:prstGeom prst="bentConnector4">
-                <a:avLst>
-                  <a:gd name="adj1" fmla="val 42473"/>
-                  <a:gd name="adj2" fmla="val 129092"/>
-                </a:avLst>
-              </a:prstGeom>
-              <a:ln w="25400">
-                <a:solidFill>
-                  <a:srgbClr val="0000CC"/>
-                </a:solidFill>
-                <a:headEnd type="diamond" w="lg" len="lg"/>
-                <a:tailEnd type="arrow"/>
-              </a:ln>
-            </p:spPr>
-            <p:style>
-              <a:lnRef idx="1">
-                <a:schemeClr val="accent1"/>
-              </a:lnRef>
-              <a:fillRef idx="0">
-                <a:schemeClr val="accent1"/>
-              </a:fillRef>
-              <a:effectRef idx="0">
-                <a:schemeClr val="accent1"/>
-              </a:effectRef>
-              <a:fontRef idx="minor">
-                <a:schemeClr val="tx1"/>
-              </a:fontRef>
-            </p:style>
-          </p:cxnSp>
         </p:grpSp>
+        <p:cxnSp>
+          <p:nvCxnSpPr>
+            <p:cNvPr id="123" name="Elbow Connector 122"/>
+            <p:cNvCxnSpPr>
+              <a:stCxn id="6" idx="1"/>
+              <a:endCxn id="100" idx="2"/>
+            </p:cNvCxnSpPr>
+            <p:nvPr/>
+          </p:nvCxnSpPr>
+          <p:spPr>
+            <a:xfrm rot="10800000" flipH="1" flipV="1">
+              <a:off x="5413044" y="8167300"/>
+              <a:ext cx="949655" cy="976699"/>
+            </a:xfrm>
+            <a:prstGeom prst="bentConnector4">
+              <a:avLst>
+                <a:gd name="adj1" fmla="val -24371"/>
+                <a:gd name="adj2" fmla="val 123405"/>
+              </a:avLst>
+            </a:prstGeom>
+            <a:ln w="25400">
+              <a:solidFill>
+                <a:srgbClr val="0000CC"/>
+              </a:solidFill>
+              <a:headEnd type="diamond" w="lg" len="lg"/>
+              <a:tailEnd type="arrow"/>
+            </a:ln>
+          </p:spPr>
+          <p:style>
+            <a:lnRef idx="1">
+              <a:schemeClr val="accent1"/>
+            </a:lnRef>
+            <a:fillRef idx="0">
+              <a:schemeClr val="accent1"/>
+            </a:fillRef>
+            <a:effectRef idx="0">
+              <a:schemeClr val="accent1"/>
+            </a:effectRef>
+            <a:fontRef idx="minor">
+              <a:schemeClr val="tx1"/>
+            </a:fontRef>
+          </p:style>
+        </p:cxnSp>
+        <p:sp>
+          <p:nvSpPr>
+            <p:cNvPr id="6" name="TextBox 5"/>
+            <p:cNvSpPr txBox="1"/>
+            <p:nvPr/>
+          </p:nvSpPr>
+          <p:spPr>
+            <a:xfrm>
+              <a:off x="5413045" y="8028801"/>
+              <a:ext cx="1885950" cy="276999"/>
+            </a:xfrm>
+            <a:prstGeom prst="rect">
+              <a:avLst/>
+            </a:prstGeom>
+            <a:noFill/>
+          </p:spPr>
+          <p:txBody>
+            <a:bodyPr wrap="square" rtlCol="0">
+              <a:spAutoFit/>
+            </a:bodyPr>
+            <a:lstStyle/>
+            <a:p>
+              <a:r>
+                <a:rPr lang="en-US" sz="1200" dirty="0" smtClean="0">
+                  <a:latin typeface="Times New Roman" pitchFamily="18" charset="0"/>
+                  <a:cs typeface="Times New Roman" pitchFamily="18" charset="0"/>
+                </a:rPr>
+                <a:t>-   next: </a:t>
+              </a:r>
+              <a:r>
+                <a:rPr lang="en-US" sz="1200" dirty="0" err="1" smtClean="0">
+                  <a:latin typeface="Times New Roman" pitchFamily="18" charset="0"/>
+                  <a:cs typeface="Times New Roman" pitchFamily="18" charset="0"/>
+                </a:rPr>
+                <a:t>LinkFace</a:t>
+              </a:r>
+              <a:r>
+                <a:rPr lang="en-US" sz="1200" dirty="0" smtClean="0">
+                  <a:latin typeface="Times New Roman" pitchFamily="18" charset="0"/>
+                  <a:cs typeface="Times New Roman" pitchFamily="18" charset="0"/>
+                </a:rPr>
+                <a:t> </a:t>
+              </a:r>
+              <a:endParaRPr lang="en-US" sz="1200" dirty="0">
+                <a:latin typeface="Times New Roman" pitchFamily="18" charset="0"/>
+                <a:cs typeface="Times New Roman" pitchFamily="18" charset="0"/>
+              </a:endParaRPr>
+            </a:p>
+          </p:txBody>
+        </p:sp>
       </p:grpSp>
     </p:spTree>
     <p:extLst>
